--- a/docs/Prometheus.pptx
+++ b/docs/Prometheus.pptx
@@ -8,8 +8,8 @@
     <p:notesMasterId r:id="rId26"/>
   </p:notesMasterIdLst>
   <p:sldIdLst>
-    <p:sldId id="258" r:id="rId2"/>
-    <p:sldId id="336" r:id="rId3"/>
+    <p:sldId id="256" r:id="rId2"/>
+    <p:sldId id="258" r:id="rId3"/>
     <p:sldId id="338" r:id="rId4"/>
     <p:sldId id="309" r:id="rId5"/>
     <p:sldId id="337" r:id="rId6"/>
@@ -56,7 +56,7 @@
       <p:boldItalic r:id="rId36"/>
     </p:embeddedFont>
     <p:embeddedFont>
-      <p:font typeface="Roboto" panose="02000000000000000000" pitchFamily="2" charset="0"/>
+      <p:font typeface="Roboto" panose="020B0604020202020204" charset="0"/>
       <p:regular r:id="rId37"/>
       <p:bold r:id="rId38"/>
       <p:italic r:id="rId39"/>
@@ -164,6 +164,74 @@
     </p:ext>
   </p:extLst>
 </p:presentation>
+</file>
+
+<file path=ppt/changesInfos/changesInfo1.xml><?xml version="1.0" encoding="utf-8"?>
+<pc:chgInfo xmlns:a="http://schemas.openxmlformats.org/drawingml/2006/main" xmlns:r="http://schemas.openxmlformats.org/officeDocument/2006/relationships" xmlns:ac="http://schemas.microsoft.com/office/drawing/2013/main/command" xmlns:pc="http://schemas.microsoft.com/office/powerpoint/2013/main/command">
+  <pc:docChgLst>
+    <pc:chgData name="Fabricio Veronez" userId="8d2c06362c18afc1" providerId="LiveId" clId="{5DCE5BB5-C647-45DC-857A-94D4AFE0E7F4}"/>
+    <pc:docChg chg="custSel addSld delSld modSld sldOrd">
+      <pc:chgData name="Fabricio Veronez" userId="8d2c06362c18afc1" providerId="LiveId" clId="{5DCE5BB5-C647-45DC-857A-94D4AFE0E7F4}" dt="2019-11-22T20:23:27.139" v="5" actId="27636"/>
+      <pc:docMkLst>
+        <pc:docMk/>
+      </pc:docMkLst>
+      <pc:sldChg chg="delSp modSp add ord setBg delDesignElem">
+        <pc:chgData name="Fabricio Veronez" userId="8d2c06362c18afc1" providerId="LiveId" clId="{5DCE5BB5-C647-45DC-857A-94D4AFE0E7F4}" dt="2019-11-22T20:23:27.139" v="5" actId="27636"/>
+        <pc:sldMkLst>
+          <pc:docMk/>
+          <pc:sldMk cId="0" sldId="256"/>
+        </pc:sldMkLst>
+        <pc:spChg chg="del">
+          <ac:chgData name="Fabricio Veronez" userId="8d2c06362c18afc1" providerId="LiveId" clId="{5DCE5BB5-C647-45DC-857A-94D4AFE0E7F4}" dt="2019-11-22T19:25:31.833" v="2"/>
+          <ac:spMkLst>
+            <pc:docMk/>
+            <pc:sldMk cId="0" sldId="256"/>
+            <ac:spMk id="86" creationId="{C4AAA502-5435-489E-9538-3A40E6C71461}"/>
+          </ac:spMkLst>
+        </pc:spChg>
+        <pc:spChg chg="del">
+          <ac:chgData name="Fabricio Veronez" userId="8d2c06362c18afc1" providerId="LiveId" clId="{5DCE5BB5-C647-45DC-857A-94D4AFE0E7F4}" dt="2019-11-22T19:25:31.833" v="2"/>
+          <ac:spMkLst>
+            <pc:docMk/>
+            <pc:sldMk cId="0" sldId="256"/>
+            <ac:spMk id="90" creationId="{DE42378B-2E28-4810-8421-7A473A40E376}"/>
+          </ac:spMkLst>
+        </pc:spChg>
+        <pc:spChg chg="del">
+          <ac:chgData name="Fabricio Veronez" userId="8d2c06362c18afc1" providerId="LiveId" clId="{5DCE5BB5-C647-45DC-857A-94D4AFE0E7F4}" dt="2019-11-22T19:25:31.833" v="2"/>
+          <ac:spMkLst>
+            <pc:docMk/>
+            <pc:sldMk cId="0" sldId="256"/>
+            <ac:spMk id="92" creationId="{0D91DD17-237F-4811-BC0E-128EB1BD7CFE}"/>
+          </ac:spMkLst>
+        </pc:spChg>
+        <pc:spChg chg="mod">
+          <ac:chgData name="Fabricio Veronez" userId="8d2c06362c18afc1" providerId="LiveId" clId="{5DCE5BB5-C647-45DC-857A-94D4AFE0E7F4}" dt="2019-11-22T20:23:27.139" v="5" actId="27636"/>
+          <ac:spMkLst>
+            <pc:docMk/>
+            <pc:sldMk cId="0" sldId="256"/>
+            <ac:spMk id="337" creationId="{00000000-0000-0000-0000-000000000000}"/>
+          </ac:spMkLst>
+        </pc:spChg>
+        <pc:cxnChg chg="del">
+          <ac:chgData name="Fabricio Veronez" userId="8d2c06362c18afc1" providerId="LiveId" clId="{5DCE5BB5-C647-45DC-857A-94D4AFE0E7F4}" dt="2019-11-22T19:25:31.833" v="2"/>
+          <ac:cxnSpMkLst>
+            <pc:docMk/>
+            <pc:sldMk cId="0" sldId="256"/>
+            <ac:cxnSpMk id="88" creationId="{C9AC0290-4702-4519-B0F4-C2A46880997B}"/>
+          </ac:cxnSpMkLst>
+        </pc:cxnChg>
+      </pc:sldChg>
+      <pc:sldChg chg="del">
+        <pc:chgData name="Fabricio Veronez" userId="8d2c06362c18afc1" providerId="LiveId" clId="{5DCE5BB5-C647-45DC-857A-94D4AFE0E7F4}" dt="2019-11-22T16:52:33.763" v="0" actId="47"/>
+        <pc:sldMkLst>
+          <pc:docMk/>
+          <pc:sldMk cId="3465312930" sldId="336"/>
+        </pc:sldMkLst>
+      </pc:sldChg>
+    </pc:docChg>
+  </pc:docChgLst>
+</pc:chgInfo>
 </file>
 
 <file path=ppt/notesMasters/notesMaster1.xml><?xml version="1.0" encoding="utf-8"?>
@@ -610,7 +678,7 @@
   <p:cSld>
     <p:spTree>
       <p:nvGrpSpPr>
-        <p:cNvPr id="1" name="Shape 347"/>
+        <p:cNvPr id="1" name="Shape 333"/>
         <p:cNvGrpSpPr/>
         <p:nvPr/>
       </p:nvGrpSpPr>
@@ -624,7 +692,7 @@
       </p:grpSpPr>
       <p:sp>
         <p:nvSpPr>
-          <p:cNvPr id="348" name="Google Shape;348;g35f391192_04:notes"/>
+          <p:cNvPr id="334" name="Google Shape;334;g35f391192_00:notes"/>
           <p:cNvSpPr>
             <a:spLocks noGrp="1" noRot="1" noChangeAspect="1"/>
           </p:cNvSpPr>
@@ -665,7 +733,7 @@
       </p:sp>
       <p:sp>
         <p:nvSpPr>
-          <p:cNvPr id="349" name="Google Shape;349;g35f391192_04:notes"/>
+          <p:cNvPr id="335" name="Google Shape;335;g35f391192_00:notes"/>
           <p:cNvSpPr txBox="1">
             <a:spLocks noGrp="1"/>
           </p:cNvSpPr>
@@ -1804,7 +1872,7 @@
   <p:cSld>
     <p:spTree>
       <p:nvGrpSpPr>
-        <p:cNvPr id="1" name="Shape 355"/>
+        <p:cNvPr id="1" name="Shape 347"/>
         <p:cNvGrpSpPr/>
         <p:nvPr/>
       </p:nvGrpSpPr>
@@ -1818,7 +1886,7 @@
       </p:grpSpPr>
       <p:sp>
         <p:nvSpPr>
-          <p:cNvPr id="356" name="Google Shape;356;g35f391192_029:notes"/>
+          <p:cNvPr id="348" name="Google Shape;348;g35f391192_04:notes"/>
           <p:cNvSpPr>
             <a:spLocks noGrp="1" noRot="1" noChangeAspect="1"/>
           </p:cNvSpPr>
@@ -1859,7 +1927,7 @@
       </p:sp>
       <p:sp>
         <p:nvSpPr>
-          <p:cNvPr id="357" name="Google Shape;357;g35f391192_029:notes"/>
+          <p:cNvPr id="349" name="Google Shape;349;g35f391192_04:notes"/>
           <p:cNvSpPr txBox="1">
             <a:spLocks noGrp="1"/>
           </p:cNvSpPr>
@@ -1896,11 +1964,6 @@
         </p:txBody>
       </p:sp>
     </p:spTree>
-    <p:extLst>
-      <p:ext uri="{BB962C8B-B14F-4D97-AF65-F5344CB8AC3E}">
-        <p14:creationId xmlns:p14="http://schemas.microsoft.com/office/powerpoint/2010/main" val="211378423"/>
-      </p:ext>
-    </p:extLst>
   </p:cSld>
   <p:clrMapOvr>
     <a:masterClrMapping/>
@@ -3333,7 +3396,7 @@
           <a:p>
             <a:fld id="{4BDF68E2-58F2-4D09-BE8B-E3BD06533059}" type="datetimeFigureOut">
               <a:rPr lang="en-US" dirty="0"/>
-              <a:t>11/20/2019</a:t>
+              <a:t>11/22/2019</a:t>
             </a:fld>
             <a:endParaRPr lang="en-US" dirty="0"/>
           </a:p>
@@ -3551,7 +3614,7 @@
           <a:p>
             <a:fld id="{2E2D6473-DF6D-4702-B328-E0DD40540A4E}" type="datetimeFigureOut">
               <a:rPr lang="en-US" dirty="0"/>
-              <a:t>11/20/2019</a:t>
+              <a:t>11/22/2019</a:t>
             </a:fld>
             <a:endParaRPr lang="en-US" dirty="0"/>
           </a:p>
@@ -3817,7 +3880,7 @@
           <a:p>
             <a:fld id="{E26F7E3A-B166-407D-9866-32884E7D5B37}" type="datetimeFigureOut">
               <a:rPr lang="en-US" dirty="0"/>
-              <a:t>11/20/2019</a:t>
+              <a:t>11/22/2019</a:t>
             </a:fld>
             <a:endParaRPr lang="en-US" dirty="0"/>
           </a:p>
@@ -4859,7 +4922,7 @@
           <a:p>
             <a:fld id="{528FC5F6-F338-4AE4-BB23-26385BCFC423}" type="datetimeFigureOut">
               <a:rPr lang="en-US" dirty="0"/>
-              <a:t>11/20/2019</a:t>
+              <a:t>11/22/2019</a:t>
             </a:fld>
             <a:endParaRPr lang="en-US" dirty="0"/>
           </a:p>
@@ -5212,7 +5275,7 @@
           <a:p>
             <a:fld id="{20EBB0C4-6273-4C6E-B9BD-2EDC30F1CD52}" type="datetimeFigureOut">
               <a:rPr lang="en-US" dirty="0"/>
-              <a:t>11/20/2019</a:t>
+              <a:t>11/22/2019</a:t>
             </a:fld>
             <a:endParaRPr lang="en-US" dirty="0"/>
           </a:p>
@@ -5497,7 +5560,7 @@
           <a:p>
             <a:fld id="{19AB4D41-86C1-4908-B66A-0B50CEB3BF29}" type="datetimeFigureOut">
               <a:rPr lang="en-US" dirty="0"/>
-              <a:t>11/20/2019</a:t>
+              <a:t>11/22/2019</a:t>
             </a:fld>
             <a:endParaRPr lang="en-US" dirty="0"/>
           </a:p>
@@ -5886,7 +5949,7 @@
           <a:p>
             <a:fld id="{E6426E2C-56C1-4E0D-A793-0088A7FDD37E}" type="datetimeFigureOut">
               <a:rPr lang="en-US" dirty="0"/>
-              <a:t>11/20/2019</a:t>
+              <a:t>11/22/2019</a:t>
             </a:fld>
             <a:endParaRPr lang="en-US" dirty="0"/>
           </a:p>
@@ -6014,7 +6077,7 @@
           <a:p>
             <a:fld id="{C8C39B41-D8B5-4052-B551-9B5525EAA8B6}" type="datetimeFigureOut">
               <a:rPr lang="en-US" dirty="0"/>
-              <a:t>11/20/2019</a:t>
+              <a:t>11/22/2019</a:t>
             </a:fld>
             <a:endParaRPr lang="en-US" dirty="0"/>
           </a:p>
@@ -6195,7 +6258,7 @@
           <a:p>
             <a:fld id="{4D94136C-8742-45B2-AF27-D93DF72833A9}" type="datetimeFigureOut">
               <a:rPr lang="en-US" dirty="0"/>
-              <a:t>11/20/2019</a:t>
+              <a:t>11/22/2019</a:t>
             </a:fld>
             <a:endParaRPr lang="en-US" dirty="0"/>
           </a:p>
@@ -6559,7 +6622,7 @@
           <a:p>
             <a:fld id="{32ABBEA6-7C60-4B02-AE87-00D78D8422AF}" type="datetimeFigureOut">
               <a:rPr lang="en-US" dirty="0"/>
-              <a:t>11/20/2019</a:t>
+              <a:t>11/22/2019</a:t>
             </a:fld>
             <a:endParaRPr lang="en-US" dirty="0"/>
           </a:p>
@@ -6951,7 +7014,7 @@
           <a:p>
             <a:fld id="{C9CAD897-D46E-4AD2-BD9B-49DD3E640873}" type="datetimeFigureOut">
               <a:rPr lang="en-US" dirty="0"/>
-              <a:t>11/20/2019</a:t>
+              <a:t>11/22/2019</a:t>
             </a:fld>
             <a:endParaRPr lang="en-US" dirty="0"/>
           </a:p>
@@ -7248,7 +7311,7 @@
           <a:p>
             <a:fld id="{98624D31-43A5-475A-80CF-332C9F6DCF35}" type="datetimeFigureOut">
               <a:rPr lang="en-US" dirty="0"/>
-              <a:t>11/20/2019</a:t>
+              <a:t>11/22/2019</a:t>
             </a:fld>
             <a:endParaRPr lang="en-US" dirty="0"/>
           </a:p>
@@ -7776,7 +7839,7 @@
   <p:cSld>
     <p:spTree>
       <p:nvGrpSpPr>
-        <p:cNvPr id="1" name="Shape 350"/>
+        <p:cNvPr id="1" name="Shape 336"/>
         <p:cNvGrpSpPr/>
         <p:nvPr/>
       </p:nvGrpSpPr>
@@ -7790,394 +7853,62 @@
       </p:grpSpPr>
       <p:sp>
         <p:nvSpPr>
-          <p:cNvPr id="9" name="Google Shape;352;p13">
-            <a:extLst>
-              <a:ext uri="{FF2B5EF4-FFF2-40B4-BE49-F238E27FC236}">
-                <a16:creationId xmlns:a16="http://schemas.microsoft.com/office/drawing/2014/main" id="{1018BA2E-FDE0-4044-AA13-4C495BF1C438}"/>
-              </a:ext>
-            </a:extLst>
-          </p:cNvPr>
+          <p:cNvPr id="337" name="Google Shape;337;p11"/>
           <p:cNvSpPr txBox="1">
             <a:spLocks noGrp="1"/>
           </p:cNvSpPr>
           <p:nvPr>
-            <p:ph type="body" sz="half" idx="2"/>
+            <p:ph type="ctrTitle"/>
           </p:nvPr>
         </p:nvSpPr>
         <p:spPr>
           <a:xfrm>
-            <a:off x="3310851" y="596534"/>
-            <a:ext cx="5496362" cy="1502430"/>
+            <a:off x="475499" y="3412671"/>
+            <a:ext cx="8181805" cy="793242"/>
           </a:xfrm>
           <a:prstGeom prst="rect">
             <a:avLst/>
           </a:prstGeom>
         </p:spPr>
         <p:txBody>
-          <a:bodyPr spcFirstLastPara="1" wrap="square" lIns="91425" tIns="91425" rIns="91425" bIns="91425" anchor="t" anchorCtr="0">
-            <a:noAutofit/>
+          <a:bodyPr spcFirstLastPara="1" lIns="91425" tIns="91425" rIns="91425" bIns="91425" anchorCtr="0">
+            <a:normAutofit/>
           </a:bodyPr>
           <a:lstStyle/>
           <a:p>
-            <a:pPr marL="0" indent="0">
-              <a:lnSpc>
-                <a:spcPct val="85000"/>
-              </a:lnSpc>
-              <a:spcBef>
-                <a:spcPct val="0"/>
-              </a:spcBef>
-              <a:spcAft>
-                <a:spcPts val="0"/>
-              </a:spcAft>
+            <a:pPr>
+              <a:buClr>
+                <a:schemeClr val="accent1"/>
+              </a:buClr>
+              <a:buSzPct val="100000"/>
             </a:pPr>
             <a:r>
-              <a:rPr lang="en-US" sz="4800" b="1" spc="-38" dirty="0" err="1">
-                <a:solidFill>
-                  <a:schemeClr val="tx1">
-                    <a:lumMod val="85000"/>
-                    <a:lumOff val="15000"/>
-                  </a:schemeClr>
-                </a:solidFill>
+              <a:rPr lang="pt-BR" sz="3800" dirty="0">
                 <a:latin typeface="Roboto" panose="02000000000000000000" pitchFamily="2" charset="0"/>
                 <a:ea typeface="Roboto" panose="02000000000000000000" pitchFamily="2" charset="0"/>
-                <a:cs typeface="+mj-cs"/>
               </a:rPr>
-              <a:t>Fabrício</a:t>
-            </a:r>
-            <a:r>
-              <a:rPr lang="en-US" sz="4800" b="1" spc="-38" dirty="0">
-                <a:solidFill>
-                  <a:schemeClr val="tx1">
-                    <a:lumMod val="85000"/>
-                    <a:lumOff val="15000"/>
-                  </a:schemeClr>
-                </a:solidFill>
+              <a:t>Monitoramento com </a:t>
+            </a:r>
+            <a:r>
+              <a:rPr lang="pt-BR" sz="3800">
                 <a:latin typeface="Roboto" panose="02000000000000000000" pitchFamily="2" charset="0"/>
                 <a:ea typeface="Roboto" panose="02000000000000000000" pitchFamily="2" charset="0"/>
-                <a:cs typeface="+mj-cs"/>
               </a:rPr>
-              <a:t> Veronez</a:t>
-            </a:r>
-            <a:endParaRPr sz="4800" b="1" spc="-38" dirty="0">
-              <a:solidFill>
-                <a:schemeClr val="tx1">
-                  <a:lumMod val="85000"/>
-                  <a:lumOff val="15000"/>
-                </a:schemeClr>
-              </a:solidFill>
+              <a:t>Prometheus</a:t>
+            </a:r>
+            <a:endParaRPr lang="en-US" sz="3800" dirty="0">
               <a:latin typeface="Roboto" panose="02000000000000000000" pitchFamily="2" charset="0"/>
               <a:ea typeface="Roboto" panose="02000000000000000000" pitchFamily="2" charset="0"/>
-              <a:cs typeface="+mj-cs"/>
             </a:endParaRPr>
           </a:p>
-          <a:p>
-            <a:pPr marL="0" indent="0">
-              <a:lnSpc>
-                <a:spcPct val="85000"/>
-              </a:lnSpc>
-              <a:spcBef>
-                <a:spcPct val="0"/>
-              </a:spcBef>
-              <a:spcAft>
-                <a:spcPts val="0"/>
-              </a:spcAft>
-            </a:pPr>
-            <a:r>
-              <a:rPr lang="en-US" sz="3200" spc="-38" dirty="0" err="1">
-                <a:solidFill>
-                  <a:schemeClr val="tx1">
-                    <a:lumMod val="85000"/>
-                    <a:lumOff val="15000"/>
-                  </a:schemeClr>
-                </a:solidFill>
-                <a:latin typeface="Roboto" panose="02000000000000000000" pitchFamily="2" charset="0"/>
-                <a:ea typeface="Roboto" panose="02000000000000000000" pitchFamily="2" charset="0"/>
-                <a:cs typeface="+mj-cs"/>
-              </a:rPr>
-              <a:t>Arquiteto</a:t>
-            </a:r>
-            <a:r>
-              <a:rPr lang="en-US" sz="3200" spc="-38" dirty="0">
-                <a:solidFill>
-                  <a:schemeClr val="tx1">
-                    <a:lumMod val="85000"/>
-                    <a:lumOff val="15000"/>
-                  </a:schemeClr>
-                </a:solidFill>
-                <a:latin typeface="Roboto" panose="02000000000000000000" pitchFamily="2" charset="0"/>
-                <a:ea typeface="Roboto" panose="02000000000000000000" pitchFamily="2" charset="0"/>
-                <a:cs typeface="+mj-cs"/>
-              </a:rPr>
-              <a:t> de </a:t>
-            </a:r>
-            <a:r>
-              <a:rPr lang="en-US" sz="3200" spc="-38" dirty="0" err="1">
-                <a:solidFill>
-                  <a:schemeClr val="tx1">
-                    <a:lumMod val="85000"/>
-                    <a:lumOff val="15000"/>
-                  </a:schemeClr>
-                </a:solidFill>
-                <a:latin typeface="Roboto" panose="02000000000000000000" pitchFamily="2" charset="0"/>
-                <a:ea typeface="Roboto" panose="02000000000000000000" pitchFamily="2" charset="0"/>
-                <a:cs typeface="+mj-cs"/>
-              </a:rPr>
-              <a:t>Aplicações</a:t>
-            </a:r>
-            <a:endParaRPr sz="3200" spc="-38" dirty="0">
-              <a:solidFill>
-                <a:schemeClr val="tx1">
-                  <a:lumMod val="85000"/>
-                  <a:lumOff val="15000"/>
-                </a:schemeClr>
-              </a:solidFill>
-              <a:latin typeface="Roboto" panose="02000000000000000000" pitchFamily="2" charset="0"/>
-              <a:ea typeface="Roboto" panose="02000000000000000000" pitchFamily="2" charset="0"/>
-              <a:cs typeface="+mj-cs"/>
-            </a:endParaRPr>
-          </a:p>
         </p:txBody>
       </p:sp>
-      <p:sp>
-        <p:nvSpPr>
-          <p:cNvPr id="12" name="CaixaDeTexto 11">
+      <p:pic>
+        <p:nvPicPr>
+          <p:cNvPr id="3" name="Imagem 2">
             <a:extLst>
               <a:ext uri="{FF2B5EF4-FFF2-40B4-BE49-F238E27FC236}">
-                <a16:creationId xmlns:a16="http://schemas.microsoft.com/office/drawing/2014/main" id="{2CFE1A40-C45B-403D-8565-3D82BCD84EDC}"/>
-              </a:ext>
-            </a:extLst>
-          </p:cNvPr>
-          <p:cNvSpPr txBox="1"/>
-          <p:nvPr/>
-        </p:nvSpPr>
-        <p:spPr>
-          <a:xfrm>
-            <a:off x="3310851" y="3341722"/>
-            <a:ext cx="5649175" cy="1546577"/>
-          </a:xfrm>
-          <a:prstGeom prst="rect">
-            <a:avLst/>
-          </a:prstGeom>
-          <a:noFill/>
-        </p:spPr>
-        <p:txBody>
-          <a:bodyPr wrap="none" rtlCol="0">
-            <a:spAutoFit/>
-          </a:bodyPr>
-          <a:lstStyle/>
-          <a:p>
-            <a:pPr>
-              <a:lnSpc>
-                <a:spcPct val="85000"/>
-              </a:lnSpc>
-              <a:spcBef>
-                <a:spcPct val="0"/>
-              </a:spcBef>
-            </a:pPr>
-            <a:r>
-              <a:rPr lang="en-US" spc="-38" dirty="0">
-                <a:solidFill>
-                  <a:schemeClr val="tx1">
-                    <a:lumMod val="85000"/>
-                    <a:lumOff val="15000"/>
-                  </a:schemeClr>
-                </a:solidFill>
-                <a:ea typeface="Roboto" panose="02000000000000000000" pitchFamily="2" charset="0"/>
-              </a:rPr>
-              <a:t>YouTube – Fabricio Veronez</a:t>
-            </a:r>
-          </a:p>
-          <a:p>
-            <a:pPr>
-              <a:lnSpc>
-                <a:spcPct val="85000"/>
-              </a:lnSpc>
-              <a:spcBef>
-                <a:spcPct val="0"/>
-              </a:spcBef>
-            </a:pPr>
-            <a:r>
-              <a:rPr lang="en-US" spc="-38" dirty="0">
-                <a:solidFill>
-                  <a:schemeClr val="tx1">
-                    <a:lumMod val="85000"/>
-                    <a:lumOff val="15000"/>
-                  </a:schemeClr>
-                </a:solidFill>
-                <a:ea typeface="Roboto" panose="02000000000000000000" pitchFamily="2" charset="0"/>
-              </a:rPr>
-              <a:t>Email - </a:t>
-            </a:r>
-            <a:r>
-              <a:rPr lang="en-US" spc="-38" dirty="0">
-                <a:solidFill>
-                  <a:schemeClr val="tx1">
-                    <a:lumMod val="85000"/>
-                    <a:lumOff val="15000"/>
-                  </a:schemeClr>
-                </a:solidFill>
-                <a:ea typeface="Roboto" panose="02000000000000000000" pitchFamily="2" charset="0"/>
-                <a:hlinkClick r:id="rId3"/>
-              </a:rPr>
-              <a:t>fabricioveronez@gmail.com</a:t>
-            </a:r>
-            <a:endParaRPr lang="en-US" spc="-38" dirty="0">
-              <a:solidFill>
-                <a:schemeClr val="tx1">
-                  <a:lumMod val="85000"/>
-                  <a:lumOff val="15000"/>
-                </a:schemeClr>
-              </a:solidFill>
-              <a:ea typeface="Roboto" panose="02000000000000000000" pitchFamily="2" charset="0"/>
-            </a:endParaRPr>
-          </a:p>
-          <a:p>
-            <a:pPr>
-              <a:lnSpc>
-                <a:spcPct val="85000"/>
-              </a:lnSpc>
-              <a:spcBef>
-                <a:spcPct val="0"/>
-              </a:spcBef>
-            </a:pPr>
-            <a:r>
-              <a:rPr lang="en-US" spc="-38" dirty="0">
-                <a:solidFill>
-                  <a:schemeClr val="tx1">
-                    <a:lumMod val="85000"/>
-                    <a:lumOff val="15000"/>
-                  </a:schemeClr>
-                </a:solidFill>
-                <a:ea typeface="Roboto" panose="02000000000000000000" pitchFamily="2" charset="0"/>
-              </a:rPr>
-              <a:t>Facebook - </a:t>
-            </a:r>
-            <a:r>
-              <a:rPr lang="pt-BR" dirty="0">
-                <a:hlinkClick r:id="rId4"/>
-              </a:rPr>
-              <a:t>http://www.facebook.com/fabricioveronezdev/</a:t>
-            </a:r>
-            <a:endParaRPr lang="en-US" spc="-38" dirty="0">
-              <a:solidFill>
-                <a:schemeClr val="tx1">
-                  <a:lumMod val="85000"/>
-                  <a:lumOff val="15000"/>
-                </a:schemeClr>
-              </a:solidFill>
-              <a:ea typeface="Roboto" panose="02000000000000000000" pitchFamily="2" charset="0"/>
-            </a:endParaRPr>
-          </a:p>
-          <a:p>
-            <a:pPr>
-              <a:lnSpc>
-                <a:spcPct val="85000"/>
-              </a:lnSpc>
-              <a:spcBef>
-                <a:spcPct val="0"/>
-              </a:spcBef>
-            </a:pPr>
-            <a:r>
-              <a:rPr lang="en-US" spc="-38" dirty="0" err="1">
-                <a:solidFill>
-                  <a:schemeClr val="tx1">
-                    <a:lumMod val="85000"/>
-                    <a:lumOff val="15000"/>
-                  </a:schemeClr>
-                </a:solidFill>
-                <a:ea typeface="Roboto" panose="02000000000000000000" pitchFamily="2" charset="0"/>
-              </a:rPr>
-              <a:t>Linkedin</a:t>
-            </a:r>
-            <a:r>
-              <a:rPr lang="en-US" spc="-38" dirty="0">
-                <a:solidFill>
-                  <a:schemeClr val="tx1">
-                    <a:lumMod val="85000"/>
-                    <a:lumOff val="15000"/>
-                  </a:schemeClr>
-                </a:solidFill>
-                <a:ea typeface="Roboto" panose="02000000000000000000" pitchFamily="2" charset="0"/>
-              </a:rPr>
-              <a:t> - </a:t>
-            </a:r>
-            <a:r>
-              <a:rPr lang="en-US" spc="-38" dirty="0">
-                <a:solidFill>
-                  <a:schemeClr val="tx1">
-                    <a:lumMod val="85000"/>
-                    <a:lumOff val="15000"/>
-                  </a:schemeClr>
-                </a:solidFill>
-                <a:ea typeface="Roboto" panose="02000000000000000000" pitchFamily="2" charset="0"/>
-                <a:hlinkClick r:id="rId5"/>
-              </a:rPr>
-              <a:t>http://www.linkedin.com/in/fabricioveronez</a:t>
-            </a:r>
-            <a:endParaRPr lang="en-US" spc="-38" dirty="0">
-              <a:solidFill>
-                <a:schemeClr val="tx1">
-                  <a:lumMod val="85000"/>
-                  <a:lumOff val="15000"/>
-                </a:schemeClr>
-              </a:solidFill>
-              <a:ea typeface="Roboto" panose="02000000000000000000" pitchFamily="2" charset="0"/>
-            </a:endParaRPr>
-          </a:p>
-          <a:p>
-            <a:pPr>
-              <a:lnSpc>
-                <a:spcPct val="85000"/>
-              </a:lnSpc>
-              <a:spcBef>
-                <a:spcPct val="0"/>
-              </a:spcBef>
-            </a:pPr>
-            <a:r>
-              <a:rPr lang="en-US" spc="-38" dirty="0">
-                <a:solidFill>
-                  <a:schemeClr val="tx1">
-                    <a:lumMod val="85000"/>
-                    <a:lumOff val="15000"/>
-                  </a:schemeClr>
-                </a:solidFill>
-                <a:ea typeface="Roboto" panose="02000000000000000000" pitchFamily="2" charset="0"/>
-              </a:rPr>
-              <a:t>Telegram - </a:t>
-            </a:r>
-            <a:r>
-              <a:rPr lang="en-US" spc="-38" dirty="0" err="1">
-                <a:solidFill>
-                  <a:schemeClr val="tx1">
-                    <a:lumMod val="85000"/>
-                    <a:lumOff val="15000"/>
-                  </a:schemeClr>
-                </a:solidFill>
-                <a:ea typeface="Roboto" panose="02000000000000000000" pitchFamily="2" charset="0"/>
-              </a:rPr>
-              <a:t>fabricioveronez</a:t>
-            </a:r>
-            <a:endParaRPr lang="en-US" spc="-38" dirty="0">
-              <a:solidFill>
-                <a:schemeClr val="tx1">
-                  <a:lumMod val="85000"/>
-                  <a:lumOff val="15000"/>
-                </a:schemeClr>
-              </a:solidFill>
-              <a:ea typeface="Roboto" panose="02000000000000000000" pitchFamily="2" charset="0"/>
-            </a:endParaRPr>
-          </a:p>
-          <a:p>
-            <a:endParaRPr lang="en-US" dirty="0"/>
-          </a:p>
-        </p:txBody>
-      </p:sp>
-      <p:pic>
-        <p:nvPicPr>
-          <p:cNvPr id="13" name="Imagem 12">
-            <a:extLst>
-              <a:ext uri="{FF2B5EF4-FFF2-40B4-BE49-F238E27FC236}">
-                <a16:creationId xmlns:a16="http://schemas.microsoft.com/office/drawing/2014/main" id="{2F9450F7-57C3-4B2A-84A1-BEC5AB05EFB2}"/>
+                <a16:creationId xmlns:a16="http://schemas.microsoft.com/office/drawing/2014/main" id="{46D6C84C-0DD7-4FCA-8042-B6E05952B468}"/>
               </a:ext>
             </a:extLst>
           </p:cNvPr>
@@ -8187,105 +7918,15 @@
           <p:nvPr/>
         </p:nvPicPr>
         <p:blipFill>
-          <a:blip r:embed="rId6"/>
+          <a:blip r:embed="rId3"/>
           <a:stretch>
             <a:fillRect/>
           </a:stretch>
         </p:blipFill>
         <p:spPr>
           <a:xfrm>
-            <a:off x="457831" y="284018"/>
-            <a:ext cx="2127461" cy="2127461"/>
-          </a:xfrm>
-          <a:prstGeom prst="rect">
-            <a:avLst/>
-          </a:prstGeom>
-        </p:spPr>
-      </p:pic>
-      <p:pic>
-        <p:nvPicPr>
-          <p:cNvPr id="14" name="Imagem 13">
-            <a:extLst>
-              <a:ext uri="{FF2B5EF4-FFF2-40B4-BE49-F238E27FC236}">
-                <a16:creationId xmlns:a16="http://schemas.microsoft.com/office/drawing/2014/main" id="{2814084F-88C0-4E7A-B6DE-A817038DB86C}"/>
-              </a:ext>
-            </a:extLst>
-          </p:cNvPr>
-          <p:cNvPicPr>
-            <a:picLocks noChangeAspect="1"/>
-          </p:cNvPicPr>
-          <p:nvPr/>
-        </p:nvPicPr>
-        <p:blipFill>
-          <a:blip r:embed="rId7"/>
-          <a:stretch>
-            <a:fillRect/>
-          </a:stretch>
-        </p:blipFill>
-        <p:spPr>
-          <a:xfrm>
-            <a:off x="3385580" y="1191862"/>
-            <a:ext cx="3482360" cy="1957871"/>
-          </a:xfrm>
-          <a:prstGeom prst="rect">
-            <a:avLst/>
-          </a:prstGeom>
-        </p:spPr>
-      </p:pic>
-      <p:pic>
-        <p:nvPicPr>
-          <p:cNvPr id="8" name="Imagem 7">
-            <a:extLst>
-              <a:ext uri="{FF2B5EF4-FFF2-40B4-BE49-F238E27FC236}">
-                <a16:creationId xmlns:a16="http://schemas.microsoft.com/office/drawing/2014/main" id="{90008BBE-F72F-4FB7-9D54-B7768EDB93E0}"/>
-              </a:ext>
-            </a:extLst>
-          </p:cNvPr>
-          <p:cNvPicPr>
-            <a:picLocks noChangeAspect="1"/>
-          </p:cNvPicPr>
-          <p:nvPr/>
-        </p:nvPicPr>
-        <p:blipFill>
-          <a:blip r:embed="rId8"/>
-          <a:stretch>
-            <a:fillRect/>
-          </a:stretch>
-        </p:blipFill>
-        <p:spPr>
-          <a:xfrm>
-            <a:off x="3385580" y="2571750"/>
-            <a:ext cx="2533358" cy="631163"/>
-          </a:xfrm>
-          <a:prstGeom prst="rect">
-            <a:avLst/>
-          </a:prstGeom>
-        </p:spPr>
-      </p:pic>
-      <p:pic>
-        <p:nvPicPr>
-          <p:cNvPr id="11" name="Imagem 10">
-            <a:extLst>
-              <a:ext uri="{FF2B5EF4-FFF2-40B4-BE49-F238E27FC236}">
-                <a16:creationId xmlns:a16="http://schemas.microsoft.com/office/drawing/2014/main" id="{5A6EFF9A-658F-4A70-9383-7EF936F56B66}"/>
-              </a:ext>
-            </a:extLst>
-          </p:cNvPr>
-          <p:cNvPicPr>
-            <a:picLocks noChangeAspect="1"/>
-          </p:cNvPicPr>
-          <p:nvPr/>
-        </p:nvPicPr>
-        <p:blipFill>
-          <a:blip r:embed="rId9"/>
-          <a:stretch>
-            <a:fillRect/>
-          </a:stretch>
-        </p:blipFill>
-        <p:spPr>
-          <a:xfrm>
-            <a:off x="-24686" y="2892401"/>
-            <a:ext cx="3010122" cy="1599734"/>
+            <a:off x="476592" y="480060"/>
+            <a:ext cx="4803648" cy="2702052"/>
           </a:xfrm>
           <a:prstGeom prst="rect">
             <a:avLst/>
@@ -11856,7 +11497,7 @@
   <p:cSld>
     <p:spTree>
       <p:nvGrpSpPr>
-        <p:cNvPr id="1" name="Shape 358"/>
+        <p:cNvPr id="1" name="Shape 350"/>
         <p:cNvGrpSpPr/>
         <p:nvPr/>
       </p:nvGrpSpPr>
@@ -11868,12 +11509,511 @@
           <a:chExt cx="0" cy="0"/>
         </a:xfrm>
       </p:grpSpPr>
+      <p:sp>
+        <p:nvSpPr>
+          <p:cNvPr id="9" name="Google Shape;352;p13">
+            <a:extLst>
+              <a:ext uri="{FF2B5EF4-FFF2-40B4-BE49-F238E27FC236}">
+                <a16:creationId xmlns:a16="http://schemas.microsoft.com/office/drawing/2014/main" id="{1018BA2E-FDE0-4044-AA13-4C495BF1C438}"/>
+              </a:ext>
+            </a:extLst>
+          </p:cNvPr>
+          <p:cNvSpPr txBox="1">
+            <a:spLocks noGrp="1"/>
+          </p:cNvSpPr>
+          <p:nvPr>
+            <p:ph type="body" sz="half" idx="2"/>
+          </p:nvPr>
+        </p:nvSpPr>
+        <p:spPr>
+          <a:xfrm>
+            <a:off x="3310851" y="596534"/>
+            <a:ext cx="5496362" cy="1502430"/>
+          </a:xfrm>
+          <a:prstGeom prst="rect">
+            <a:avLst/>
+          </a:prstGeom>
+        </p:spPr>
+        <p:txBody>
+          <a:bodyPr spcFirstLastPara="1" wrap="square" lIns="91425" tIns="91425" rIns="91425" bIns="91425" anchor="t" anchorCtr="0">
+            <a:noAutofit/>
+          </a:bodyPr>
+          <a:lstStyle/>
+          <a:p>
+            <a:pPr marL="0" indent="0">
+              <a:lnSpc>
+                <a:spcPct val="85000"/>
+              </a:lnSpc>
+              <a:spcBef>
+                <a:spcPct val="0"/>
+              </a:spcBef>
+              <a:spcAft>
+                <a:spcPts val="0"/>
+              </a:spcAft>
+            </a:pPr>
+            <a:r>
+              <a:rPr lang="en-US" sz="4800" b="1" spc="-38" dirty="0" err="1">
+                <a:solidFill>
+                  <a:schemeClr val="tx1">
+                    <a:lumMod val="85000"/>
+                    <a:lumOff val="15000"/>
+                  </a:schemeClr>
+                </a:solidFill>
+                <a:latin typeface="Roboto" panose="02000000000000000000" pitchFamily="2" charset="0"/>
+                <a:ea typeface="Roboto" panose="02000000000000000000" pitchFamily="2" charset="0"/>
+                <a:cs typeface="+mj-cs"/>
+              </a:rPr>
+              <a:t>Fabrício</a:t>
+            </a:r>
+            <a:r>
+              <a:rPr lang="en-US" sz="4800" b="1" spc="-38" dirty="0">
+                <a:solidFill>
+                  <a:schemeClr val="tx1">
+                    <a:lumMod val="85000"/>
+                    <a:lumOff val="15000"/>
+                  </a:schemeClr>
+                </a:solidFill>
+                <a:latin typeface="Roboto" panose="02000000000000000000" pitchFamily="2" charset="0"/>
+                <a:ea typeface="Roboto" panose="02000000000000000000" pitchFamily="2" charset="0"/>
+                <a:cs typeface="+mj-cs"/>
+              </a:rPr>
+              <a:t> Veronez</a:t>
+            </a:r>
+            <a:endParaRPr sz="4800" b="1" spc="-38" dirty="0">
+              <a:solidFill>
+                <a:schemeClr val="tx1">
+                  <a:lumMod val="85000"/>
+                  <a:lumOff val="15000"/>
+                </a:schemeClr>
+              </a:solidFill>
+              <a:latin typeface="Roboto" panose="02000000000000000000" pitchFamily="2" charset="0"/>
+              <a:ea typeface="Roboto" panose="02000000000000000000" pitchFamily="2" charset="0"/>
+              <a:cs typeface="+mj-cs"/>
+            </a:endParaRPr>
+          </a:p>
+          <a:p>
+            <a:pPr marL="0" indent="0">
+              <a:lnSpc>
+                <a:spcPct val="85000"/>
+              </a:lnSpc>
+              <a:spcBef>
+                <a:spcPct val="0"/>
+              </a:spcBef>
+              <a:spcAft>
+                <a:spcPts val="0"/>
+              </a:spcAft>
+            </a:pPr>
+            <a:r>
+              <a:rPr lang="en-US" sz="3200" spc="-38" dirty="0" err="1">
+                <a:solidFill>
+                  <a:schemeClr val="tx1">
+                    <a:lumMod val="85000"/>
+                    <a:lumOff val="15000"/>
+                  </a:schemeClr>
+                </a:solidFill>
+                <a:latin typeface="Roboto" panose="02000000000000000000" pitchFamily="2" charset="0"/>
+                <a:ea typeface="Roboto" panose="02000000000000000000" pitchFamily="2" charset="0"/>
+                <a:cs typeface="+mj-cs"/>
+              </a:rPr>
+              <a:t>Arquiteto</a:t>
+            </a:r>
+            <a:r>
+              <a:rPr lang="en-US" sz="3200" spc="-38" dirty="0">
+                <a:solidFill>
+                  <a:schemeClr val="tx1">
+                    <a:lumMod val="85000"/>
+                    <a:lumOff val="15000"/>
+                  </a:schemeClr>
+                </a:solidFill>
+                <a:latin typeface="Roboto" panose="02000000000000000000" pitchFamily="2" charset="0"/>
+                <a:ea typeface="Roboto" panose="02000000000000000000" pitchFamily="2" charset="0"/>
+                <a:cs typeface="+mj-cs"/>
+              </a:rPr>
+              <a:t> de </a:t>
+            </a:r>
+            <a:r>
+              <a:rPr lang="en-US" sz="3200" spc="-38" dirty="0" err="1">
+                <a:solidFill>
+                  <a:schemeClr val="tx1">
+                    <a:lumMod val="85000"/>
+                    <a:lumOff val="15000"/>
+                  </a:schemeClr>
+                </a:solidFill>
+                <a:latin typeface="Roboto" panose="02000000000000000000" pitchFamily="2" charset="0"/>
+                <a:ea typeface="Roboto" panose="02000000000000000000" pitchFamily="2" charset="0"/>
+                <a:cs typeface="+mj-cs"/>
+              </a:rPr>
+              <a:t>Aplicações</a:t>
+            </a:r>
+            <a:endParaRPr sz="3200" spc="-38" dirty="0">
+              <a:solidFill>
+                <a:schemeClr val="tx1">
+                  <a:lumMod val="85000"/>
+                  <a:lumOff val="15000"/>
+                </a:schemeClr>
+              </a:solidFill>
+              <a:latin typeface="Roboto" panose="02000000000000000000" pitchFamily="2" charset="0"/>
+              <a:ea typeface="Roboto" panose="02000000000000000000" pitchFamily="2" charset="0"/>
+              <a:cs typeface="+mj-cs"/>
+            </a:endParaRPr>
+          </a:p>
+        </p:txBody>
+      </p:sp>
+      <p:sp>
+        <p:nvSpPr>
+          <p:cNvPr id="12" name="CaixaDeTexto 11">
+            <a:extLst>
+              <a:ext uri="{FF2B5EF4-FFF2-40B4-BE49-F238E27FC236}">
+                <a16:creationId xmlns:a16="http://schemas.microsoft.com/office/drawing/2014/main" id="{2CFE1A40-C45B-403D-8565-3D82BCD84EDC}"/>
+              </a:ext>
+            </a:extLst>
+          </p:cNvPr>
+          <p:cNvSpPr txBox="1"/>
+          <p:nvPr/>
+        </p:nvSpPr>
+        <p:spPr>
+          <a:xfrm>
+            <a:off x="3310851" y="3341722"/>
+            <a:ext cx="5649175" cy="1546577"/>
+          </a:xfrm>
+          <a:prstGeom prst="rect">
+            <a:avLst/>
+          </a:prstGeom>
+          <a:noFill/>
+        </p:spPr>
+        <p:txBody>
+          <a:bodyPr wrap="none" rtlCol="0">
+            <a:spAutoFit/>
+          </a:bodyPr>
+          <a:lstStyle/>
+          <a:p>
+            <a:pPr>
+              <a:lnSpc>
+                <a:spcPct val="85000"/>
+              </a:lnSpc>
+              <a:spcBef>
+                <a:spcPct val="0"/>
+              </a:spcBef>
+            </a:pPr>
+            <a:r>
+              <a:rPr lang="en-US" spc="-38" dirty="0">
+                <a:solidFill>
+                  <a:schemeClr val="tx1">
+                    <a:lumMod val="85000"/>
+                    <a:lumOff val="15000"/>
+                  </a:schemeClr>
+                </a:solidFill>
+                <a:ea typeface="Roboto" panose="02000000000000000000" pitchFamily="2" charset="0"/>
+              </a:rPr>
+              <a:t>YouTube – Fabricio Veronez</a:t>
+            </a:r>
+          </a:p>
+          <a:p>
+            <a:pPr>
+              <a:lnSpc>
+                <a:spcPct val="85000"/>
+              </a:lnSpc>
+              <a:spcBef>
+                <a:spcPct val="0"/>
+              </a:spcBef>
+            </a:pPr>
+            <a:r>
+              <a:rPr lang="en-US" spc="-38" dirty="0">
+                <a:solidFill>
+                  <a:schemeClr val="tx1">
+                    <a:lumMod val="85000"/>
+                    <a:lumOff val="15000"/>
+                  </a:schemeClr>
+                </a:solidFill>
+                <a:ea typeface="Roboto" panose="02000000000000000000" pitchFamily="2" charset="0"/>
+              </a:rPr>
+              <a:t>Email - </a:t>
+            </a:r>
+            <a:r>
+              <a:rPr lang="en-US" spc="-38" dirty="0">
+                <a:solidFill>
+                  <a:schemeClr val="tx1">
+                    <a:lumMod val="85000"/>
+                    <a:lumOff val="15000"/>
+                  </a:schemeClr>
+                </a:solidFill>
+                <a:ea typeface="Roboto" panose="02000000000000000000" pitchFamily="2" charset="0"/>
+                <a:hlinkClick r:id="rId3"/>
+              </a:rPr>
+              <a:t>fabricioveronez@gmail.com</a:t>
+            </a:r>
+            <a:endParaRPr lang="en-US" spc="-38" dirty="0">
+              <a:solidFill>
+                <a:schemeClr val="tx1">
+                  <a:lumMod val="85000"/>
+                  <a:lumOff val="15000"/>
+                </a:schemeClr>
+              </a:solidFill>
+              <a:ea typeface="Roboto" panose="02000000000000000000" pitchFamily="2" charset="0"/>
+            </a:endParaRPr>
+          </a:p>
+          <a:p>
+            <a:pPr>
+              <a:lnSpc>
+                <a:spcPct val="85000"/>
+              </a:lnSpc>
+              <a:spcBef>
+                <a:spcPct val="0"/>
+              </a:spcBef>
+            </a:pPr>
+            <a:r>
+              <a:rPr lang="en-US" spc="-38" dirty="0">
+                <a:solidFill>
+                  <a:schemeClr val="tx1">
+                    <a:lumMod val="85000"/>
+                    <a:lumOff val="15000"/>
+                  </a:schemeClr>
+                </a:solidFill>
+                <a:ea typeface="Roboto" panose="02000000000000000000" pitchFamily="2" charset="0"/>
+              </a:rPr>
+              <a:t>Facebook - </a:t>
+            </a:r>
+            <a:r>
+              <a:rPr lang="pt-BR" dirty="0">
+                <a:hlinkClick r:id="rId4"/>
+              </a:rPr>
+              <a:t>http://www.facebook.com/fabricioveronezdev/</a:t>
+            </a:r>
+            <a:endParaRPr lang="en-US" spc="-38" dirty="0">
+              <a:solidFill>
+                <a:schemeClr val="tx1">
+                  <a:lumMod val="85000"/>
+                  <a:lumOff val="15000"/>
+                </a:schemeClr>
+              </a:solidFill>
+              <a:ea typeface="Roboto" panose="02000000000000000000" pitchFamily="2" charset="0"/>
+            </a:endParaRPr>
+          </a:p>
+          <a:p>
+            <a:pPr>
+              <a:lnSpc>
+                <a:spcPct val="85000"/>
+              </a:lnSpc>
+              <a:spcBef>
+                <a:spcPct val="0"/>
+              </a:spcBef>
+            </a:pPr>
+            <a:r>
+              <a:rPr lang="en-US" spc="-38" dirty="0" err="1">
+                <a:solidFill>
+                  <a:schemeClr val="tx1">
+                    <a:lumMod val="85000"/>
+                    <a:lumOff val="15000"/>
+                  </a:schemeClr>
+                </a:solidFill>
+                <a:ea typeface="Roboto" panose="02000000000000000000" pitchFamily="2" charset="0"/>
+              </a:rPr>
+              <a:t>Linkedin</a:t>
+            </a:r>
+            <a:r>
+              <a:rPr lang="en-US" spc="-38" dirty="0">
+                <a:solidFill>
+                  <a:schemeClr val="tx1">
+                    <a:lumMod val="85000"/>
+                    <a:lumOff val="15000"/>
+                  </a:schemeClr>
+                </a:solidFill>
+                <a:ea typeface="Roboto" panose="02000000000000000000" pitchFamily="2" charset="0"/>
+              </a:rPr>
+              <a:t> - </a:t>
+            </a:r>
+            <a:r>
+              <a:rPr lang="en-US" spc="-38" dirty="0">
+                <a:solidFill>
+                  <a:schemeClr val="tx1">
+                    <a:lumMod val="85000"/>
+                    <a:lumOff val="15000"/>
+                  </a:schemeClr>
+                </a:solidFill>
+                <a:ea typeface="Roboto" panose="02000000000000000000" pitchFamily="2" charset="0"/>
+                <a:hlinkClick r:id="rId5"/>
+              </a:rPr>
+              <a:t>http://www.linkedin.com/in/fabricioveronez</a:t>
+            </a:r>
+            <a:endParaRPr lang="en-US" spc="-38" dirty="0">
+              <a:solidFill>
+                <a:schemeClr val="tx1">
+                  <a:lumMod val="85000"/>
+                  <a:lumOff val="15000"/>
+                </a:schemeClr>
+              </a:solidFill>
+              <a:ea typeface="Roboto" panose="02000000000000000000" pitchFamily="2" charset="0"/>
+            </a:endParaRPr>
+          </a:p>
+          <a:p>
+            <a:pPr>
+              <a:lnSpc>
+                <a:spcPct val="85000"/>
+              </a:lnSpc>
+              <a:spcBef>
+                <a:spcPct val="0"/>
+              </a:spcBef>
+            </a:pPr>
+            <a:r>
+              <a:rPr lang="en-US" spc="-38" dirty="0">
+                <a:solidFill>
+                  <a:schemeClr val="tx1">
+                    <a:lumMod val="85000"/>
+                    <a:lumOff val="15000"/>
+                  </a:schemeClr>
+                </a:solidFill>
+                <a:ea typeface="Roboto" panose="02000000000000000000" pitchFamily="2" charset="0"/>
+              </a:rPr>
+              <a:t>Telegram - </a:t>
+            </a:r>
+            <a:r>
+              <a:rPr lang="en-US" spc="-38" dirty="0" err="1">
+                <a:solidFill>
+                  <a:schemeClr val="tx1">
+                    <a:lumMod val="85000"/>
+                    <a:lumOff val="15000"/>
+                  </a:schemeClr>
+                </a:solidFill>
+                <a:ea typeface="Roboto" panose="02000000000000000000" pitchFamily="2" charset="0"/>
+              </a:rPr>
+              <a:t>fabricioveronez</a:t>
+            </a:r>
+            <a:endParaRPr lang="en-US" spc="-38" dirty="0">
+              <a:solidFill>
+                <a:schemeClr val="tx1">
+                  <a:lumMod val="85000"/>
+                  <a:lumOff val="15000"/>
+                </a:schemeClr>
+              </a:solidFill>
+              <a:ea typeface="Roboto" panose="02000000000000000000" pitchFamily="2" charset="0"/>
+            </a:endParaRPr>
+          </a:p>
+          <a:p>
+            <a:endParaRPr lang="en-US" dirty="0"/>
+          </a:p>
+        </p:txBody>
+      </p:sp>
+      <p:pic>
+        <p:nvPicPr>
+          <p:cNvPr id="13" name="Imagem 12">
+            <a:extLst>
+              <a:ext uri="{FF2B5EF4-FFF2-40B4-BE49-F238E27FC236}">
+                <a16:creationId xmlns:a16="http://schemas.microsoft.com/office/drawing/2014/main" id="{2F9450F7-57C3-4B2A-84A1-BEC5AB05EFB2}"/>
+              </a:ext>
+            </a:extLst>
+          </p:cNvPr>
+          <p:cNvPicPr>
+            <a:picLocks noChangeAspect="1"/>
+          </p:cNvPicPr>
+          <p:nvPr/>
+        </p:nvPicPr>
+        <p:blipFill>
+          <a:blip r:embed="rId6"/>
+          <a:stretch>
+            <a:fillRect/>
+          </a:stretch>
+        </p:blipFill>
+        <p:spPr>
+          <a:xfrm>
+            <a:off x="457831" y="284018"/>
+            <a:ext cx="2127461" cy="2127461"/>
+          </a:xfrm>
+          <a:prstGeom prst="rect">
+            <a:avLst/>
+          </a:prstGeom>
+        </p:spPr>
+      </p:pic>
+      <p:pic>
+        <p:nvPicPr>
+          <p:cNvPr id="14" name="Imagem 13">
+            <a:extLst>
+              <a:ext uri="{FF2B5EF4-FFF2-40B4-BE49-F238E27FC236}">
+                <a16:creationId xmlns:a16="http://schemas.microsoft.com/office/drawing/2014/main" id="{2814084F-88C0-4E7A-B6DE-A817038DB86C}"/>
+              </a:ext>
+            </a:extLst>
+          </p:cNvPr>
+          <p:cNvPicPr>
+            <a:picLocks noChangeAspect="1"/>
+          </p:cNvPicPr>
+          <p:nvPr/>
+        </p:nvPicPr>
+        <p:blipFill>
+          <a:blip r:embed="rId7"/>
+          <a:stretch>
+            <a:fillRect/>
+          </a:stretch>
+        </p:blipFill>
+        <p:spPr>
+          <a:xfrm>
+            <a:off x="3385580" y="1191862"/>
+            <a:ext cx="3482360" cy="1957871"/>
+          </a:xfrm>
+          <a:prstGeom prst="rect">
+            <a:avLst/>
+          </a:prstGeom>
+        </p:spPr>
+      </p:pic>
+      <p:pic>
+        <p:nvPicPr>
+          <p:cNvPr id="8" name="Imagem 7">
+            <a:extLst>
+              <a:ext uri="{FF2B5EF4-FFF2-40B4-BE49-F238E27FC236}">
+                <a16:creationId xmlns:a16="http://schemas.microsoft.com/office/drawing/2014/main" id="{90008BBE-F72F-4FB7-9D54-B7768EDB93E0}"/>
+              </a:ext>
+            </a:extLst>
+          </p:cNvPr>
+          <p:cNvPicPr>
+            <a:picLocks noChangeAspect="1"/>
+          </p:cNvPicPr>
+          <p:nvPr/>
+        </p:nvPicPr>
+        <p:blipFill>
+          <a:blip r:embed="rId8"/>
+          <a:stretch>
+            <a:fillRect/>
+          </a:stretch>
+        </p:blipFill>
+        <p:spPr>
+          <a:xfrm>
+            <a:off x="3385580" y="2571750"/>
+            <a:ext cx="2533358" cy="631163"/>
+          </a:xfrm>
+          <a:prstGeom prst="rect">
+            <a:avLst/>
+          </a:prstGeom>
+        </p:spPr>
+      </p:pic>
+      <p:pic>
+        <p:nvPicPr>
+          <p:cNvPr id="11" name="Imagem 10">
+            <a:extLst>
+              <a:ext uri="{FF2B5EF4-FFF2-40B4-BE49-F238E27FC236}">
+                <a16:creationId xmlns:a16="http://schemas.microsoft.com/office/drawing/2014/main" id="{5A6EFF9A-658F-4A70-9383-7EF936F56B66}"/>
+              </a:ext>
+            </a:extLst>
+          </p:cNvPr>
+          <p:cNvPicPr>
+            <a:picLocks noChangeAspect="1"/>
+          </p:cNvPicPr>
+          <p:nvPr/>
+        </p:nvPicPr>
+        <p:blipFill>
+          <a:blip r:embed="rId9"/>
+          <a:stretch>
+            <a:fillRect/>
+          </a:stretch>
+        </p:blipFill>
+        <p:spPr>
+          <a:xfrm>
+            <a:off x="-24686" y="2892401"/>
+            <a:ext cx="3010122" cy="1599734"/>
+          </a:xfrm>
+          <a:prstGeom prst="rect">
+            <a:avLst/>
+          </a:prstGeom>
+        </p:spPr>
+      </p:pic>
     </p:spTree>
-    <p:extLst>
-      <p:ext uri="{BB962C8B-B14F-4D97-AF65-F5344CB8AC3E}">
-        <p14:creationId xmlns:p14="http://schemas.microsoft.com/office/powerpoint/2010/main" val="3465312930"/>
-      </p:ext>
-    </p:extLst>
   </p:cSld>
   <p:clrMapOvr>
     <a:masterClrMapping/>

--- a/docs/Prometheus.pptx
+++ b/docs/Prometheus.pptx
@@ -15,20 +15,20 @@
     <p:sldId id="337" r:id="rId6"/>
     <p:sldId id="313" r:id="rId7"/>
     <p:sldId id="318" r:id="rId8"/>
-    <p:sldId id="324" r:id="rId9"/>
-    <p:sldId id="323" r:id="rId10"/>
-    <p:sldId id="322" r:id="rId11"/>
-    <p:sldId id="321" r:id="rId12"/>
-    <p:sldId id="320" r:id="rId13"/>
-    <p:sldId id="329" r:id="rId14"/>
-    <p:sldId id="330" r:id="rId15"/>
-    <p:sldId id="327" r:id="rId16"/>
-    <p:sldId id="325" r:id="rId17"/>
-    <p:sldId id="326" r:id="rId18"/>
-    <p:sldId id="328" r:id="rId19"/>
-    <p:sldId id="332" r:id="rId20"/>
-    <p:sldId id="333" r:id="rId21"/>
-    <p:sldId id="334" r:id="rId22"/>
+    <p:sldId id="329" r:id="rId9"/>
+    <p:sldId id="330" r:id="rId10"/>
+    <p:sldId id="327" r:id="rId11"/>
+    <p:sldId id="325" r:id="rId12"/>
+    <p:sldId id="326" r:id="rId13"/>
+    <p:sldId id="324" r:id="rId14"/>
+    <p:sldId id="328" r:id="rId15"/>
+    <p:sldId id="323" r:id="rId16"/>
+    <p:sldId id="322" r:id="rId17"/>
+    <p:sldId id="332" r:id="rId18"/>
+    <p:sldId id="333" r:id="rId19"/>
+    <p:sldId id="321" r:id="rId20"/>
+    <p:sldId id="334" r:id="rId21"/>
+    <p:sldId id="320" r:id="rId22"/>
     <p:sldId id="331" r:id="rId23"/>
     <p:sldId id="335" r:id="rId24"/>
     <p:sldId id="340" r:id="rId25"/>
@@ -876,7 +876,7 @@
     </p:spTree>
     <p:extLst>
       <p:ext uri="{BB962C8B-B14F-4D97-AF65-F5344CB8AC3E}">
-        <p14:creationId xmlns:p14="http://schemas.microsoft.com/office/powerpoint/2010/main" val="3072025035"/>
+        <p14:creationId xmlns:p14="http://schemas.microsoft.com/office/powerpoint/2010/main" val="2163143122"/>
       </p:ext>
     </p:extLst>
   </p:cSld>
@@ -985,7 +985,7 @@
     </p:spTree>
     <p:extLst>
       <p:ext uri="{BB962C8B-B14F-4D97-AF65-F5344CB8AC3E}">
-        <p14:creationId xmlns:p14="http://schemas.microsoft.com/office/powerpoint/2010/main" val="2614756581"/>
+        <p14:creationId xmlns:p14="http://schemas.microsoft.com/office/powerpoint/2010/main" val="688465585"/>
       </p:ext>
     </p:extLst>
   </p:cSld>
@@ -1094,7 +1094,7 @@
     </p:spTree>
     <p:extLst>
       <p:ext uri="{BB962C8B-B14F-4D97-AF65-F5344CB8AC3E}">
-        <p14:creationId xmlns:p14="http://schemas.microsoft.com/office/powerpoint/2010/main" val="1857412440"/>
+        <p14:creationId xmlns:p14="http://schemas.microsoft.com/office/powerpoint/2010/main" val="1747380966"/>
       </p:ext>
     </p:extLst>
   </p:cSld>
@@ -1203,7 +1203,7 @@
     </p:spTree>
     <p:extLst>
       <p:ext uri="{BB962C8B-B14F-4D97-AF65-F5344CB8AC3E}">
-        <p14:creationId xmlns:p14="http://schemas.microsoft.com/office/powerpoint/2010/main" val="3415178486"/>
+        <p14:creationId xmlns:p14="http://schemas.microsoft.com/office/powerpoint/2010/main" val="3542698576"/>
       </p:ext>
     </p:extLst>
   </p:cSld>
@@ -1312,7 +1312,7 @@
     </p:spTree>
     <p:extLst>
       <p:ext uri="{BB962C8B-B14F-4D97-AF65-F5344CB8AC3E}">
-        <p14:creationId xmlns:p14="http://schemas.microsoft.com/office/powerpoint/2010/main" val="2418241064"/>
+        <p14:creationId xmlns:p14="http://schemas.microsoft.com/office/powerpoint/2010/main" val="1602959421"/>
       </p:ext>
     </p:extLst>
   </p:cSld>
@@ -1421,7 +1421,7 @@
     </p:spTree>
     <p:extLst>
       <p:ext uri="{BB962C8B-B14F-4D97-AF65-F5344CB8AC3E}">
-        <p14:creationId xmlns:p14="http://schemas.microsoft.com/office/powerpoint/2010/main" val="2163143122"/>
+        <p14:creationId xmlns:p14="http://schemas.microsoft.com/office/powerpoint/2010/main" val="3516812312"/>
       </p:ext>
     </p:extLst>
   </p:cSld>
@@ -1530,7 +1530,7 @@
     </p:spTree>
     <p:extLst>
       <p:ext uri="{BB962C8B-B14F-4D97-AF65-F5344CB8AC3E}">
-        <p14:creationId xmlns:p14="http://schemas.microsoft.com/office/powerpoint/2010/main" val="688465585"/>
+        <p14:creationId xmlns:p14="http://schemas.microsoft.com/office/powerpoint/2010/main" val="3072025035"/>
       </p:ext>
     </p:extLst>
   </p:cSld>
@@ -1639,7 +1639,7 @@
     </p:spTree>
     <p:extLst>
       <p:ext uri="{BB962C8B-B14F-4D97-AF65-F5344CB8AC3E}">
-        <p14:creationId xmlns:p14="http://schemas.microsoft.com/office/powerpoint/2010/main" val="1747380966"/>
+        <p14:creationId xmlns:p14="http://schemas.microsoft.com/office/powerpoint/2010/main" val="3567871064"/>
       </p:ext>
     </p:extLst>
   </p:cSld>
@@ -1748,7 +1748,7 @@
     </p:spTree>
     <p:extLst>
       <p:ext uri="{BB962C8B-B14F-4D97-AF65-F5344CB8AC3E}">
-        <p14:creationId xmlns:p14="http://schemas.microsoft.com/office/powerpoint/2010/main" val="1602959421"/>
+        <p14:creationId xmlns:p14="http://schemas.microsoft.com/office/powerpoint/2010/main" val="1433842641"/>
       </p:ext>
     </p:extLst>
   </p:cSld>
@@ -1857,7 +1857,7 @@
     </p:spTree>
     <p:extLst>
       <p:ext uri="{BB962C8B-B14F-4D97-AF65-F5344CB8AC3E}">
-        <p14:creationId xmlns:p14="http://schemas.microsoft.com/office/powerpoint/2010/main" val="3567871064"/>
+        <p14:creationId xmlns:p14="http://schemas.microsoft.com/office/powerpoint/2010/main" val="2614756581"/>
       </p:ext>
     </p:extLst>
   </p:cSld>
@@ -2070,7 +2070,7 @@
     </p:spTree>
     <p:extLst>
       <p:ext uri="{BB962C8B-B14F-4D97-AF65-F5344CB8AC3E}">
-        <p14:creationId xmlns:p14="http://schemas.microsoft.com/office/powerpoint/2010/main" val="1433842641"/>
+        <p14:creationId xmlns:p14="http://schemas.microsoft.com/office/powerpoint/2010/main" val="1857412440"/>
       </p:ext>
     </p:extLst>
   </p:cSld>
@@ -3051,7 +3051,7 @@
     </p:spTree>
     <p:extLst>
       <p:ext uri="{BB962C8B-B14F-4D97-AF65-F5344CB8AC3E}">
-        <p14:creationId xmlns:p14="http://schemas.microsoft.com/office/powerpoint/2010/main" val="3542698576"/>
+        <p14:creationId xmlns:p14="http://schemas.microsoft.com/office/powerpoint/2010/main" val="3415178486"/>
       </p:ext>
     </p:extLst>
   </p:cSld>
@@ -3160,7 +3160,7 @@
     </p:spTree>
     <p:extLst>
       <p:ext uri="{BB962C8B-B14F-4D97-AF65-F5344CB8AC3E}">
-        <p14:creationId xmlns:p14="http://schemas.microsoft.com/office/powerpoint/2010/main" val="3516812312"/>
+        <p14:creationId xmlns:p14="http://schemas.microsoft.com/office/powerpoint/2010/main" val="2418241064"/>
       </p:ext>
     </p:extLst>
   </p:cSld>
@@ -3396,7 +3396,7 @@
           <a:p>
             <a:fld id="{4BDF68E2-58F2-4D09-BE8B-E3BD06533059}" type="datetimeFigureOut">
               <a:rPr lang="en-US" dirty="0"/>
-              <a:t>11/22/2019</a:t>
+              <a:t>12/3/2019</a:t>
             </a:fld>
             <a:endParaRPr lang="en-US" dirty="0"/>
           </a:p>
@@ -3614,7 +3614,7 @@
           <a:p>
             <a:fld id="{2E2D6473-DF6D-4702-B328-E0DD40540A4E}" type="datetimeFigureOut">
               <a:rPr lang="en-US" dirty="0"/>
-              <a:t>11/22/2019</a:t>
+              <a:t>12/3/2019</a:t>
             </a:fld>
             <a:endParaRPr lang="en-US" dirty="0"/>
           </a:p>
@@ -3880,7 +3880,7 @@
           <a:p>
             <a:fld id="{E26F7E3A-B166-407D-9866-32884E7D5B37}" type="datetimeFigureOut">
               <a:rPr lang="en-US" dirty="0"/>
-              <a:t>11/22/2019</a:t>
+              <a:t>12/3/2019</a:t>
             </a:fld>
             <a:endParaRPr lang="en-US" dirty="0"/>
           </a:p>
@@ -4922,7 +4922,7 @@
           <a:p>
             <a:fld id="{528FC5F6-F338-4AE4-BB23-26385BCFC423}" type="datetimeFigureOut">
               <a:rPr lang="en-US" dirty="0"/>
-              <a:t>11/22/2019</a:t>
+              <a:t>12/3/2019</a:t>
             </a:fld>
             <a:endParaRPr lang="en-US" dirty="0"/>
           </a:p>
@@ -5275,7 +5275,7 @@
           <a:p>
             <a:fld id="{20EBB0C4-6273-4C6E-B9BD-2EDC30F1CD52}" type="datetimeFigureOut">
               <a:rPr lang="en-US" dirty="0"/>
-              <a:t>11/22/2019</a:t>
+              <a:t>12/3/2019</a:t>
             </a:fld>
             <a:endParaRPr lang="en-US" dirty="0"/>
           </a:p>
@@ -5560,7 +5560,7 @@
           <a:p>
             <a:fld id="{19AB4D41-86C1-4908-B66A-0B50CEB3BF29}" type="datetimeFigureOut">
               <a:rPr lang="en-US" dirty="0"/>
-              <a:t>11/22/2019</a:t>
+              <a:t>12/3/2019</a:t>
             </a:fld>
             <a:endParaRPr lang="en-US" dirty="0"/>
           </a:p>
@@ -5949,7 +5949,7 @@
           <a:p>
             <a:fld id="{E6426E2C-56C1-4E0D-A793-0088A7FDD37E}" type="datetimeFigureOut">
               <a:rPr lang="en-US" dirty="0"/>
-              <a:t>11/22/2019</a:t>
+              <a:t>12/3/2019</a:t>
             </a:fld>
             <a:endParaRPr lang="en-US" dirty="0"/>
           </a:p>
@@ -6077,7 +6077,7 @@
           <a:p>
             <a:fld id="{C8C39B41-D8B5-4052-B551-9B5525EAA8B6}" type="datetimeFigureOut">
               <a:rPr lang="en-US" dirty="0"/>
-              <a:t>11/22/2019</a:t>
+              <a:t>12/3/2019</a:t>
             </a:fld>
             <a:endParaRPr lang="en-US" dirty="0"/>
           </a:p>
@@ -6258,7 +6258,7 @@
           <a:p>
             <a:fld id="{4D94136C-8742-45B2-AF27-D93DF72833A9}" type="datetimeFigureOut">
               <a:rPr lang="en-US" dirty="0"/>
-              <a:t>11/22/2019</a:t>
+              <a:t>12/3/2019</a:t>
             </a:fld>
             <a:endParaRPr lang="en-US" dirty="0"/>
           </a:p>
@@ -6622,7 +6622,7 @@
           <a:p>
             <a:fld id="{32ABBEA6-7C60-4B02-AE87-00D78D8422AF}" type="datetimeFigureOut">
               <a:rPr lang="en-US" dirty="0"/>
-              <a:t>11/22/2019</a:t>
+              <a:t>12/3/2019</a:t>
             </a:fld>
             <a:endParaRPr lang="en-US" dirty="0"/>
           </a:p>
@@ -7014,7 +7014,7 @@
           <a:p>
             <a:fld id="{C9CAD897-D46E-4AD2-BD9B-49DD3E640873}" type="datetimeFigureOut">
               <a:rPr lang="en-US" dirty="0"/>
-              <a:t>11/22/2019</a:t>
+              <a:t>12/3/2019</a:t>
             </a:fld>
             <a:endParaRPr lang="en-US" dirty="0"/>
           </a:p>
@@ -7311,7 +7311,7 @@
           <a:p>
             <a:fld id="{98624D31-43A5-475A-80CF-332C9F6DCF35}" type="datetimeFigureOut">
               <a:rPr lang="en-US" dirty="0"/>
-              <a:t>11/22/2019</a:t>
+              <a:t>12/3/2019</a:t>
             </a:fld>
             <a:endParaRPr lang="en-US" dirty="0"/>
           </a:p>
@@ -7890,7 +7890,7 @@
               <a:t>Monitoramento com </a:t>
             </a:r>
             <a:r>
-              <a:rPr lang="pt-BR" sz="3800">
+              <a:rPr lang="pt-BR" sz="3800" dirty="0" err="1">
                 <a:latin typeface="Roboto" panose="02000000000000000000" pitchFamily="2" charset="0"/>
                 <a:ea typeface="Roboto" panose="02000000000000000000" pitchFamily="2" charset="0"/>
               </a:rPr>
@@ -7942,613 +7942,6 @@
 </file>
 
 <file path=ppt/slides/slide10.xml><?xml version="1.0" encoding="utf-8"?>
-<p:sld xmlns:a="http://schemas.openxmlformats.org/drawingml/2006/main" xmlns:r="http://schemas.openxmlformats.org/officeDocument/2006/relationships" xmlns:p="http://schemas.openxmlformats.org/presentationml/2006/main">
-  <p:cSld>
-    <p:spTree>
-      <p:nvGrpSpPr>
-        <p:cNvPr id="1" name="Shape 358"/>
-        <p:cNvGrpSpPr/>
-        <p:nvPr/>
-      </p:nvGrpSpPr>
-      <p:grpSpPr>
-        <a:xfrm>
-          <a:off x="0" y="0"/>
-          <a:ext cx="0" cy="0"/>
-          <a:chOff x="0" y="0"/>
-          <a:chExt cx="0" cy="0"/>
-        </a:xfrm>
-      </p:grpSpPr>
-      <p:pic>
-        <p:nvPicPr>
-          <p:cNvPr id="3" name="Imagem 2">
-            <a:extLst>
-              <a:ext uri="{FF2B5EF4-FFF2-40B4-BE49-F238E27FC236}">
-                <a16:creationId xmlns:a16="http://schemas.microsoft.com/office/drawing/2014/main" id="{0F252917-ECF4-442A-96AB-395EB7B14D10}"/>
-              </a:ext>
-            </a:extLst>
-          </p:cNvPr>
-          <p:cNvPicPr>
-            <a:picLocks noChangeAspect="1"/>
-          </p:cNvPicPr>
-          <p:nvPr/>
-        </p:nvPicPr>
-        <p:blipFill>
-          <a:blip r:embed="rId3"/>
-          <a:srcRect/>
-          <a:stretch/>
-        </p:blipFill>
-        <p:spPr>
-          <a:xfrm>
-            <a:off x="1095042" y="431150"/>
-            <a:ext cx="6953915" cy="4174408"/>
-          </a:xfrm>
-          <a:prstGeom prst="rect">
-            <a:avLst/>
-          </a:prstGeom>
-        </p:spPr>
-      </p:pic>
-    </p:spTree>
-    <p:extLst>
-      <p:ext uri="{BB962C8B-B14F-4D97-AF65-F5344CB8AC3E}">
-        <p14:creationId xmlns:p14="http://schemas.microsoft.com/office/powerpoint/2010/main" val="2823612099"/>
-      </p:ext>
-    </p:extLst>
-  </p:cSld>
-  <p:clrMapOvr>
-    <a:masterClrMapping/>
-  </p:clrMapOvr>
-</p:sld>
-</file>
-
-<file path=ppt/slides/slide11.xml><?xml version="1.0" encoding="utf-8"?>
-<p:sld xmlns:a="http://schemas.openxmlformats.org/drawingml/2006/main" xmlns:r="http://schemas.openxmlformats.org/officeDocument/2006/relationships" xmlns:p="http://schemas.openxmlformats.org/presentationml/2006/main">
-  <p:cSld>
-    <p:spTree>
-      <p:nvGrpSpPr>
-        <p:cNvPr id="1" name="Shape 358"/>
-        <p:cNvGrpSpPr/>
-        <p:nvPr/>
-      </p:nvGrpSpPr>
-      <p:grpSpPr>
-        <a:xfrm>
-          <a:off x="0" y="0"/>
-          <a:ext cx="0" cy="0"/>
-          <a:chOff x="0" y="0"/>
-          <a:chExt cx="0" cy="0"/>
-        </a:xfrm>
-      </p:grpSpPr>
-      <p:pic>
-        <p:nvPicPr>
-          <p:cNvPr id="3" name="Imagem 2">
-            <a:extLst>
-              <a:ext uri="{FF2B5EF4-FFF2-40B4-BE49-F238E27FC236}">
-                <a16:creationId xmlns:a16="http://schemas.microsoft.com/office/drawing/2014/main" id="{0F252917-ECF4-442A-96AB-395EB7B14D10}"/>
-              </a:ext>
-            </a:extLst>
-          </p:cNvPr>
-          <p:cNvPicPr>
-            <a:picLocks noChangeAspect="1"/>
-          </p:cNvPicPr>
-          <p:nvPr/>
-        </p:nvPicPr>
-        <p:blipFill>
-          <a:blip r:embed="rId3"/>
-          <a:srcRect/>
-          <a:stretch/>
-        </p:blipFill>
-        <p:spPr>
-          <a:xfrm>
-            <a:off x="1095042" y="431150"/>
-            <a:ext cx="6953915" cy="4174408"/>
-          </a:xfrm>
-          <a:prstGeom prst="rect">
-            <a:avLst/>
-          </a:prstGeom>
-        </p:spPr>
-      </p:pic>
-    </p:spTree>
-    <p:extLst>
-      <p:ext uri="{BB962C8B-B14F-4D97-AF65-F5344CB8AC3E}">
-        <p14:creationId xmlns:p14="http://schemas.microsoft.com/office/powerpoint/2010/main" val="4292202780"/>
-      </p:ext>
-    </p:extLst>
-  </p:cSld>
-  <p:clrMapOvr>
-    <a:masterClrMapping/>
-  </p:clrMapOvr>
-</p:sld>
-</file>
-
-<file path=ppt/slides/slide12.xml><?xml version="1.0" encoding="utf-8"?>
-<p:sld xmlns:a="http://schemas.openxmlformats.org/drawingml/2006/main" xmlns:r="http://schemas.openxmlformats.org/officeDocument/2006/relationships" xmlns:p="http://schemas.openxmlformats.org/presentationml/2006/main">
-  <p:cSld>
-    <p:spTree>
-      <p:nvGrpSpPr>
-        <p:cNvPr id="1" name="Shape 358"/>
-        <p:cNvGrpSpPr/>
-        <p:nvPr/>
-      </p:nvGrpSpPr>
-      <p:grpSpPr>
-        <a:xfrm>
-          <a:off x="0" y="0"/>
-          <a:ext cx="0" cy="0"/>
-          <a:chOff x="0" y="0"/>
-          <a:chExt cx="0" cy="0"/>
-        </a:xfrm>
-      </p:grpSpPr>
-      <p:pic>
-        <p:nvPicPr>
-          <p:cNvPr id="3" name="Imagem 2">
-            <a:extLst>
-              <a:ext uri="{FF2B5EF4-FFF2-40B4-BE49-F238E27FC236}">
-                <a16:creationId xmlns:a16="http://schemas.microsoft.com/office/drawing/2014/main" id="{0F252917-ECF4-442A-96AB-395EB7B14D10}"/>
-              </a:ext>
-            </a:extLst>
-          </p:cNvPr>
-          <p:cNvPicPr>
-            <a:picLocks noChangeAspect="1"/>
-          </p:cNvPicPr>
-          <p:nvPr/>
-        </p:nvPicPr>
-        <p:blipFill>
-          <a:blip r:embed="rId3"/>
-          <a:srcRect/>
-          <a:stretch/>
-        </p:blipFill>
-        <p:spPr>
-          <a:xfrm>
-            <a:off x="1095042" y="431150"/>
-            <a:ext cx="6953915" cy="4174408"/>
-          </a:xfrm>
-          <a:prstGeom prst="rect">
-            <a:avLst/>
-          </a:prstGeom>
-        </p:spPr>
-      </p:pic>
-    </p:spTree>
-    <p:extLst>
-      <p:ext uri="{BB962C8B-B14F-4D97-AF65-F5344CB8AC3E}">
-        <p14:creationId xmlns:p14="http://schemas.microsoft.com/office/powerpoint/2010/main" val="2467578592"/>
-      </p:ext>
-    </p:extLst>
-  </p:cSld>
-  <p:clrMapOvr>
-    <a:masterClrMapping/>
-  </p:clrMapOvr>
-</p:sld>
-</file>
-
-<file path=ppt/slides/slide13.xml><?xml version="1.0" encoding="utf-8"?>
-<p:sld xmlns:a="http://schemas.openxmlformats.org/drawingml/2006/main" xmlns:r="http://schemas.openxmlformats.org/officeDocument/2006/relationships" xmlns:p="http://schemas.openxmlformats.org/presentationml/2006/main">
-  <p:cSld>
-    <p:spTree>
-      <p:nvGrpSpPr>
-        <p:cNvPr id="1" name="Shape 358"/>
-        <p:cNvGrpSpPr/>
-        <p:nvPr/>
-      </p:nvGrpSpPr>
-      <p:grpSpPr>
-        <a:xfrm>
-          <a:off x="0" y="0"/>
-          <a:ext cx="0" cy="0"/>
-          <a:chOff x="0" y="0"/>
-          <a:chExt cx="0" cy="0"/>
-        </a:xfrm>
-      </p:grpSpPr>
-      <p:pic>
-        <p:nvPicPr>
-          <p:cNvPr id="6" name="Imagem 5">
-            <a:extLst>
-              <a:ext uri="{FF2B5EF4-FFF2-40B4-BE49-F238E27FC236}">
-                <a16:creationId xmlns:a16="http://schemas.microsoft.com/office/drawing/2014/main" id="{F8BD068C-A504-449C-82DF-58DB846F820B}"/>
-              </a:ext>
-            </a:extLst>
-          </p:cNvPr>
-          <p:cNvPicPr>
-            <a:picLocks noChangeAspect="1"/>
-          </p:cNvPicPr>
-          <p:nvPr/>
-        </p:nvPicPr>
-        <p:blipFill>
-          <a:blip r:embed="rId3"/>
-          <a:stretch>
-            <a:fillRect/>
-          </a:stretch>
-        </p:blipFill>
-        <p:spPr>
-          <a:xfrm>
-            <a:off x="2140764" y="1878106"/>
-            <a:ext cx="1481417" cy="1481417"/>
-          </a:xfrm>
-          <a:prstGeom prst="rect">
-            <a:avLst/>
-          </a:prstGeom>
-        </p:spPr>
-      </p:pic>
-      <p:pic>
-        <p:nvPicPr>
-          <p:cNvPr id="11" name="Imagem 10">
-            <a:extLst>
-              <a:ext uri="{FF2B5EF4-FFF2-40B4-BE49-F238E27FC236}">
-                <a16:creationId xmlns:a16="http://schemas.microsoft.com/office/drawing/2014/main" id="{D77014C1-FEF8-40EF-B2C9-452CE2CD4033}"/>
-              </a:ext>
-            </a:extLst>
-          </p:cNvPr>
-          <p:cNvPicPr>
-            <a:picLocks noChangeAspect="1"/>
-          </p:cNvPicPr>
-          <p:nvPr/>
-        </p:nvPicPr>
-        <p:blipFill>
-          <a:blip r:embed="rId4"/>
-          <a:stretch>
-            <a:fillRect/>
-          </a:stretch>
-        </p:blipFill>
-        <p:spPr>
-          <a:xfrm>
-            <a:off x="5677232" y="1912844"/>
-            <a:ext cx="1424350" cy="1411940"/>
-          </a:xfrm>
-          <a:prstGeom prst="rect">
-            <a:avLst/>
-          </a:prstGeom>
-        </p:spPr>
-      </p:pic>
-      <p:sp>
-        <p:nvSpPr>
-          <p:cNvPr id="12" name="CaixaDeTexto 11">
-            <a:extLst>
-              <a:ext uri="{FF2B5EF4-FFF2-40B4-BE49-F238E27FC236}">
-                <a16:creationId xmlns:a16="http://schemas.microsoft.com/office/drawing/2014/main" id="{F5905E5D-35C0-46CA-A27A-B82B04576DBF}"/>
-              </a:ext>
-            </a:extLst>
-          </p:cNvPr>
-          <p:cNvSpPr txBox="1"/>
-          <p:nvPr/>
-        </p:nvSpPr>
-        <p:spPr>
-          <a:xfrm>
-            <a:off x="2881473" y="645459"/>
-            <a:ext cx="3381054" cy="584775"/>
-          </a:xfrm>
-          <a:prstGeom prst="rect">
-            <a:avLst/>
-          </a:prstGeom>
-          <a:noFill/>
-        </p:spPr>
-        <p:txBody>
-          <a:bodyPr wrap="none" rtlCol="0">
-            <a:spAutoFit/>
-          </a:bodyPr>
-          <a:lstStyle/>
-          <a:p>
-            <a:r>
-              <a:rPr lang="en-US" sz="3200" b="1" dirty="0">
-                <a:latin typeface="Roboto" panose="02000000000000000000" pitchFamily="2" charset="0"/>
-                <a:ea typeface="Roboto" panose="02000000000000000000" pitchFamily="2" charset="0"/>
-              </a:rPr>
-              <a:t>Coleta dos dados</a:t>
-            </a:r>
-            <a:endParaRPr lang="pt-BR" sz="3200" b="1" dirty="0">
-              <a:latin typeface="Roboto" panose="02000000000000000000" pitchFamily="2" charset="0"/>
-              <a:ea typeface="Roboto" panose="02000000000000000000" pitchFamily="2" charset="0"/>
-            </a:endParaRPr>
-          </a:p>
-        </p:txBody>
-      </p:sp>
-      <p:pic>
-        <p:nvPicPr>
-          <p:cNvPr id="14" name="Imagem 13">
-            <a:extLst>
-              <a:ext uri="{FF2B5EF4-FFF2-40B4-BE49-F238E27FC236}">
-                <a16:creationId xmlns:a16="http://schemas.microsoft.com/office/drawing/2014/main" id="{4BFDA0D3-1A57-4E17-8B8B-215BC6D9E7F4}"/>
-              </a:ext>
-            </a:extLst>
-          </p:cNvPr>
-          <p:cNvPicPr>
-            <a:picLocks noChangeAspect="1"/>
-          </p:cNvPicPr>
-          <p:nvPr/>
-        </p:nvPicPr>
-        <p:blipFill>
-          <a:blip r:embed="rId5"/>
-          <a:stretch>
-            <a:fillRect/>
-          </a:stretch>
-        </p:blipFill>
-        <p:spPr>
-          <a:xfrm>
-            <a:off x="3168343" y="2257424"/>
-            <a:ext cx="722780" cy="722780"/>
-          </a:xfrm>
-          <a:prstGeom prst="rect">
-            <a:avLst/>
-          </a:prstGeom>
-        </p:spPr>
-      </p:pic>
-      <p:sp>
-        <p:nvSpPr>
-          <p:cNvPr id="15" name="Seta: para a Direita 14">
-            <a:extLst>
-              <a:ext uri="{FF2B5EF4-FFF2-40B4-BE49-F238E27FC236}">
-                <a16:creationId xmlns:a16="http://schemas.microsoft.com/office/drawing/2014/main" id="{A3CF5F5D-337E-418B-9E33-1AFDA75E1833}"/>
-              </a:ext>
-            </a:extLst>
-          </p:cNvPr>
-          <p:cNvSpPr/>
-          <p:nvPr/>
-        </p:nvSpPr>
-        <p:spPr>
-          <a:xfrm rot="10800000">
-            <a:off x="3897846" y="2660275"/>
-            <a:ext cx="1580029" cy="123265"/>
-          </a:xfrm>
-          <a:prstGeom prst="rightArrow">
-            <a:avLst/>
-          </a:prstGeom>
-        </p:spPr>
-        <p:style>
-          <a:lnRef idx="2">
-            <a:schemeClr val="accent1">
-              <a:shade val="50000"/>
-            </a:schemeClr>
-          </a:lnRef>
-          <a:fillRef idx="1">
-            <a:schemeClr val="accent1"/>
-          </a:fillRef>
-          <a:effectRef idx="0">
-            <a:schemeClr val="accent1"/>
-          </a:effectRef>
-          <a:fontRef idx="minor">
-            <a:schemeClr val="lt1"/>
-          </a:fontRef>
-        </p:style>
-        <p:txBody>
-          <a:bodyPr rtlCol="0" anchor="ctr"/>
-          <a:lstStyle/>
-          <a:p>
-            <a:pPr algn="ctr"/>
-            <a:endParaRPr lang="pt-BR"/>
-          </a:p>
-        </p:txBody>
-      </p:sp>
-    </p:spTree>
-    <p:extLst>
-      <p:ext uri="{BB962C8B-B14F-4D97-AF65-F5344CB8AC3E}">
-        <p14:creationId xmlns:p14="http://schemas.microsoft.com/office/powerpoint/2010/main" val="2267687944"/>
-      </p:ext>
-    </p:extLst>
-  </p:cSld>
-  <p:clrMapOvr>
-    <a:masterClrMapping/>
-  </p:clrMapOvr>
-  <p:timing>
-    <p:tnLst>
-      <p:par>
-        <p:cTn id="1" dur="indefinite" restart="never" nodeType="tmRoot">
-          <p:childTnLst>
-            <p:seq concurrent="1" nextAc="seek">
-              <p:cTn id="2" dur="indefinite" nodeType="mainSeq">
-                <p:childTnLst>
-                  <p:par>
-                    <p:cTn id="3" fill="hold">
-                      <p:stCondLst>
-                        <p:cond delay="indefinite"/>
-                      </p:stCondLst>
-                      <p:childTnLst>
-                        <p:par>
-                          <p:cTn id="4" fill="hold">
-                            <p:stCondLst>
-                              <p:cond delay="0"/>
-                            </p:stCondLst>
-                            <p:childTnLst>
-                              <p:par>
-                                <p:cTn id="5" presetID="1" presetClass="entr" presetSubtype="0" fill="hold" grpId="0" nodeType="clickEffect">
-                                  <p:stCondLst>
-                                    <p:cond delay="0"/>
-                                  </p:stCondLst>
-                                  <p:childTnLst>
-                                    <p:set>
-                                      <p:cBhvr>
-                                        <p:cTn id="6" dur="1" fill="hold">
-                                          <p:stCondLst>
-                                            <p:cond delay="0"/>
-                                          </p:stCondLst>
-                                        </p:cTn>
-                                        <p:tgtEl>
-                                          <p:spTgt spid="15"/>
-                                        </p:tgtEl>
-                                        <p:attrNameLst>
-                                          <p:attrName>style.visibility</p:attrName>
-                                        </p:attrNameLst>
-                                      </p:cBhvr>
-                                      <p:to>
-                                        <p:strVal val="visible"/>
-                                      </p:to>
-                                    </p:set>
-                                  </p:childTnLst>
-                                </p:cTn>
-                              </p:par>
-                            </p:childTnLst>
-                          </p:cTn>
-                        </p:par>
-                      </p:childTnLst>
-                    </p:cTn>
-                  </p:par>
-                  <p:par>
-                    <p:cTn id="7" fill="hold">
-                      <p:stCondLst>
-                        <p:cond delay="indefinite"/>
-                      </p:stCondLst>
-                      <p:childTnLst>
-                        <p:par>
-                          <p:cTn id="8" fill="hold">
-                            <p:stCondLst>
-                              <p:cond delay="0"/>
-                            </p:stCondLst>
-                            <p:childTnLst>
-                              <p:par>
-                                <p:cTn id="9" presetID="1" presetClass="entr" presetSubtype="0" fill="hold" nodeType="clickEffect">
-                                  <p:stCondLst>
-                                    <p:cond delay="0"/>
-                                  </p:stCondLst>
-                                  <p:childTnLst>
-                                    <p:set>
-                                      <p:cBhvr>
-                                        <p:cTn id="10" dur="1" fill="hold">
-                                          <p:stCondLst>
-                                            <p:cond delay="0"/>
-                                          </p:stCondLst>
-                                        </p:cTn>
-                                        <p:tgtEl>
-                                          <p:spTgt spid="14"/>
-                                        </p:tgtEl>
-                                        <p:attrNameLst>
-                                          <p:attrName>style.visibility</p:attrName>
-                                        </p:attrNameLst>
-                                      </p:cBhvr>
-                                      <p:to>
-                                        <p:strVal val="visible"/>
-                                      </p:to>
-                                    </p:set>
-                                  </p:childTnLst>
-                                </p:cTn>
-                              </p:par>
-                            </p:childTnLst>
-                          </p:cTn>
-                        </p:par>
-                      </p:childTnLst>
-                    </p:cTn>
-                  </p:par>
-                  <p:par>
-                    <p:cTn id="11" fill="hold">
-                      <p:stCondLst>
-                        <p:cond delay="indefinite"/>
-                      </p:stCondLst>
-                      <p:childTnLst>
-                        <p:par>
-                          <p:cTn id="12" fill="hold">
-                            <p:stCondLst>
-                              <p:cond delay="0"/>
-                            </p:stCondLst>
-                            <p:childTnLst>
-                              <p:par>
-                                <p:cTn id="13" presetID="63" presetClass="path" presetSubtype="0" accel="50000" decel="50000" fill="hold" nodeType="clickEffect">
-                                  <p:stCondLst>
-                                    <p:cond delay="0"/>
-                                  </p:stCondLst>
-                                  <p:childTnLst>
-                                    <p:animMotion origin="layout" path="M 0 0 L 0.25 0 E" pathEditMode="relative" ptsTypes="">
-                                      <p:cBhvr>
-                                        <p:cTn id="14" dur="2000" fill="hold"/>
-                                        <p:tgtEl>
-                                          <p:spTgt spid="14"/>
-                                        </p:tgtEl>
-                                        <p:attrNameLst>
-                                          <p:attrName>ppt_x</p:attrName>
-                                          <p:attrName>ppt_y</p:attrName>
-                                        </p:attrNameLst>
-                                      </p:cBhvr>
-                                    </p:animMotion>
-                                  </p:childTnLst>
-                                </p:cTn>
-                              </p:par>
-                            </p:childTnLst>
-                          </p:cTn>
-                        </p:par>
-                      </p:childTnLst>
-                    </p:cTn>
-                  </p:par>
-                </p:childTnLst>
-              </p:cTn>
-              <p:prevCondLst>
-                <p:cond evt="onPrev" delay="0">
-                  <p:tgtEl>
-                    <p:sldTgt/>
-                  </p:tgtEl>
-                </p:cond>
-              </p:prevCondLst>
-              <p:nextCondLst>
-                <p:cond evt="onNext" delay="0">
-                  <p:tgtEl>
-                    <p:sldTgt/>
-                  </p:tgtEl>
-                </p:cond>
-              </p:nextCondLst>
-            </p:seq>
-          </p:childTnLst>
-        </p:cTn>
-      </p:par>
-    </p:tnLst>
-    <p:bldLst>
-      <p:bldP spid="15" grpId="0" animBg="1"/>
-    </p:bldLst>
-  </p:timing>
-</p:sld>
-</file>
-
-<file path=ppt/slides/slide14.xml><?xml version="1.0" encoding="utf-8"?>
-<p:sld xmlns:a="http://schemas.openxmlformats.org/drawingml/2006/main" xmlns:r="http://schemas.openxmlformats.org/officeDocument/2006/relationships" xmlns:p="http://schemas.openxmlformats.org/presentationml/2006/main">
-  <p:cSld>
-    <p:spTree>
-      <p:nvGrpSpPr>
-        <p:cNvPr id="1" name="Shape 358"/>
-        <p:cNvGrpSpPr/>
-        <p:nvPr/>
-      </p:nvGrpSpPr>
-      <p:grpSpPr>
-        <a:xfrm>
-          <a:off x="0" y="0"/>
-          <a:ext cx="0" cy="0"/>
-          <a:chOff x="0" y="0"/>
-          <a:chExt cx="0" cy="0"/>
-        </a:xfrm>
-      </p:grpSpPr>
-      <p:pic>
-        <p:nvPicPr>
-          <p:cNvPr id="5" name="Imagem 4">
-            <a:extLst>
-              <a:ext uri="{FF2B5EF4-FFF2-40B4-BE49-F238E27FC236}">
-                <a16:creationId xmlns:a16="http://schemas.microsoft.com/office/drawing/2014/main" id="{6B5FD55F-B714-42CA-8BF8-C7B0AF138695}"/>
-              </a:ext>
-            </a:extLst>
-          </p:cNvPr>
-          <p:cNvPicPr>
-            <a:picLocks noChangeAspect="1"/>
-          </p:cNvPicPr>
-          <p:nvPr/>
-        </p:nvPicPr>
-        <p:blipFill>
-          <a:blip r:embed="rId3"/>
-          <a:stretch>
-            <a:fillRect/>
-          </a:stretch>
-        </p:blipFill>
-        <p:spPr>
-          <a:xfrm>
-            <a:off x="1660711" y="205907"/>
-            <a:ext cx="5943600" cy="4314825"/>
-          </a:xfrm>
-          <a:prstGeom prst="rect">
-            <a:avLst/>
-          </a:prstGeom>
-        </p:spPr>
-      </p:pic>
-    </p:spTree>
-    <p:extLst>
-      <p:ext uri="{BB962C8B-B14F-4D97-AF65-F5344CB8AC3E}">
-        <p14:creationId xmlns:p14="http://schemas.microsoft.com/office/powerpoint/2010/main" val="43124614"/>
-      </p:ext>
-    </p:extLst>
-  </p:cSld>
-  <p:clrMapOvr>
-    <a:masterClrMapping/>
-  </p:clrMapOvr>
-</p:sld>
-</file>
-
-<file path=ppt/slides/slide15.xml><?xml version="1.0" encoding="utf-8"?>
 <p:sld xmlns:a="http://schemas.openxmlformats.org/drawingml/2006/main" xmlns:r="http://schemas.openxmlformats.org/officeDocument/2006/relationships" xmlns:p="http://schemas.openxmlformats.org/presentationml/2006/main">
   <p:cSld>
     <p:spTree>
@@ -9085,7 +8478,7 @@
 </p:sld>
 </file>
 
-<file path=ppt/slides/slide16.xml><?xml version="1.0" encoding="utf-8"?>
+<file path=ppt/slides/slide11.xml><?xml version="1.0" encoding="utf-8"?>
 <p:sld xmlns:a="http://schemas.openxmlformats.org/drawingml/2006/main" xmlns:r="http://schemas.openxmlformats.org/officeDocument/2006/relationships" xmlns:p="http://schemas.openxmlformats.org/presentationml/2006/main">
   <p:cSld>
     <p:spTree>
@@ -9265,7 +8658,7 @@
 </p:sld>
 </file>
 
-<file path=ppt/slides/slide17.xml><?xml version="1.0" encoding="utf-8"?>
+<file path=ppt/slides/slide12.xml><?xml version="1.0" encoding="utf-8"?>
 <p:sld xmlns:a="http://schemas.openxmlformats.org/drawingml/2006/main" xmlns:r="http://schemas.openxmlformats.org/officeDocument/2006/relationships" xmlns:p="http://schemas.openxmlformats.org/presentationml/2006/main">
   <p:cSld>
     <p:spTree>
@@ -10804,7 +10197,66 @@
 </p:sld>
 </file>
 
-<file path=ppt/slides/slide18.xml><?xml version="1.0" encoding="utf-8"?>
+<file path=ppt/slides/slide13.xml><?xml version="1.0" encoding="utf-8"?>
+<p:sld xmlns:a="http://schemas.openxmlformats.org/drawingml/2006/main" xmlns:r="http://schemas.openxmlformats.org/officeDocument/2006/relationships" xmlns:p="http://schemas.openxmlformats.org/presentationml/2006/main">
+  <p:cSld>
+    <p:spTree>
+      <p:nvGrpSpPr>
+        <p:cNvPr id="1" name="Shape 358"/>
+        <p:cNvGrpSpPr/>
+        <p:nvPr/>
+      </p:nvGrpSpPr>
+      <p:grpSpPr>
+        <a:xfrm>
+          <a:off x="0" y="0"/>
+          <a:ext cx="0" cy="0"/>
+          <a:chOff x="0" y="0"/>
+          <a:chExt cx="0" cy="0"/>
+        </a:xfrm>
+      </p:grpSpPr>
+      <p:pic>
+        <p:nvPicPr>
+          <p:cNvPr id="3" name="Imagem 2">
+            <a:extLst>
+              <a:ext uri="{FF2B5EF4-FFF2-40B4-BE49-F238E27FC236}">
+                <a16:creationId xmlns:a16="http://schemas.microsoft.com/office/drawing/2014/main" id="{0F252917-ECF4-442A-96AB-395EB7B14D10}"/>
+              </a:ext>
+            </a:extLst>
+          </p:cNvPr>
+          <p:cNvPicPr>
+            <a:picLocks noChangeAspect="1"/>
+          </p:cNvPicPr>
+          <p:nvPr/>
+        </p:nvPicPr>
+        <p:blipFill>
+          <a:blip r:embed="rId3"/>
+          <a:srcRect/>
+          <a:stretch/>
+        </p:blipFill>
+        <p:spPr>
+          <a:xfrm>
+            <a:off x="1095042" y="431150"/>
+            <a:ext cx="6953915" cy="4174408"/>
+          </a:xfrm>
+          <a:prstGeom prst="rect">
+            <a:avLst/>
+          </a:prstGeom>
+        </p:spPr>
+      </p:pic>
+    </p:spTree>
+    <p:extLst>
+      <p:ext uri="{BB962C8B-B14F-4D97-AF65-F5344CB8AC3E}">
+        <p14:creationId xmlns:p14="http://schemas.microsoft.com/office/powerpoint/2010/main" val="201540624"/>
+      </p:ext>
+    </p:extLst>
+  </p:cSld>
+  <p:clrMapOvr>
+    <a:masterClrMapping/>
+  </p:clrMapOvr>
+</p:sld>
+</file>
+
+<file path=ppt/slides/slide14.xml><?xml version="1.0" encoding="utf-8"?>
 <p:sld xmlns:a="http://schemas.openxmlformats.org/drawingml/2006/main" xmlns:r="http://schemas.openxmlformats.org/officeDocument/2006/relationships" xmlns:p="http://schemas.openxmlformats.org/presentationml/2006/main">
   <p:cSld>
     <p:spTree>
@@ -11369,7 +10821,125 @@
 </p:sld>
 </file>
 
-<file path=ppt/slides/slide19.xml><?xml version="1.0" encoding="utf-8"?>
+<file path=ppt/slides/slide15.xml><?xml version="1.0" encoding="utf-8"?>
+<p:sld xmlns:a="http://schemas.openxmlformats.org/drawingml/2006/main" xmlns:r="http://schemas.openxmlformats.org/officeDocument/2006/relationships" xmlns:p="http://schemas.openxmlformats.org/presentationml/2006/main">
+  <p:cSld>
+    <p:spTree>
+      <p:nvGrpSpPr>
+        <p:cNvPr id="1" name="Shape 358"/>
+        <p:cNvGrpSpPr/>
+        <p:nvPr/>
+      </p:nvGrpSpPr>
+      <p:grpSpPr>
+        <a:xfrm>
+          <a:off x="0" y="0"/>
+          <a:ext cx="0" cy="0"/>
+          <a:chOff x="0" y="0"/>
+          <a:chExt cx="0" cy="0"/>
+        </a:xfrm>
+      </p:grpSpPr>
+      <p:pic>
+        <p:nvPicPr>
+          <p:cNvPr id="3" name="Imagem 2">
+            <a:extLst>
+              <a:ext uri="{FF2B5EF4-FFF2-40B4-BE49-F238E27FC236}">
+                <a16:creationId xmlns:a16="http://schemas.microsoft.com/office/drawing/2014/main" id="{0F252917-ECF4-442A-96AB-395EB7B14D10}"/>
+              </a:ext>
+            </a:extLst>
+          </p:cNvPr>
+          <p:cNvPicPr>
+            <a:picLocks noChangeAspect="1"/>
+          </p:cNvPicPr>
+          <p:nvPr/>
+        </p:nvPicPr>
+        <p:blipFill>
+          <a:blip r:embed="rId3"/>
+          <a:srcRect/>
+          <a:stretch/>
+        </p:blipFill>
+        <p:spPr>
+          <a:xfrm>
+            <a:off x="1095042" y="431150"/>
+            <a:ext cx="6953915" cy="4174408"/>
+          </a:xfrm>
+          <a:prstGeom prst="rect">
+            <a:avLst/>
+          </a:prstGeom>
+        </p:spPr>
+      </p:pic>
+    </p:spTree>
+    <p:extLst>
+      <p:ext uri="{BB962C8B-B14F-4D97-AF65-F5344CB8AC3E}">
+        <p14:creationId xmlns:p14="http://schemas.microsoft.com/office/powerpoint/2010/main" val="3089370334"/>
+      </p:ext>
+    </p:extLst>
+  </p:cSld>
+  <p:clrMapOvr>
+    <a:masterClrMapping/>
+  </p:clrMapOvr>
+</p:sld>
+</file>
+
+<file path=ppt/slides/slide16.xml><?xml version="1.0" encoding="utf-8"?>
+<p:sld xmlns:a="http://schemas.openxmlformats.org/drawingml/2006/main" xmlns:r="http://schemas.openxmlformats.org/officeDocument/2006/relationships" xmlns:p="http://schemas.openxmlformats.org/presentationml/2006/main">
+  <p:cSld>
+    <p:spTree>
+      <p:nvGrpSpPr>
+        <p:cNvPr id="1" name="Shape 358"/>
+        <p:cNvGrpSpPr/>
+        <p:nvPr/>
+      </p:nvGrpSpPr>
+      <p:grpSpPr>
+        <a:xfrm>
+          <a:off x="0" y="0"/>
+          <a:ext cx="0" cy="0"/>
+          <a:chOff x="0" y="0"/>
+          <a:chExt cx="0" cy="0"/>
+        </a:xfrm>
+      </p:grpSpPr>
+      <p:pic>
+        <p:nvPicPr>
+          <p:cNvPr id="3" name="Imagem 2">
+            <a:extLst>
+              <a:ext uri="{FF2B5EF4-FFF2-40B4-BE49-F238E27FC236}">
+                <a16:creationId xmlns:a16="http://schemas.microsoft.com/office/drawing/2014/main" id="{0F252917-ECF4-442A-96AB-395EB7B14D10}"/>
+              </a:ext>
+            </a:extLst>
+          </p:cNvPr>
+          <p:cNvPicPr>
+            <a:picLocks noChangeAspect="1"/>
+          </p:cNvPicPr>
+          <p:nvPr/>
+        </p:nvPicPr>
+        <p:blipFill>
+          <a:blip r:embed="rId3"/>
+          <a:srcRect/>
+          <a:stretch/>
+        </p:blipFill>
+        <p:spPr>
+          <a:xfrm>
+            <a:off x="1095042" y="431150"/>
+            <a:ext cx="6953915" cy="4174408"/>
+          </a:xfrm>
+          <a:prstGeom prst="rect">
+            <a:avLst/>
+          </a:prstGeom>
+        </p:spPr>
+      </p:pic>
+    </p:spTree>
+    <p:extLst>
+      <p:ext uri="{BB962C8B-B14F-4D97-AF65-F5344CB8AC3E}">
+        <p14:creationId xmlns:p14="http://schemas.microsoft.com/office/powerpoint/2010/main" val="2823612099"/>
+      </p:ext>
+    </p:extLst>
+  </p:cSld>
+  <p:clrMapOvr>
+    <a:masterClrMapping/>
+  </p:clrMapOvr>
+</p:sld>
+</file>
+
+<file path=ppt/slides/slide17.xml><?xml version="1.0" encoding="utf-8"?>
 <p:sld xmlns:a="http://schemas.openxmlformats.org/drawingml/2006/main" xmlns:r="http://schemas.openxmlformats.org/officeDocument/2006/relationships" xmlns:p="http://schemas.openxmlformats.org/presentationml/2006/main">
   <p:cSld>
     <p:spTree>
@@ -11492,536 +11062,7 @@
 </p:sld>
 </file>
 
-<file path=ppt/slides/slide2.xml><?xml version="1.0" encoding="utf-8"?>
-<p:sld xmlns:a="http://schemas.openxmlformats.org/drawingml/2006/main" xmlns:r="http://schemas.openxmlformats.org/officeDocument/2006/relationships" xmlns:p="http://schemas.openxmlformats.org/presentationml/2006/main">
-  <p:cSld>
-    <p:spTree>
-      <p:nvGrpSpPr>
-        <p:cNvPr id="1" name="Shape 350"/>
-        <p:cNvGrpSpPr/>
-        <p:nvPr/>
-      </p:nvGrpSpPr>
-      <p:grpSpPr>
-        <a:xfrm>
-          <a:off x="0" y="0"/>
-          <a:ext cx="0" cy="0"/>
-          <a:chOff x="0" y="0"/>
-          <a:chExt cx="0" cy="0"/>
-        </a:xfrm>
-      </p:grpSpPr>
-      <p:sp>
-        <p:nvSpPr>
-          <p:cNvPr id="9" name="Google Shape;352;p13">
-            <a:extLst>
-              <a:ext uri="{FF2B5EF4-FFF2-40B4-BE49-F238E27FC236}">
-                <a16:creationId xmlns:a16="http://schemas.microsoft.com/office/drawing/2014/main" id="{1018BA2E-FDE0-4044-AA13-4C495BF1C438}"/>
-              </a:ext>
-            </a:extLst>
-          </p:cNvPr>
-          <p:cNvSpPr txBox="1">
-            <a:spLocks noGrp="1"/>
-          </p:cNvSpPr>
-          <p:nvPr>
-            <p:ph type="body" sz="half" idx="2"/>
-          </p:nvPr>
-        </p:nvSpPr>
-        <p:spPr>
-          <a:xfrm>
-            <a:off x="3310851" y="596534"/>
-            <a:ext cx="5496362" cy="1502430"/>
-          </a:xfrm>
-          <a:prstGeom prst="rect">
-            <a:avLst/>
-          </a:prstGeom>
-        </p:spPr>
-        <p:txBody>
-          <a:bodyPr spcFirstLastPara="1" wrap="square" lIns="91425" tIns="91425" rIns="91425" bIns="91425" anchor="t" anchorCtr="0">
-            <a:noAutofit/>
-          </a:bodyPr>
-          <a:lstStyle/>
-          <a:p>
-            <a:pPr marL="0" indent="0">
-              <a:lnSpc>
-                <a:spcPct val="85000"/>
-              </a:lnSpc>
-              <a:spcBef>
-                <a:spcPct val="0"/>
-              </a:spcBef>
-              <a:spcAft>
-                <a:spcPts val="0"/>
-              </a:spcAft>
-            </a:pPr>
-            <a:r>
-              <a:rPr lang="en-US" sz="4800" b="1" spc="-38" dirty="0" err="1">
-                <a:solidFill>
-                  <a:schemeClr val="tx1">
-                    <a:lumMod val="85000"/>
-                    <a:lumOff val="15000"/>
-                  </a:schemeClr>
-                </a:solidFill>
-                <a:latin typeface="Roboto" panose="02000000000000000000" pitchFamily="2" charset="0"/>
-                <a:ea typeface="Roboto" panose="02000000000000000000" pitchFamily="2" charset="0"/>
-                <a:cs typeface="+mj-cs"/>
-              </a:rPr>
-              <a:t>Fabrício</a:t>
-            </a:r>
-            <a:r>
-              <a:rPr lang="en-US" sz="4800" b="1" spc="-38" dirty="0">
-                <a:solidFill>
-                  <a:schemeClr val="tx1">
-                    <a:lumMod val="85000"/>
-                    <a:lumOff val="15000"/>
-                  </a:schemeClr>
-                </a:solidFill>
-                <a:latin typeface="Roboto" panose="02000000000000000000" pitchFamily="2" charset="0"/>
-                <a:ea typeface="Roboto" panose="02000000000000000000" pitchFamily="2" charset="0"/>
-                <a:cs typeface="+mj-cs"/>
-              </a:rPr>
-              <a:t> Veronez</a:t>
-            </a:r>
-            <a:endParaRPr sz="4800" b="1" spc="-38" dirty="0">
-              <a:solidFill>
-                <a:schemeClr val="tx1">
-                  <a:lumMod val="85000"/>
-                  <a:lumOff val="15000"/>
-                </a:schemeClr>
-              </a:solidFill>
-              <a:latin typeface="Roboto" panose="02000000000000000000" pitchFamily="2" charset="0"/>
-              <a:ea typeface="Roboto" panose="02000000000000000000" pitchFamily="2" charset="0"/>
-              <a:cs typeface="+mj-cs"/>
-            </a:endParaRPr>
-          </a:p>
-          <a:p>
-            <a:pPr marL="0" indent="0">
-              <a:lnSpc>
-                <a:spcPct val="85000"/>
-              </a:lnSpc>
-              <a:spcBef>
-                <a:spcPct val="0"/>
-              </a:spcBef>
-              <a:spcAft>
-                <a:spcPts val="0"/>
-              </a:spcAft>
-            </a:pPr>
-            <a:r>
-              <a:rPr lang="en-US" sz="3200" spc="-38" dirty="0" err="1">
-                <a:solidFill>
-                  <a:schemeClr val="tx1">
-                    <a:lumMod val="85000"/>
-                    <a:lumOff val="15000"/>
-                  </a:schemeClr>
-                </a:solidFill>
-                <a:latin typeface="Roboto" panose="02000000000000000000" pitchFamily="2" charset="0"/>
-                <a:ea typeface="Roboto" panose="02000000000000000000" pitchFamily="2" charset="0"/>
-                <a:cs typeface="+mj-cs"/>
-              </a:rPr>
-              <a:t>Arquiteto</a:t>
-            </a:r>
-            <a:r>
-              <a:rPr lang="en-US" sz="3200" spc="-38" dirty="0">
-                <a:solidFill>
-                  <a:schemeClr val="tx1">
-                    <a:lumMod val="85000"/>
-                    <a:lumOff val="15000"/>
-                  </a:schemeClr>
-                </a:solidFill>
-                <a:latin typeface="Roboto" panose="02000000000000000000" pitchFamily="2" charset="0"/>
-                <a:ea typeface="Roboto" panose="02000000000000000000" pitchFamily="2" charset="0"/>
-                <a:cs typeface="+mj-cs"/>
-              </a:rPr>
-              <a:t> de </a:t>
-            </a:r>
-            <a:r>
-              <a:rPr lang="en-US" sz="3200" spc="-38" dirty="0" err="1">
-                <a:solidFill>
-                  <a:schemeClr val="tx1">
-                    <a:lumMod val="85000"/>
-                    <a:lumOff val="15000"/>
-                  </a:schemeClr>
-                </a:solidFill>
-                <a:latin typeface="Roboto" panose="02000000000000000000" pitchFamily="2" charset="0"/>
-                <a:ea typeface="Roboto" panose="02000000000000000000" pitchFamily="2" charset="0"/>
-                <a:cs typeface="+mj-cs"/>
-              </a:rPr>
-              <a:t>Aplicações</a:t>
-            </a:r>
-            <a:endParaRPr sz="3200" spc="-38" dirty="0">
-              <a:solidFill>
-                <a:schemeClr val="tx1">
-                  <a:lumMod val="85000"/>
-                  <a:lumOff val="15000"/>
-                </a:schemeClr>
-              </a:solidFill>
-              <a:latin typeface="Roboto" panose="02000000000000000000" pitchFamily="2" charset="0"/>
-              <a:ea typeface="Roboto" panose="02000000000000000000" pitchFamily="2" charset="0"/>
-              <a:cs typeface="+mj-cs"/>
-            </a:endParaRPr>
-          </a:p>
-        </p:txBody>
-      </p:sp>
-      <p:sp>
-        <p:nvSpPr>
-          <p:cNvPr id="12" name="CaixaDeTexto 11">
-            <a:extLst>
-              <a:ext uri="{FF2B5EF4-FFF2-40B4-BE49-F238E27FC236}">
-                <a16:creationId xmlns:a16="http://schemas.microsoft.com/office/drawing/2014/main" id="{2CFE1A40-C45B-403D-8565-3D82BCD84EDC}"/>
-              </a:ext>
-            </a:extLst>
-          </p:cNvPr>
-          <p:cNvSpPr txBox="1"/>
-          <p:nvPr/>
-        </p:nvSpPr>
-        <p:spPr>
-          <a:xfrm>
-            <a:off x="3310851" y="3341722"/>
-            <a:ext cx="5649175" cy="1546577"/>
-          </a:xfrm>
-          <a:prstGeom prst="rect">
-            <a:avLst/>
-          </a:prstGeom>
-          <a:noFill/>
-        </p:spPr>
-        <p:txBody>
-          <a:bodyPr wrap="none" rtlCol="0">
-            <a:spAutoFit/>
-          </a:bodyPr>
-          <a:lstStyle/>
-          <a:p>
-            <a:pPr>
-              <a:lnSpc>
-                <a:spcPct val="85000"/>
-              </a:lnSpc>
-              <a:spcBef>
-                <a:spcPct val="0"/>
-              </a:spcBef>
-            </a:pPr>
-            <a:r>
-              <a:rPr lang="en-US" spc="-38" dirty="0">
-                <a:solidFill>
-                  <a:schemeClr val="tx1">
-                    <a:lumMod val="85000"/>
-                    <a:lumOff val="15000"/>
-                  </a:schemeClr>
-                </a:solidFill>
-                <a:ea typeface="Roboto" panose="02000000000000000000" pitchFamily="2" charset="0"/>
-              </a:rPr>
-              <a:t>YouTube – Fabricio Veronez</a:t>
-            </a:r>
-          </a:p>
-          <a:p>
-            <a:pPr>
-              <a:lnSpc>
-                <a:spcPct val="85000"/>
-              </a:lnSpc>
-              <a:spcBef>
-                <a:spcPct val="0"/>
-              </a:spcBef>
-            </a:pPr>
-            <a:r>
-              <a:rPr lang="en-US" spc="-38" dirty="0">
-                <a:solidFill>
-                  <a:schemeClr val="tx1">
-                    <a:lumMod val="85000"/>
-                    <a:lumOff val="15000"/>
-                  </a:schemeClr>
-                </a:solidFill>
-                <a:ea typeface="Roboto" panose="02000000000000000000" pitchFamily="2" charset="0"/>
-              </a:rPr>
-              <a:t>Email - </a:t>
-            </a:r>
-            <a:r>
-              <a:rPr lang="en-US" spc="-38" dirty="0">
-                <a:solidFill>
-                  <a:schemeClr val="tx1">
-                    <a:lumMod val="85000"/>
-                    <a:lumOff val="15000"/>
-                  </a:schemeClr>
-                </a:solidFill>
-                <a:ea typeface="Roboto" panose="02000000000000000000" pitchFamily="2" charset="0"/>
-                <a:hlinkClick r:id="rId3"/>
-              </a:rPr>
-              <a:t>fabricioveronez@gmail.com</a:t>
-            </a:r>
-            <a:endParaRPr lang="en-US" spc="-38" dirty="0">
-              <a:solidFill>
-                <a:schemeClr val="tx1">
-                  <a:lumMod val="85000"/>
-                  <a:lumOff val="15000"/>
-                </a:schemeClr>
-              </a:solidFill>
-              <a:ea typeface="Roboto" panose="02000000000000000000" pitchFamily="2" charset="0"/>
-            </a:endParaRPr>
-          </a:p>
-          <a:p>
-            <a:pPr>
-              <a:lnSpc>
-                <a:spcPct val="85000"/>
-              </a:lnSpc>
-              <a:spcBef>
-                <a:spcPct val="0"/>
-              </a:spcBef>
-            </a:pPr>
-            <a:r>
-              <a:rPr lang="en-US" spc="-38" dirty="0">
-                <a:solidFill>
-                  <a:schemeClr val="tx1">
-                    <a:lumMod val="85000"/>
-                    <a:lumOff val="15000"/>
-                  </a:schemeClr>
-                </a:solidFill>
-                <a:ea typeface="Roboto" panose="02000000000000000000" pitchFamily="2" charset="0"/>
-              </a:rPr>
-              <a:t>Facebook - </a:t>
-            </a:r>
-            <a:r>
-              <a:rPr lang="pt-BR" dirty="0">
-                <a:hlinkClick r:id="rId4"/>
-              </a:rPr>
-              <a:t>http://www.facebook.com/fabricioveronezdev/</a:t>
-            </a:r>
-            <a:endParaRPr lang="en-US" spc="-38" dirty="0">
-              <a:solidFill>
-                <a:schemeClr val="tx1">
-                  <a:lumMod val="85000"/>
-                  <a:lumOff val="15000"/>
-                </a:schemeClr>
-              </a:solidFill>
-              <a:ea typeface="Roboto" panose="02000000000000000000" pitchFamily="2" charset="0"/>
-            </a:endParaRPr>
-          </a:p>
-          <a:p>
-            <a:pPr>
-              <a:lnSpc>
-                <a:spcPct val="85000"/>
-              </a:lnSpc>
-              <a:spcBef>
-                <a:spcPct val="0"/>
-              </a:spcBef>
-            </a:pPr>
-            <a:r>
-              <a:rPr lang="en-US" spc="-38" dirty="0" err="1">
-                <a:solidFill>
-                  <a:schemeClr val="tx1">
-                    <a:lumMod val="85000"/>
-                    <a:lumOff val="15000"/>
-                  </a:schemeClr>
-                </a:solidFill>
-                <a:ea typeface="Roboto" panose="02000000000000000000" pitchFamily="2" charset="0"/>
-              </a:rPr>
-              <a:t>Linkedin</a:t>
-            </a:r>
-            <a:r>
-              <a:rPr lang="en-US" spc="-38" dirty="0">
-                <a:solidFill>
-                  <a:schemeClr val="tx1">
-                    <a:lumMod val="85000"/>
-                    <a:lumOff val="15000"/>
-                  </a:schemeClr>
-                </a:solidFill>
-                <a:ea typeface="Roboto" panose="02000000000000000000" pitchFamily="2" charset="0"/>
-              </a:rPr>
-              <a:t> - </a:t>
-            </a:r>
-            <a:r>
-              <a:rPr lang="en-US" spc="-38" dirty="0">
-                <a:solidFill>
-                  <a:schemeClr val="tx1">
-                    <a:lumMod val="85000"/>
-                    <a:lumOff val="15000"/>
-                  </a:schemeClr>
-                </a:solidFill>
-                <a:ea typeface="Roboto" panose="02000000000000000000" pitchFamily="2" charset="0"/>
-                <a:hlinkClick r:id="rId5"/>
-              </a:rPr>
-              <a:t>http://www.linkedin.com/in/fabricioveronez</a:t>
-            </a:r>
-            <a:endParaRPr lang="en-US" spc="-38" dirty="0">
-              <a:solidFill>
-                <a:schemeClr val="tx1">
-                  <a:lumMod val="85000"/>
-                  <a:lumOff val="15000"/>
-                </a:schemeClr>
-              </a:solidFill>
-              <a:ea typeface="Roboto" panose="02000000000000000000" pitchFamily="2" charset="0"/>
-            </a:endParaRPr>
-          </a:p>
-          <a:p>
-            <a:pPr>
-              <a:lnSpc>
-                <a:spcPct val="85000"/>
-              </a:lnSpc>
-              <a:spcBef>
-                <a:spcPct val="0"/>
-              </a:spcBef>
-            </a:pPr>
-            <a:r>
-              <a:rPr lang="en-US" spc="-38" dirty="0">
-                <a:solidFill>
-                  <a:schemeClr val="tx1">
-                    <a:lumMod val="85000"/>
-                    <a:lumOff val="15000"/>
-                  </a:schemeClr>
-                </a:solidFill>
-                <a:ea typeface="Roboto" panose="02000000000000000000" pitchFamily="2" charset="0"/>
-              </a:rPr>
-              <a:t>Telegram - </a:t>
-            </a:r>
-            <a:r>
-              <a:rPr lang="en-US" spc="-38" dirty="0" err="1">
-                <a:solidFill>
-                  <a:schemeClr val="tx1">
-                    <a:lumMod val="85000"/>
-                    <a:lumOff val="15000"/>
-                  </a:schemeClr>
-                </a:solidFill>
-                <a:ea typeface="Roboto" panose="02000000000000000000" pitchFamily="2" charset="0"/>
-              </a:rPr>
-              <a:t>fabricioveronez</a:t>
-            </a:r>
-            <a:endParaRPr lang="en-US" spc="-38" dirty="0">
-              <a:solidFill>
-                <a:schemeClr val="tx1">
-                  <a:lumMod val="85000"/>
-                  <a:lumOff val="15000"/>
-                </a:schemeClr>
-              </a:solidFill>
-              <a:ea typeface="Roboto" panose="02000000000000000000" pitchFamily="2" charset="0"/>
-            </a:endParaRPr>
-          </a:p>
-          <a:p>
-            <a:endParaRPr lang="en-US" dirty="0"/>
-          </a:p>
-        </p:txBody>
-      </p:sp>
-      <p:pic>
-        <p:nvPicPr>
-          <p:cNvPr id="13" name="Imagem 12">
-            <a:extLst>
-              <a:ext uri="{FF2B5EF4-FFF2-40B4-BE49-F238E27FC236}">
-                <a16:creationId xmlns:a16="http://schemas.microsoft.com/office/drawing/2014/main" id="{2F9450F7-57C3-4B2A-84A1-BEC5AB05EFB2}"/>
-              </a:ext>
-            </a:extLst>
-          </p:cNvPr>
-          <p:cNvPicPr>
-            <a:picLocks noChangeAspect="1"/>
-          </p:cNvPicPr>
-          <p:nvPr/>
-        </p:nvPicPr>
-        <p:blipFill>
-          <a:blip r:embed="rId6"/>
-          <a:stretch>
-            <a:fillRect/>
-          </a:stretch>
-        </p:blipFill>
-        <p:spPr>
-          <a:xfrm>
-            <a:off x="457831" y="284018"/>
-            <a:ext cx="2127461" cy="2127461"/>
-          </a:xfrm>
-          <a:prstGeom prst="rect">
-            <a:avLst/>
-          </a:prstGeom>
-        </p:spPr>
-      </p:pic>
-      <p:pic>
-        <p:nvPicPr>
-          <p:cNvPr id="14" name="Imagem 13">
-            <a:extLst>
-              <a:ext uri="{FF2B5EF4-FFF2-40B4-BE49-F238E27FC236}">
-                <a16:creationId xmlns:a16="http://schemas.microsoft.com/office/drawing/2014/main" id="{2814084F-88C0-4E7A-B6DE-A817038DB86C}"/>
-              </a:ext>
-            </a:extLst>
-          </p:cNvPr>
-          <p:cNvPicPr>
-            <a:picLocks noChangeAspect="1"/>
-          </p:cNvPicPr>
-          <p:nvPr/>
-        </p:nvPicPr>
-        <p:blipFill>
-          <a:blip r:embed="rId7"/>
-          <a:stretch>
-            <a:fillRect/>
-          </a:stretch>
-        </p:blipFill>
-        <p:spPr>
-          <a:xfrm>
-            <a:off x="3385580" y="1191862"/>
-            <a:ext cx="3482360" cy="1957871"/>
-          </a:xfrm>
-          <a:prstGeom prst="rect">
-            <a:avLst/>
-          </a:prstGeom>
-        </p:spPr>
-      </p:pic>
-      <p:pic>
-        <p:nvPicPr>
-          <p:cNvPr id="8" name="Imagem 7">
-            <a:extLst>
-              <a:ext uri="{FF2B5EF4-FFF2-40B4-BE49-F238E27FC236}">
-                <a16:creationId xmlns:a16="http://schemas.microsoft.com/office/drawing/2014/main" id="{90008BBE-F72F-4FB7-9D54-B7768EDB93E0}"/>
-              </a:ext>
-            </a:extLst>
-          </p:cNvPr>
-          <p:cNvPicPr>
-            <a:picLocks noChangeAspect="1"/>
-          </p:cNvPicPr>
-          <p:nvPr/>
-        </p:nvPicPr>
-        <p:blipFill>
-          <a:blip r:embed="rId8"/>
-          <a:stretch>
-            <a:fillRect/>
-          </a:stretch>
-        </p:blipFill>
-        <p:spPr>
-          <a:xfrm>
-            <a:off x="3385580" y="2571750"/>
-            <a:ext cx="2533358" cy="631163"/>
-          </a:xfrm>
-          <a:prstGeom prst="rect">
-            <a:avLst/>
-          </a:prstGeom>
-        </p:spPr>
-      </p:pic>
-      <p:pic>
-        <p:nvPicPr>
-          <p:cNvPr id="11" name="Imagem 10">
-            <a:extLst>
-              <a:ext uri="{FF2B5EF4-FFF2-40B4-BE49-F238E27FC236}">
-                <a16:creationId xmlns:a16="http://schemas.microsoft.com/office/drawing/2014/main" id="{5A6EFF9A-658F-4A70-9383-7EF936F56B66}"/>
-              </a:ext>
-            </a:extLst>
-          </p:cNvPr>
-          <p:cNvPicPr>
-            <a:picLocks noChangeAspect="1"/>
-          </p:cNvPicPr>
-          <p:nvPr/>
-        </p:nvPicPr>
-        <p:blipFill>
-          <a:blip r:embed="rId9"/>
-          <a:stretch>
-            <a:fillRect/>
-          </a:stretch>
-        </p:blipFill>
-        <p:spPr>
-          <a:xfrm>
-            <a:off x="-24686" y="2892401"/>
-            <a:ext cx="3010122" cy="1599734"/>
-          </a:xfrm>
-          <a:prstGeom prst="rect">
-            <a:avLst/>
-          </a:prstGeom>
-        </p:spPr>
-      </p:pic>
-    </p:spTree>
-  </p:cSld>
-  <p:clrMapOvr>
-    <a:masterClrMapping/>
-  </p:clrMapOvr>
-</p:sld>
-</file>
-
-<file path=ppt/slides/slide20.xml><?xml version="1.0" encoding="utf-8"?>
+<file path=ppt/slides/slide18.xml><?xml version="1.0" encoding="utf-8"?>
 <p:sld xmlns:a="http://schemas.openxmlformats.org/drawingml/2006/main" xmlns:r="http://schemas.openxmlformats.org/officeDocument/2006/relationships" xmlns:p="http://schemas.openxmlformats.org/presentationml/2006/main">
   <p:cSld>
     <p:spTree>
@@ -12081,7 +11122,640 @@
 </p:sld>
 </file>
 
-<file path=ppt/slides/slide21.xml><?xml version="1.0" encoding="utf-8"?>
+<file path=ppt/slides/slide19.xml><?xml version="1.0" encoding="utf-8"?>
+<p:sld xmlns:a="http://schemas.openxmlformats.org/drawingml/2006/main" xmlns:r="http://schemas.openxmlformats.org/officeDocument/2006/relationships" xmlns:p="http://schemas.openxmlformats.org/presentationml/2006/main">
+  <p:cSld>
+    <p:spTree>
+      <p:nvGrpSpPr>
+        <p:cNvPr id="1" name="Shape 358"/>
+        <p:cNvGrpSpPr/>
+        <p:nvPr/>
+      </p:nvGrpSpPr>
+      <p:grpSpPr>
+        <a:xfrm>
+          <a:off x="0" y="0"/>
+          <a:ext cx="0" cy="0"/>
+          <a:chOff x="0" y="0"/>
+          <a:chExt cx="0" cy="0"/>
+        </a:xfrm>
+      </p:grpSpPr>
+      <p:pic>
+        <p:nvPicPr>
+          <p:cNvPr id="3" name="Imagem 2">
+            <a:extLst>
+              <a:ext uri="{FF2B5EF4-FFF2-40B4-BE49-F238E27FC236}">
+                <a16:creationId xmlns:a16="http://schemas.microsoft.com/office/drawing/2014/main" id="{0F252917-ECF4-442A-96AB-395EB7B14D10}"/>
+              </a:ext>
+            </a:extLst>
+          </p:cNvPr>
+          <p:cNvPicPr>
+            <a:picLocks noChangeAspect="1"/>
+          </p:cNvPicPr>
+          <p:nvPr/>
+        </p:nvPicPr>
+        <p:blipFill>
+          <a:blip r:embed="rId3"/>
+          <a:srcRect/>
+          <a:stretch/>
+        </p:blipFill>
+        <p:spPr>
+          <a:xfrm>
+            <a:off x="1095042" y="431150"/>
+            <a:ext cx="6953915" cy="4174408"/>
+          </a:xfrm>
+          <a:prstGeom prst="rect">
+            <a:avLst/>
+          </a:prstGeom>
+        </p:spPr>
+      </p:pic>
+    </p:spTree>
+    <p:extLst>
+      <p:ext uri="{BB962C8B-B14F-4D97-AF65-F5344CB8AC3E}">
+        <p14:creationId xmlns:p14="http://schemas.microsoft.com/office/powerpoint/2010/main" val="4292202780"/>
+      </p:ext>
+    </p:extLst>
+  </p:cSld>
+  <p:clrMapOvr>
+    <a:masterClrMapping/>
+  </p:clrMapOvr>
+</p:sld>
+</file>
+
+<file path=ppt/slides/slide2.xml><?xml version="1.0" encoding="utf-8"?>
+<p:sld xmlns:a="http://schemas.openxmlformats.org/drawingml/2006/main" xmlns:r="http://schemas.openxmlformats.org/officeDocument/2006/relationships" xmlns:p="http://schemas.openxmlformats.org/presentationml/2006/main">
+  <p:cSld>
+    <p:spTree>
+      <p:nvGrpSpPr>
+        <p:cNvPr id="1" name="Shape 350"/>
+        <p:cNvGrpSpPr/>
+        <p:nvPr/>
+      </p:nvGrpSpPr>
+      <p:grpSpPr>
+        <a:xfrm>
+          <a:off x="0" y="0"/>
+          <a:ext cx="0" cy="0"/>
+          <a:chOff x="0" y="0"/>
+          <a:chExt cx="0" cy="0"/>
+        </a:xfrm>
+      </p:grpSpPr>
+      <p:sp>
+        <p:nvSpPr>
+          <p:cNvPr id="9" name="Google Shape;352;p13">
+            <a:extLst>
+              <a:ext uri="{FF2B5EF4-FFF2-40B4-BE49-F238E27FC236}">
+                <a16:creationId xmlns:a16="http://schemas.microsoft.com/office/drawing/2014/main" id="{1018BA2E-FDE0-4044-AA13-4C495BF1C438}"/>
+              </a:ext>
+            </a:extLst>
+          </p:cNvPr>
+          <p:cNvSpPr txBox="1">
+            <a:spLocks noGrp="1"/>
+          </p:cNvSpPr>
+          <p:nvPr>
+            <p:ph type="body" sz="half" idx="2"/>
+          </p:nvPr>
+        </p:nvSpPr>
+        <p:spPr>
+          <a:xfrm>
+            <a:off x="3079739" y="284018"/>
+            <a:ext cx="5496362" cy="1502430"/>
+          </a:xfrm>
+          <a:prstGeom prst="rect">
+            <a:avLst/>
+          </a:prstGeom>
+        </p:spPr>
+        <p:txBody>
+          <a:bodyPr spcFirstLastPara="1" wrap="square" lIns="91425" tIns="91425" rIns="91425" bIns="91425" anchor="t" anchorCtr="0">
+            <a:noAutofit/>
+          </a:bodyPr>
+          <a:lstStyle/>
+          <a:p>
+            <a:pPr marL="0" indent="0">
+              <a:lnSpc>
+                <a:spcPct val="85000"/>
+              </a:lnSpc>
+              <a:spcBef>
+                <a:spcPct val="0"/>
+              </a:spcBef>
+              <a:spcAft>
+                <a:spcPts val="0"/>
+              </a:spcAft>
+            </a:pPr>
+            <a:r>
+              <a:rPr lang="en-US" sz="4800" b="1" spc="-38" dirty="0" err="1">
+                <a:solidFill>
+                  <a:schemeClr val="tx1">
+                    <a:lumMod val="85000"/>
+                    <a:lumOff val="15000"/>
+                  </a:schemeClr>
+                </a:solidFill>
+                <a:latin typeface="Roboto" panose="02000000000000000000" pitchFamily="2" charset="0"/>
+                <a:ea typeface="Roboto" panose="02000000000000000000" pitchFamily="2" charset="0"/>
+                <a:cs typeface="+mj-cs"/>
+              </a:rPr>
+              <a:t>Fabrício</a:t>
+            </a:r>
+            <a:r>
+              <a:rPr lang="en-US" sz="4800" b="1" spc="-38" dirty="0">
+                <a:solidFill>
+                  <a:schemeClr val="tx1">
+                    <a:lumMod val="85000"/>
+                    <a:lumOff val="15000"/>
+                  </a:schemeClr>
+                </a:solidFill>
+                <a:latin typeface="Roboto" panose="02000000000000000000" pitchFamily="2" charset="0"/>
+                <a:ea typeface="Roboto" panose="02000000000000000000" pitchFamily="2" charset="0"/>
+                <a:cs typeface="+mj-cs"/>
+              </a:rPr>
+              <a:t> Veronez</a:t>
+            </a:r>
+            <a:endParaRPr sz="4800" b="1" spc="-38" dirty="0">
+              <a:solidFill>
+                <a:schemeClr val="tx1">
+                  <a:lumMod val="85000"/>
+                  <a:lumOff val="15000"/>
+                </a:schemeClr>
+              </a:solidFill>
+              <a:latin typeface="Roboto" panose="02000000000000000000" pitchFamily="2" charset="0"/>
+              <a:ea typeface="Roboto" panose="02000000000000000000" pitchFamily="2" charset="0"/>
+              <a:cs typeface="+mj-cs"/>
+            </a:endParaRPr>
+          </a:p>
+          <a:p>
+            <a:pPr marL="0" indent="0">
+              <a:lnSpc>
+                <a:spcPct val="85000"/>
+              </a:lnSpc>
+              <a:spcBef>
+                <a:spcPct val="0"/>
+              </a:spcBef>
+              <a:spcAft>
+                <a:spcPts val="0"/>
+              </a:spcAft>
+            </a:pPr>
+            <a:r>
+              <a:rPr lang="en-US" sz="3200" spc="-38" dirty="0" err="1">
+                <a:solidFill>
+                  <a:schemeClr val="tx1">
+                    <a:lumMod val="85000"/>
+                    <a:lumOff val="15000"/>
+                  </a:schemeClr>
+                </a:solidFill>
+                <a:latin typeface="Roboto" panose="02000000000000000000" pitchFamily="2" charset="0"/>
+                <a:ea typeface="Roboto" panose="02000000000000000000" pitchFamily="2" charset="0"/>
+                <a:cs typeface="+mj-cs"/>
+              </a:rPr>
+              <a:t>Arquiteto</a:t>
+            </a:r>
+            <a:r>
+              <a:rPr lang="en-US" sz="3200" spc="-38" dirty="0">
+                <a:solidFill>
+                  <a:schemeClr val="tx1">
+                    <a:lumMod val="85000"/>
+                    <a:lumOff val="15000"/>
+                  </a:schemeClr>
+                </a:solidFill>
+                <a:latin typeface="Roboto" panose="02000000000000000000" pitchFamily="2" charset="0"/>
+                <a:ea typeface="Roboto" panose="02000000000000000000" pitchFamily="2" charset="0"/>
+                <a:cs typeface="+mj-cs"/>
+              </a:rPr>
+              <a:t> de </a:t>
+            </a:r>
+            <a:r>
+              <a:rPr lang="en-US" sz="3200" spc="-38" dirty="0" err="1">
+                <a:solidFill>
+                  <a:schemeClr val="tx1">
+                    <a:lumMod val="85000"/>
+                    <a:lumOff val="15000"/>
+                  </a:schemeClr>
+                </a:solidFill>
+                <a:latin typeface="Roboto" panose="02000000000000000000" pitchFamily="2" charset="0"/>
+                <a:ea typeface="Roboto" panose="02000000000000000000" pitchFamily="2" charset="0"/>
+                <a:cs typeface="+mj-cs"/>
+              </a:rPr>
+              <a:t>Aplicações</a:t>
+            </a:r>
+            <a:endParaRPr sz="3200" spc="-38" dirty="0">
+              <a:solidFill>
+                <a:schemeClr val="tx1">
+                  <a:lumMod val="85000"/>
+                  <a:lumOff val="15000"/>
+                </a:schemeClr>
+              </a:solidFill>
+              <a:latin typeface="Roboto" panose="02000000000000000000" pitchFamily="2" charset="0"/>
+              <a:ea typeface="Roboto" panose="02000000000000000000" pitchFamily="2" charset="0"/>
+              <a:cs typeface="+mj-cs"/>
+            </a:endParaRPr>
+          </a:p>
+        </p:txBody>
+      </p:sp>
+      <p:sp>
+        <p:nvSpPr>
+          <p:cNvPr id="12" name="CaixaDeTexto 11">
+            <a:extLst>
+              <a:ext uri="{FF2B5EF4-FFF2-40B4-BE49-F238E27FC236}">
+                <a16:creationId xmlns:a16="http://schemas.microsoft.com/office/drawing/2014/main" id="{2CFE1A40-C45B-403D-8565-3D82BCD84EDC}"/>
+              </a:ext>
+            </a:extLst>
+          </p:cNvPr>
+          <p:cNvSpPr txBox="1"/>
+          <p:nvPr/>
+        </p:nvSpPr>
+        <p:spPr>
+          <a:xfrm>
+            <a:off x="3079739" y="3384402"/>
+            <a:ext cx="6156750" cy="1546577"/>
+          </a:xfrm>
+          <a:prstGeom prst="rect">
+            <a:avLst/>
+          </a:prstGeom>
+          <a:noFill/>
+        </p:spPr>
+        <p:txBody>
+          <a:bodyPr wrap="none" rtlCol="0">
+            <a:spAutoFit/>
+          </a:bodyPr>
+          <a:lstStyle/>
+          <a:p>
+            <a:pPr>
+              <a:lnSpc>
+                <a:spcPct val="85000"/>
+              </a:lnSpc>
+              <a:spcBef>
+                <a:spcPct val="0"/>
+              </a:spcBef>
+            </a:pPr>
+            <a:r>
+              <a:rPr lang="en-US" spc="-38" dirty="0">
+                <a:solidFill>
+                  <a:schemeClr val="tx1">
+                    <a:lumMod val="85000"/>
+                    <a:lumOff val="15000"/>
+                  </a:schemeClr>
+                </a:solidFill>
+                <a:latin typeface="Roboto" panose="020B0604020202020204" charset="0"/>
+                <a:ea typeface="Roboto" panose="020B0604020202020204" charset="0"/>
+              </a:rPr>
+              <a:t>YouTube – Fabricio Veronez</a:t>
+            </a:r>
+          </a:p>
+          <a:p>
+            <a:pPr>
+              <a:lnSpc>
+                <a:spcPct val="85000"/>
+              </a:lnSpc>
+              <a:spcBef>
+                <a:spcPct val="0"/>
+              </a:spcBef>
+            </a:pPr>
+            <a:r>
+              <a:rPr lang="en-US" spc="-38" dirty="0">
+                <a:solidFill>
+                  <a:schemeClr val="tx1">
+                    <a:lumMod val="85000"/>
+                    <a:lumOff val="15000"/>
+                  </a:schemeClr>
+                </a:solidFill>
+                <a:latin typeface="Roboto" panose="020B0604020202020204" charset="0"/>
+                <a:ea typeface="Roboto" panose="020B0604020202020204" charset="0"/>
+              </a:rPr>
+              <a:t>Email - </a:t>
+            </a:r>
+            <a:r>
+              <a:rPr lang="en-US" spc="-38" dirty="0">
+                <a:solidFill>
+                  <a:schemeClr val="tx1">
+                    <a:lumMod val="85000"/>
+                    <a:lumOff val="15000"/>
+                  </a:schemeClr>
+                </a:solidFill>
+                <a:latin typeface="Roboto" panose="020B0604020202020204" charset="0"/>
+                <a:ea typeface="Roboto" panose="020B0604020202020204" charset="0"/>
+                <a:hlinkClick r:id="rId3"/>
+              </a:rPr>
+              <a:t>fabricioveronez@gmail.com</a:t>
+            </a:r>
+            <a:endParaRPr lang="en-US" spc="-38" dirty="0">
+              <a:solidFill>
+                <a:schemeClr val="tx1">
+                  <a:lumMod val="85000"/>
+                  <a:lumOff val="15000"/>
+                </a:schemeClr>
+              </a:solidFill>
+              <a:latin typeface="Roboto" panose="020B0604020202020204" charset="0"/>
+              <a:ea typeface="Roboto" panose="020B0604020202020204" charset="0"/>
+            </a:endParaRPr>
+          </a:p>
+          <a:p>
+            <a:pPr>
+              <a:lnSpc>
+                <a:spcPct val="85000"/>
+              </a:lnSpc>
+              <a:spcBef>
+                <a:spcPct val="0"/>
+              </a:spcBef>
+            </a:pPr>
+            <a:r>
+              <a:rPr lang="en-US" spc="-38" dirty="0">
+                <a:solidFill>
+                  <a:schemeClr val="tx1">
+                    <a:lumMod val="85000"/>
+                    <a:lumOff val="15000"/>
+                  </a:schemeClr>
+                </a:solidFill>
+                <a:latin typeface="Roboto" panose="020B0604020202020204" charset="0"/>
+                <a:ea typeface="Roboto" panose="020B0604020202020204" charset="0"/>
+              </a:rPr>
+              <a:t>Facebook - </a:t>
+            </a:r>
+            <a:r>
+              <a:rPr lang="pt-BR" dirty="0">
+                <a:latin typeface="Roboto" panose="020B0604020202020204" charset="0"/>
+                <a:ea typeface="Roboto" panose="020B0604020202020204" charset="0"/>
+                <a:hlinkClick r:id="rId4"/>
+              </a:rPr>
+              <a:t>http://www.facebook.com/fabricioveronezdev/</a:t>
+            </a:r>
+            <a:endParaRPr lang="en-US" spc="-38" dirty="0">
+              <a:solidFill>
+                <a:schemeClr val="tx1">
+                  <a:lumMod val="85000"/>
+                  <a:lumOff val="15000"/>
+                </a:schemeClr>
+              </a:solidFill>
+              <a:latin typeface="Roboto" panose="020B0604020202020204" charset="0"/>
+              <a:ea typeface="Roboto" panose="020B0604020202020204" charset="0"/>
+            </a:endParaRPr>
+          </a:p>
+          <a:p>
+            <a:pPr>
+              <a:lnSpc>
+                <a:spcPct val="85000"/>
+              </a:lnSpc>
+              <a:spcBef>
+                <a:spcPct val="0"/>
+              </a:spcBef>
+            </a:pPr>
+            <a:r>
+              <a:rPr lang="en-US" spc="-38" dirty="0" err="1">
+                <a:solidFill>
+                  <a:schemeClr val="tx1">
+                    <a:lumMod val="85000"/>
+                    <a:lumOff val="15000"/>
+                  </a:schemeClr>
+                </a:solidFill>
+                <a:latin typeface="Roboto" panose="020B0604020202020204" charset="0"/>
+                <a:ea typeface="Roboto" panose="020B0604020202020204" charset="0"/>
+              </a:rPr>
+              <a:t>Linkedin</a:t>
+            </a:r>
+            <a:r>
+              <a:rPr lang="en-US" spc="-38" dirty="0">
+                <a:solidFill>
+                  <a:schemeClr val="tx1">
+                    <a:lumMod val="85000"/>
+                    <a:lumOff val="15000"/>
+                  </a:schemeClr>
+                </a:solidFill>
+                <a:latin typeface="Roboto" panose="020B0604020202020204" charset="0"/>
+                <a:ea typeface="Roboto" panose="020B0604020202020204" charset="0"/>
+              </a:rPr>
+              <a:t> - </a:t>
+            </a:r>
+            <a:r>
+              <a:rPr lang="en-US" spc="-38" dirty="0">
+                <a:solidFill>
+                  <a:schemeClr val="tx1">
+                    <a:lumMod val="85000"/>
+                    <a:lumOff val="15000"/>
+                  </a:schemeClr>
+                </a:solidFill>
+                <a:latin typeface="Roboto" panose="020B0604020202020204" charset="0"/>
+                <a:ea typeface="Roboto" panose="020B0604020202020204" charset="0"/>
+                <a:hlinkClick r:id="rId5"/>
+              </a:rPr>
+              <a:t>http://www.linkedin.com/in/fabricioveronez</a:t>
+            </a:r>
+            <a:endParaRPr lang="en-US" spc="-38" dirty="0">
+              <a:solidFill>
+                <a:schemeClr val="tx1">
+                  <a:lumMod val="85000"/>
+                  <a:lumOff val="15000"/>
+                </a:schemeClr>
+              </a:solidFill>
+              <a:latin typeface="Roboto" panose="020B0604020202020204" charset="0"/>
+              <a:ea typeface="Roboto" panose="020B0604020202020204" charset="0"/>
+            </a:endParaRPr>
+          </a:p>
+          <a:p>
+            <a:pPr>
+              <a:lnSpc>
+                <a:spcPct val="85000"/>
+              </a:lnSpc>
+              <a:spcBef>
+                <a:spcPct val="0"/>
+              </a:spcBef>
+            </a:pPr>
+            <a:r>
+              <a:rPr lang="en-US" spc="-38" dirty="0">
+                <a:solidFill>
+                  <a:schemeClr val="tx1">
+                    <a:lumMod val="85000"/>
+                    <a:lumOff val="15000"/>
+                  </a:schemeClr>
+                </a:solidFill>
+                <a:latin typeface="Roboto" panose="020B0604020202020204" charset="0"/>
+                <a:ea typeface="Roboto" panose="020B0604020202020204" charset="0"/>
+              </a:rPr>
+              <a:t>Telegram - </a:t>
+            </a:r>
+            <a:r>
+              <a:rPr lang="en-US" spc="-38" dirty="0" err="1">
+                <a:solidFill>
+                  <a:schemeClr val="tx1">
+                    <a:lumMod val="85000"/>
+                    <a:lumOff val="15000"/>
+                  </a:schemeClr>
+                </a:solidFill>
+                <a:latin typeface="Roboto" panose="020B0604020202020204" charset="0"/>
+                <a:ea typeface="Roboto" panose="020B0604020202020204" charset="0"/>
+              </a:rPr>
+              <a:t>fabricioveronez</a:t>
+            </a:r>
+            <a:endParaRPr lang="en-US" spc="-38" dirty="0">
+              <a:solidFill>
+                <a:schemeClr val="tx1">
+                  <a:lumMod val="85000"/>
+                  <a:lumOff val="15000"/>
+                </a:schemeClr>
+              </a:solidFill>
+              <a:latin typeface="Roboto" panose="020B0604020202020204" charset="0"/>
+              <a:ea typeface="Roboto" panose="020B0604020202020204" charset="0"/>
+            </a:endParaRPr>
+          </a:p>
+          <a:p>
+            <a:endParaRPr lang="en-US" dirty="0"/>
+          </a:p>
+        </p:txBody>
+      </p:sp>
+      <p:pic>
+        <p:nvPicPr>
+          <p:cNvPr id="14" name="Imagem 13">
+            <a:extLst>
+              <a:ext uri="{FF2B5EF4-FFF2-40B4-BE49-F238E27FC236}">
+                <a16:creationId xmlns:a16="http://schemas.microsoft.com/office/drawing/2014/main" id="{2814084F-88C0-4E7A-B6DE-A817038DB86C}"/>
+              </a:ext>
+            </a:extLst>
+          </p:cNvPr>
+          <p:cNvPicPr>
+            <a:picLocks noChangeAspect="1"/>
+          </p:cNvPicPr>
+          <p:nvPr/>
+        </p:nvPicPr>
+        <p:blipFill>
+          <a:blip r:embed="rId6"/>
+          <a:stretch>
+            <a:fillRect/>
+          </a:stretch>
+        </p:blipFill>
+        <p:spPr>
+          <a:xfrm>
+            <a:off x="3154468" y="729637"/>
+            <a:ext cx="3482360" cy="1957871"/>
+          </a:xfrm>
+          <a:prstGeom prst="rect">
+            <a:avLst/>
+          </a:prstGeom>
+        </p:spPr>
+      </p:pic>
+      <p:pic>
+        <p:nvPicPr>
+          <p:cNvPr id="8" name="Imagem 7">
+            <a:extLst>
+              <a:ext uri="{FF2B5EF4-FFF2-40B4-BE49-F238E27FC236}">
+                <a16:creationId xmlns:a16="http://schemas.microsoft.com/office/drawing/2014/main" id="{90008BBE-F72F-4FB7-9D54-B7768EDB93E0}"/>
+              </a:ext>
+            </a:extLst>
+          </p:cNvPr>
+          <p:cNvPicPr>
+            <a:picLocks noChangeAspect="1"/>
+          </p:cNvPicPr>
+          <p:nvPr/>
+        </p:nvPicPr>
+        <p:blipFill>
+          <a:blip r:embed="rId7"/>
+          <a:stretch>
+            <a:fillRect/>
+          </a:stretch>
+        </p:blipFill>
+        <p:spPr>
+          <a:xfrm>
+            <a:off x="3154468" y="2056345"/>
+            <a:ext cx="2533358" cy="631163"/>
+          </a:xfrm>
+          <a:prstGeom prst="rect">
+            <a:avLst/>
+          </a:prstGeom>
+        </p:spPr>
+      </p:pic>
+      <p:pic>
+        <p:nvPicPr>
+          <p:cNvPr id="11" name="Imagem 10">
+            <a:extLst>
+              <a:ext uri="{FF2B5EF4-FFF2-40B4-BE49-F238E27FC236}">
+                <a16:creationId xmlns:a16="http://schemas.microsoft.com/office/drawing/2014/main" id="{5A6EFF9A-658F-4A70-9383-7EF936F56B66}"/>
+              </a:ext>
+            </a:extLst>
+          </p:cNvPr>
+          <p:cNvPicPr>
+            <a:picLocks noChangeAspect="1"/>
+          </p:cNvPicPr>
+          <p:nvPr/>
+        </p:nvPicPr>
+        <p:blipFill>
+          <a:blip r:embed="rId8"/>
+          <a:stretch>
+            <a:fillRect/>
+          </a:stretch>
+        </p:blipFill>
+        <p:spPr>
+          <a:xfrm>
+            <a:off x="0" y="2812015"/>
+            <a:ext cx="3010122" cy="1599734"/>
+          </a:xfrm>
+          <a:prstGeom prst="rect">
+            <a:avLst/>
+          </a:prstGeom>
+        </p:spPr>
+      </p:pic>
+      <p:pic>
+        <p:nvPicPr>
+          <p:cNvPr id="3" name="Imagem 2" descr="Uma imagem contendo placa&#10;&#10;Descrição gerada automaticamente">
+            <a:extLst>
+              <a:ext uri="{FF2B5EF4-FFF2-40B4-BE49-F238E27FC236}">
+                <a16:creationId xmlns:a16="http://schemas.microsoft.com/office/drawing/2014/main" id="{03E18957-9367-4F39-BBBA-5E45A8BE8710}"/>
+              </a:ext>
+            </a:extLst>
+          </p:cNvPr>
+          <p:cNvPicPr>
+            <a:picLocks noChangeAspect="1"/>
+          </p:cNvPicPr>
+          <p:nvPr/>
+        </p:nvPicPr>
+        <p:blipFill>
+          <a:blip r:embed="rId9"/>
+          <a:stretch>
+            <a:fillRect/>
+          </a:stretch>
+        </p:blipFill>
+        <p:spPr>
+          <a:xfrm>
+            <a:off x="3175279" y="2629629"/>
+            <a:ext cx="2512547" cy="812652"/>
+          </a:xfrm>
+          <a:prstGeom prst="rect">
+            <a:avLst/>
+          </a:prstGeom>
+        </p:spPr>
+      </p:pic>
+      <p:pic>
+        <p:nvPicPr>
+          <p:cNvPr id="5" name="Imagem 4" descr="Homem posando para foto&#10;&#10;Descrição gerada automaticamente">
+            <a:extLst>
+              <a:ext uri="{FF2B5EF4-FFF2-40B4-BE49-F238E27FC236}">
+                <a16:creationId xmlns:a16="http://schemas.microsoft.com/office/drawing/2014/main" id="{7727F71E-2619-48BE-8AA8-6A817D0AA604}"/>
+              </a:ext>
+            </a:extLst>
+          </p:cNvPr>
+          <p:cNvPicPr>
+            <a:picLocks noChangeAspect="1"/>
+          </p:cNvPicPr>
+          <p:nvPr/>
+        </p:nvPicPr>
+        <p:blipFill>
+          <a:blip r:embed="rId10"/>
+          <a:stretch>
+            <a:fillRect/>
+          </a:stretch>
+        </p:blipFill>
+        <p:spPr>
+          <a:xfrm>
+            <a:off x="472140" y="389522"/>
+            <a:ext cx="2062276" cy="2062276"/>
+          </a:xfrm>
+          <a:prstGeom prst="rect">
+            <a:avLst/>
+          </a:prstGeom>
+        </p:spPr>
+      </p:pic>
+    </p:spTree>
+  </p:cSld>
+  <p:clrMapOvr>
+    <a:masterClrMapping/>
+  </p:clrMapOvr>
+</p:sld>
+</file>
+
+<file path=ppt/slides/slide20.xml><?xml version="1.0" encoding="utf-8"?>
 <p:sld xmlns:a="http://schemas.openxmlformats.org/drawingml/2006/main" xmlns:r="http://schemas.openxmlformats.org/officeDocument/2006/relationships" xmlns:p="http://schemas.openxmlformats.org/presentationml/2006/main">
   <p:cSld>
     <p:spTree>
@@ -13068,6 +12742,65 @@
 </p:sld>
 </file>
 
+<file path=ppt/slides/slide21.xml><?xml version="1.0" encoding="utf-8"?>
+<p:sld xmlns:a="http://schemas.openxmlformats.org/drawingml/2006/main" xmlns:r="http://schemas.openxmlformats.org/officeDocument/2006/relationships" xmlns:p="http://schemas.openxmlformats.org/presentationml/2006/main">
+  <p:cSld>
+    <p:spTree>
+      <p:nvGrpSpPr>
+        <p:cNvPr id="1" name="Shape 358"/>
+        <p:cNvGrpSpPr/>
+        <p:nvPr/>
+      </p:nvGrpSpPr>
+      <p:grpSpPr>
+        <a:xfrm>
+          <a:off x="0" y="0"/>
+          <a:ext cx="0" cy="0"/>
+          <a:chOff x="0" y="0"/>
+          <a:chExt cx="0" cy="0"/>
+        </a:xfrm>
+      </p:grpSpPr>
+      <p:pic>
+        <p:nvPicPr>
+          <p:cNvPr id="3" name="Imagem 2">
+            <a:extLst>
+              <a:ext uri="{FF2B5EF4-FFF2-40B4-BE49-F238E27FC236}">
+                <a16:creationId xmlns:a16="http://schemas.microsoft.com/office/drawing/2014/main" id="{0F252917-ECF4-442A-96AB-395EB7B14D10}"/>
+              </a:ext>
+            </a:extLst>
+          </p:cNvPr>
+          <p:cNvPicPr>
+            <a:picLocks noChangeAspect="1"/>
+          </p:cNvPicPr>
+          <p:nvPr/>
+        </p:nvPicPr>
+        <p:blipFill>
+          <a:blip r:embed="rId3"/>
+          <a:srcRect/>
+          <a:stretch/>
+        </p:blipFill>
+        <p:spPr>
+          <a:xfrm>
+            <a:off x="1095042" y="431150"/>
+            <a:ext cx="6953915" cy="4174408"/>
+          </a:xfrm>
+          <a:prstGeom prst="rect">
+            <a:avLst/>
+          </a:prstGeom>
+        </p:spPr>
+      </p:pic>
+    </p:spTree>
+    <p:extLst>
+      <p:ext uri="{BB962C8B-B14F-4D97-AF65-F5344CB8AC3E}">
+        <p14:creationId xmlns:p14="http://schemas.microsoft.com/office/powerpoint/2010/main" val="2467578592"/>
+      </p:ext>
+    </p:extLst>
+  </p:cSld>
+  <p:clrMapOvr>
+    <a:masterClrMapping/>
+  </p:clrMapOvr>
+</p:sld>
+</file>
+
 <file path=ppt/slides/slide22.xml><?xml version="1.0" encoding="utf-8"?>
 <p:sld xmlns:a="http://schemas.openxmlformats.org/drawingml/2006/main" xmlns:r="http://schemas.openxmlformats.org/officeDocument/2006/relationships" xmlns:p="http://schemas.openxmlformats.org/presentationml/2006/main">
   <p:cSld>
@@ -14130,6 +13863,8 @@
                 <a:solidFill>
                   <a:schemeClr val="tx1"/>
                 </a:solidFill>
+                <a:latin typeface="Roboto" panose="020B0604020202020204" charset="0"/>
+                <a:ea typeface="Roboto" panose="020B0604020202020204" charset="0"/>
               </a:rPr>
               <a:t>Métricas</a:t>
             </a:r>
@@ -14137,6 +13872,8 @@
               <a:solidFill>
                 <a:schemeClr val="tx1"/>
               </a:solidFill>
+              <a:latin typeface="Roboto" panose="020B0604020202020204" charset="0"/>
+              <a:ea typeface="Roboto" panose="020B0604020202020204" charset="0"/>
             </a:endParaRPr>
           </a:p>
           <a:p>
@@ -14149,6 +13886,8 @@
                 <a:solidFill>
                   <a:schemeClr val="tx1"/>
                 </a:solidFill>
+                <a:latin typeface="Roboto" panose="020B0604020202020204" charset="0"/>
+                <a:ea typeface="Roboto" panose="020B0604020202020204" charset="0"/>
               </a:rPr>
               <a:t>Dados </a:t>
             </a:r>
@@ -14157,6 +13896,8 @@
                 <a:solidFill>
                   <a:schemeClr val="tx1"/>
                 </a:solidFill>
+                <a:latin typeface="Roboto" panose="020B0604020202020204" charset="0"/>
+                <a:ea typeface="Roboto" panose="020B0604020202020204" charset="0"/>
               </a:rPr>
               <a:t>numéricos</a:t>
             </a:r>
@@ -14164,6 +13905,8 @@
               <a:solidFill>
                 <a:schemeClr val="tx1"/>
               </a:solidFill>
+              <a:latin typeface="Roboto" panose="020B0604020202020204" charset="0"/>
+              <a:ea typeface="Roboto" panose="020B0604020202020204" charset="0"/>
             </a:endParaRPr>
           </a:p>
           <a:p>
@@ -14176,6 +13919,8 @@
                 <a:solidFill>
                   <a:schemeClr val="tx1"/>
                 </a:solidFill>
+                <a:latin typeface="Roboto" panose="020B0604020202020204" charset="0"/>
+                <a:ea typeface="Roboto" panose="020B0604020202020204" charset="0"/>
               </a:rPr>
               <a:t>Gráficos</a:t>
             </a:r>
@@ -14183,6 +13928,8 @@
               <a:solidFill>
                 <a:schemeClr val="tx1"/>
               </a:solidFill>
+              <a:latin typeface="Roboto" panose="020B0604020202020204" charset="0"/>
+              <a:ea typeface="Roboto" panose="020B0604020202020204" charset="0"/>
             </a:endParaRPr>
           </a:p>
           <a:p>
@@ -14195,6 +13942,8 @@
                 <a:solidFill>
                   <a:schemeClr val="tx1"/>
                 </a:solidFill>
+                <a:latin typeface="Roboto" panose="020B0604020202020204" charset="0"/>
+                <a:ea typeface="Roboto" panose="020B0604020202020204" charset="0"/>
               </a:rPr>
               <a:t>Agregações</a:t>
             </a:r>
@@ -14202,6 +13951,8 @@
               <a:solidFill>
                 <a:schemeClr val="tx1"/>
               </a:solidFill>
+              <a:latin typeface="Roboto" panose="020B0604020202020204" charset="0"/>
+              <a:ea typeface="Roboto" panose="020B0604020202020204" charset="0"/>
             </a:endParaRPr>
           </a:p>
           <a:p>
@@ -14214,6 +13965,8 @@
                 <a:solidFill>
                   <a:schemeClr val="tx1"/>
                 </a:solidFill>
+                <a:latin typeface="Roboto" panose="020B0604020202020204" charset="0"/>
+                <a:ea typeface="Roboto" panose="020B0604020202020204" charset="0"/>
               </a:rPr>
               <a:t>Performance</a:t>
             </a:r>
@@ -14519,6 +14272,8 @@
                 <a:solidFill>
                   <a:schemeClr val="tx1"/>
                 </a:solidFill>
+                <a:latin typeface="Roboto" panose="020B0604020202020204" charset="0"/>
+                <a:ea typeface="Roboto" panose="020B0604020202020204" charset="0"/>
               </a:rPr>
               <a:t>Logs</a:t>
             </a:r>
@@ -14533,6 +14288,8 @@
                 <a:solidFill>
                   <a:schemeClr val="tx1"/>
                 </a:solidFill>
+                <a:latin typeface="Roboto" panose="020B0604020202020204" charset="0"/>
+                <a:ea typeface="Roboto" panose="020B0604020202020204" charset="0"/>
               </a:rPr>
               <a:t>Dados </a:t>
             </a:r>
@@ -14541,6 +14298,8 @@
                 <a:solidFill>
                   <a:schemeClr val="tx1"/>
                 </a:solidFill>
+                <a:latin typeface="Roboto" panose="020B0604020202020204" charset="0"/>
+                <a:ea typeface="Roboto" panose="020B0604020202020204" charset="0"/>
               </a:rPr>
               <a:t>textuais</a:t>
             </a:r>
@@ -14548,6 +14307,8 @@
               <a:solidFill>
                 <a:schemeClr val="tx1"/>
               </a:solidFill>
+              <a:latin typeface="Roboto" panose="020B0604020202020204" charset="0"/>
+              <a:ea typeface="Roboto" panose="020B0604020202020204" charset="0"/>
             </a:endParaRPr>
           </a:p>
           <a:p>
@@ -14560,6 +14321,8 @@
                 <a:solidFill>
                   <a:schemeClr val="tx1"/>
                 </a:solidFill>
+                <a:latin typeface="Roboto" panose="020B0604020202020204" charset="0"/>
+                <a:ea typeface="Roboto" panose="020B0604020202020204" charset="0"/>
               </a:rPr>
               <a:t>Mensagens</a:t>
             </a:r>
@@ -14568,6 +14331,8 @@
                 <a:solidFill>
                   <a:schemeClr val="tx1"/>
                 </a:solidFill>
+                <a:latin typeface="Roboto" panose="020B0604020202020204" charset="0"/>
+                <a:ea typeface="Roboto" panose="020B0604020202020204" charset="0"/>
               </a:rPr>
               <a:t> de </a:t>
             </a:r>
@@ -14576,6 +14341,8 @@
                 <a:solidFill>
                   <a:schemeClr val="tx1"/>
                 </a:solidFill>
+                <a:latin typeface="Roboto" panose="020B0604020202020204" charset="0"/>
+                <a:ea typeface="Roboto" panose="020B0604020202020204" charset="0"/>
               </a:rPr>
               <a:t>Erro</a:t>
             </a:r>
@@ -14583,6 +14350,8 @@
               <a:solidFill>
                 <a:schemeClr val="tx1"/>
               </a:solidFill>
+              <a:latin typeface="Roboto" panose="020B0604020202020204" charset="0"/>
+              <a:ea typeface="Roboto" panose="020B0604020202020204" charset="0"/>
             </a:endParaRPr>
           </a:p>
           <a:p>
@@ -14595,6 +14364,8 @@
                 <a:solidFill>
                   <a:schemeClr val="tx1"/>
                 </a:solidFill>
+                <a:latin typeface="Roboto" panose="020B0604020202020204" charset="0"/>
+                <a:ea typeface="Roboto" panose="020B0604020202020204" charset="0"/>
               </a:rPr>
               <a:t>Informação</a:t>
             </a:r>
@@ -14602,6 +14373,8 @@
               <a:solidFill>
                 <a:schemeClr val="tx1"/>
               </a:solidFill>
+              <a:latin typeface="Roboto" panose="020B0604020202020204" charset="0"/>
+              <a:ea typeface="Roboto" panose="020B0604020202020204" charset="0"/>
             </a:endParaRPr>
           </a:p>
           <a:p>
@@ -14614,6 +14387,8 @@
                 <a:solidFill>
                   <a:schemeClr val="tx1"/>
                 </a:solidFill>
+                <a:latin typeface="Roboto" panose="020B0604020202020204" charset="0"/>
+                <a:ea typeface="Roboto" panose="020B0604020202020204" charset="0"/>
               </a:rPr>
               <a:t>Buscáveis</a:t>
             </a:r>
@@ -14622,6 +14397,8 @@
                 <a:solidFill>
                   <a:schemeClr val="tx1"/>
                 </a:solidFill>
+                <a:latin typeface="Roboto" panose="020B0604020202020204" charset="0"/>
+                <a:ea typeface="Roboto" panose="020B0604020202020204" charset="0"/>
               </a:rPr>
               <a:t> </a:t>
             </a:r>
@@ -14952,6 +14729,9 @@
             </a:pPr>
             <a:r>
               <a:rPr lang="pt-BR" sz="2000" dirty="0">
+                <a:solidFill>
+                  <a:schemeClr val="tx1"/>
+                </a:solidFill>
                 <a:latin typeface="Roboto" panose="02000000000000000000" pitchFamily="2" charset="0"/>
                 <a:ea typeface="Roboto" panose="02000000000000000000" pitchFamily="2" charset="0"/>
               </a:rPr>
@@ -14959,12 +14739,18 @@
             </a:r>
             <a:r>
               <a:rPr lang="pt-BR" sz="2000" dirty="0" err="1">
+                <a:solidFill>
+                  <a:schemeClr val="tx1"/>
+                </a:solidFill>
                 <a:latin typeface="Roboto" panose="02000000000000000000" pitchFamily="2" charset="0"/>
                 <a:ea typeface="Roboto" panose="02000000000000000000" pitchFamily="2" charset="0"/>
               </a:rPr>
               <a:t>SoundCloud</a:t>
             </a:r>
             <a:endParaRPr lang="pt-BR" sz="2000" dirty="0">
+              <a:solidFill>
+                <a:schemeClr val="tx1"/>
+              </a:solidFill>
               <a:latin typeface="Roboto" panose="02000000000000000000" pitchFamily="2" charset="0"/>
               <a:ea typeface="Roboto" panose="02000000000000000000" pitchFamily="2" charset="0"/>
             </a:endParaRPr>
@@ -14983,12 +14769,18 @@
             </a:pPr>
             <a:r>
               <a:rPr lang="pt-BR" sz="2000" dirty="0" err="1">
+                <a:solidFill>
+                  <a:schemeClr val="tx1"/>
+                </a:solidFill>
                 <a:latin typeface="Roboto" panose="02000000000000000000" pitchFamily="2" charset="0"/>
                 <a:ea typeface="Roboto" panose="02000000000000000000" pitchFamily="2" charset="0"/>
               </a:rPr>
               <a:t>OpenSource</a:t>
             </a:r>
             <a:endParaRPr lang="pt-BR" sz="2000" dirty="0">
+              <a:solidFill>
+                <a:schemeClr val="tx1"/>
+              </a:solidFill>
               <a:latin typeface="Roboto" panose="02000000000000000000" pitchFamily="2" charset="0"/>
               <a:ea typeface="Roboto" panose="02000000000000000000" pitchFamily="2" charset="0"/>
             </a:endParaRPr>
@@ -15007,6 +14799,9 @@
             </a:pPr>
             <a:r>
               <a:rPr lang="pt-BR" sz="2000" dirty="0">
+                <a:solidFill>
+                  <a:schemeClr val="tx1"/>
+                </a:solidFill>
                 <a:latin typeface="Roboto" panose="02000000000000000000" pitchFamily="2" charset="0"/>
                 <a:ea typeface="Roboto" panose="02000000000000000000" pitchFamily="2" charset="0"/>
               </a:rPr>
@@ -15027,6 +14822,9 @@
             </a:pPr>
             <a:r>
               <a:rPr lang="pt-BR" sz="2000" dirty="0">
+                <a:solidFill>
+                  <a:schemeClr val="tx1"/>
+                </a:solidFill>
                 <a:latin typeface="Roboto" panose="02000000000000000000" pitchFamily="2" charset="0"/>
                 <a:ea typeface="Roboto" panose="02000000000000000000" pitchFamily="2" charset="0"/>
               </a:rPr>
@@ -15047,6 +14845,9 @@
             </a:pPr>
             <a:r>
               <a:rPr lang="pt-BR" sz="2000" dirty="0">
+                <a:solidFill>
+                  <a:schemeClr val="tx1"/>
+                </a:solidFill>
                 <a:latin typeface="Roboto" panose="02000000000000000000" pitchFamily="2" charset="0"/>
                 <a:ea typeface="Roboto" panose="02000000000000000000" pitchFamily="2" charset="0"/>
               </a:rPr>
@@ -15067,6 +14868,9 @@
             </a:pPr>
             <a:r>
               <a:rPr lang="pt-BR" sz="2000" dirty="0">
+                <a:solidFill>
+                  <a:schemeClr val="tx1"/>
+                </a:solidFill>
                 <a:latin typeface="Roboto" panose="02000000000000000000" pitchFamily="2" charset="0"/>
                 <a:ea typeface="Roboto" panose="02000000000000000000" pitchFamily="2" charset="0"/>
               </a:rPr>
@@ -15196,10 +15000,10 @@
       </p:grpSpPr>
       <p:pic>
         <p:nvPicPr>
-          <p:cNvPr id="3" name="Imagem 2">
+          <p:cNvPr id="6" name="Imagem 5">
             <a:extLst>
               <a:ext uri="{FF2B5EF4-FFF2-40B4-BE49-F238E27FC236}">
-                <a16:creationId xmlns:a16="http://schemas.microsoft.com/office/drawing/2014/main" id="{0F252917-ECF4-442A-96AB-395EB7B14D10}"/>
+                <a16:creationId xmlns:a16="http://schemas.microsoft.com/office/drawing/2014/main" id="{F8BD068C-A504-449C-82DF-58DB846F820B}"/>
               </a:ext>
             </a:extLst>
           </p:cNvPr>
@@ -15210,29 +15014,340 @@
         </p:nvPicPr>
         <p:blipFill>
           <a:blip r:embed="rId3"/>
-          <a:srcRect/>
-          <a:stretch/>
+          <a:stretch>
+            <a:fillRect/>
+          </a:stretch>
         </p:blipFill>
         <p:spPr>
           <a:xfrm>
-            <a:off x="1095042" y="431150"/>
-            <a:ext cx="6953915" cy="4174408"/>
+            <a:off x="2140764" y="1878106"/>
+            <a:ext cx="1481417" cy="1481417"/>
           </a:xfrm>
           <a:prstGeom prst="rect">
             <a:avLst/>
           </a:prstGeom>
         </p:spPr>
       </p:pic>
+      <p:pic>
+        <p:nvPicPr>
+          <p:cNvPr id="11" name="Imagem 10">
+            <a:extLst>
+              <a:ext uri="{FF2B5EF4-FFF2-40B4-BE49-F238E27FC236}">
+                <a16:creationId xmlns:a16="http://schemas.microsoft.com/office/drawing/2014/main" id="{D77014C1-FEF8-40EF-B2C9-452CE2CD4033}"/>
+              </a:ext>
+            </a:extLst>
+          </p:cNvPr>
+          <p:cNvPicPr>
+            <a:picLocks noChangeAspect="1"/>
+          </p:cNvPicPr>
+          <p:nvPr/>
+        </p:nvPicPr>
+        <p:blipFill>
+          <a:blip r:embed="rId4"/>
+          <a:stretch>
+            <a:fillRect/>
+          </a:stretch>
+        </p:blipFill>
+        <p:spPr>
+          <a:xfrm>
+            <a:off x="5677232" y="1912844"/>
+            <a:ext cx="1424350" cy="1411940"/>
+          </a:xfrm>
+          <a:prstGeom prst="rect">
+            <a:avLst/>
+          </a:prstGeom>
+        </p:spPr>
+      </p:pic>
+      <p:sp>
+        <p:nvSpPr>
+          <p:cNvPr id="12" name="CaixaDeTexto 11">
+            <a:extLst>
+              <a:ext uri="{FF2B5EF4-FFF2-40B4-BE49-F238E27FC236}">
+                <a16:creationId xmlns:a16="http://schemas.microsoft.com/office/drawing/2014/main" id="{F5905E5D-35C0-46CA-A27A-B82B04576DBF}"/>
+              </a:ext>
+            </a:extLst>
+          </p:cNvPr>
+          <p:cNvSpPr txBox="1"/>
+          <p:nvPr/>
+        </p:nvSpPr>
+        <p:spPr>
+          <a:xfrm>
+            <a:off x="2881473" y="645459"/>
+            <a:ext cx="3381054" cy="584775"/>
+          </a:xfrm>
+          <a:prstGeom prst="rect">
+            <a:avLst/>
+          </a:prstGeom>
+          <a:noFill/>
+        </p:spPr>
+        <p:txBody>
+          <a:bodyPr wrap="none" rtlCol="0">
+            <a:spAutoFit/>
+          </a:bodyPr>
+          <a:lstStyle/>
+          <a:p>
+            <a:r>
+              <a:rPr lang="en-US" sz="3200" b="1" dirty="0">
+                <a:latin typeface="Roboto" panose="02000000000000000000" pitchFamily="2" charset="0"/>
+                <a:ea typeface="Roboto" panose="02000000000000000000" pitchFamily="2" charset="0"/>
+              </a:rPr>
+              <a:t>Coleta dos dados</a:t>
+            </a:r>
+            <a:endParaRPr lang="pt-BR" sz="3200" b="1" dirty="0">
+              <a:latin typeface="Roboto" panose="02000000000000000000" pitchFamily="2" charset="0"/>
+              <a:ea typeface="Roboto" panose="02000000000000000000" pitchFamily="2" charset="0"/>
+            </a:endParaRPr>
+          </a:p>
+        </p:txBody>
+      </p:sp>
+      <p:pic>
+        <p:nvPicPr>
+          <p:cNvPr id="14" name="Imagem 13">
+            <a:extLst>
+              <a:ext uri="{FF2B5EF4-FFF2-40B4-BE49-F238E27FC236}">
+                <a16:creationId xmlns:a16="http://schemas.microsoft.com/office/drawing/2014/main" id="{4BFDA0D3-1A57-4E17-8B8B-215BC6D9E7F4}"/>
+              </a:ext>
+            </a:extLst>
+          </p:cNvPr>
+          <p:cNvPicPr>
+            <a:picLocks noChangeAspect="1"/>
+          </p:cNvPicPr>
+          <p:nvPr/>
+        </p:nvPicPr>
+        <p:blipFill>
+          <a:blip r:embed="rId5"/>
+          <a:stretch>
+            <a:fillRect/>
+          </a:stretch>
+        </p:blipFill>
+        <p:spPr>
+          <a:xfrm>
+            <a:off x="3168343" y="2257424"/>
+            <a:ext cx="722780" cy="722780"/>
+          </a:xfrm>
+          <a:prstGeom prst="rect">
+            <a:avLst/>
+          </a:prstGeom>
+        </p:spPr>
+      </p:pic>
+      <p:sp>
+        <p:nvSpPr>
+          <p:cNvPr id="15" name="Seta: para a Direita 14">
+            <a:extLst>
+              <a:ext uri="{FF2B5EF4-FFF2-40B4-BE49-F238E27FC236}">
+                <a16:creationId xmlns:a16="http://schemas.microsoft.com/office/drawing/2014/main" id="{A3CF5F5D-337E-418B-9E33-1AFDA75E1833}"/>
+              </a:ext>
+            </a:extLst>
+          </p:cNvPr>
+          <p:cNvSpPr/>
+          <p:nvPr/>
+        </p:nvSpPr>
+        <p:spPr>
+          <a:xfrm rot="10800000">
+            <a:off x="3897846" y="2660275"/>
+            <a:ext cx="1580029" cy="123265"/>
+          </a:xfrm>
+          <a:prstGeom prst="rightArrow">
+            <a:avLst/>
+          </a:prstGeom>
+        </p:spPr>
+        <p:style>
+          <a:lnRef idx="2">
+            <a:schemeClr val="accent1">
+              <a:shade val="50000"/>
+            </a:schemeClr>
+          </a:lnRef>
+          <a:fillRef idx="1">
+            <a:schemeClr val="accent1"/>
+          </a:fillRef>
+          <a:effectRef idx="0">
+            <a:schemeClr val="accent1"/>
+          </a:effectRef>
+          <a:fontRef idx="minor">
+            <a:schemeClr val="lt1"/>
+          </a:fontRef>
+        </p:style>
+        <p:txBody>
+          <a:bodyPr rtlCol="0" anchor="ctr"/>
+          <a:lstStyle/>
+          <a:p>
+            <a:pPr algn="ctr"/>
+            <a:endParaRPr lang="pt-BR"/>
+          </a:p>
+        </p:txBody>
+      </p:sp>
     </p:spTree>
     <p:extLst>
       <p:ext uri="{BB962C8B-B14F-4D97-AF65-F5344CB8AC3E}">
-        <p14:creationId xmlns:p14="http://schemas.microsoft.com/office/powerpoint/2010/main" val="201540624"/>
+        <p14:creationId xmlns:p14="http://schemas.microsoft.com/office/powerpoint/2010/main" val="2267687944"/>
       </p:ext>
     </p:extLst>
   </p:cSld>
   <p:clrMapOvr>
     <a:masterClrMapping/>
   </p:clrMapOvr>
+  <p:timing>
+    <p:tnLst>
+      <p:par>
+        <p:cTn id="1" dur="indefinite" restart="never" nodeType="tmRoot">
+          <p:childTnLst>
+            <p:seq concurrent="1" nextAc="seek">
+              <p:cTn id="2" dur="indefinite" nodeType="mainSeq">
+                <p:childTnLst>
+                  <p:par>
+                    <p:cTn id="3" fill="hold">
+                      <p:stCondLst>
+                        <p:cond delay="indefinite"/>
+                      </p:stCondLst>
+                      <p:childTnLst>
+                        <p:par>
+                          <p:cTn id="4" fill="hold">
+                            <p:stCondLst>
+                              <p:cond delay="0"/>
+                            </p:stCondLst>
+                            <p:childTnLst>
+                              <p:par>
+                                <p:cTn id="5" presetID="1" presetClass="entr" presetSubtype="0" fill="hold" grpId="0" nodeType="clickEffect">
+                                  <p:stCondLst>
+                                    <p:cond delay="0"/>
+                                  </p:stCondLst>
+                                  <p:childTnLst>
+                                    <p:set>
+                                      <p:cBhvr>
+                                        <p:cTn id="6" dur="1" fill="hold">
+                                          <p:stCondLst>
+                                            <p:cond delay="0"/>
+                                          </p:stCondLst>
+                                        </p:cTn>
+                                        <p:tgtEl>
+                                          <p:spTgt spid="15"/>
+                                        </p:tgtEl>
+                                        <p:attrNameLst>
+                                          <p:attrName>style.visibility</p:attrName>
+                                        </p:attrNameLst>
+                                      </p:cBhvr>
+                                      <p:to>
+                                        <p:strVal val="visible"/>
+                                      </p:to>
+                                    </p:set>
+                                  </p:childTnLst>
+                                </p:cTn>
+                              </p:par>
+                            </p:childTnLst>
+                          </p:cTn>
+                        </p:par>
+                      </p:childTnLst>
+                    </p:cTn>
+                  </p:par>
+                  <p:par>
+                    <p:cTn id="7" fill="hold">
+                      <p:stCondLst>
+                        <p:cond delay="indefinite"/>
+                      </p:stCondLst>
+                      <p:childTnLst>
+                        <p:par>
+                          <p:cTn id="8" fill="hold">
+                            <p:stCondLst>
+                              <p:cond delay="0"/>
+                            </p:stCondLst>
+                            <p:childTnLst>
+                              <p:par>
+                                <p:cTn id="9" presetID="1" presetClass="entr" presetSubtype="0" fill="hold" nodeType="clickEffect">
+                                  <p:stCondLst>
+                                    <p:cond delay="0"/>
+                                  </p:stCondLst>
+                                  <p:childTnLst>
+                                    <p:set>
+                                      <p:cBhvr>
+                                        <p:cTn id="10" dur="1" fill="hold">
+                                          <p:stCondLst>
+                                            <p:cond delay="0"/>
+                                          </p:stCondLst>
+                                        </p:cTn>
+                                        <p:tgtEl>
+                                          <p:spTgt spid="14"/>
+                                        </p:tgtEl>
+                                        <p:attrNameLst>
+                                          <p:attrName>style.visibility</p:attrName>
+                                        </p:attrNameLst>
+                                      </p:cBhvr>
+                                      <p:to>
+                                        <p:strVal val="visible"/>
+                                      </p:to>
+                                    </p:set>
+                                  </p:childTnLst>
+                                </p:cTn>
+                              </p:par>
+                            </p:childTnLst>
+                          </p:cTn>
+                        </p:par>
+                      </p:childTnLst>
+                    </p:cTn>
+                  </p:par>
+                  <p:par>
+                    <p:cTn id="11" fill="hold">
+                      <p:stCondLst>
+                        <p:cond delay="indefinite"/>
+                      </p:stCondLst>
+                      <p:childTnLst>
+                        <p:par>
+                          <p:cTn id="12" fill="hold">
+                            <p:stCondLst>
+                              <p:cond delay="0"/>
+                            </p:stCondLst>
+                            <p:childTnLst>
+                              <p:par>
+                                <p:cTn id="13" presetID="63" presetClass="path" presetSubtype="0" accel="50000" decel="50000" fill="hold" nodeType="clickEffect">
+                                  <p:stCondLst>
+                                    <p:cond delay="0"/>
+                                  </p:stCondLst>
+                                  <p:childTnLst>
+                                    <p:animMotion origin="layout" path="M 0 0 L 0.25 0 E" pathEditMode="relative" ptsTypes="">
+                                      <p:cBhvr>
+                                        <p:cTn id="14" dur="2000" fill="hold"/>
+                                        <p:tgtEl>
+                                          <p:spTgt spid="14"/>
+                                        </p:tgtEl>
+                                        <p:attrNameLst>
+                                          <p:attrName>ppt_x</p:attrName>
+                                          <p:attrName>ppt_y</p:attrName>
+                                        </p:attrNameLst>
+                                      </p:cBhvr>
+                                    </p:animMotion>
+                                  </p:childTnLst>
+                                </p:cTn>
+                              </p:par>
+                            </p:childTnLst>
+                          </p:cTn>
+                        </p:par>
+                      </p:childTnLst>
+                    </p:cTn>
+                  </p:par>
+                </p:childTnLst>
+              </p:cTn>
+              <p:prevCondLst>
+                <p:cond evt="onPrev" delay="0">
+                  <p:tgtEl>
+                    <p:sldTgt/>
+                  </p:tgtEl>
+                </p:cond>
+              </p:prevCondLst>
+              <p:nextCondLst>
+                <p:cond evt="onNext" delay="0">
+                  <p:tgtEl>
+                    <p:sldTgt/>
+                  </p:tgtEl>
+                </p:cond>
+              </p:nextCondLst>
+            </p:seq>
+          </p:childTnLst>
+        </p:cTn>
+      </p:par>
+    </p:tnLst>
+    <p:bldLst>
+      <p:bldP spid="15" grpId="0" animBg="1"/>
+    </p:bldLst>
+  </p:timing>
 </p:sld>
 </file>
 
@@ -15255,10 +15370,10 @@
       </p:grpSpPr>
       <p:pic>
         <p:nvPicPr>
-          <p:cNvPr id="3" name="Imagem 2">
+          <p:cNvPr id="5" name="Imagem 4">
             <a:extLst>
               <a:ext uri="{FF2B5EF4-FFF2-40B4-BE49-F238E27FC236}">
-                <a16:creationId xmlns:a16="http://schemas.microsoft.com/office/drawing/2014/main" id="{0F252917-ECF4-442A-96AB-395EB7B14D10}"/>
+                <a16:creationId xmlns:a16="http://schemas.microsoft.com/office/drawing/2014/main" id="{6B5FD55F-B714-42CA-8BF8-C7B0AF138695}"/>
               </a:ext>
             </a:extLst>
           </p:cNvPr>
@@ -15269,13 +15384,14 @@
         </p:nvPicPr>
         <p:blipFill>
           <a:blip r:embed="rId3"/>
-          <a:srcRect/>
-          <a:stretch/>
+          <a:stretch>
+            <a:fillRect/>
+          </a:stretch>
         </p:blipFill>
         <p:spPr>
           <a:xfrm>
-            <a:off x="1095042" y="431150"/>
-            <a:ext cx="6953915" cy="4174408"/>
+            <a:off x="1660711" y="205907"/>
+            <a:ext cx="5943600" cy="4314825"/>
           </a:xfrm>
           <a:prstGeom prst="rect">
             <a:avLst/>
@@ -15285,7 +15401,7 @@
     </p:spTree>
     <p:extLst>
       <p:ext uri="{BB962C8B-B14F-4D97-AF65-F5344CB8AC3E}">
-        <p14:creationId xmlns:p14="http://schemas.microsoft.com/office/powerpoint/2010/main" val="3089370334"/>
+        <p14:creationId xmlns:p14="http://schemas.microsoft.com/office/powerpoint/2010/main" val="43124614"/>
       </p:ext>
     </p:extLst>
   </p:cSld>

--- a/docs/Prometheus.pptx
+++ b/docs/Prometheus.pptx
@@ -12840,8 +12840,8 @@
         </p:blipFill>
         <p:spPr>
           <a:xfrm>
-            <a:off x="2709654" y="454171"/>
-            <a:ext cx="3106118" cy="4089821"/>
+            <a:off x="2831934" y="102478"/>
+            <a:ext cx="3480131" cy="4582283"/>
           </a:xfrm>
           <a:prstGeom prst="rect">
             <a:avLst/>

--- a/docs/Prometheus.pptx
+++ b/docs/Prometheus.pptx
@@ -5,7 +5,7 @@
     <p:sldMasterId id="2147483658" r:id="rId1"/>
   </p:sldMasterIdLst>
   <p:notesMasterIdLst>
-    <p:notesMasterId r:id="rId26"/>
+    <p:notesMasterId r:id="rId30"/>
   </p:notesMasterIdLst>
   <p:sldIdLst>
     <p:sldId id="256" r:id="rId2"/>
@@ -14,53 +14,57 @@
     <p:sldId id="309" r:id="rId5"/>
     <p:sldId id="337" r:id="rId6"/>
     <p:sldId id="313" r:id="rId7"/>
-    <p:sldId id="318" r:id="rId8"/>
-    <p:sldId id="329" r:id="rId9"/>
-    <p:sldId id="330" r:id="rId10"/>
-    <p:sldId id="327" r:id="rId11"/>
-    <p:sldId id="325" r:id="rId12"/>
-    <p:sldId id="326" r:id="rId13"/>
-    <p:sldId id="324" r:id="rId14"/>
-    <p:sldId id="328" r:id="rId15"/>
-    <p:sldId id="323" r:id="rId16"/>
-    <p:sldId id="322" r:id="rId17"/>
-    <p:sldId id="332" r:id="rId18"/>
-    <p:sldId id="333" r:id="rId19"/>
-    <p:sldId id="321" r:id="rId20"/>
-    <p:sldId id="334" r:id="rId21"/>
-    <p:sldId id="320" r:id="rId22"/>
-    <p:sldId id="331" r:id="rId23"/>
-    <p:sldId id="335" r:id="rId24"/>
-    <p:sldId id="340" r:id="rId25"/>
+    <p:sldId id="327" r:id="rId8"/>
+    <p:sldId id="342" r:id="rId9"/>
+    <p:sldId id="318" r:id="rId10"/>
+    <p:sldId id="329" r:id="rId11"/>
+    <p:sldId id="330" r:id="rId12"/>
+    <p:sldId id="343" r:id="rId13"/>
+    <p:sldId id="341" r:id="rId14"/>
+    <p:sldId id="325" r:id="rId15"/>
+    <p:sldId id="326" r:id="rId16"/>
+    <p:sldId id="324" r:id="rId17"/>
+    <p:sldId id="328" r:id="rId18"/>
+    <p:sldId id="323" r:id="rId19"/>
+    <p:sldId id="322" r:id="rId20"/>
+    <p:sldId id="344" r:id="rId21"/>
+    <p:sldId id="332" r:id="rId22"/>
+    <p:sldId id="333" r:id="rId23"/>
+    <p:sldId id="321" r:id="rId24"/>
+    <p:sldId id="334" r:id="rId25"/>
+    <p:sldId id="320" r:id="rId26"/>
+    <p:sldId id="346" r:id="rId27"/>
+    <p:sldId id="345" r:id="rId28"/>
+    <p:sldId id="331" r:id="rId29"/>
   </p:sldIdLst>
   <p:sldSz cx="9144000" cy="5143500" type="screen16x9"/>
   <p:notesSz cx="6858000" cy="9144000"/>
   <p:embeddedFontLst>
     <p:embeddedFont>
       <p:font typeface="Calibri" panose="020F0502020204030204" pitchFamily="34" charset="0"/>
-      <p:regular r:id="rId27"/>
-      <p:bold r:id="rId28"/>
-      <p:italic r:id="rId29"/>
-      <p:boldItalic r:id="rId30"/>
+      <p:regular r:id="rId31"/>
+      <p:bold r:id="rId32"/>
+      <p:italic r:id="rId33"/>
+      <p:boldItalic r:id="rId34"/>
     </p:embeddedFont>
     <p:embeddedFont>
       <p:font typeface="Calibri Light" panose="020F0302020204030204" pitchFamily="34" charset="0"/>
-      <p:regular r:id="rId31"/>
-      <p:italic r:id="rId32"/>
+      <p:regular r:id="rId35"/>
+      <p:italic r:id="rId36"/>
     </p:embeddedFont>
     <p:embeddedFont>
       <p:font typeface="Muli" panose="020B0604020202020204" charset="0"/>
-      <p:regular r:id="rId33"/>
-      <p:bold r:id="rId34"/>
-      <p:italic r:id="rId35"/>
-      <p:boldItalic r:id="rId36"/>
-    </p:embeddedFont>
-    <p:embeddedFont>
-      <p:font typeface="Roboto" panose="020B0604020202020204" charset="0"/>
       <p:regular r:id="rId37"/>
       <p:bold r:id="rId38"/>
       <p:italic r:id="rId39"/>
       <p:boldItalic r:id="rId40"/>
+    </p:embeddedFont>
+    <p:embeddedFont>
+      <p:font typeface="Roboto" panose="020B0604020202020204" charset="0"/>
+      <p:regular r:id="rId41"/>
+      <p:bold r:id="rId42"/>
+      <p:italic r:id="rId43"/>
+      <p:boldItalic r:id="rId44"/>
     </p:embeddedFont>
   </p:embeddedFontLst>
   <p:defaultTextStyle>
@@ -876,7 +880,7 @@
     </p:spTree>
     <p:extLst>
       <p:ext uri="{BB962C8B-B14F-4D97-AF65-F5344CB8AC3E}">
-        <p14:creationId xmlns:p14="http://schemas.microsoft.com/office/powerpoint/2010/main" val="2163143122"/>
+        <p14:creationId xmlns:p14="http://schemas.microsoft.com/office/powerpoint/2010/main" val="3415178486"/>
       </p:ext>
     </p:extLst>
   </p:cSld>
@@ -985,7 +989,7 @@
     </p:spTree>
     <p:extLst>
       <p:ext uri="{BB962C8B-B14F-4D97-AF65-F5344CB8AC3E}">
-        <p14:creationId xmlns:p14="http://schemas.microsoft.com/office/powerpoint/2010/main" val="688465585"/>
+        <p14:creationId xmlns:p14="http://schemas.microsoft.com/office/powerpoint/2010/main" val="2418241064"/>
       </p:ext>
     </p:extLst>
   </p:cSld>
@@ -1094,7 +1098,7 @@
     </p:spTree>
     <p:extLst>
       <p:ext uri="{BB962C8B-B14F-4D97-AF65-F5344CB8AC3E}">
-        <p14:creationId xmlns:p14="http://schemas.microsoft.com/office/powerpoint/2010/main" val="1747380966"/>
+        <p14:creationId xmlns:p14="http://schemas.microsoft.com/office/powerpoint/2010/main" val="572119973"/>
       </p:ext>
     </p:extLst>
   </p:cSld>
@@ -1203,7 +1207,7 @@
     </p:spTree>
     <p:extLst>
       <p:ext uri="{BB962C8B-B14F-4D97-AF65-F5344CB8AC3E}">
-        <p14:creationId xmlns:p14="http://schemas.microsoft.com/office/powerpoint/2010/main" val="3542698576"/>
+        <p14:creationId xmlns:p14="http://schemas.microsoft.com/office/powerpoint/2010/main" val="623159062"/>
       </p:ext>
     </p:extLst>
   </p:cSld>
@@ -1312,7 +1316,7 @@
     </p:spTree>
     <p:extLst>
       <p:ext uri="{BB962C8B-B14F-4D97-AF65-F5344CB8AC3E}">
-        <p14:creationId xmlns:p14="http://schemas.microsoft.com/office/powerpoint/2010/main" val="1602959421"/>
+        <p14:creationId xmlns:p14="http://schemas.microsoft.com/office/powerpoint/2010/main" val="688465585"/>
       </p:ext>
     </p:extLst>
   </p:cSld>
@@ -1421,7 +1425,7 @@
     </p:spTree>
     <p:extLst>
       <p:ext uri="{BB962C8B-B14F-4D97-AF65-F5344CB8AC3E}">
-        <p14:creationId xmlns:p14="http://schemas.microsoft.com/office/powerpoint/2010/main" val="3516812312"/>
+        <p14:creationId xmlns:p14="http://schemas.microsoft.com/office/powerpoint/2010/main" val="1747380966"/>
       </p:ext>
     </p:extLst>
   </p:cSld>
@@ -1530,7 +1534,7 @@
     </p:spTree>
     <p:extLst>
       <p:ext uri="{BB962C8B-B14F-4D97-AF65-F5344CB8AC3E}">
-        <p14:creationId xmlns:p14="http://schemas.microsoft.com/office/powerpoint/2010/main" val="3072025035"/>
+        <p14:creationId xmlns:p14="http://schemas.microsoft.com/office/powerpoint/2010/main" val="3542698576"/>
       </p:ext>
     </p:extLst>
   </p:cSld>
@@ -1639,7 +1643,7 @@
     </p:spTree>
     <p:extLst>
       <p:ext uri="{BB962C8B-B14F-4D97-AF65-F5344CB8AC3E}">
-        <p14:creationId xmlns:p14="http://schemas.microsoft.com/office/powerpoint/2010/main" val="3567871064"/>
+        <p14:creationId xmlns:p14="http://schemas.microsoft.com/office/powerpoint/2010/main" val="1602959421"/>
       </p:ext>
     </p:extLst>
   </p:cSld>
@@ -1748,7 +1752,7 @@
     </p:spTree>
     <p:extLst>
       <p:ext uri="{BB962C8B-B14F-4D97-AF65-F5344CB8AC3E}">
-        <p14:creationId xmlns:p14="http://schemas.microsoft.com/office/powerpoint/2010/main" val="1433842641"/>
+        <p14:creationId xmlns:p14="http://schemas.microsoft.com/office/powerpoint/2010/main" val="3516812312"/>
       </p:ext>
     </p:extLst>
   </p:cSld>
@@ -1857,7 +1861,7 @@
     </p:spTree>
     <p:extLst>
       <p:ext uri="{BB962C8B-B14F-4D97-AF65-F5344CB8AC3E}">
-        <p14:creationId xmlns:p14="http://schemas.microsoft.com/office/powerpoint/2010/main" val="2614756581"/>
+        <p14:creationId xmlns:p14="http://schemas.microsoft.com/office/powerpoint/2010/main" val="3072025035"/>
       </p:ext>
     </p:extLst>
   </p:cSld>
@@ -2070,7 +2074,7 @@
     </p:spTree>
     <p:extLst>
       <p:ext uri="{BB962C8B-B14F-4D97-AF65-F5344CB8AC3E}">
-        <p14:creationId xmlns:p14="http://schemas.microsoft.com/office/powerpoint/2010/main" val="1857412440"/>
+        <p14:creationId xmlns:p14="http://schemas.microsoft.com/office/powerpoint/2010/main" val="4041135335"/>
       </p:ext>
     </p:extLst>
   </p:cSld>
@@ -2179,7 +2183,7 @@
     </p:spTree>
     <p:extLst>
       <p:ext uri="{BB962C8B-B14F-4D97-AF65-F5344CB8AC3E}">
-        <p14:creationId xmlns:p14="http://schemas.microsoft.com/office/powerpoint/2010/main" val="753607841"/>
+        <p14:creationId xmlns:p14="http://schemas.microsoft.com/office/powerpoint/2010/main" val="3567871064"/>
       </p:ext>
     </p:extLst>
   </p:cSld>
@@ -2288,7 +2292,7 @@
     </p:spTree>
     <p:extLst>
       <p:ext uri="{BB962C8B-B14F-4D97-AF65-F5344CB8AC3E}">
-        <p14:creationId xmlns:p14="http://schemas.microsoft.com/office/powerpoint/2010/main" val="1823345391"/>
+        <p14:creationId xmlns:p14="http://schemas.microsoft.com/office/powerpoint/2010/main" val="1433842641"/>
       </p:ext>
     </p:extLst>
   </p:cSld>
@@ -2397,7 +2401,443 @@
     </p:spTree>
     <p:extLst>
       <p:ext uri="{BB962C8B-B14F-4D97-AF65-F5344CB8AC3E}">
-        <p14:creationId xmlns:p14="http://schemas.microsoft.com/office/powerpoint/2010/main" val="2005483846"/>
+        <p14:creationId xmlns:p14="http://schemas.microsoft.com/office/powerpoint/2010/main" val="2614756581"/>
+      </p:ext>
+    </p:extLst>
+  </p:cSld>
+  <p:clrMapOvr>
+    <a:masterClrMapping/>
+  </p:clrMapOvr>
+</p:notes>
+</file>
+
+<file path=ppt/notesSlides/notesSlide24.xml><?xml version="1.0" encoding="utf-8"?>
+<p:notes xmlns:a="http://schemas.openxmlformats.org/drawingml/2006/main" xmlns:r="http://schemas.openxmlformats.org/officeDocument/2006/relationships" xmlns:p="http://schemas.openxmlformats.org/presentationml/2006/main" showMasterSp="0" showMasterPhAnim="0">
+  <p:cSld>
+    <p:spTree>
+      <p:nvGrpSpPr>
+        <p:cNvPr id="1" name="Shape 355"/>
+        <p:cNvGrpSpPr/>
+        <p:nvPr/>
+      </p:nvGrpSpPr>
+      <p:grpSpPr>
+        <a:xfrm>
+          <a:off x="0" y="0"/>
+          <a:ext cx="0" cy="0"/>
+          <a:chOff x="0" y="0"/>
+          <a:chExt cx="0" cy="0"/>
+        </a:xfrm>
+      </p:grpSpPr>
+      <p:sp>
+        <p:nvSpPr>
+          <p:cNvPr id="356" name="Google Shape;356;g35f391192_029:notes"/>
+          <p:cNvSpPr>
+            <a:spLocks noGrp="1" noRot="1" noChangeAspect="1"/>
+          </p:cNvSpPr>
+          <p:nvPr>
+            <p:ph type="sldImg" idx="2"/>
+          </p:nvPr>
+        </p:nvSpPr>
+        <p:spPr>
+          <a:xfrm>
+            <a:off x="381000" y="685800"/>
+            <a:ext cx="6096000" cy="3429000"/>
+          </a:xfrm>
+          <a:custGeom>
+            <a:avLst/>
+            <a:gdLst/>
+            <a:ahLst/>
+            <a:cxnLst/>
+            <a:rect l="l" t="t" r="r" b="b"/>
+            <a:pathLst>
+              <a:path w="120000" h="120000" extrusionOk="0">
+                <a:moveTo>
+                  <a:pt x="0" y="0"/>
+                </a:moveTo>
+                <a:lnTo>
+                  <a:pt x="120000" y="0"/>
+                </a:lnTo>
+                <a:lnTo>
+                  <a:pt x="120000" y="120000"/>
+                </a:lnTo>
+                <a:lnTo>
+                  <a:pt x="0" y="120000"/>
+                </a:lnTo>
+                <a:close/>
+              </a:path>
+            </a:pathLst>
+          </a:custGeom>
+        </p:spPr>
+      </p:sp>
+      <p:sp>
+        <p:nvSpPr>
+          <p:cNvPr id="357" name="Google Shape;357;g35f391192_029:notes"/>
+          <p:cNvSpPr txBox="1">
+            <a:spLocks noGrp="1"/>
+          </p:cNvSpPr>
+          <p:nvPr>
+            <p:ph type="body" idx="1"/>
+          </p:nvPr>
+        </p:nvSpPr>
+        <p:spPr>
+          <a:xfrm>
+            <a:off x="685800" y="4343400"/>
+            <a:ext cx="5486400" cy="4114800"/>
+          </a:xfrm>
+          <a:prstGeom prst="rect">
+            <a:avLst/>
+          </a:prstGeom>
+        </p:spPr>
+        <p:txBody>
+          <a:bodyPr spcFirstLastPara="1" wrap="square" lIns="91425" tIns="91425" rIns="91425" bIns="91425" anchor="t" anchorCtr="0">
+            <a:noAutofit/>
+          </a:bodyPr>
+          <a:lstStyle/>
+          <a:p>
+            <a:pPr marL="0" lvl="0" indent="0" algn="l" rtl="0">
+              <a:spcBef>
+                <a:spcPts val="0"/>
+              </a:spcBef>
+              <a:spcAft>
+                <a:spcPts val="0"/>
+              </a:spcAft>
+              <a:buNone/>
+            </a:pPr>
+            <a:endParaRPr/>
+          </a:p>
+        </p:txBody>
+      </p:sp>
+    </p:spTree>
+    <p:extLst>
+      <p:ext uri="{BB962C8B-B14F-4D97-AF65-F5344CB8AC3E}">
+        <p14:creationId xmlns:p14="http://schemas.microsoft.com/office/powerpoint/2010/main" val="1857412440"/>
+      </p:ext>
+    </p:extLst>
+  </p:cSld>
+  <p:clrMapOvr>
+    <a:masterClrMapping/>
+  </p:clrMapOvr>
+</p:notes>
+</file>
+
+<file path=ppt/notesSlides/notesSlide25.xml><?xml version="1.0" encoding="utf-8"?>
+<p:notes xmlns:a="http://schemas.openxmlformats.org/drawingml/2006/main" xmlns:r="http://schemas.openxmlformats.org/officeDocument/2006/relationships" xmlns:p="http://schemas.openxmlformats.org/presentationml/2006/main" showMasterSp="0" showMasterPhAnim="0">
+  <p:cSld>
+    <p:spTree>
+      <p:nvGrpSpPr>
+        <p:cNvPr id="1" name="Shape 355"/>
+        <p:cNvGrpSpPr/>
+        <p:nvPr/>
+      </p:nvGrpSpPr>
+      <p:grpSpPr>
+        <a:xfrm>
+          <a:off x="0" y="0"/>
+          <a:ext cx="0" cy="0"/>
+          <a:chOff x="0" y="0"/>
+          <a:chExt cx="0" cy="0"/>
+        </a:xfrm>
+      </p:grpSpPr>
+      <p:sp>
+        <p:nvSpPr>
+          <p:cNvPr id="356" name="Google Shape;356;g35f391192_029:notes"/>
+          <p:cNvSpPr>
+            <a:spLocks noGrp="1" noRot="1" noChangeAspect="1"/>
+          </p:cNvSpPr>
+          <p:nvPr>
+            <p:ph type="sldImg" idx="2"/>
+          </p:nvPr>
+        </p:nvSpPr>
+        <p:spPr>
+          <a:xfrm>
+            <a:off x="381000" y="685800"/>
+            <a:ext cx="6096000" cy="3429000"/>
+          </a:xfrm>
+          <a:custGeom>
+            <a:avLst/>
+            <a:gdLst/>
+            <a:ahLst/>
+            <a:cxnLst/>
+            <a:rect l="l" t="t" r="r" b="b"/>
+            <a:pathLst>
+              <a:path w="120000" h="120000" extrusionOk="0">
+                <a:moveTo>
+                  <a:pt x="0" y="0"/>
+                </a:moveTo>
+                <a:lnTo>
+                  <a:pt x="120000" y="0"/>
+                </a:lnTo>
+                <a:lnTo>
+                  <a:pt x="120000" y="120000"/>
+                </a:lnTo>
+                <a:lnTo>
+                  <a:pt x="0" y="120000"/>
+                </a:lnTo>
+                <a:close/>
+              </a:path>
+            </a:pathLst>
+          </a:custGeom>
+        </p:spPr>
+      </p:sp>
+      <p:sp>
+        <p:nvSpPr>
+          <p:cNvPr id="357" name="Google Shape;357;g35f391192_029:notes"/>
+          <p:cNvSpPr txBox="1">
+            <a:spLocks noGrp="1"/>
+          </p:cNvSpPr>
+          <p:nvPr>
+            <p:ph type="body" idx="1"/>
+          </p:nvPr>
+        </p:nvSpPr>
+        <p:spPr>
+          <a:xfrm>
+            <a:off x="685800" y="4343400"/>
+            <a:ext cx="5486400" cy="4114800"/>
+          </a:xfrm>
+          <a:prstGeom prst="rect">
+            <a:avLst/>
+          </a:prstGeom>
+        </p:spPr>
+        <p:txBody>
+          <a:bodyPr spcFirstLastPara="1" wrap="square" lIns="91425" tIns="91425" rIns="91425" bIns="91425" anchor="t" anchorCtr="0">
+            <a:noAutofit/>
+          </a:bodyPr>
+          <a:lstStyle/>
+          <a:p>
+            <a:pPr marL="0" lvl="0" indent="0" algn="l" rtl="0">
+              <a:spcBef>
+                <a:spcPts val="0"/>
+              </a:spcBef>
+              <a:spcAft>
+                <a:spcPts val="0"/>
+              </a:spcAft>
+              <a:buNone/>
+            </a:pPr>
+            <a:endParaRPr/>
+          </a:p>
+        </p:txBody>
+      </p:sp>
+    </p:spTree>
+    <p:extLst>
+      <p:ext uri="{BB962C8B-B14F-4D97-AF65-F5344CB8AC3E}">
+        <p14:creationId xmlns:p14="http://schemas.microsoft.com/office/powerpoint/2010/main" val="607467326"/>
+      </p:ext>
+    </p:extLst>
+  </p:cSld>
+  <p:clrMapOvr>
+    <a:masterClrMapping/>
+  </p:clrMapOvr>
+</p:notes>
+</file>
+
+<file path=ppt/notesSlides/notesSlide26.xml><?xml version="1.0" encoding="utf-8"?>
+<p:notes xmlns:a="http://schemas.openxmlformats.org/drawingml/2006/main" xmlns:r="http://schemas.openxmlformats.org/officeDocument/2006/relationships" xmlns:p="http://schemas.openxmlformats.org/presentationml/2006/main" showMasterSp="0" showMasterPhAnim="0">
+  <p:cSld>
+    <p:spTree>
+      <p:nvGrpSpPr>
+        <p:cNvPr id="1" name="Shape 355"/>
+        <p:cNvGrpSpPr/>
+        <p:nvPr/>
+      </p:nvGrpSpPr>
+      <p:grpSpPr>
+        <a:xfrm>
+          <a:off x="0" y="0"/>
+          <a:ext cx="0" cy="0"/>
+          <a:chOff x="0" y="0"/>
+          <a:chExt cx="0" cy="0"/>
+        </a:xfrm>
+      </p:grpSpPr>
+      <p:sp>
+        <p:nvSpPr>
+          <p:cNvPr id="356" name="Google Shape;356;g35f391192_029:notes"/>
+          <p:cNvSpPr>
+            <a:spLocks noGrp="1" noRot="1" noChangeAspect="1"/>
+          </p:cNvSpPr>
+          <p:nvPr>
+            <p:ph type="sldImg" idx="2"/>
+          </p:nvPr>
+        </p:nvSpPr>
+        <p:spPr>
+          <a:xfrm>
+            <a:off x="381000" y="685800"/>
+            <a:ext cx="6096000" cy="3429000"/>
+          </a:xfrm>
+          <a:custGeom>
+            <a:avLst/>
+            <a:gdLst/>
+            <a:ahLst/>
+            <a:cxnLst/>
+            <a:rect l="l" t="t" r="r" b="b"/>
+            <a:pathLst>
+              <a:path w="120000" h="120000" extrusionOk="0">
+                <a:moveTo>
+                  <a:pt x="0" y="0"/>
+                </a:moveTo>
+                <a:lnTo>
+                  <a:pt x="120000" y="0"/>
+                </a:lnTo>
+                <a:lnTo>
+                  <a:pt x="120000" y="120000"/>
+                </a:lnTo>
+                <a:lnTo>
+                  <a:pt x="0" y="120000"/>
+                </a:lnTo>
+                <a:close/>
+              </a:path>
+            </a:pathLst>
+          </a:custGeom>
+        </p:spPr>
+      </p:sp>
+      <p:sp>
+        <p:nvSpPr>
+          <p:cNvPr id="357" name="Google Shape;357;g35f391192_029:notes"/>
+          <p:cNvSpPr txBox="1">
+            <a:spLocks noGrp="1"/>
+          </p:cNvSpPr>
+          <p:nvPr>
+            <p:ph type="body" idx="1"/>
+          </p:nvPr>
+        </p:nvSpPr>
+        <p:spPr>
+          <a:xfrm>
+            <a:off x="685800" y="4343400"/>
+            <a:ext cx="5486400" cy="4114800"/>
+          </a:xfrm>
+          <a:prstGeom prst="rect">
+            <a:avLst/>
+          </a:prstGeom>
+        </p:spPr>
+        <p:txBody>
+          <a:bodyPr spcFirstLastPara="1" wrap="square" lIns="91425" tIns="91425" rIns="91425" bIns="91425" anchor="t" anchorCtr="0">
+            <a:noAutofit/>
+          </a:bodyPr>
+          <a:lstStyle/>
+          <a:p>
+            <a:pPr marL="0" lvl="0" indent="0" algn="l" rtl="0">
+              <a:spcBef>
+                <a:spcPts val="0"/>
+              </a:spcBef>
+              <a:spcAft>
+                <a:spcPts val="0"/>
+              </a:spcAft>
+              <a:buNone/>
+            </a:pPr>
+            <a:endParaRPr/>
+          </a:p>
+        </p:txBody>
+      </p:sp>
+    </p:spTree>
+    <p:extLst>
+      <p:ext uri="{BB962C8B-B14F-4D97-AF65-F5344CB8AC3E}">
+        <p14:creationId xmlns:p14="http://schemas.microsoft.com/office/powerpoint/2010/main" val="2142370050"/>
+      </p:ext>
+    </p:extLst>
+  </p:cSld>
+  <p:clrMapOvr>
+    <a:masterClrMapping/>
+  </p:clrMapOvr>
+</p:notes>
+</file>
+
+<file path=ppt/notesSlides/notesSlide27.xml><?xml version="1.0" encoding="utf-8"?>
+<p:notes xmlns:a="http://schemas.openxmlformats.org/drawingml/2006/main" xmlns:r="http://schemas.openxmlformats.org/officeDocument/2006/relationships" xmlns:p="http://schemas.openxmlformats.org/presentationml/2006/main" showMasterSp="0" showMasterPhAnim="0">
+  <p:cSld>
+    <p:spTree>
+      <p:nvGrpSpPr>
+        <p:cNvPr id="1" name="Shape 355"/>
+        <p:cNvGrpSpPr/>
+        <p:nvPr/>
+      </p:nvGrpSpPr>
+      <p:grpSpPr>
+        <a:xfrm>
+          <a:off x="0" y="0"/>
+          <a:ext cx="0" cy="0"/>
+          <a:chOff x="0" y="0"/>
+          <a:chExt cx="0" cy="0"/>
+        </a:xfrm>
+      </p:grpSpPr>
+      <p:sp>
+        <p:nvSpPr>
+          <p:cNvPr id="356" name="Google Shape;356;g35f391192_029:notes"/>
+          <p:cNvSpPr>
+            <a:spLocks noGrp="1" noRot="1" noChangeAspect="1"/>
+          </p:cNvSpPr>
+          <p:nvPr>
+            <p:ph type="sldImg" idx="2"/>
+          </p:nvPr>
+        </p:nvSpPr>
+        <p:spPr>
+          <a:xfrm>
+            <a:off x="381000" y="685800"/>
+            <a:ext cx="6096000" cy="3429000"/>
+          </a:xfrm>
+          <a:custGeom>
+            <a:avLst/>
+            <a:gdLst/>
+            <a:ahLst/>
+            <a:cxnLst/>
+            <a:rect l="l" t="t" r="r" b="b"/>
+            <a:pathLst>
+              <a:path w="120000" h="120000" extrusionOk="0">
+                <a:moveTo>
+                  <a:pt x="0" y="0"/>
+                </a:moveTo>
+                <a:lnTo>
+                  <a:pt x="120000" y="0"/>
+                </a:lnTo>
+                <a:lnTo>
+                  <a:pt x="120000" y="120000"/>
+                </a:lnTo>
+                <a:lnTo>
+                  <a:pt x="0" y="120000"/>
+                </a:lnTo>
+                <a:close/>
+              </a:path>
+            </a:pathLst>
+          </a:custGeom>
+        </p:spPr>
+      </p:sp>
+      <p:sp>
+        <p:nvSpPr>
+          <p:cNvPr id="357" name="Google Shape;357;g35f391192_029:notes"/>
+          <p:cNvSpPr txBox="1">
+            <a:spLocks noGrp="1"/>
+          </p:cNvSpPr>
+          <p:nvPr>
+            <p:ph type="body" idx="1"/>
+          </p:nvPr>
+        </p:nvSpPr>
+        <p:spPr>
+          <a:xfrm>
+            <a:off x="685800" y="4343400"/>
+            <a:ext cx="5486400" cy="4114800"/>
+          </a:xfrm>
+          <a:prstGeom prst="rect">
+            <a:avLst/>
+          </a:prstGeom>
+        </p:spPr>
+        <p:txBody>
+          <a:bodyPr spcFirstLastPara="1" wrap="square" lIns="91425" tIns="91425" rIns="91425" bIns="91425" anchor="t" anchorCtr="0">
+            <a:noAutofit/>
+          </a:bodyPr>
+          <a:lstStyle/>
+          <a:p>
+            <a:pPr marL="0" lvl="0" indent="0" algn="l" rtl="0">
+              <a:spcBef>
+                <a:spcPts val="0"/>
+              </a:spcBef>
+              <a:spcAft>
+                <a:spcPts val="0"/>
+              </a:spcAft>
+              <a:buNone/>
+            </a:pPr>
+            <a:endParaRPr/>
+          </a:p>
+        </p:txBody>
+      </p:sp>
+    </p:spTree>
+    <p:extLst>
+      <p:ext uri="{BB962C8B-B14F-4D97-AF65-F5344CB8AC3E}">
+        <p14:creationId xmlns:p14="http://schemas.microsoft.com/office/powerpoint/2010/main" val="753607841"/>
       </p:ext>
     </p:extLst>
   </p:cSld>
@@ -2942,7 +3382,7 @@
     </p:spTree>
     <p:extLst>
       <p:ext uri="{BB962C8B-B14F-4D97-AF65-F5344CB8AC3E}">
-        <p14:creationId xmlns:p14="http://schemas.microsoft.com/office/powerpoint/2010/main" val="3183325113"/>
+        <p14:creationId xmlns:p14="http://schemas.microsoft.com/office/powerpoint/2010/main" val="2163143122"/>
       </p:ext>
     </p:extLst>
   </p:cSld>
@@ -3051,7 +3491,7 @@
     </p:spTree>
     <p:extLst>
       <p:ext uri="{BB962C8B-B14F-4D97-AF65-F5344CB8AC3E}">
-        <p14:creationId xmlns:p14="http://schemas.microsoft.com/office/powerpoint/2010/main" val="3415178486"/>
+        <p14:creationId xmlns:p14="http://schemas.microsoft.com/office/powerpoint/2010/main" val="3856960449"/>
       </p:ext>
     </p:extLst>
   </p:cSld>
@@ -3160,7 +3600,7 @@
     </p:spTree>
     <p:extLst>
       <p:ext uri="{BB962C8B-B14F-4D97-AF65-F5344CB8AC3E}">
-        <p14:creationId xmlns:p14="http://schemas.microsoft.com/office/powerpoint/2010/main" val="2418241064"/>
+        <p14:creationId xmlns:p14="http://schemas.microsoft.com/office/powerpoint/2010/main" val="3183325113"/>
       </p:ext>
     </p:extLst>
   </p:cSld>
@@ -3396,7 +3836,7 @@
           <a:p>
             <a:fld id="{4BDF68E2-58F2-4D09-BE8B-E3BD06533059}" type="datetimeFigureOut">
               <a:rPr lang="en-US" dirty="0"/>
-              <a:t>12/3/2019</a:t>
+              <a:t>2/10/2020</a:t>
             </a:fld>
             <a:endParaRPr lang="en-US" dirty="0"/>
           </a:p>
@@ -3614,7 +4054,7 @@
           <a:p>
             <a:fld id="{2E2D6473-DF6D-4702-B328-E0DD40540A4E}" type="datetimeFigureOut">
               <a:rPr lang="en-US" dirty="0"/>
-              <a:t>12/3/2019</a:t>
+              <a:t>2/10/2020</a:t>
             </a:fld>
             <a:endParaRPr lang="en-US" dirty="0"/>
           </a:p>
@@ -3880,7 +4320,7 @@
           <a:p>
             <a:fld id="{E26F7E3A-B166-407D-9866-32884E7D5B37}" type="datetimeFigureOut">
               <a:rPr lang="en-US" dirty="0"/>
-              <a:t>12/3/2019</a:t>
+              <a:t>2/10/2020</a:t>
             </a:fld>
             <a:endParaRPr lang="en-US" dirty="0"/>
           </a:p>
@@ -4922,7 +5362,7 @@
           <a:p>
             <a:fld id="{528FC5F6-F338-4AE4-BB23-26385BCFC423}" type="datetimeFigureOut">
               <a:rPr lang="en-US" dirty="0"/>
-              <a:t>12/3/2019</a:t>
+              <a:t>2/10/2020</a:t>
             </a:fld>
             <a:endParaRPr lang="en-US" dirty="0"/>
           </a:p>
@@ -5275,7 +5715,7 @@
           <a:p>
             <a:fld id="{20EBB0C4-6273-4C6E-B9BD-2EDC30F1CD52}" type="datetimeFigureOut">
               <a:rPr lang="en-US" dirty="0"/>
-              <a:t>12/3/2019</a:t>
+              <a:t>2/10/2020</a:t>
             </a:fld>
             <a:endParaRPr lang="en-US" dirty="0"/>
           </a:p>
@@ -5560,7 +6000,7 @@
           <a:p>
             <a:fld id="{19AB4D41-86C1-4908-B66A-0B50CEB3BF29}" type="datetimeFigureOut">
               <a:rPr lang="en-US" dirty="0"/>
-              <a:t>12/3/2019</a:t>
+              <a:t>2/10/2020</a:t>
             </a:fld>
             <a:endParaRPr lang="en-US" dirty="0"/>
           </a:p>
@@ -5949,7 +6389,7 @@
           <a:p>
             <a:fld id="{E6426E2C-56C1-4E0D-A793-0088A7FDD37E}" type="datetimeFigureOut">
               <a:rPr lang="en-US" dirty="0"/>
-              <a:t>12/3/2019</a:t>
+              <a:t>2/10/2020</a:t>
             </a:fld>
             <a:endParaRPr lang="en-US" dirty="0"/>
           </a:p>
@@ -6077,7 +6517,7 @@
           <a:p>
             <a:fld id="{C8C39B41-D8B5-4052-B551-9B5525EAA8B6}" type="datetimeFigureOut">
               <a:rPr lang="en-US" dirty="0"/>
-              <a:t>12/3/2019</a:t>
+              <a:t>2/10/2020</a:t>
             </a:fld>
             <a:endParaRPr lang="en-US" dirty="0"/>
           </a:p>
@@ -6258,7 +6698,7 @@
           <a:p>
             <a:fld id="{4D94136C-8742-45B2-AF27-D93DF72833A9}" type="datetimeFigureOut">
               <a:rPr lang="en-US" dirty="0"/>
-              <a:t>12/3/2019</a:t>
+              <a:t>2/10/2020</a:t>
             </a:fld>
             <a:endParaRPr lang="en-US" dirty="0"/>
           </a:p>
@@ -6622,7 +7062,7 @@
           <a:p>
             <a:fld id="{32ABBEA6-7C60-4B02-AE87-00D78D8422AF}" type="datetimeFigureOut">
               <a:rPr lang="en-US" dirty="0"/>
-              <a:t>12/3/2019</a:t>
+              <a:t>2/10/2020</a:t>
             </a:fld>
             <a:endParaRPr lang="en-US" dirty="0"/>
           </a:p>
@@ -7014,7 +7454,7 @@
           <a:p>
             <a:fld id="{C9CAD897-D46E-4AD2-BD9B-49DD3E640873}" type="datetimeFigureOut">
               <a:rPr lang="en-US" dirty="0"/>
-              <a:t>12/3/2019</a:t>
+              <a:t>2/10/2020</a:t>
             </a:fld>
             <a:endParaRPr lang="en-US" dirty="0"/>
           </a:p>
@@ -7311,7 +7751,7 @@
           <a:p>
             <a:fld id="{98624D31-43A5-475A-80CF-332C9F6DCF35}" type="datetimeFigureOut">
               <a:rPr lang="en-US" dirty="0"/>
-              <a:t>12/3/2019</a:t>
+              <a:t>2/10/2020</a:t>
             </a:fld>
             <a:endParaRPr lang="en-US" dirty="0"/>
           </a:p>
@@ -7958,6 +8398,502 @@
           <a:chExt cx="0" cy="0"/>
         </a:xfrm>
       </p:grpSpPr>
+      <p:pic>
+        <p:nvPicPr>
+          <p:cNvPr id="6" name="Imagem 5">
+            <a:extLst>
+              <a:ext uri="{FF2B5EF4-FFF2-40B4-BE49-F238E27FC236}">
+                <a16:creationId xmlns:a16="http://schemas.microsoft.com/office/drawing/2014/main" id="{F8BD068C-A504-449C-82DF-58DB846F820B}"/>
+              </a:ext>
+            </a:extLst>
+          </p:cNvPr>
+          <p:cNvPicPr>
+            <a:picLocks noChangeAspect="1"/>
+          </p:cNvPicPr>
+          <p:nvPr/>
+        </p:nvPicPr>
+        <p:blipFill>
+          <a:blip r:embed="rId3"/>
+          <a:stretch>
+            <a:fillRect/>
+          </a:stretch>
+        </p:blipFill>
+        <p:spPr>
+          <a:xfrm>
+            <a:off x="2140764" y="1878106"/>
+            <a:ext cx="1481417" cy="1481417"/>
+          </a:xfrm>
+          <a:prstGeom prst="rect">
+            <a:avLst/>
+          </a:prstGeom>
+        </p:spPr>
+      </p:pic>
+      <p:pic>
+        <p:nvPicPr>
+          <p:cNvPr id="11" name="Imagem 10">
+            <a:extLst>
+              <a:ext uri="{FF2B5EF4-FFF2-40B4-BE49-F238E27FC236}">
+                <a16:creationId xmlns:a16="http://schemas.microsoft.com/office/drawing/2014/main" id="{D77014C1-FEF8-40EF-B2C9-452CE2CD4033}"/>
+              </a:ext>
+            </a:extLst>
+          </p:cNvPr>
+          <p:cNvPicPr>
+            <a:picLocks noChangeAspect="1"/>
+          </p:cNvPicPr>
+          <p:nvPr/>
+        </p:nvPicPr>
+        <p:blipFill>
+          <a:blip r:embed="rId4"/>
+          <a:stretch>
+            <a:fillRect/>
+          </a:stretch>
+        </p:blipFill>
+        <p:spPr>
+          <a:xfrm>
+            <a:off x="5677232" y="1912844"/>
+            <a:ext cx="1424350" cy="1411940"/>
+          </a:xfrm>
+          <a:prstGeom prst="rect">
+            <a:avLst/>
+          </a:prstGeom>
+        </p:spPr>
+      </p:pic>
+      <p:sp>
+        <p:nvSpPr>
+          <p:cNvPr id="12" name="CaixaDeTexto 11">
+            <a:extLst>
+              <a:ext uri="{FF2B5EF4-FFF2-40B4-BE49-F238E27FC236}">
+                <a16:creationId xmlns:a16="http://schemas.microsoft.com/office/drawing/2014/main" id="{F5905E5D-35C0-46CA-A27A-B82B04576DBF}"/>
+              </a:ext>
+            </a:extLst>
+          </p:cNvPr>
+          <p:cNvSpPr txBox="1"/>
+          <p:nvPr/>
+        </p:nvSpPr>
+        <p:spPr>
+          <a:xfrm>
+            <a:off x="2881473" y="645459"/>
+            <a:ext cx="3381054" cy="584775"/>
+          </a:xfrm>
+          <a:prstGeom prst="rect">
+            <a:avLst/>
+          </a:prstGeom>
+          <a:noFill/>
+        </p:spPr>
+        <p:txBody>
+          <a:bodyPr wrap="none" rtlCol="0">
+            <a:spAutoFit/>
+          </a:bodyPr>
+          <a:lstStyle/>
+          <a:p>
+            <a:r>
+              <a:rPr lang="en-US" sz="3200" b="1" dirty="0">
+                <a:latin typeface="Roboto" panose="02000000000000000000" pitchFamily="2" charset="0"/>
+                <a:ea typeface="Roboto" panose="02000000000000000000" pitchFamily="2" charset="0"/>
+              </a:rPr>
+              <a:t>Coleta dos dados</a:t>
+            </a:r>
+            <a:endParaRPr lang="pt-BR" sz="3200" b="1" dirty="0">
+              <a:latin typeface="Roboto" panose="02000000000000000000" pitchFamily="2" charset="0"/>
+              <a:ea typeface="Roboto" panose="02000000000000000000" pitchFamily="2" charset="0"/>
+            </a:endParaRPr>
+          </a:p>
+        </p:txBody>
+      </p:sp>
+      <p:pic>
+        <p:nvPicPr>
+          <p:cNvPr id="14" name="Imagem 13">
+            <a:extLst>
+              <a:ext uri="{FF2B5EF4-FFF2-40B4-BE49-F238E27FC236}">
+                <a16:creationId xmlns:a16="http://schemas.microsoft.com/office/drawing/2014/main" id="{4BFDA0D3-1A57-4E17-8B8B-215BC6D9E7F4}"/>
+              </a:ext>
+            </a:extLst>
+          </p:cNvPr>
+          <p:cNvPicPr>
+            <a:picLocks noChangeAspect="1"/>
+          </p:cNvPicPr>
+          <p:nvPr/>
+        </p:nvPicPr>
+        <p:blipFill>
+          <a:blip r:embed="rId5"/>
+          <a:stretch>
+            <a:fillRect/>
+          </a:stretch>
+        </p:blipFill>
+        <p:spPr>
+          <a:xfrm>
+            <a:off x="3168343" y="2257424"/>
+            <a:ext cx="722780" cy="722780"/>
+          </a:xfrm>
+          <a:prstGeom prst="rect">
+            <a:avLst/>
+          </a:prstGeom>
+        </p:spPr>
+      </p:pic>
+      <p:sp>
+        <p:nvSpPr>
+          <p:cNvPr id="15" name="Seta: para a Direita 14">
+            <a:extLst>
+              <a:ext uri="{FF2B5EF4-FFF2-40B4-BE49-F238E27FC236}">
+                <a16:creationId xmlns:a16="http://schemas.microsoft.com/office/drawing/2014/main" id="{A3CF5F5D-337E-418B-9E33-1AFDA75E1833}"/>
+              </a:ext>
+            </a:extLst>
+          </p:cNvPr>
+          <p:cNvSpPr/>
+          <p:nvPr/>
+        </p:nvSpPr>
+        <p:spPr>
+          <a:xfrm rot="10800000">
+            <a:off x="3897846" y="2660275"/>
+            <a:ext cx="1580029" cy="123265"/>
+          </a:xfrm>
+          <a:prstGeom prst="rightArrow">
+            <a:avLst/>
+          </a:prstGeom>
+        </p:spPr>
+        <p:style>
+          <a:lnRef idx="2">
+            <a:schemeClr val="accent1">
+              <a:shade val="50000"/>
+            </a:schemeClr>
+          </a:lnRef>
+          <a:fillRef idx="1">
+            <a:schemeClr val="accent1"/>
+          </a:fillRef>
+          <a:effectRef idx="0">
+            <a:schemeClr val="accent1"/>
+          </a:effectRef>
+          <a:fontRef idx="minor">
+            <a:schemeClr val="lt1"/>
+          </a:fontRef>
+        </p:style>
+        <p:txBody>
+          <a:bodyPr rtlCol="0" anchor="ctr"/>
+          <a:lstStyle/>
+          <a:p>
+            <a:pPr algn="ctr"/>
+            <a:endParaRPr lang="pt-BR"/>
+          </a:p>
+        </p:txBody>
+      </p:sp>
+    </p:spTree>
+    <p:extLst>
+      <p:ext uri="{BB962C8B-B14F-4D97-AF65-F5344CB8AC3E}">
+        <p14:creationId xmlns:p14="http://schemas.microsoft.com/office/powerpoint/2010/main" val="2267687944"/>
+      </p:ext>
+    </p:extLst>
+  </p:cSld>
+  <p:clrMapOvr>
+    <a:masterClrMapping/>
+  </p:clrMapOvr>
+  <p:timing>
+    <p:tnLst>
+      <p:par>
+        <p:cTn id="1" dur="indefinite" restart="never" nodeType="tmRoot">
+          <p:childTnLst>
+            <p:seq concurrent="1" nextAc="seek">
+              <p:cTn id="2" dur="indefinite" nodeType="mainSeq">
+                <p:childTnLst>
+                  <p:par>
+                    <p:cTn id="3" fill="hold">
+                      <p:stCondLst>
+                        <p:cond delay="indefinite"/>
+                      </p:stCondLst>
+                      <p:childTnLst>
+                        <p:par>
+                          <p:cTn id="4" fill="hold">
+                            <p:stCondLst>
+                              <p:cond delay="0"/>
+                            </p:stCondLst>
+                            <p:childTnLst>
+                              <p:par>
+                                <p:cTn id="5" presetID="1" presetClass="entr" presetSubtype="0" fill="hold" grpId="0" nodeType="clickEffect">
+                                  <p:stCondLst>
+                                    <p:cond delay="0"/>
+                                  </p:stCondLst>
+                                  <p:childTnLst>
+                                    <p:set>
+                                      <p:cBhvr>
+                                        <p:cTn id="6" dur="1" fill="hold">
+                                          <p:stCondLst>
+                                            <p:cond delay="0"/>
+                                          </p:stCondLst>
+                                        </p:cTn>
+                                        <p:tgtEl>
+                                          <p:spTgt spid="15"/>
+                                        </p:tgtEl>
+                                        <p:attrNameLst>
+                                          <p:attrName>style.visibility</p:attrName>
+                                        </p:attrNameLst>
+                                      </p:cBhvr>
+                                      <p:to>
+                                        <p:strVal val="visible"/>
+                                      </p:to>
+                                    </p:set>
+                                  </p:childTnLst>
+                                </p:cTn>
+                              </p:par>
+                            </p:childTnLst>
+                          </p:cTn>
+                        </p:par>
+                      </p:childTnLst>
+                    </p:cTn>
+                  </p:par>
+                  <p:par>
+                    <p:cTn id="7" fill="hold">
+                      <p:stCondLst>
+                        <p:cond delay="indefinite"/>
+                      </p:stCondLst>
+                      <p:childTnLst>
+                        <p:par>
+                          <p:cTn id="8" fill="hold">
+                            <p:stCondLst>
+                              <p:cond delay="0"/>
+                            </p:stCondLst>
+                            <p:childTnLst>
+                              <p:par>
+                                <p:cTn id="9" presetID="1" presetClass="entr" presetSubtype="0" fill="hold" nodeType="clickEffect">
+                                  <p:stCondLst>
+                                    <p:cond delay="0"/>
+                                  </p:stCondLst>
+                                  <p:childTnLst>
+                                    <p:set>
+                                      <p:cBhvr>
+                                        <p:cTn id="10" dur="1" fill="hold">
+                                          <p:stCondLst>
+                                            <p:cond delay="0"/>
+                                          </p:stCondLst>
+                                        </p:cTn>
+                                        <p:tgtEl>
+                                          <p:spTgt spid="14"/>
+                                        </p:tgtEl>
+                                        <p:attrNameLst>
+                                          <p:attrName>style.visibility</p:attrName>
+                                        </p:attrNameLst>
+                                      </p:cBhvr>
+                                      <p:to>
+                                        <p:strVal val="visible"/>
+                                      </p:to>
+                                    </p:set>
+                                  </p:childTnLst>
+                                </p:cTn>
+                              </p:par>
+                            </p:childTnLst>
+                          </p:cTn>
+                        </p:par>
+                      </p:childTnLst>
+                    </p:cTn>
+                  </p:par>
+                  <p:par>
+                    <p:cTn id="11" fill="hold">
+                      <p:stCondLst>
+                        <p:cond delay="indefinite"/>
+                      </p:stCondLst>
+                      <p:childTnLst>
+                        <p:par>
+                          <p:cTn id="12" fill="hold">
+                            <p:stCondLst>
+                              <p:cond delay="0"/>
+                            </p:stCondLst>
+                            <p:childTnLst>
+                              <p:par>
+                                <p:cTn id="13" presetID="63" presetClass="path" presetSubtype="0" accel="50000" decel="50000" fill="hold" nodeType="clickEffect">
+                                  <p:stCondLst>
+                                    <p:cond delay="0"/>
+                                  </p:stCondLst>
+                                  <p:childTnLst>
+                                    <p:animMotion origin="layout" path="M 0 0 L 0.25 0 E" pathEditMode="relative" ptsTypes="">
+                                      <p:cBhvr>
+                                        <p:cTn id="14" dur="2000" fill="hold"/>
+                                        <p:tgtEl>
+                                          <p:spTgt spid="14"/>
+                                        </p:tgtEl>
+                                        <p:attrNameLst>
+                                          <p:attrName>ppt_x</p:attrName>
+                                          <p:attrName>ppt_y</p:attrName>
+                                        </p:attrNameLst>
+                                      </p:cBhvr>
+                                    </p:animMotion>
+                                  </p:childTnLst>
+                                </p:cTn>
+                              </p:par>
+                            </p:childTnLst>
+                          </p:cTn>
+                        </p:par>
+                      </p:childTnLst>
+                    </p:cTn>
+                  </p:par>
+                </p:childTnLst>
+              </p:cTn>
+              <p:prevCondLst>
+                <p:cond evt="onPrev" delay="0">
+                  <p:tgtEl>
+                    <p:sldTgt/>
+                  </p:tgtEl>
+                </p:cond>
+              </p:prevCondLst>
+              <p:nextCondLst>
+                <p:cond evt="onNext" delay="0">
+                  <p:tgtEl>
+                    <p:sldTgt/>
+                  </p:tgtEl>
+                </p:cond>
+              </p:nextCondLst>
+            </p:seq>
+          </p:childTnLst>
+        </p:cTn>
+      </p:par>
+    </p:tnLst>
+    <p:bldLst>
+      <p:bldP spid="15" grpId="0" animBg="1"/>
+    </p:bldLst>
+  </p:timing>
+</p:sld>
+</file>
+
+<file path=ppt/slides/slide11.xml><?xml version="1.0" encoding="utf-8"?>
+<p:sld xmlns:a="http://schemas.openxmlformats.org/drawingml/2006/main" xmlns:r="http://schemas.openxmlformats.org/officeDocument/2006/relationships" xmlns:p="http://schemas.openxmlformats.org/presentationml/2006/main">
+  <p:cSld>
+    <p:spTree>
+      <p:nvGrpSpPr>
+        <p:cNvPr id="1" name="Shape 358"/>
+        <p:cNvGrpSpPr/>
+        <p:nvPr/>
+      </p:nvGrpSpPr>
+      <p:grpSpPr>
+        <a:xfrm>
+          <a:off x="0" y="0"/>
+          <a:ext cx="0" cy="0"/>
+          <a:chOff x="0" y="0"/>
+          <a:chExt cx="0" cy="0"/>
+        </a:xfrm>
+      </p:grpSpPr>
+      <p:pic>
+        <p:nvPicPr>
+          <p:cNvPr id="5" name="Imagem 4">
+            <a:extLst>
+              <a:ext uri="{FF2B5EF4-FFF2-40B4-BE49-F238E27FC236}">
+                <a16:creationId xmlns:a16="http://schemas.microsoft.com/office/drawing/2014/main" id="{6B5FD55F-B714-42CA-8BF8-C7B0AF138695}"/>
+              </a:ext>
+            </a:extLst>
+          </p:cNvPr>
+          <p:cNvPicPr>
+            <a:picLocks noChangeAspect="1"/>
+          </p:cNvPicPr>
+          <p:nvPr/>
+        </p:nvPicPr>
+        <p:blipFill>
+          <a:blip r:embed="rId3"/>
+          <a:stretch>
+            <a:fillRect/>
+          </a:stretch>
+        </p:blipFill>
+        <p:spPr>
+          <a:xfrm>
+            <a:off x="1660711" y="205907"/>
+            <a:ext cx="5943600" cy="4314825"/>
+          </a:xfrm>
+          <a:prstGeom prst="rect">
+            <a:avLst/>
+          </a:prstGeom>
+        </p:spPr>
+      </p:pic>
+    </p:spTree>
+    <p:extLst>
+      <p:ext uri="{BB962C8B-B14F-4D97-AF65-F5344CB8AC3E}">
+        <p14:creationId xmlns:p14="http://schemas.microsoft.com/office/powerpoint/2010/main" val="43124614"/>
+      </p:ext>
+    </p:extLst>
+  </p:cSld>
+  <p:clrMapOvr>
+    <a:masterClrMapping/>
+  </p:clrMapOvr>
+</p:sld>
+</file>
+
+<file path=ppt/slides/slide12.xml><?xml version="1.0" encoding="utf-8"?>
+<p:sld xmlns:a="http://schemas.openxmlformats.org/drawingml/2006/main" xmlns:r="http://schemas.openxmlformats.org/officeDocument/2006/relationships" xmlns:p="http://schemas.openxmlformats.org/presentationml/2006/main">
+  <p:cSld>
+    <p:bg>
+      <p:bgPr>
+        <a:solidFill>
+          <a:schemeClr val="bg1"/>
+        </a:solidFill>
+        <a:effectLst/>
+      </p:bgPr>
+    </p:bg>
+    <p:spTree>
+      <p:nvGrpSpPr>
+        <p:cNvPr id="1" name="Shape 358"/>
+        <p:cNvGrpSpPr/>
+        <p:nvPr/>
+      </p:nvGrpSpPr>
+      <p:grpSpPr>
+        <a:xfrm>
+          <a:off x="0" y="0"/>
+          <a:ext cx="0" cy="0"/>
+          <a:chOff x="0" y="0"/>
+          <a:chExt cx="0" cy="0"/>
+        </a:xfrm>
+      </p:grpSpPr>
+      <p:pic>
+        <p:nvPicPr>
+          <p:cNvPr id="5" name="Imagem 4">
+            <a:extLst>
+              <a:ext uri="{FF2B5EF4-FFF2-40B4-BE49-F238E27FC236}">
+                <a16:creationId xmlns:a16="http://schemas.microsoft.com/office/drawing/2014/main" id="{6B5FD55F-B714-42CA-8BF8-C7B0AF138695}"/>
+              </a:ext>
+            </a:extLst>
+          </p:cNvPr>
+          <p:cNvPicPr>
+            <a:picLocks noChangeAspect="1"/>
+          </p:cNvPicPr>
+          <p:nvPr/>
+        </p:nvPicPr>
+        <p:blipFill>
+          <a:blip r:embed="rId3"/>
+          <a:stretch/>
+        </p:blipFill>
+        <p:spPr>
+          <a:xfrm>
+            <a:off x="521017" y="482600"/>
+            <a:ext cx="8101964" cy="3787669"/>
+          </a:xfrm>
+          <a:prstGeom prst="rect">
+            <a:avLst/>
+          </a:prstGeom>
+        </p:spPr>
+      </p:pic>
+    </p:spTree>
+    <p:extLst>
+      <p:ext uri="{BB962C8B-B14F-4D97-AF65-F5344CB8AC3E}">
+        <p14:creationId xmlns:p14="http://schemas.microsoft.com/office/powerpoint/2010/main" val="1984039067"/>
+      </p:ext>
+    </p:extLst>
+  </p:cSld>
+  <p:clrMapOvr>
+    <a:masterClrMapping/>
+  </p:clrMapOvr>
+</p:sld>
+</file>
+
+<file path=ppt/slides/slide13.xml><?xml version="1.0" encoding="utf-8"?>
+<p:sld xmlns:a="http://schemas.openxmlformats.org/drawingml/2006/main" xmlns:r="http://schemas.openxmlformats.org/officeDocument/2006/relationships" xmlns:p="http://schemas.openxmlformats.org/presentationml/2006/main">
+  <p:cSld>
+    <p:spTree>
+      <p:nvGrpSpPr>
+        <p:cNvPr id="1" name="Shape 358"/>
+        <p:cNvGrpSpPr/>
+        <p:nvPr/>
+      </p:nvGrpSpPr>
+      <p:grpSpPr>
+        <a:xfrm>
+          <a:off x="0" y="0"/>
+          <a:ext cx="0" cy="0"/>
+          <a:chOff x="0" y="0"/>
+          <a:chExt cx="0" cy="0"/>
+        </a:xfrm>
+      </p:grpSpPr>
       <p:sp>
         <p:nvSpPr>
           <p:cNvPr id="38" name="Google Shape;373;p16">
@@ -8468,7 +9404,7 @@
     </p:spTree>
     <p:extLst>
       <p:ext uri="{BB962C8B-B14F-4D97-AF65-F5344CB8AC3E}">
-        <p14:creationId xmlns:p14="http://schemas.microsoft.com/office/powerpoint/2010/main" val="3211331379"/>
+        <p14:creationId xmlns:p14="http://schemas.microsoft.com/office/powerpoint/2010/main" val="1552835469"/>
       </p:ext>
     </p:extLst>
   </p:cSld>
@@ -8478,7 +9414,7 @@
 </p:sld>
 </file>
 
-<file path=ppt/slides/slide11.xml><?xml version="1.0" encoding="utf-8"?>
+<file path=ppt/slides/slide14.xml><?xml version="1.0" encoding="utf-8"?>
 <p:sld xmlns:a="http://schemas.openxmlformats.org/drawingml/2006/main" xmlns:r="http://schemas.openxmlformats.org/officeDocument/2006/relationships" xmlns:p="http://schemas.openxmlformats.org/presentationml/2006/main">
   <p:cSld>
     <p:spTree>
@@ -8658,7 +9594,7 @@
 </p:sld>
 </file>
 
-<file path=ppt/slides/slide12.xml><?xml version="1.0" encoding="utf-8"?>
+<file path=ppt/slides/slide15.xml><?xml version="1.0" encoding="utf-8"?>
 <p:sld xmlns:a="http://schemas.openxmlformats.org/drawingml/2006/main" xmlns:r="http://schemas.openxmlformats.org/officeDocument/2006/relationships" xmlns:p="http://schemas.openxmlformats.org/presentationml/2006/main">
   <p:cSld>
     <p:spTree>
@@ -10197,7 +11133,7 @@
 </p:sld>
 </file>
 
-<file path=ppt/slides/slide13.xml><?xml version="1.0" encoding="utf-8"?>
+<file path=ppt/slides/slide16.xml><?xml version="1.0" encoding="utf-8"?>
 <p:sld xmlns:a="http://schemas.openxmlformats.org/drawingml/2006/main" xmlns:r="http://schemas.openxmlformats.org/officeDocument/2006/relationships" xmlns:p="http://schemas.openxmlformats.org/presentationml/2006/main">
   <p:cSld>
     <p:spTree>
@@ -10256,7 +11192,7 @@
 </p:sld>
 </file>
 
-<file path=ppt/slides/slide14.xml><?xml version="1.0" encoding="utf-8"?>
+<file path=ppt/slides/slide17.xml><?xml version="1.0" encoding="utf-8"?>
 <p:sld xmlns:a="http://schemas.openxmlformats.org/drawingml/2006/main" xmlns:r="http://schemas.openxmlformats.org/officeDocument/2006/relationships" xmlns:p="http://schemas.openxmlformats.org/presentationml/2006/main">
   <p:cSld>
     <p:spTree>
@@ -10821,7 +11757,7 @@
 </p:sld>
 </file>
 
-<file path=ppt/slides/slide15.xml><?xml version="1.0" encoding="utf-8"?>
+<file path=ppt/slides/slide18.xml><?xml version="1.0" encoding="utf-8"?>
 <p:sld xmlns:a="http://schemas.openxmlformats.org/drawingml/2006/main" xmlns:r="http://schemas.openxmlformats.org/officeDocument/2006/relationships" xmlns:p="http://schemas.openxmlformats.org/presentationml/2006/main">
   <p:cSld>
     <p:spTree>
@@ -10871,248 +11807,6 @@
     <p:extLst>
       <p:ext uri="{BB962C8B-B14F-4D97-AF65-F5344CB8AC3E}">
         <p14:creationId xmlns:p14="http://schemas.microsoft.com/office/powerpoint/2010/main" val="3089370334"/>
-      </p:ext>
-    </p:extLst>
-  </p:cSld>
-  <p:clrMapOvr>
-    <a:masterClrMapping/>
-  </p:clrMapOvr>
-</p:sld>
-</file>
-
-<file path=ppt/slides/slide16.xml><?xml version="1.0" encoding="utf-8"?>
-<p:sld xmlns:a="http://schemas.openxmlformats.org/drawingml/2006/main" xmlns:r="http://schemas.openxmlformats.org/officeDocument/2006/relationships" xmlns:p="http://schemas.openxmlformats.org/presentationml/2006/main">
-  <p:cSld>
-    <p:spTree>
-      <p:nvGrpSpPr>
-        <p:cNvPr id="1" name="Shape 358"/>
-        <p:cNvGrpSpPr/>
-        <p:nvPr/>
-      </p:nvGrpSpPr>
-      <p:grpSpPr>
-        <a:xfrm>
-          <a:off x="0" y="0"/>
-          <a:ext cx="0" cy="0"/>
-          <a:chOff x="0" y="0"/>
-          <a:chExt cx="0" cy="0"/>
-        </a:xfrm>
-      </p:grpSpPr>
-      <p:pic>
-        <p:nvPicPr>
-          <p:cNvPr id="3" name="Imagem 2">
-            <a:extLst>
-              <a:ext uri="{FF2B5EF4-FFF2-40B4-BE49-F238E27FC236}">
-                <a16:creationId xmlns:a16="http://schemas.microsoft.com/office/drawing/2014/main" id="{0F252917-ECF4-442A-96AB-395EB7B14D10}"/>
-              </a:ext>
-            </a:extLst>
-          </p:cNvPr>
-          <p:cNvPicPr>
-            <a:picLocks noChangeAspect="1"/>
-          </p:cNvPicPr>
-          <p:nvPr/>
-        </p:nvPicPr>
-        <p:blipFill>
-          <a:blip r:embed="rId3"/>
-          <a:srcRect/>
-          <a:stretch/>
-        </p:blipFill>
-        <p:spPr>
-          <a:xfrm>
-            <a:off x="1095042" y="431150"/>
-            <a:ext cx="6953915" cy="4174408"/>
-          </a:xfrm>
-          <a:prstGeom prst="rect">
-            <a:avLst/>
-          </a:prstGeom>
-        </p:spPr>
-      </p:pic>
-    </p:spTree>
-    <p:extLst>
-      <p:ext uri="{BB962C8B-B14F-4D97-AF65-F5344CB8AC3E}">
-        <p14:creationId xmlns:p14="http://schemas.microsoft.com/office/powerpoint/2010/main" val="2823612099"/>
-      </p:ext>
-    </p:extLst>
-  </p:cSld>
-  <p:clrMapOvr>
-    <a:masterClrMapping/>
-  </p:clrMapOvr>
-</p:sld>
-</file>
-
-<file path=ppt/slides/slide17.xml><?xml version="1.0" encoding="utf-8"?>
-<p:sld xmlns:a="http://schemas.openxmlformats.org/drawingml/2006/main" xmlns:r="http://schemas.openxmlformats.org/officeDocument/2006/relationships" xmlns:p="http://schemas.openxmlformats.org/presentationml/2006/main">
-  <p:cSld>
-    <p:spTree>
-      <p:nvGrpSpPr>
-        <p:cNvPr id="1" name="Shape 358"/>
-        <p:cNvGrpSpPr/>
-        <p:nvPr/>
-      </p:nvGrpSpPr>
-      <p:grpSpPr>
-        <a:xfrm>
-          <a:off x="0" y="0"/>
-          <a:ext cx="0" cy="0"/>
-          <a:chOff x="0" y="0"/>
-          <a:chExt cx="0" cy="0"/>
-        </a:xfrm>
-      </p:grpSpPr>
-      <p:sp>
-        <p:nvSpPr>
-          <p:cNvPr id="2" name="CaixaDeTexto 1">
-            <a:extLst>
-              <a:ext uri="{FF2B5EF4-FFF2-40B4-BE49-F238E27FC236}">
-                <a16:creationId xmlns:a16="http://schemas.microsoft.com/office/drawing/2014/main" id="{82FCE3FB-8736-4221-A634-E7A5B55EDE42}"/>
-              </a:ext>
-            </a:extLst>
-          </p:cNvPr>
-          <p:cNvSpPr txBox="1"/>
-          <p:nvPr/>
-        </p:nvSpPr>
-        <p:spPr>
-          <a:xfrm>
-            <a:off x="2386946" y="191708"/>
-            <a:ext cx="4370107" cy="584775"/>
-          </a:xfrm>
-          <a:prstGeom prst="rect">
-            <a:avLst/>
-          </a:prstGeom>
-          <a:noFill/>
-        </p:spPr>
-        <p:txBody>
-          <a:bodyPr wrap="none" rtlCol="0">
-            <a:spAutoFit/>
-          </a:bodyPr>
-          <a:lstStyle/>
-          <a:p>
-            <a:r>
-              <a:rPr lang="en-US" sz="3200" b="1" dirty="0" err="1">
-                <a:latin typeface="Roboto" panose="02000000000000000000" pitchFamily="2" charset="0"/>
-                <a:ea typeface="Roboto" panose="02000000000000000000" pitchFamily="2" charset="0"/>
-              </a:rPr>
-              <a:t>Visualizando</a:t>
-            </a:r>
-            <a:r>
-              <a:rPr lang="en-US" sz="3200" b="1" dirty="0">
-                <a:latin typeface="Roboto" panose="02000000000000000000" pitchFamily="2" charset="0"/>
-                <a:ea typeface="Roboto" panose="02000000000000000000" pitchFamily="2" charset="0"/>
-              </a:rPr>
-              <a:t> </a:t>
-            </a:r>
-            <a:r>
-              <a:rPr lang="en-US" sz="3200" b="1" dirty="0" err="1">
-                <a:latin typeface="Roboto" panose="02000000000000000000" pitchFamily="2" charset="0"/>
-                <a:ea typeface="Roboto" panose="02000000000000000000" pitchFamily="2" charset="0"/>
-              </a:rPr>
-              <a:t>os</a:t>
-            </a:r>
-            <a:r>
-              <a:rPr lang="en-US" sz="3200" b="1" dirty="0">
-                <a:latin typeface="Roboto" panose="02000000000000000000" pitchFamily="2" charset="0"/>
-                <a:ea typeface="Roboto" panose="02000000000000000000" pitchFamily="2" charset="0"/>
-              </a:rPr>
-              <a:t> Dados</a:t>
-            </a:r>
-            <a:endParaRPr lang="pt-BR" sz="3200" b="1" dirty="0">
-              <a:latin typeface="Roboto" panose="02000000000000000000" pitchFamily="2" charset="0"/>
-              <a:ea typeface="Roboto" panose="02000000000000000000" pitchFamily="2" charset="0"/>
-            </a:endParaRPr>
-          </a:p>
-        </p:txBody>
-      </p:sp>
-      <p:pic>
-        <p:nvPicPr>
-          <p:cNvPr id="6" name="Imagem 5">
-            <a:extLst>
-              <a:ext uri="{FF2B5EF4-FFF2-40B4-BE49-F238E27FC236}">
-                <a16:creationId xmlns:a16="http://schemas.microsoft.com/office/drawing/2014/main" id="{27E3FBC4-C913-4C2A-9264-4167DC82E776}"/>
-              </a:ext>
-            </a:extLst>
-          </p:cNvPr>
-          <p:cNvPicPr>
-            <a:picLocks noChangeAspect="1"/>
-          </p:cNvPicPr>
-          <p:nvPr/>
-        </p:nvPicPr>
-        <p:blipFill>
-          <a:blip r:embed="rId3"/>
-          <a:stretch>
-            <a:fillRect/>
-          </a:stretch>
-        </p:blipFill>
-        <p:spPr>
-          <a:xfrm>
-            <a:off x="443752" y="885293"/>
-            <a:ext cx="7752229" cy="3774111"/>
-          </a:xfrm>
-          <a:prstGeom prst="rect">
-            <a:avLst/>
-          </a:prstGeom>
-        </p:spPr>
-      </p:pic>
-    </p:spTree>
-    <p:extLst>
-      <p:ext uri="{BB962C8B-B14F-4D97-AF65-F5344CB8AC3E}">
-        <p14:creationId xmlns:p14="http://schemas.microsoft.com/office/powerpoint/2010/main" val="2753952680"/>
-      </p:ext>
-    </p:extLst>
-  </p:cSld>
-  <p:clrMapOvr>
-    <a:masterClrMapping/>
-  </p:clrMapOvr>
-</p:sld>
-</file>
-
-<file path=ppt/slides/slide18.xml><?xml version="1.0" encoding="utf-8"?>
-<p:sld xmlns:a="http://schemas.openxmlformats.org/drawingml/2006/main" xmlns:r="http://schemas.openxmlformats.org/officeDocument/2006/relationships" xmlns:p="http://schemas.openxmlformats.org/presentationml/2006/main">
-  <p:cSld>
-    <p:spTree>
-      <p:nvGrpSpPr>
-        <p:cNvPr id="1" name="Shape 358"/>
-        <p:cNvGrpSpPr/>
-        <p:nvPr/>
-      </p:nvGrpSpPr>
-      <p:grpSpPr>
-        <a:xfrm>
-          <a:off x="0" y="0"/>
-          <a:ext cx="0" cy="0"/>
-          <a:chOff x="0" y="0"/>
-          <a:chExt cx="0" cy="0"/>
-        </a:xfrm>
-      </p:grpSpPr>
-      <p:pic>
-        <p:nvPicPr>
-          <p:cNvPr id="4" name="Imagem 3">
-            <a:extLst>
-              <a:ext uri="{FF2B5EF4-FFF2-40B4-BE49-F238E27FC236}">
-                <a16:creationId xmlns:a16="http://schemas.microsoft.com/office/drawing/2014/main" id="{552597DC-5A26-40A5-8657-92A9BE06EC5D}"/>
-              </a:ext>
-            </a:extLst>
-          </p:cNvPr>
-          <p:cNvPicPr>
-            <a:picLocks noChangeAspect="1"/>
-          </p:cNvPicPr>
-          <p:nvPr/>
-        </p:nvPicPr>
-        <p:blipFill>
-          <a:blip r:embed="rId3"/>
-          <a:stretch>
-            <a:fillRect/>
-          </a:stretch>
-        </p:blipFill>
-        <p:spPr>
-          <a:xfrm>
-            <a:off x="537882" y="137832"/>
-            <a:ext cx="8068235" cy="4538382"/>
-          </a:xfrm>
-          <a:prstGeom prst="rect">
-            <a:avLst/>
-          </a:prstGeom>
-        </p:spPr>
-      </p:pic>
-    </p:spTree>
-    <p:extLst>
-      <p:ext uri="{BB962C8B-B14F-4D97-AF65-F5344CB8AC3E}">
-        <p14:creationId xmlns:p14="http://schemas.microsoft.com/office/powerpoint/2010/main" val="3328286637"/>
       </p:ext>
     </p:extLst>
   </p:cSld>
@@ -11171,7 +11865,7 @@
     </p:spTree>
     <p:extLst>
       <p:ext uri="{BB962C8B-B14F-4D97-AF65-F5344CB8AC3E}">
-        <p14:creationId xmlns:p14="http://schemas.microsoft.com/office/powerpoint/2010/main" val="4292202780"/>
+        <p14:creationId xmlns:p14="http://schemas.microsoft.com/office/powerpoint/2010/main" val="2823612099"/>
       </p:ext>
     </p:extLst>
   </p:cSld>
@@ -11395,8 +12089,25 @@
                 <a:latin typeface="Roboto" panose="020B0604020202020204" charset="0"/>
                 <a:ea typeface="Roboto" panose="020B0604020202020204" charset="0"/>
               </a:rPr>
-              <a:t>YouTube – Fabricio Veronez</a:t>
+              <a:t>YouTube – </a:t>
             </a:r>
+            <a:r>
+              <a:rPr lang="pt-BR" dirty="0">
+                <a:latin typeface="Roboto" panose="020B0604020202020204" charset="0"/>
+                <a:ea typeface="Roboto" panose="020B0604020202020204" charset="0"/>
+              </a:rPr>
+              <a:t>http://youtube.com/c/fabricioveronez</a:t>
+            </a:r>
+            <a:endParaRPr lang="en-US" spc="-38" dirty="0">
+              <a:solidFill>
+                <a:schemeClr val="tx1">
+                  <a:lumMod val="85000"/>
+                  <a:lumOff val="15000"/>
+                </a:schemeClr>
+              </a:solidFill>
+              <a:latin typeface="Roboto" panose="020B0604020202020204" charset="0"/>
+              <a:ea typeface="Roboto" panose="020B0604020202020204" charset="0"/>
+            </a:endParaRPr>
           </a:p>
           <a:p>
             <a:pPr>
@@ -11418,32 +12129,8 @@
                 <a:latin typeface="Roboto" panose="020B0604020202020204" charset="0"/>
                 <a:ea typeface="Roboto" panose="020B0604020202020204" charset="0"/>
               </a:rPr>
-              <a:t>Email - </a:t>
+              <a:t>Email - fabricioveronez@gmail.com</a:t>
             </a:r>
-            <a:r>
-              <a:rPr lang="en-US" spc="-38" dirty="0">
-                <a:solidFill>
-                  <a:schemeClr val="tx1">
-                    <a:lumMod val="85000"/>
-                    <a:lumOff val="15000"/>
-                  </a:schemeClr>
-                </a:solidFill>
-                <a:latin typeface="Roboto" panose="020B0604020202020204" charset="0"/>
-                <a:ea typeface="Roboto" panose="020B0604020202020204" charset="0"/>
-                <a:hlinkClick r:id="rId3"/>
-              </a:rPr>
-              <a:t>fabricioveronez@gmail.com</a:t>
-            </a:r>
-            <a:endParaRPr lang="en-US" spc="-38" dirty="0">
-              <a:solidFill>
-                <a:schemeClr val="tx1">
-                  <a:lumMod val="85000"/>
-                  <a:lumOff val="15000"/>
-                </a:schemeClr>
-              </a:solidFill>
-              <a:latin typeface="Roboto" panose="020B0604020202020204" charset="0"/>
-              <a:ea typeface="Roboto" panose="020B0604020202020204" charset="0"/>
-            </a:endParaRPr>
           </a:p>
           <a:p>
             <a:pPr>
@@ -11471,7 +12158,6 @@
               <a:rPr lang="pt-BR" dirty="0">
                 <a:latin typeface="Roboto" panose="020B0604020202020204" charset="0"/>
                 <a:ea typeface="Roboto" panose="020B0604020202020204" charset="0"/>
-                <a:hlinkClick r:id="rId4"/>
               </a:rPr>
               <a:t>http://www.facebook.com/fabricioveronezdev/</a:t>
             </a:r>
@@ -11519,32 +12205,8 @@
                 <a:latin typeface="Roboto" panose="020B0604020202020204" charset="0"/>
                 <a:ea typeface="Roboto" panose="020B0604020202020204" charset="0"/>
               </a:rPr>
-              <a:t> - </a:t>
+              <a:t> - http://www.linkedin.com/in/fabricioveronez</a:t>
             </a:r>
-            <a:r>
-              <a:rPr lang="en-US" spc="-38" dirty="0">
-                <a:solidFill>
-                  <a:schemeClr val="tx1">
-                    <a:lumMod val="85000"/>
-                    <a:lumOff val="15000"/>
-                  </a:schemeClr>
-                </a:solidFill>
-                <a:latin typeface="Roboto" panose="020B0604020202020204" charset="0"/>
-                <a:ea typeface="Roboto" panose="020B0604020202020204" charset="0"/>
-                <a:hlinkClick r:id="rId5"/>
-              </a:rPr>
-              <a:t>http://www.linkedin.com/in/fabricioveronez</a:t>
-            </a:r>
-            <a:endParaRPr lang="en-US" spc="-38" dirty="0">
-              <a:solidFill>
-                <a:schemeClr val="tx1">
-                  <a:lumMod val="85000"/>
-                  <a:lumOff val="15000"/>
-                </a:schemeClr>
-              </a:solidFill>
-              <a:latin typeface="Roboto" panose="020B0604020202020204" charset="0"/>
-              <a:ea typeface="Roboto" panose="020B0604020202020204" charset="0"/>
-            </a:endParaRPr>
           </a:p>
           <a:p>
             <a:pPr>
@@ -11612,7 +12274,7 @@
           <p:nvPr/>
         </p:nvPicPr>
         <p:blipFill>
-          <a:blip r:embed="rId6"/>
+          <a:blip r:embed="rId3"/>
           <a:stretch>
             <a:fillRect/>
           </a:stretch>
@@ -11642,7 +12304,7 @@
           <p:nvPr/>
         </p:nvPicPr>
         <p:blipFill>
-          <a:blip r:embed="rId7"/>
+          <a:blip r:embed="rId4"/>
           <a:stretch>
             <a:fillRect/>
           </a:stretch>
@@ -11672,7 +12334,7 @@
           <p:nvPr/>
         </p:nvPicPr>
         <p:blipFill>
-          <a:blip r:embed="rId8"/>
+          <a:blip r:embed="rId5"/>
           <a:stretch>
             <a:fillRect/>
           </a:stretch>
@@ -11702,7 +12364,7 @@
           <p:nvPr/>
         </p:nvPicPr>
         <p:blipFill>
-          <a:blip r:embed="rId9"/>
+          <a:blip r:embed="rId6"/>
           <a:stretch>
             <a:fillRect/>
           </a:stretch>
@@ -11732,7 +12394,7 @@
           <p:nvPr/>
         </p:nvPicPr>
         <p:blipFill>
-          <a:blip r:embed="rId10"/>
+          <a:blip r:embed="rId7"/>
           <a:stretch>
             <a:fillRect/>
           </a:stretch>
@@ -11756,6 +12418,307 @@
 </file>
 
 <file path=ppt/slides/slide20.xml><?xml version="1.0" encoding="utf-8"?>
+<p:sld xmlns:a="http://schemas.openxmlformats.org/drawingml/2006/main" xmlns:r="http://schemas.openxmlformats.org/officeDocument/2006/relationships" xmlns:p="http://schemas.openxmlformats.org/presentationml/2006/main">
+  <p:cSld>
+    <p:spTree>
+      <p:nvGrpSpPr>
+        <p:cNvPr id="1" name="Shape 358"/>
+        <p:cNvGrpSpPr/>
+        <p:nvPr/>
+      </p:nvGrpSpPr>
+      <p:grpSpPr>
+        <a:xfrm>
+          <a:off x="0" y="0"/>
+          <a:ext cx="0" cy="0"/>
+          <a:chOff x="0" y="0"/>
+          <a:chExt cx="0" cy="0"/>
+        </a:xfrm>
+      </p:grpSpPr>
+      <p:pic>
+        <p:nvPicPr>
+          <p:cNvPr id="3" name="Imagem 2">
+            <a:extLst>
+              <a:ext uri="{FF2B5EF4-FFF2-40B4-BE49-F238E27FC236}">
+                <a16:creationId xmlns:a16="http://schemas.microsoft.com/office/drawing/2014/main" id="{0F252917-ECF4-442A-96AB-395EB7B14D10}"/>
+              </a:ext>
+            </a:extLst>
+          </p:cNvPr>
+          <p:cNvPicPr>
+            <a:picLocks noChangeAspect="1"/>
+          </p:cNvPicPr>
+          <p:nvPr/>
+        </p:nvPicPr>
+        <p:blipFill>
+          <a:blip r:embed="rId3"/>
+          <a:srcRect/>
+          <a:stretch/>
+        </p:blipFill>
+        <p:spPr>
+          <a:xfrm>
+            <a:off x="1095042" y="431150"/>
+            <a:ext cx="6953915" cy="4174408"/>
+          </a:xfrm>
+          <a:prstGeom prst="rect">
+            <a:avLst/>
+          </a:prstGeom>
+        </p:spPr>
+      </p:pic>
+    </p:spTree>
+    <p:extLst>
+      <p:ext uri="{BB962C8B-B14F-4D97-AF65-F5344CB8AC3E}">
+        <p14:creationId xmlns:p14="http://schemas.microsoft.com/office/powerpoint/2010/main" val="3399758902"/>
+      </p:ext>
+    </p:extLst>
+  </p:cSld>
+  <p:clrMapOvr>
+    <a:masterClrMapping/>
+  </p:clrMapOvr>
+</p:sld>
+</file>
+
+<file path=ppt/slides/slide21.xml><?xml version="1.0" encoding="utf-8"?>
+<p:sld xmlns:a="http://schemas.openxmlformats.org/drawingml/2006/main" xmlns:r="http://schemas.openxmlformats.org/officeDocument/2006/relationships" xmlns:p="http://schemas.openxmlformats.org/presentationml/2006/main">
+  <p:cSld>
+    <p:spTree>
+      <p:nvGrpSpPr>
+        <p:cNvPr id="1" name="Shape 358"/>
+        <p:cNvGrpSpPr/>
+        <p:nvPr/>
+      </p:nvGrpSpPr>
+      <p:grpSpPr>
+        <a:xfrm>
+          <a:off x="0" y="0"/>
+          <a:ext cx="0" cy="0"/>
+          <a:chOff x="0" y="0"/>
+          <a:chExt cx="0" cy="0"/>
+        </a:xfrm>
+      </p:grpSpPr>
+      <p:sp>
+        <p:nvSpPr>
+          <p:cNvPr id="2" name="CaixaDeTexto 1">
+            <a:extLst>
+              <a:ext uri="{FF2B5EF4-FFF2-40B4-BE49-F238E27FC236}">
+                <a16:creationId xmlns:a16="http://schemas.microsoft.com/office/drawing/2014/main" id="{82FCE3FB-8736-4221-A634-E7A5B55EDE42}"/>
+              </a:ext>
+            </a:extLst>
+          </p:cNvPr>
+          <p:cNvSpPr txBox="1"/>
+          <p:nvPr/>
+        </p:nvSpPr>
+        <p:spPr>
+          <a:xfrm>
+            <a:off x="2386946" y="191708"/>
+            <a:ext cx="4370107" cy="584775"/>
+          </a:xfrm>
+          <a:prstGeom prst="rect">
+            <a:avLst/>
+          </a:prstGeom>
+          <a:noFill/>
+        </p:spPr>
+        <p:txBody>
+          <a:bodyPr wrap="none" rtlCol="0">
+            <a:spAutoFit/>
+          </a:bodyPr>
+          <a:lstStyle/>
+          <a:p>
+            <a:r>
+              <a:rPr lang="en-US" sz="3200" b="1" dirty="0" err="1">
+                <a:latin typeface="Roboto" panose="02000000000000000000" pitchFamily="2" charset="0"/>
+                <a:ea typeface="Roboto" panose="02000000000000000000" pitchFamily="2" charset="0"/>
+              </a:rPr>
+              <a:t>Visualizando</a:t>
+            </a:r>
+            <a:r>
+              <a:rPr lang="en-US" sz="3200" b="1" dirty="0">
+                <a:latin typeface="Roboto" panose="02000000000000000000" pitchFamily="2" charset="0"/>
+                <a:ea typeface="Roboto" panose="02000000000000000000" pitchFamily="2" charset="0"/>
+              </a:rPr>
+              <a:t> </a:t>
+            </a:r>
+            <a:r>
+              <a:rPr lang="en-US" sz="3200" b="1" dirty="0" err="1">
+                <a:latin typeface="Roboto" panose="02000000000000000000" pitchFamily="2" charset="0"/>
+                <a:ea typeface="Roboto" panose="02000000000000000000" pitchFamily="2" charset="0"/>
+              </a:rPr>
+              <a:t>os</a:t>
+            </a:r>
+            <a:r>
+              <a:rPr lang="en-US" sz="3200" b="1" dirty="0">
+                <a:latin typeface="Roboto" panose="02000000000000000000" pitchFamily="2" charset="0"/>
+                <a:ea typeface="Roboto" panose="02000000000000000000" pitchFamily="2" charset="0"/>
+              </a:rPr>
+              <a:t> Dados</a:t>
+            </a:r>
+            <a:endParaRPr lang="pt-BR" sz="3200" b="1" dirty="0">
+              <a:latin typeface="Roboto" panose="02000000000000000000" pitchFamily="2" charset="0"/>
+              <a:ea typeface="Roboto" panose="02000000000000000000" pitchFamily="2" charset="0"/>
+            </a:endParaRPr>
+          </a:p>
+        </p:txBody>
+      </p:sp>
+      <p:pic>
+        <p:nvPicPr>
+          <p:cNvPr id="6" name="Imagem 5">
+            <a:extLst>
+              <a:ext uri="{FF2B5EF4-FFF2-40B4-BE49-F238E27FC236}">
+                <a16:creationId xmlns:a16="http://schemas.microsoft.com/office/drawing/2014/main" id="{27E3FBC4-C913-4C2A-9264-4167DC82E776}"/>
+              </a:ext>
+            </a:extLst>
+          </p:cNvPr>
+          <p:cNvPicPr>
+            <a:picLocks noChangeAspect="1"/>
+          </p:cNvPicPr>
+          <p:nvPr/>
+        </p:nvPicPr>
+        <p:blipFill>
+          <a:blip r:embed="rId3"/>
+          <a:stretch>
+            <a:fillRect/>
+          </a:stretch>
+        </p:blipFill>
+        <p:spPr>
+          <a:xfrm>
+            <a:off x="443752" y="885293"/>
+            <a:ext cx="7752229" cy="3774111"/>
+          </a:xfrm>
+          <a:prstGeom prst="rect">
+            <a:avLst/>
+          </a:prstGeom>
+        </p:spPr>
+      </p:pic>
+    </p:spTree>
+    <p:extLst>
+      <p:ext uri="{BB962C8B-B14F-4D97-AF65-F5344CB8AC3E}">
+        <p14:creationId xmlns:p14="http://schemas.microsoft.com/office/powerpoint/2010/main" val="2753952680"/>
+      </p:ext>
+    </p:extLst>
+  </p:cSld>
+  <p:clrMapOvr>
+    <a:masterClrMapping/>
+  </p:clrMapOvr>
+</p:sld>
+</file>
+
+<file path=ppt/slides/slide22.xml><?xml version="1.0" encoding="utf-8"?>
+<p:sld xmlns:a="http://schemas.openxmlformats.org/drawingml/2006/main" xmlns:r="http://schemas.openxmlformats.org/officeDocument/2006/relationships" xmlns:p="http://schemas.openxmlformats.org/presentationml/2006/main">
+  <p:cSld>
+    <p:spTree>
+      <p:nvGrpSpPr>
+        <p:cNvPr id="1" name="Shape 358"/>
+        <p:cNvGrpSpPr/>
+        <p:nvPr/>
+      </p:nvGrpSpPr>
+      <p:grpSpPr>
+        <a:xfrm>
+          <a:off x="0" y="0"/>
+          <a:ext cx="0" cy="0"/>
+          <a:chOff x="0" y="0"/>
+          <a:chExt cx="0" cy="0"/>
+        </a:xfrm>
+      </p:grpSpPr>
+      <p:pic>
+        <p:nvPicPr>
+          <p:cNvPr id="4" name="Imagem 3">
+            <a:extLst>
+              <a:ext uri="{FF2B5EF4-FFF2-40B4-BE49-F238E27FC236}">
+                <a16:creationId xmlns:a16="http://schemas.microsoft.com/office/drawing/2014/main" id="{552597DC-5A26-40A5-8657-92A9BE06EC5D}"/>
+              </a:ext>
+            </a:extLst>
+          </p:cNvPr>
+          <p:cNvPicPr>
+            <a:picLocks noChangeAspect="1"/>
+          </p:cNvPicPr>
+          <p:nvPr/>
+        </p:nvPicPr>
+        <p:blipFill>
+          <a:blip r:embed="rId3"/>
+          <a:stretch>
+            <a:fillRect/>
+          </a:stretch>
+        </p:blipFill>
+        <p:spPr>
+          <a:xfrm>
+            <a:off x="537882" y="137832"/>
+            <a:ext cx="8068235" cy="4538382"/>
+          </a:xfrm>
+          <a:prstGeom prst="rect">
+            <a:avLst/>
+          </a:prstGeom>
+        </p:spPr>
+      </p:pic>
+    </p:spTree>
+    <p:extLst>
+      <p:ext uri="{BB962C8B-B14F-4D97-AF65-F5344CB8AC3E}">
+        <p14:creationId xmlns:p14="http://schemas.microsoft.com/office/powerpoint/2010/main" val="3328286637"/>
+      </p:ext>
+    </p:extLst>
+  </p:cSld>
+  <p:clrMapOvr>
+    <a:masterClrMapping/>
+  </p:clrMapOvr>
+</p:sld>
+</file>
+
+<file path=ppt/slides/slide23.xml><?xml version="1.0" encoding="utf-8"?>
+<p:sld xmlns:a="http://schemas.openxmlformats.org/drawingml/2006/main" xmlns:r="http://schemas.openxmlformats.org/officeDocument/2006/relationships" xmlns:p="http://schemas.openxmlformats.org/presentationml/2006/main">
+  <p:cSld>
+    <p:spTree>
+      <p:nvGrpSpPr>
+        <p:cNvPr id="1" name="Shape 358"/>
+        <p:cNvGrpSpPr/>
+        <p:nvPr/>
+      </p:nvGrpSpPr>
+      <p:grpSpPr>
+        <a:xfrm>
+          <a:off x="0" y="0"/>
+          <a:ext cx="0" cy="0"/>
+          <a:chOff x="0" y="0"/>
+          <a:chExt cx="0" cy="0"/>
+        </a:xfrm>
+      </p:grpSpPr>
+      <p:pic>
+        <p:nvPicPr>
+          <p:cNvPr id="3" name="Imagem 2">
+            <a:extLst>
+              <a:ext uri="{FF2B5EF4-FFF2-40B4-BE49-F238E27FC236}">
+                <a16:creationId xmlns:a16="http://schemas.microsoft.com/office/drawing/2014/main" id="{0F252917-ECF4-442A-96AB-395EB7B14D10}"/>
+              </a:ext>
+            </a:extLst>
+          </p:cNvPr>
+          <p:cNvPicPr>
+            <a:picLocks noChangeAspect="1"/>
+          </p:cNvPicPr>
+          <p:nvPr/>
+        </p:nvPicPr>
+        <p:blipFill>
+          <a:blip r:embed="rId3"/>
+          <a:srcRect/>
+          <a:stretch/>
+        </p:blipFill>
+        <p:spPr>
+          <a:xfrm>
+            <a:off x="1095042" y="431150"/>
+            <a:ext cx="6953915" cy="4174408"/>
+          </a:xfrm>
+          <a:prstGeom prst="rect">
+            <a:avLst/>
+          </a:prstGeom>
+        </p:spPr>
+      </p:pic>
+    </p:spTree>
+    <p:extLst>
+      <p:ext uri="{BB962C8B-B14F-4D97-AF65-F5344CB8AC3E}">
+        <p14:creationId xmlns:p14="http://schemas.microsoft.com/office/powerpoint/2010/main" val="4292202780"/>
+      </p:ext>
+    </p:extLst>
+  </p:cSld>
+  <p:clrMapOvr>
+    <a:masterClrMapping/>
+  </p:clrMapOvr>
+</p:sld>
+</file>
+
+<file path=ppt/slides/slide24.xml><?xml version="1.0" encoding="utf-8"?>
 <p:sld xmlns:a="http://schemas.openxmlformats.org/drawingml/2006/main" xmlns:r="http://schemas.openxmlformats.org/officeDocument/2006/relationships" xmlns:p="http://schemas.openxmlformats.org/presentationml/2006/main">
   <p:cSld>
     <p:spTree>
@@ -12742,7 +13705,7 @@
 </p:sld>
 </file>
 
-<file path=ppt/slides/slide21.xml><?xml version="1.0" encoding="utf-8"?>
+<file path=ppt/slides/slide25.xml><?xml version="1.0" encoding="utf-8"?>
 <p:sld xmlns:a="http://schemas.openxmlformats.org/drawingml/2006/main" xmlns:r="http://schemas.openxmlformats.org/officeDocument/2006/relationships" xmlns:p="http://schemas.openxmlformats.org/presentationml/2006/main">
   <p:cSld>
     <p:spTree>
@@ -12780,8 +13743,8 @@
         </p:blipFill>
         <p:spPr>
           <a:xfrm>
-            <a:off x="1095042" y="431150"/>
-            <a:ext cx="6953915" cy="4174408"/>
+            <a:off x="1095042" y="439533"/>
+            <a:ext cx="6953915" cy="4113825"/>
           </a:xfrm>
           <a:prstGeom prst="rect">
             <a:avLst/>
@@ -12801,7 +13764,125 @@
 </p:sld>
 </file>
 
-<file path=ppt/slides/slide22.xml><?xml version="1.0" encoding="utf-8"?>
+<file path=ppt/slides/slide26.xml><?xml version="1.0" encoding="utf-8"?>
+<p:sld xmlns:a="http://schemas.openxmlformats.org/drawingml/2006/main" xmlns:r="http://schemas.openxmlformats.org/officeDocument/2006/relationships" xmlns:p="http://schemas.openxmlformats.org/presentationml/2006/main">
+  <p:cSld>
+    <p:spTree>
+      <p:nvGrpSpPr>
+        <p:cNvPr id="1" name="Shape 358"/>
+        <p:cNvGrpSpPr/>
+        <p:nvPr/>
+      </p:nvGrpSpPr>
+      <p:grpSpPr>
+        <a:xfrm>
+          <a:off x="0" y="0"/>
+          <a:ext cx="0" cy="0"/>
+          <a:chOff x="0" y="0"/>
+          <a:chExt cx="0" cy="0"/>
+        </a:xfrm>
+      </p:grpSpPr>
+      <p:pic>
+        <p:nvPicPr>
+          <p:cNvPr id="3" name="Imagem 2">
+            <a:extLst>
+              <a:ext uri="{FF2B5EF4-FFF2-40B4-BE49-F238E27FC236}">
+                <a16:creationId xmlns:a16="http://schemas.microsoft.com/office/drawing/2014/main" id="{0F252917-ECF4-442A-96AB-395EB7B14D10}"/>
+              </a:ext>
+            </a:extLst>
+          </p:cNvPr>
+          <p:cNvPicPr>
+            <a:picLocks noChangeAspect="1"/>
+          </p:cNvPicPr>
+          <p:nvPr/>
+        </p:nvPicPr>
+        <p:blipFill>
+          <a:blip r:embed="rId3"/>
+          <a:srcRect/>
+          <a:stretch/>
+        </p:blipFill>
+        <p:spPr>
+          <a:xfrm>
+            <a:off x="152389" y="497538"/>
+            <a:ext cx="8839222" cy="4148423"/>
+          </a:xfrm>
+          <a:prstGeom prst="rect">
+            <a:avLst/>
+          </a:prstGeom>
+        </p:spPr>
+      </p:pic>
+    </p:spTree>
+    <p:extLst>
+      <p:ext uri="{BB962C8B-B14F-4D97-AF65-F5344CB8AC3E}">
+        <p14:creationId xmlns:p14="http://schemas.microsoft.com/office/powerpoint/2010/main" val="653007451"/>
+      </p:ext>
+    </p:extLst>
+  </p:cSld>
+  <p:clrMapOvr>
+    <a:masterClrMapping/>
+  </p:clrMapOvr>
+</p:sld>
+</file>
+
+<file path=ppt/slides/slide27.xml><?xml version="1.0" encoding="utf-8"?>
+<p:sld xmlns:a="http://schemas.openxmlformats.org/drawingml/2006/main" xmlns:r="http://schemas.openxmlformats.org/officeDocument/2006/relationships" xmlns:p="http://schemas.openxmlformats.org/presentationml/2006/main">
+  <p:cSld>
+    <p:spTree>
+      <p:nvGrpSpPr>
+        <p:cNvPr id="1" name="Shape 358"/>
+        <p:cNvGrpSpPr/>
+        <p:nvPr/>
+      </p:nvGrpSpPr>
+      <p:grpSpPr>
+        <a:xfrm>
+          <a:off x="0" y="0"/>
+          <a:ext cx="0" cy="0"/>
+          <a:chOff x="0" y="0"/>
+          <a:chExt cx="0" cy="0"/>
+        </a:xfrm>
+      </p:grpSpPr>
+      <p:pic>
+        <p:nvPicPr>
+          <p:cNvPr id="3" name="Imagem 2">
+            <a:extLst>
+              <a:ext uri="{FF2B5EF4-FFF2-40B4-BE49-F238E27FC236}">
+                <a16:creationId xmlns:a16="http://schemas.microsoft.com/office/drawing/2014/main" id="{0F252917-ECF4-442A-96AB-395EB7B14D10}"/>
+              </a:ext>
+            </a:extLst>
+          </p:cNvPr>
+          <p:cNvPicPr>
+            <a:picLocks noChangeAspect="1"/>
+          </p:cNvPicPr>
+          <p:nvPr/>
+        </p:nvPicPr>
+        <p:blipFill>
+          <a:blip r:embed="rId3"/>
+          <a:srcRect/>
+          <a:stretch/>
+        </p:blipFill>
+        <p:spPr>
+          <a:xfrm>
+            <a:off x="1095042" y="431150"/>
+            <a:ext cx="6953915" cy="4174408"/>
+          </a:xfrm>
+          <a:prstGeom prst="rect">
+            <a:avLst/>
+          </a:prstGeom>
+        </p:spPr>
+      </p:pic>
+    </p:spTree>
+    <p:extLst>
+      <p:ext uri="{BB962C8B-B14F-4D97-AF65-F5344CB8AC3E}">
+        <p14:creationId xmlns:p14="http://schemas.microsoft.com/office/powerpoint/2010/main" val="3535491353"/>
+      </p:ext>
+    </p:extLst>
+  </p:cSld>
+  <p:clrMapOvr>
+    <a:masterClrMapping/>
+  </p:clrMapOvr>
+</p:sld>
+</file>
+
+<file path=ppt/slides/slide28.xml><?xml version="1.0" encoding="utf-8"?>
 <p:sld xmlns:a="http://schemas.openxmlformats.org/drawingml/2006/main" xmlns:r="http://schemas.openxmlformats.org/officeDocument/2006/relationships" xmlns:p="http://schemas.openxmlformats.org/presentationml/2006/main">
   <p:cSld>
     <p:spTree>
@@ -12852,239 +13933,6 @@
     <p:extLst>
       <p:ext uri="{BB962C8B-B14F-4D97-AF65-F5344CB8AC3E}">
         <p14:creationId xmlns:p14="http://schemas.microsoft.com/office/powerpoint/2010/main" val="3191576327"/>
-      </p:ext>
-    </p:extLst>
-  </p:cSld>
-  <p:clrMapOvr>
-    <a:masterClrMapping/>
-  </p:clrMapOvr>
-</p:sld>
-</file>
-
-<file path=ppt/slides/slide23.xml><?xml version="1.0" encoding="utf-8"?>
-<p:sld xmlns:a="http://schemas.openxmlformats.org/drawingml/2006/main" xmlns:r="http://schemas.openxmlformats.org/officeDocument/2006/relationships" xmlns:p="http://schemas.openxmlformats.org/presentationml/2006/main">
-  <p:cSld>
-    <p:spTree>
-      <p:nvGrpSpPr>
-        <p:cNvPr id="1" name="Shape 358"/>
-        <p:cNvGrpSpPr/>
-        <p:nvPr/>
-      </p:nvGrpSpPr>
-      <p:grpSpPr>
-        <a:xfrm>
-          <a:off x="0" y="0"/>
-          <a:ext cx="0" cy="0"/>
-          <a:chOff x="0" y="0"/>
-          <a:chExt cx="0" cy="0"/>
-        </a:xfrm>
-      </p:grpSpPr>
-      <p:sp>
-        <p:nvSpPr>
-          <p:cNvPr id="2" name="CaixaDeTexto 1">
-            <a:extLst>
-              <a:ext uri="{FF2B5EF4-FFF2-40B4-BE49-F238E27FC236}">
-                <a16:creationId xmlns:a16="http://schemas.microsoft.com/office/drawing/2014/main" id="{01C1D4C0-8822-46F7-BD5A-96181EAD6383}"/>
-              </a:ext>
-            </a:extLst>
-          </p:cNvPr>
-          <p:cNvSpPr txBox="1"/>
-          <p:nvPr/>
-        </p:nvSpPr>
-        <p:spPr>
-          <a:xfrm>
-            <a:off x="2764454" y="1786920"/>
-            <a:ext cx="3615092" cy="1569660"/>
-          </a:xfrm>
-          <a:prstGeom prst="rect">
-            <a:avLst/>
-          </a:prstGeom>
-          <a:noFill/>
-        </p:spPr>
-        <p:txBody>
-          <a:bodyPr wrap="none" rtlCol="0">
-            <a:spAutoFit/>
-          </a:bodyPr>
-          <a:lstStyle/>
-          <a:p>
-            <a:r>
-              <a:rPr lang="en-US" sz="9600" dirty="0">
-                <a:latin typeface="Roboto" panose="02000000000000000000" pitchFamily="2" charset="0"/>
-                <a:ea typeface="Roboto" panose="02000000000000000000" pitchFamily="2" charset="0"/>
-              </a:rPr>
-              <a:t>DEMO</a:t>
-            </a:r>
-            <a:endParaRPr lang="pt-BR" sz="9600" dirty="0">
-              <a:latin typeface="Roboto" panose="02000000000000000000" pitchFamily="2" charset="0"/>
-              <a:ea typeface="Roboto" panose="02000000000000000000" pitchFamily="2" charset="0"/>
-            </a:endParaRPr>
-          </a:p>
-        </p:txBody>
-      </p:sp>
-    </p:spTree>
-    <p:extLst>
-      <p:ext uri="{BB962C8B-B14F-4D97-AF65-F5344CB8AC3E}">
-        <p14:creationId xmlns:p14="http://schemas.microsoft.com/office/powerpoint/2010/main" val="2478200756"/>
-      </p:ext>
-    </p:extLst>
-  </p:cSld>
-  <p:clrMapOvr>
-    <a:masterClrMapping/>
-  </p:clrMapOvr>
-</p:sld>
-</file>
-
-<file path=ppt/slides/slide24.xml><?xml version="1.0" encoding="utf-8"?>
-<p:sld xmlns:a="http://schemas.openxmlformats.org/drawingml/2006/main" xmlns:r="http://schemas.openxmlformats.org/officeDocument/2006/relationships" xmlns:p="http://schemas.openxmlformats.org/presentationml/2006/main">
-  <p:cSld>
-    <p:spTree>
-      <p:nvGrpSpPr>
-        <p:cNvPr id="1" name="Shape 358"/>
-        <p:cNvGrpSpPr/>
-        <p:nvPr/>
-      </p:nvGrpSpPr>
-      <p:grpSpPr>
-        <a:xfrm>
-          <a:off x="0" y="0"/>
-          <a:ext cx="0" cy="0"/>
-          <a:chOff x="0" y="0"/>
-          <a:chExt cx="0" cy="0"/>
-        </a:xfrm>
-      </p:grpSpPr>
-      <p:pic>
-        <p:nvPicPr>
-          <p:cNvPr id="3" name="Imagem 2">
-            <a:extLst>
-              <a:ext uri="{FF2B5EF4-FFF2-40B4-BE49-F238E27FC236}">
-                <a16:creationId xmlns:a16="http://schemas.microsoft.com/office/drawing/2014/main" id="{06E80B9A-899C-4D2B-9097-CC6C7F898270}"/>
-              </a:ext>
-            </a:extLst>
-          </p:cNvPr>
-          <p:cNvPicPr>
-            <a:picLocks noChangeAspect="1"/>
-          </p:cNvPicPr>
-          <p:nvPr/>
-        </p:nvPicPr>
-        <p:blipFill>
-          <a:blip r:embed="rId3"/>
-          <a:stretch>
-            <a:fillRect/>
-          </a:stretch>
-        </p:blipFill>
-        <p:spPr>
-          <a:xfrm>
-            <a:off x="2884372" y="1098150"/>
-            <a:ext cx="2947199" cy="2947199"/>
-          </a:xfrm>
-          <a:prstGeom prst="rect">
-            <a:avLst/>
-          </a:prstGeom>
-        </p:spPr>
-      </p:pic>
-      <p:sp>
-        <p:nvSpPr>
-          <p:cNvPr id="4" name="CaixaDeTexto 3">
-            <a:extLst>
-              <a:ext uri="{FF2B5EF4-FFF2-40B4-BE49-F238E27FC236}">
-                <a16:creationId xmlns:a16="http://schemas.microsoft.com/office/drawing/2014/main" id="{FA33B7B7-AC4F-4F40-8F60-901B2A74B1B0}"/>
-              </a:ext>
-            </a:extLst>
-          </p:cNvPr>
-          <p:cNvSpPr txBox="1"/>
-          <p:nvPr/>
-        </p:nvSpPr>
-        <p:spPr>
-          <a:xfrm>
-            <a:off x="2852142" y="4202606"/>
-            <a:ext cx="3193503" cy="369332"/>
-          </a:xfrm>
-          <a:prstGeom prst="rect">
-            <a:avLst/>
-          </a:prstGeom>
-          <a:noFill/>
-        </p:spPr>
-        <p:txBody>
-          <a:bodyPr wrap="none" rtlCol="0">
-            <a:spAutoFit/>
-          </a:bodyPr>
-          <a:lstStyle/>
-          <a:p>
-            <a:r>
-              <a:rPr lang="pt-BR" dirty="0">
-                <a:latin typeface="Roboto" panose="02000000000000000000" pitchFamily="2" charset="0"/>
-                <a:ea typeface="Roboto" panose="02000000000000000000" pitchFamily="2" charset="0"/>
-              </a:rPr>
-              <a:t>http://bit.ly/news-veronezdev</a:t>
-            </a:r>
-          </a:p>
-        </p:txBody>
-      </p:sp>
-      <p:sp>
-        <p:nvSpPr>
-          <p:cNvPr id="5" name="CaixaDeTexto 4">
-            <a:extLst>
-              <a:ext uri="{FF2B5EF4-FFF2-40B4-BE49-F238E27FC236}">
-                <a16:creationId xmlns:a16="http://schemas.microsoft.com/office/drawing/2014/main" id="{5D5D95BE-1FF4-438C-AAA0-24D83BB32A5C}"/>
-              </a:ext>
-            </a:extLst>
-          </p:cNvPr>
-          <p:cNvSpPr txBox="1"/>
-          <p:nvPr/>
-        </p:nvSpPr>
-        <p:spPr>
-          <a:xfrm>
-            <a:off x="2677062" y="356118"/>
-            <a:ext cx="3361818" cy="584775"/>
-          </a:xfrm>
-          <a:prstGeom prst="rect">
-            <a:avLst/>
-          </a:prstGeom>
-          <a:noFill/>
-        </p:spPr>
-        <p:txBody>
-          <a:bodyPr wrap="none" rtlCol="0">
-            <a:spAutoFit/>
-          </a:bodyPr>
-          <a:lstStyle/>
-          <a:p>
-            <a:r>
-              <a:rPr lang="en-US" sz="3200" dirty="0" err="1">
-                <a:latin typeface="Roboto" panose="02000000000000000000" pitchFamily="2" charset="0"/>
-                <a:ea typeface="Roboto" panose="02000000000000000000" pitchFamily="2" charset="0"/>
-              </a:rPr>
-              <a:t>Quer</a:t>
-            </a:r>
-            <a:r>
-              <a:rPr lang="en-US" sz="3200" dirty="0">
-                <a:latin typeface="Roboto" panose="02000000000000000000" pitchFamily="2" charset="0"/>
-                <a:ea typeface="Roboto" panose="02000000000000000000" pitchFamily="2" charset="0"/>
-              </a:rPr>
-              <a:t> saber </a:t>
-            </a:r>
-            <a:r>
-              <a:rPr lang="en-US" sz="3200" dirty="0" err="1">
-                <a:latin typeface="Roboto" panose="02000000000000000000" pitchFamily="2" charset="0"/>
-                <a:ea typeface="Roboto" panose="02000000000000000000" pitchFamily="2" charset="0"/>
-              </a:rPr>
-              <a:t>mais</a:t>
-            </a:r>
-            <a:r>
-              <a:rPr lang="en-US" sz="3200" dirty="0">
-                <a:latin typeface="Roboto" panose="02000000000000000000" pitchFamily="2" charset="0"/>
-                <a:ea typeface="Roboto" panose="02000000000000000000" pitchFamily="2" charset="0"/>
-              </a:rPr>
-              <a:t>?</a:t>
-            </a:r>
-            <a:endParaRPr lang="pt-BR" sz="3200" dirty="0">
-              <a:latin typeface="Roboto" panose="02000000000000000000" pitchFamily="2" charset="0"/>
-              <a:ea typeface="Roboto" panose="02000000000000000000" pitchFamily="2" charset="0"/>
-            </a:endParaRPr>
-          </a:p>
-        </p:txBody>
-      </p:sp>
-    </p:spTree>
-    <p:extLst>
-      <p:ext uri="{BB962C8B-B14F-4D97-AF65-F5344CB8AC3E}">
-        <p14:creationId xmlns:p14="http://schemas.microsoft.com/office/powerpoint/2010/main" val="234970178"/>
       </p:ext>
     </p:extLst>
   </p:cSld>
@@ -14939,39 +15787,424 @@
           <a:chExt cx="0" cy="0"/>
         </a:xfrm>
       </p:grpSpPr>
-      <p:pic>
-        <p:nvPicPr>
-          <p:cNvPr id="3" name="Imagem 2">
+      <p:sp>
+        <p:nvSpPr>
+          <p:cNvPr id="2" name="CaixaDeTexto 1">
             <a:extLst>
               <a:ext uri="{FF2B5EF4-FFF2-40B4-BE49-F238E27FC236}">
-                <a16:creationId xmlns:a16="http://schemas.microsoft.com/office/drawing/2014/main" id="{0F252917-ECF4-442A-96AB-395EB7B14D10}"/>
+                <a16:creationId xmlns:a16="http://schemas.microsoft.com/office/drawing/2014/main" id="{82FCE3FB-8736-4221-A634-E7A5B55EDE42}"/>
               </a:ext>
             </a:extLst>
           </p:cNvPr>
-          <p:cNvPicPr>
-            <a:picLocks noChangeAspect="1"/>
-          </p:cNvPicPr>
+          <p:cNvSpPr txBox="1"/>
           <p:nvPr/>
-        </p:nvPicPr>
-        <p:blipFill>
-          <a:blip r:embed="rId3"/>
-          <a:srcRect/>
-          <a:stretch/>
-        </p:blipFill>
-        <p:spPr>
-          <a:xfrm>
-            <a:off x="1095041" y="431150"/>
-            <a:ext cx="6953917" cy="4174408"/>
+        </p:nvSpPr>
+        <p:spPr>
+          <a:xfrm>
+            <a:off x="0" y="316080"/>
+            <a:ext cx="9143999" cy="707886"/>
           </a:xfrm>
           <a:prstGeom prst="rect">
             <a:avLst/>
           </a:prstGeom>
-        </p:spPr>
-      </p:pic>
+          <a:noFill/>
+        </p:spPr>
+        <p:txBody>
+          <a:bodyPr wrap="square" rtlCol="0">
+            <a:spAutoFit/>
+          </a:bodyPr>
+          <a:lstStyle/>
+          <a:p>
+            <a:pPr algn="ctr"/>
+            <a:r>
+              <a:rPr lang="en-US" sz="4000" b="1" dirty="0">
+                <a:latin typeface="Roboto" panose="02000000000000000000" pitchFamily="2" charset="0"/>
+                <a:ea typeface="Roboto" panose="02000000000000000000" pitchFamily="2" charset="0"/>
+              </a:rPr>
+              <a:t>Prometheus Server</a:t>
+            </a:r>
+            <a:endParaRPr lang="pt-BR" sz="4000" b="1" dirty="0">
+              <a:latin typeface="Roboto" panose="02000000000000000000" pitchFamily="2" charset="0"/>
+              <a:ea typeface="Roboto" panose="02000000000000000000" pitchFamily="2" charset="0"/>
+            </a:endParaRPr>
+          </a:p>
+        </p:txBody>
+      </p:sp>
+      <p:sp>
+        <p:nvSpPr>
+          <p:cNvPr id="5" name="Google Shape;373;p16">
+            <a:extLst>
+              <a:ext uri="{FF2B5EF4-FFF2-40B4-BE49-F238E27FC236}">
+                <a16:creationId xmlns:a16="http://schemas.microsoft.com/office/drawing/2014/main" id="{89DD6B37-90E7-43C0-A2E5-1E23C4740BBB}"/>
+              </a:ext>
+            </a:extLst>
+          </p:cNvPr>
+          <p:cNvSpPr txBox="1">
+            <a:spLocks/>
+          </p:cNvSpPr>
+          <p:nvPr/>
+        </p:nvSpPr>
+        <p:spPr>
+          <a:xfrm>
+            <a:off x="1771189" y="1328290"/>
+            <a:ext cx="6104039" cy="2486919"/>
+          </a:xfrm>
+          <a:prstGeom prst="rect">
+            <a:avLst/>
+          </a:prstGeom>
+        </p:spPr>
+        <p:txBody>
+          <a:bodyPr spcFirstLastPara="1" wrap="square" lIns="91425" tIns="91425" rIns="91425" bIns="91425" anchor="t" anchorCtr="0">
+            <a:noAutofit/>
+          </a:bodyPr>
+          <a:lstStyle>
+            <a:lvl1pPr marL="68580" indent="-68580" algn="l" defTabSz="685800" rtl="0" eaLnBrk="1" latinLnBrk="0" hangingPunct="1">
+              <a:lnSpc>
+                <a:spcPct val="90000"/>
+              </a:lnSpc>
+              <a:spcBef>
+                <a:spcPts val="900"/>
+              </a:spcBef>
+              <a:spcAft>
+                <a:spcPts val="150"/>
+              </a:spcAft>
+              <a:buClr>
+                <a:schemeClr val="accent1"/>
+              </a:buClr>
+              <a:buSzPct val="100000"/>
+              <a:buFont typeface="Calibri" panose="020F0502020204030204" pitchFamily="34" charset="0"/>
+              <a:buChar char=" "/>
+              <a:defRPr sz="1500" kern="1200">
+                <a:solidFill>
+                  <a:schemeClr val="tx1">
+                    <a:lumMod val="75000"/>
+                    <a:lumOff val="25000"/>
+                  </a:schemeClr>
+                </a:solidFill>
+                <a:latin typeface="+mn-lt"/>
+                <a:ea typeface="+mn-ea"/>
+                <a:cs typeface="+mn-cs"/>
+              </a:defRPr>
+            </a:lvl1pPr>
+            <a:lvl2pPr marL="288036" indent="-137160" algn="l" defTabSz="685800" rtl="0" eaLnBrk="1" latinLnBrk="0" hangingPunct="1">
+              <a:lnSpc>
+                <a:spcPct val="90000"/>
+              </a:lnSpc>
+              <a:spcBef>
+                <a:spcPts val="150"/>
+              </a:spcBef>
+              <a:spcAft>
+                <a:spcPts val="300"/>
+              </a:spcAft>
+              <a:buClr>
+                <a:schemeClr val="accent1"/>
+              </a:buClr>
+              <a:buFont typeface="Calibri" pitchFamily="34" charset="0"/>
+              <a:buChar char="◦"/>
+              <a:defRPr sz="1350" kern="1200">
+                <a:solidFill>
+                  <a:schemeClr val="tx1">
+                    <a:lumMod val="75000"/>
+                    <a:lumOff val="25000"/>
+                  </a:schemeClr>
+                </a:solidFill>
+                <a:latin typeface="+mn-lt"/>
+                <a:ea typeface="+mn-ea"/>
+                <a:cs typeface="+mn-cs"/>
+              </a:defRPr>
+            </a:lvl2pPr>
+            <a:lvl3pPr marL="425196" indent="-137160" algn="l" defTabSz="685800" rtl="0" eaLnBrk="1" latinLnBrk="0" hangingPunct="1">
+              <a:lnSpc>
+                <a:spcPct val="90000"/>
+              </a:lnSpc>
+              <a:spcBef>
+                <a:spcPts val="150"/>
+              </a:spcBef>
+              <a:spcAft>
+                <a:spcPts val="300"/>
+              </a:spcAft>
+              <a:buClr>
+                <a:schemeClr val="accent1"/>
+              </a:buClr>
+              <a:buFont typeface="Calibri" pitchFamily="34" charset="0"/>
+              <a:buChar char="◦"/>
+              <a:defRPr sz="1050" kern="1200">
+                <a:solidFill>
+                  <a:schemeClr val="tx1">
+                    <a:lumMod val="75000"/>
+                    <a:lumOff val="25000"/>
+                  </a:schemeClr>
+                </a:solidFill>
+                <a:latin typeface="+mn-lt"/>
+                <a:ea typeface="+mn-ea"/>
+                <a:cs typeface="+mn-cs"/>
+              </a:defRPr>
+            </a:lvl3pPr>
+            <a:lvl4pPr marL="562356" indent="-137160" algn="l" defTabSz="685800" rtl="0" eaLnBrk="1" latinLnBrk="0" hangingPunct="1">
+              <a:lnSpc>
+                <a:spcPct val="90000"/>
+              </a:lnSpc>
+              <a:spcBef>
+                <a:spcPts val="150"/>
+              </a:spcBef>
+              <a:spcAft>
+                <a:spcPts val="300"/>
+              </a:spcAft>
+              <a:buClr>
+                <a:schemeClr val="accent1"/>
+              </a:buClr>
+              <a:buFont typeface="Calibri" pitchFamily="34" charset="0"/>
+              <a:buChar char="◦"/>
+              <a:defRPr sz="1050" kern="1200">
+                <a:solidFill>
+                  <a:schemeClr val="tx1">
+                    <a:lumMod val="75000"/>
+                    <a:lumOff val="25000"/>
+                  </a:schemeClr>
+                </a:solidFill>
+                <a:latin typeface="+mn-lt"/>
+                <a:ea typeface="+mn-ea"/>
+                <a:cs typeface="+mn-cs"/>
+              </a:defRPr>
+            </a:lvl4pPr>
+            <a:lvl5pPr marL="699516" indent="-137160" algn="l" defTabSz="685800" rtl="0" eaLnBrk="1" latinLnBrk="0" hangingPunct="1">
+              <a:lnSpc>
+                <a:spcPct val="90000"/>
+              </a:lnSpc>
+              <a:spcBef>
+                <a:spcPts val="150"/>
+              </a:spcBef>
+              <a:spcAft>
+                <a:spcPts val="300"/>
+              </a:spcAft>
+              <a:buClr>
+                <a:schemeClr val="accent1"/>
+              </a:buClr>
+              <a:buFont typeface="Calibri" pitchFamily="34" charset="0"/>
+              <a:buChar char="◦"/>
+              <a:defRPr sz="1050" kern="1200">
+                <a:solidFill>
+                  <a:schemeClr val="tx1">
+                    <a:lumMod val="75000"/>
+                    <a:lumOff val="25000"/>
+                  </a:schemeClr>
+                </a:solidFill>
+                <a:latin typeface="+mn-lt"/>
+                <a:ea typeface="+mn-ea"/>
+                <a:cs typeface="+mn-cs"/>
+              </a:defRPr>
+            </a:lvl5pPr>
+            <a:lvl6pPr marL="825000" indent="-171450" algn="l" defTabSz="685800" rtl="0" eaLnBrk="1" latinLnBrk="0" hangingPunct="1">
+              <a:lnSpc>
+                <a:spcPct val="90000"/>
+              </a:lnSpc>
+              <a:spcBef>
+                <a:spcPts val="150"/>
+              </a:spcBef>
+              <a:spcAft>
+                <a:spcPts val="300"/>
+              </a:spcAft>
+              <a:buClr>
+                <a:schemeClr val="accent1"/>
+              </a:buClr>
+              <a:buFont typeface="Calibri" pitchFamily="34" charset="0"/>
+              <a:buChar char="◦"/>
+              <a:defRPr sz="1050" kern="1200">
+                <a:solidFill>
+                  <a:schemeClr val="tx1">
+                    <a:lumMod val="75000"/>
+                    <a:lumOff val="25000"/>
+                  </a:schemeClr>
+                </a:solidFill>
+                <a:latin typeface="+mn-lt"/>
+                <a:ea typeface="+mn-ea"/>
+                <a:cs typeface="+mn-cs"/>
+              </a:defRPr>
+            </a:lvl6pPr>
+            <a:lvl7pPr marL="975000" indent="-171450" algn="l" defTabSz="685800" rtl="0" eaLnBrk="1" latinLnBrk="0" hangingPunct="1">
+              <a:lnSpc>
+                <a:spcPct val="90000"/>
+              </a:lnSpc>
+              <a:spcBef>
+                <a:spcPts val="150"/>
+              </a:spcBef>
+              <a:spcAft>
+                <a:spcPts val="300"/>
+              </a:spcAft>
+              <a:buClr>
+                <a:schemeClr val="accent1"/>
+              </a:buClr>
+              <a:buFont typeface="Calibri" pitchFamily="34" charset="0"/>
+              <a:buChar char="◦"/>
+              <a:defRPr sz="1050" kern="1200">
+                <a:solidFill>
+                  <a:schemeClr val="tx1">
+                    <a:lumMod val="75000"/>
+                    <a:lumOff val="25000"/>
+                  </a:schemeClr>
+                </a:solidFill>
+                <a:latin typeface="+mn-lt"/>
+                <a:ea typeface="+mn-ea"/>
+                <a:cs typeface="+mn-cs"/>
+              </a:defRPr>
+            </a:lvl7pPr>
+            <a:lvl8pPr marL="1125000" indent="-171450" algn="l" defTabSz="685800" rtl="0" eaLnBrk="1" latinLnBrk="0" hangingPunct="1">
+              <a:lnSpc>
+                <a:spcPct val="90000"/>
+              </a:lnSpc>
+              <a:spcBef>
+                <a:spcPts val="150"/>
+              </a:spcBef>
+              <a:spcAft>
+                <a:spcPts val="300"/>
+              </a:spcAft>
+              <a:buClr>
+                <a:schemeClr val="accent1"/>
+              </a:buClr>
+              <a:buFont typeface="Calibri" pitchFamily="34" charset="0"/>
+              <a:buChar char="◦"/>
+              <a:defRPr sz="1050" kern="1200">
+                <a:solidFill>
+                  <a:schemeClr val="tx1">
+                    <a:lumMod val="75000"/>
+                    <a:lumOff val="25000"/>
+                  </a:schemeClr>
+                </a:solidFill>
+                <a:latin typeface="+mn-lt"/>
+                <a:ea typeface="+mn-ea"/>
+                <a:cs typeface="+mn-cs"/>
+              </a:defRPr>
+            </a:lvl8pPr>
+            <a:lvl9pPr marL="1275000" indent="-171450" algn="l" defTabSz="685800" rtl="0" eaLnBrk="1" latinLnBrk="0" hangingPunct="1">
+              <a:lnSpc>
+                <a:spcPct val="90000"/>
+              </a:lnSpc>
+              <a:spcBef>
+                <a:spcPts val="150"/>
+              </a:spcBef>
+              <a:spcAft>
+                <a:spcPts val="300"/>
+              </a:spcAft>
+              <a:buClr>
+                <a:schemeClr val="accent1"/>
+              </a:buClr>
+              <a:buFont typeface="Calibri" pitchFamily="34" charset="0"/>
+              <a:buChar char="◦"/>
+              <a:defRPr sz="1050" kern="1200">
+                <a:solidFill>
+                  <a:schemeClr val="tx1">
+                    <a:lumMod val="75000"/>
+                    <a:lumOff val="25000"/>
+                  </a:schemeClr>
+                </a:solidFill>
+                <a:latin typeface="+mn-lt"/>
+                <a:ea typeface="+mn-ea"/>
+                <a:cs typeface="+mn-cs"/>
+              </a:defRPr>
+            </a:lvl9pPr>
+          </a:lstStyle>
+          <a:p>
+            <a:pPr marL="482600" indent="-342900">
+              <a:spcBef>
+                <a:spcPts val="600"/>
+              </a:spcBef>
+              <a:spcAft>
+                <a:spcPts val="0"/>
+              </a:spcAft>
+              <a:buSzPts val="1400"/>
+              <a:buFont typeface="+mj-lt"/>
+              <a:buAutoNum type="arabicPeriod"/>
+            </a:pPr>
+            <a:r>
+              <a:rPr lang="pt-BR" sz="2000" dirty="0">
+                <a:solidFill>
+                  <a:schemeClr val="tx1"/>
+                </a:solidFill>
+                <a:latin typeface="Roboto" panose="02000000000000000000" pitchFamily="2" charset="0"/>
+                <a:ea typeface="Roboto" panose="02000000000000000000" pitchFamily="2" charset="0"/>
+              </a:rPr>
+              <a:t>Http Server</a:t>
+            </a:r>
+          </a:p>
+          <a:p>
+            <a:pPr marL="482600" indent="-342900">
+              <a:spcBef>
+                <a:spcPts val="600"/>
+              </a:spcBef>
+              <a:spcAft>
+                <a:spcPts val="0"/>
+              </a:spcAft>
+              <a:buSzPts val="1400"/>
+              <a:buFont typeface="+mj-lt"/>
+              <a:buAutoNum type="arabicPeriod"/>
+            </a:pPr>
+            <a:r>
+              <a:rPr lang="pt-BR" sz="2000" dirty="0" err="1">
+                <a:solidFill>
+                  <a:schemeClr val="tx1"/>
+                </a:solidFill>
+                <a:latin typeface="Roboto" panose="02000000000000000000" pitchFamily="2" charset="0"/>
+                <a:ea typeface="Roboto" panose="02000000000000000000" pitchFamily="2" charset="0"/>
+              </a:rPr>
+              <a:t>Retriveal</a:t>
+            </a:r>
+            <a:endParaRPr lang="pt-BR" sz="2000" dirty="0">
+              <a:solidFill>
+                <a:schemeClr val="tx1"/>
+              </a:solidFill>
+              <a:latin typeface="Roboto" panose="02000000000000000000" pitchFamily="2" charset="0"/>
+              <a:ea typeface="Roboto" panose="02000000000000000000" pitchFamily="2" charset="0"/>
+            </a:endParaRPr>
+          </a:p>
+          <a:p>
+            <a:pPr marL="482600" indent="-342900">
+              <a:spcBef>
+                <a:spcPts val="600"/>
+              </a:spcBef>
+              <a:spcAft>
+                <a:spcPts val="0"/>
+              </a:spcAft>
+              <a:buSzPts val="1400"/>
+              <a:buFont typeface="+mj-lt"/>
+              <a:buAutoNum type="arabicPeriod"/>
+            </a:pPr>
+            <a:r>
+              <a:rPr lang="pt-BR" sz="2000" dirty="0">
+                <a:solidFill>
+                  <a:schemeClr val="tx1"/>
+                </a:solidFill>
+                <a:latin typeface="Roboto" panose="02000000000000000000" pitchFamily="2" charset="0"/>
+                <a:ea typeface="Roboto" panose="02000000000000000000" pitchFamily="2" charset="0"/>
+              </a:rPr>
+              <a:t>TSDB</a:t>
+            </a:r>
+          </a:p>
+          <a:p>
+            <a:pPr marL="482600" indent="-342900">
+              <a:spcBef>
+                <a:spcPts val="600"/>
+              </a:spcBef>
+              <a:spcAft>
+                <a:spcPts val="0"/>
+              </a:spcAft>
+              <a:buSzPts val="1400"/>
+              <a:buFont typeface="+mj-lt"/>
+              <a:buAutoNum type="arabicPeriod"/>
+            </a:pPr>
+            <a:endParaRPr lang="pt-BR" sz="2000" dirty="0">
+              <a:solidFill>
+                <a:schemeClr val="tx1"/>
+              </a:solidFill>
+              <a:latin typeface="Roboto" panose="02000000000000000000" pitchFamily="2" charset="0"/>
+              <a:ea typeface="Roboto" panose="02000000000000000000" pitchFamily="2" charset="0"/>
+            </a:endParaRPr>
+          </a:p>
+        </p:txBody>
+      </p:sp>
     </p:spTree>
     <p:extLst>
       <p:ext uri="{BB962C8B-B14F-4D97-AF65-F5344CB8AC3E}">
-        <p14:creationId xmlns:p14="http://schemas.microsoft.com/office/powerpoint/2010/main" val="3525199110"/>
+        <p14:creationId xmlns:p14="http://schemas.microsoft.com/office/powerpoint/2010/main" val="3211331379"/>
       </p:ext>
     </p:extLst>
   </p:cSld>
@@ -14998,12 +16231,141 @@
           <a:chExt cx="0" cy="0"/>
         </a:xfrm>
       </p:grpSpPr>
+      <p:sp>
+        <p:nvSpPr>
+          <p:cNvPr id="2" name="CaixaDeTexto 1">
+            <a:extLst>
+              <a:ext uri="{FF2B5EF4-FFF2-40B4-BE49-F238E27FC236}">
+                <a16:creationId xmlns:a16="http://schemas.microsoft.com/office/drawing/2014/main" id="{82FCE3FB-8736-4221-A634-E7A5B55EDE42}"/>
+              </a:ext>
+            </a:extLst>
+          </p:cNvPr>
+          <p:cNvSpPr txBox="1"/>
+          <p:nvPr/>
+        </p:nvSpPr>
+        <p:spPr>
+          <a:xfrm>
+            <a:off x="1" y="95016"/>
+            <a:ext cx="9143999" cy="707886"/>
+          </a:xfrm>
+          <a:prstGeom prst="rect">
+            <a:avLst/>
+          </a:prstGeom>
+          <a:noFill/>
+        </p:spPr>
+        <p:txBody>
+          <a:bodyPr wrap="square" rtlCol="0">
+            <a:spAutoFit/>
+          </a:bodyPr>
+          <a:lstStyle/>
+          <a:p>
+            <a:pPr algn="ctr"/>
+            <a:r>
+              <a:rPr lang="en-US" sz="4000" b="1" dirty="0">
+                <a:latin typeface="Roboto" panose="02000000000000000000" pitchFamily="2" charset="0"/>
+                <a:ea typeface="Roboto" panose="02000000000000000000" pitchFamily="2" charset="0"/>
+              </a:rPr>
+              <a:t>TSDB</a:t>
+            </a:r>
+            <a:endParaRPr lang="pt-BR" sz="4000" b="1" dirty="0">
+              <a:latin typeface="Roboto" panose="02000000000000000000" pitchFamily="2" charset="0"/>
+              <a:ea typeface="Roboto" panose="02000000000000000000" pitchFamily="2" charset="0"/>
+            </a:endParaRPr>
+          </a:p>
+        </p:txBody>
+      </p:sp>
+      <p:sp>
+        <p:nvSpPr>
+          <p:cNvPr id="4" name="CaixaDeTexto 3">
+            <a:extLst>
+              <a:ext uri="{FF2B5EF4-FFF2-40B4-BE49-F238E27FC236}">
+                <a16:creationId xmlns:a16="http://schemas.microsoft.com/office/drawing/2014/main" id="{AD0462E7-1D37-4E3C-9761-A5F7AF0DB4E7}"/>
+              </a:ext>
+            </a:extLst>
+          </p:cNvPr>
+          <p:cNvSpPr txBox="1"/>
+          <p:nvPr/>
+        </p:nvSpPr>
+        <p:spPr>
+          <a:xfrm>
+            <a:off x="0" y="767964"/>
+            <a:ext cx="4572001" cy="400110"/>
+          </a:xfrm>
+          <a:prstGeom prst="rect">
+            <a:avLst/>
+          </a:prstGeom>
+          <a:noFill/>
+        </p:spPr>
+        <p:txBody>
+          <a:bodyPr wrap="square" rtlCol="0">
+            <a:spAutoFit/>
+          </a:bodyPr>
+          <a:lstStyle/>
+          <a:p>
+            <a:pPr algn="ctr"/>
+            <a:r>
+              <a:rPr lang="en-US" sz="2000" b="1" dirty="0">
+                <a:latin typeface="Roboto" panose="02000000000000000000" pitchFamily="2" charset="0"/>
+                <a:ea typeface="Roboto" panose="02000000000000000000" pitchFamily="2" charset="0"/>
+              </a:rPr>
+              <a:t>TSDB</a:t>
+            </a:r>
+            <a:endParaRPr lang="pt-BR" sz="2000" b="1" dirty="0">
+              <a:latin typeface="Roboto" panose="02000000000000000000" pitchFamily="2" charset="0"/>
+              <a:ea typeface="Roboto" panose="02000000000000000000" pitchFamily="2" charset="0"/>
+            </a:endParaRPr>
+          </a:p>
+        </p:txBody>
+      </p:sp>
+      <p:sp>
+        <p:nvSpPr>
+          <p:cNvPr id="6" name="CaixaDeTexto 5">
+            <a:extLst>
+              <a:ext uri="{FF2B5EF4-FFF2-40B4-BE49-F238E27FC236}">
+                <a16:creationId xmlns:a16="http://schemas.microsoft.com/office/drawing/2014/main" id="{35A541F4-F026-4AE8-A19A-6C08365A5701}"/>
+              </a:ext>
+            </a:extLst>
+          </p:cNvPr>
+          <p:cNvSpPr txBox="1"/>
+          <p:nvPr/>
+        </p:nvSpPr>
+        <p:spPr>
+          <a:xfrm>
+            <a:off x="4572000" y="761707"/>
+            <a:ext cx="4572001" cy="400110"/>
+          </a:xfrm>
+          <a:prstGeom prst="rect">
+            <a:avLst/>
+          </a:prstGeom>
+          <a:noFill/>
+        </p:spPr>
+        <p:txBody>
+          <a:bodyPr wrap="square" rtlCol="0">
+            <a:spAutoFit/>
+          </a:bodyPr>
+          <a:lstStyle/>
+          <a:p>
+            <a:pPr algn="ctr"/>
+            <a:r>
+              <a:rPr lang="en-US" sz="2000" b="1" dirty="0">
+                <a:latin typeface="Roboto" panose="02000000000000000000" pitchFamily="2" charset="0"/>
+                <a:ea typeface="Roboto" panose="02000000000000000000" pitchFamily="2" charset="0"/>
+              </a:rPr>
+              <a:t>TSDB</a:t>
+            </a:r>
+            <a:endParaRPr lang="pt-BR" sz="2000" b="1" dirty="0">
+              <a:latin typeface="Roboto" panose="02000000000000000000" pitchFamily="2" charset="0"/>
+              <a:ea typeface="Roboto" panose="02000000000000000000" pitchFamily="2" charset="0"/>
+            </a:endParaRPr>
+          </a:p>
+        </p:txBody>
+      </p:sp>
       <p:pic>
         <p:nvPicPr>
-          <p:cNvPr id="6" name="Imagem 5">
+          <p:cNvPr id="7" name="Imagem 6" descr="Tela de celular com texto preto sobre fundo branco&#10;&#10;Descrição gerada automaticamente">
             <a:extLst>
               <a:ext uri="{FF2B5EF4-FFF2-40B4-BE49-F238E27FC236}">
-                <a16:creationId xmlns:a16="http://schemas.microsoft.com/office/drawing/2014/main" id="{F8BD068C-A504-449C-82DF-58DB846F820B}"/>
+                <a16:creationId xmlns:a16="http://schemas.microsoft.com/office/drawing/2014/main" id="{0386EF73-356A-4C32-B1C4-594BED17851B}"/>
               </a:ext>
             </a:extLst>
           </p:cNvPr>
@@ -15020,122 +16382,20 @@
         </p:blipFill>
         <p:spPr>
           <a:xfrm>
-            <a:off x="2140764" y="1878106"/>
-            <a:ext cx="1481417" cy="1481417"/>
+            <a:off x="1150485" y="1174331"/>
+            <a:ext cx="2271030" cy="3443173"/>
           </a:xfrm>
           <a:prstGeom prst="rect">
             <a:avLst/>
           </a:prstGeom>
         </p:spPr>
       </p:pic>
-      <p:pic>
-        <p:nvPicPr>
-          <p:cNvPr id="11" name="Imagem 10">
+      <p:sp>
+        <p:nvSpPr>
+          <p:cNvPr id="8" name="Retângulo: Cantos Arredondados 7">
             <a:extLst>
               <a:ext uri="{FF2B5EF4-FFF2-40B4-BE49-F238E27FC236}">
-                <a16:creationId xmlns:a16="http://schemas.microsoft.com/office/drawing/2014/main" id="{D77014C1-FEF8-40EF-B2C9-452CE2CD4033}"/>
-              </a:ext>
-            </a:extLst>
-          </p:cNvPr>
-          <p:cNvPicPr>
-            <a:picLocks noChangeAspect="1"/>
-          </p:cNvPicPr>
-          <p:nvPr/>
-        </p:nvPicPr>
-        <p:blipFill>
-          <a:blip r:embed="rId4"/>
-          <a:stretch>
-            <a:fillRect/>
-          </a:stretch>
-        </p:blipFill>
-        <p:spPr>
-          <a:xfrm>
-            <a:off x="5677232" y="1912844"/>
-            <a:ext cx="1424350" cy="1411940"/>
-          </a:xfrm>
-          <a:prstGeom prst="rect">
-            <a:avLst/>
-          </a:prstGeom>
-        </p:spPr>
-      </p:pic>
-      <p:sp>
-        <p:nvSpPr>
-          <p:cNvPr id="12" name="CaixaDeTexto 11">
-            <a:extLst>
-              <a:ext uri="{FF2B5EF4-FFF2-40B4-BE49-F238E27FC236}">
-                <a16:creationId xmlns:a16="http://schemas.microsoft.com/office/drawing/2014/main" id="{F5905E5D-35C0-46CA-A27A-B82B04576DBF}"/>
-              </a:ext>
-            </a:extLst>
-          </p:cNvPr>
-          <p:cNvSpPr txBox="1"/>
-          <p:nvPr/>
-        </p:nvSpPr>
-        <p:spPr>
-          <a:xfrm>
-            <a:off x="2881473" y="645459"/>
-            <a:ext cx="3381054" cy="584775"/>
-          </a:xfrm>
-          <a:prstGeom prst="rect">
-            <a:avLst/>
-          </a:prstGeom>
-          <a:noFill/>
-        </p:spPr>
-        <p:txBody>
-          <a:bodyPr wrap="none" rtlCol="0">
-            <a:spAutoFit/>
-          </a:bodyPr>
-          <a:lstStyle/>
-          <a:p>
-            <a:r>
-              <a:rPr lang="en-US" sz="3200" b="1" dirty="0">
-                <a:latin typeface="Roboto" panose="02000000000000000000" pitchFamily="2" charset="0"/>
-                <a:ea typeface="Roboto" panose="02000000000000000000" pitchFamily="2" charset="0"/>
-              </a:rPr>
-              <a:t>Coleta dos dados</a:t>
-            </a:r>
-            <a:endParaRPr lang="pt-BR" sz="3200" b="1" dirty="0">
-              <a:latin typeface="Roboto" panose="02000000000000000000" pitchFamily="2" charset="0"/>
-              <a:ea typeface="Roboto" panose="02000000000000000000" pitchFamily="2" charset="0"/>
-            </a:endParaRPr>
-          </a:p>
-        </p:txBody>
-      </p:sp>
-      <p:pic>
-        <p:nvPicPr>
-          <p:cNvPr id="14" name="Imagem 13">
-            <a:extLst>
-              <a:ext uri="{FF2B5EF4-FFF2-40B4-BE49-F238E27FC236}">
-                <a16:creationId xmlns:a16="http://schemas.microsoft.com/office/drawing/2014/main" id="{4BFDA0D3-1A57-4E17-8B8B-215BC6D9E7F4}"/>
-              </a:ext>
-            </a:extLst>
-          </p:cNvPr>
-          <p:cNvPicPr>
-            <a:picLocks noChangeAspect="1"/>
-          </p:cNvPicPr>
-          <p:nvPr/>
-        </p:nvPicPr>
-        <p:blipFill>
-          <a:blip r:embed="rId5"/>
-          <a:stretch>
-            <a:fillRect/>
-          </a:stretch>
-        </p:blipFill>
-        <p:spPr>
-          <a:xfrm>
-            <a:off x="3168343" y="2257424"/>
-            <a:ext cx="722780" cy="722780"/>
-          </a:xfrm>
-          <a:prstGeom prst="rect">
-            <a:avLst/>
-          </a:prstGeom>
-        </p:spPr>
-      </p:pic>
-      <p:sp>
-        <p:nvSpPr>
-          <p:cNvPr id="15" name="Seta: para a Direita 14">
-            <a:extLst>
-              <a:ext uri="{FF2B5EF4-FFF2-40B4-BE49-F238E27FC236}">
-                <a16:creationId xmlns:a16="http://schemas.microsoft.com/office/drawing/2014/main" id="{A3CF5F5D-337E-418B-9E33-1AFDA75E1833}"/>
+                <a16:creationId xmlns:a16="http://schemas.microsoft.com/office/drawing/2014/main" id="{BACD0C29-6B16-4C83-A5E2-09D30A91FEE6}"/>
               </a:ext>
             </a:extLst>
           </p:cNvPr>
@@ -15143,11 +16403,11 @@
           <p:nvPr/>
         </p:nvSpPr>
         <p:spPr>
-          <a:xfrm rot="10800000">
-            <a:off x="3897846" y="2660275"/>
-            <a:ext cx="1580029" cy="123265"/>
-          </a:xfrm>
-          <a:prstGeom prst="rightArrow">
+          <a:xfrm>
+            <a:off x="6139542" y="1288430"/>
+            <a:ext cx="1436915" cy="542611"/>
+          </a:xfrm>
+          <a:prstGeom prst="roundRect">
             <a:avLst/>
           </a:prstGeom>
         </p:spPr>
@@ -15172,6 +16432,248 @@
           <a:lstStyle/>
           <a:p>
             <a:pPr algn="ctr"/>
+            <a:r>
+              <a:rPr lang="pt-BR" dirty="0" err="1"/>
+              <a:t>Prometheus</a:t>
+            </a:r>
+            <a:endParaRPr lang="pt-BR" dirty="0"/>
+          </a:p>
+        </p:txBody>
+      </p:sp>
+      <p:sp>
+        <p:nvSpPr>
+          <p:cNvPr id="9" name="Retângulo: Cantos Arredondados 8">
+            <a:extLst>
+              <a:ext uri="{FF2B5EF4-FFF2-40B4-BE49-F238E27FC236}">
+                <a16:creationId xmlns:a16="http://schemas.microsoft.com/office/drawing/2014/main" id="{4133570F-966D-4071-B12D-E71832BD34B8}"/>
+              </a:ext>
+            </a:extLst>
+          </p:cNvPr>
+          <p:cNvSpPr/>
+          <p:nvPr/>
+        </p:nvSpPr>
+        <p:spPr>
+          <a:xfrm>
+            <a:off x="6139540" y="2559834"/>
+            <a:ext cx="1436915" cy="542611"/>
+          </a:xfrm>
+          <a:prstGeom prst="roundRect">
+            <a:avLst/>
+          </a:prstGeom>
+        </p:spPr>
+        <p:style>
+          <a:lnRef idx="2">
+            <a:schemeClr val="accent1">
+              <a:shade val="50000"/>
+            </a:schemeClr>
+          </a:lnRef>
+          <a:fillRef idx="1">
+            <a:schemeClr val="accent1"/>
+          </a:fillRef>
+          <a:effectRef idx="0">
+            <a:schemeClr val="accent1"/>
+          </a:effectRef>
+          <a:fontRef idx="minor">
+            <a:schemeClr val="lt1"/>
+          </a:fontRef>
+        </p:style>
+        <p:txBody>
+          <a:bodyPr rtlCol="0" anchor="ctr"/>
+          <a:lstStyle/>
+          <a:p>
+            <a:pPr algn="ctr"/>
+            <a:r>
+              <a:rPr lang="pt-BR" dirty="0" err="1"/>
+              <a:t>Adapter</a:t>
+            </a:r>
+            <a:endParaRPr lang="pt-BR" dirty="0"/>
+          </a:p>
+        </p:txBody>
+      </p:sp>
+      <p:sp>
+        <p:nvSpPr>
+          <p:cNvPr id="10" name="Retângulo: Cantos Arredondados 9">
+            <a:extLst>
+              <a:ext uri="{FF2B5EF4-FFF2-40B4-BE49-F238E27FC236}">
+                <a16:creationId xmlns:a16="http://schemas.microsoft.com/office/drawing/2014/main" id="{76EA4AF9-D1C7-40AC-BA35-0D7BF47863BD}"/>
+              </a:ext>
+            </a:extLst>
+          </p:cNvPr>
+          <p:cNvSpPr/>
+          <p:nvPr/>
+        </p:nvSpPr>
+        <p:spPr>
+          <a:xfrm>
+            <a:off x="6139540" y="3839182"/>
+            <a:ext cx="1436915" cy="542611"/>
+          </a:xfrm>
+          <a:prstGeom prst="roundRect">
+            <a:avLst/>
+          </a:prstGeom>
+        </p:spPr>
+        <p:style>
+          <a:lnRef idx="2">
+            <a:schemeClr val="accent1">
+              <a:shade val="50000"/>
+            </a:schemeClr>
+          </a:lnRef>
+          <a:fillRef idx="1">
+            <a:schemeClr val="accent1"/>
+          </a:fillRef>
+          <a:effectRef idx="0">
+            <a:schemeClr val="accent1"/>
+          </a:effectRef>
+          <a:fontRef idx="minor">
+            <a:schemeClr val="lt1"/>
+          </a:fontRef>
+        </p:style>
+        <p:txBody>
+          <a:bodyPr rtlCol="0" anchor="ctr"/>
+          <a:lstStyle/>
+          <a:p>
+            <a:pPr algn="ctr"/>
+            <a:r>
+              <a:rPr lang="pt-BR" dirty="0" err="1"/>
+              <a:t>Storage</a:t>
+            </a:r>
+            <a:endParaRPr lang="pt-BR" dirty="0"/>
+          </a:p>
+        </p:txBody>
+      </p:sp>
+      <p:sp>
+        <p:nvSpPr>
+          <p:cNvPr id="13" name="Seta: para Baixo 12">
+            <a:extLst>
+              <a:ext uri="{FF2B5EF4-FFF2-40B4-BE49-F238E27FC236}">
+                <a16:creationId xmlns:a16="http://schemas.microsoft.com/office/drawing/2014/main" id="{7F16B3C2-CBF5-4A55-A6FC-857232A2A736}"/>
+              </a:ext>
+            </a:extLst>
+          </p:cNvPr>
+          <p:cNvSpPr/>
+          <p:nvPr/>
+        </p:nvSpPr>
+        <p:spPr>
+          <a:xfrm>
+            <a:off x="7074040" y="1919235"/>
+            <a:ext cx="90435" cy="542611"/>
+          </a:xfrm>
+          <a:prstGeom prst="downArrow">
+            <a:avLst/>
+          </a:prstGeom>
+        </p:spPr>
+        <p:style>
+          <a:lnRef idx="2">
+            <a:schemeClr val="accent1">
+              <a:shade val="50000"/>
+            </a:schemeClr>
+          </a:lnRef>
+          <a:fillRef idx="1">
+            <a:schemeClr val="accent1"/>
+          </a:fillRef>
+          <a:effectRef idx="0">
+            <a:schemeClr val="accent1"/>
+          </a:effectRef>
+          <a:fontRef idx="minor">
+            <a:schemeClr val="lt1"/>
+          </a:fontRef>
+        </p:style>
+        <p:txBody>
+          <a:bodyPr rtlCol="0" anchor="ctr"/>
+          <a:lstStyle/>
+          <a:p>
+            <a:pPr algn="ctr"/>
+            <a:endParaRPr lang="pt-BR"/>
+          </a:p>
+        </p:txBody>
+      </p:sp>
+      <p:sp>
+        <p:nvSpPr>
+          <p:cNvPr id="14" name="Seta: para Baixo 13">
+            <a:extLst>
+              <a:ext uri="{FF2B5EF4-FFF2-40B4-BE49-F238E27FC236}">
+                <a16:creationId xmlns:a16="http://schemas.microsoft.com/office/drawing/2014/main" id="{190B9479-2204-45D8-B971-3C46C38CDE1F}"/>
+              </a:ext>
+            </a:extLst>
+          </p:cNvPr>
+          <p:cNvSpPr/>
+          <p:nvPr/>
+        </p:nvSpPr>
+        <p:spPr>
+          <a:xfrm>
+            <a:off x="7119257" y="3190639"/>
+            <a:ext cx="90435" cy="542611"/>
+          </a:xfrm>
+          <a:prstGeom prst="downArrow">
+            <a:avLst/>
+          </a:prstGeom>
+        </p:spPr>
+        <p:style>
+          <a:lnRef idx="2">
+            <a:schemeClr val="accent1">
+              <a:shade val="50000"/>
+            </a:schemeClr>
+          </a:lnRef>
+          <a:fillRef idx="1">
+            <a:schemeClr val="accent1"/>
+          </a:fillRef>
+          <a:effectRef idx="0">
+            <a:schemeClr val="accent1"/>
+          </a:effectRef>
+          <a:fontRef idx="minor">
+            <a:schemeClr val="lt1"/>
+          </a:fontRef>
+        </p:style>
+        <p:txBody>
+          <a:bodyPr rtlCol="0" anchor="ctr"/>
+          <a:lstStyle/>
+          <a:p>
+            <a:pPr algn="ctr"/>
+            <a:endParaRPr lang="pt-BR"/>
+          </a:p>
+        </p:txBody>
+      </p:sp>
+      <p:sp>
+        <p:nvSpPr>
+          <p:cNvPr id="15" name="Seta: para Baixo 14">
+            <a:extLst>
+              <a:ext uri="{FF2B5EF4-FFF2-40B4-BE49-F238E27FC236}">
+                <a16:creationId xmlns:a16="http://schemas.microsoft.com/office/drawing/2014/main" id="{63E626E0-7A20-4602-BF4B-D1BCEAF029D8}"/>
+              </a:ext>
+            </a:extLst>
+          </p:cNvPr>
+          <p:cNvSpPr/>
+          <p:nvPr/>
+        </p:nvSpPr>
+        <p:spPr>
+          <a:xfrm rot="10800000">
+            <a:off x="6558224" y="1914498"/>
+            <a:ext cx="90435" cy="542611"/>
+          </a:xfrm>
+          <a:prstGeom prst="downArrow">
+            <a:avLst/>
+          </a:prstGeom>
+        </p:spPr>
+        <p:style>
+          <a:lnRef idx="2">
+            <a:schemeClr val="accent1">
+              <a:shade val="50000"/>
+            </a:schemeClr>
+          </a:lnRef>
+          <a:fillRef idx="1">
+            <a:schemeClr val="accent1"/>
+          </a:fillRef>
+          <a:effectRef idx="0">
+            <a:schemeClr val="accent1"/>
+          </a:effectRef>
+          <a:fontRef idx="minor">
+            <a:schemeClr val="lt1"/>
+          </a:fontRef>
+        </p:style>
+        <p:txBody>
+          <a:bodyPr rtlCol="0" anchor="ctr"/>
+          <a:lstStyle/>
+          <a:p>
+            <a:pPr algn="ctr"/>
             <a:endParaRPr lang="pt-BR"/>
           </a:p>
         </p:txBody>
@@ -15179,175 +16681,13 @@
     </p:spTree>
     <p:extLst>
       <p:ext uri="{BB962C8B-B14F-4D97-AF65-F5344CB8AC3E}">
-        <p14:creationId xmlns:p14="http://schemas.microsoft.com/office/powerpoint/2010/main" val="2267687944"/>
+        <p14:creationId xmlns:p14="http://schemas.microsoft.com/office/powerpoint/2010/main" val="3844013252"/>
       </p:ext>
     </p:extLst>
   </p:cSld>
   <p:clrMapOvr>
     <a:masterClrMapping/>
   </p:clrMapOvr>
-  <p:timing>
-    <p:tnLst>
-      <p:par>
-        <p:cTn id="1" dur="indefinite" restart="never" nodeType="tmRoot">
-          <p:childTnLst>
-            <p:seq concurrent="1" nextAc="seek">
-              <p:cTn id="2" dur="indefinite" nodeType="mainSeq">
-                <p:childTnLst>
-                  <p:par>
-                    <p:cTn id="3" fill="hold">
-                      <p:stCondLst>
-                        <p:cond delay="indefinite"/>
-                      </p:stCondLst>
-                      <p:childTnLst>
-                        <p:par>
-                          <p:cTn id="4" fill="hold">
-                            <p:stCondLst>
-                              <p:cond delay="0"/>
-                            </p:stCondLst>
-                            <p:childTnLst>
-                              <p:par>
-                                <p:cTn id="5" presetID="1" presetClass="entr" presetSubtype="0" fill="hold" grpId="0" nodeType="clickEffect">
-                                  <p:stCondLst>
-                                    <p:cond delay="0"/>
-                                  </p:stCondLst>
-                                  <p:childTnLst>
-                                    <p:set>
-                                      <p:cBhvr>
-                                        <p:cTn id="6" dur="1" fill="hold">
-                                          <p:stCondLst>
-                                            <p:cond delay="0"/>
-                                          </p:stCondLst>
-                                        </p:cTn>
-                                        <p:tgtEl>
-                                          <p:spTgt spid="15"/>
-                                        </p:tgtEl>
-                                        <p:attrNameLst>
-                                          <p:attrName>style.visibility</p:attrName>
-                                        </p:attrNameLst>
-                                      </p:cBhvr>
-                                      <p:to>
-                                        <p:strVal val="visible"/>
-                                      </p:to>
-                                    </p:set>
-                                  </p:childTnLst>
-                                </p:cTn>
-                              </p:par>
-                            </p:childTnLst>
-                          </p:cTn>
-                        </p:par>
-                      </p:childTnLst>
-                    </p:cTn>
-                  </p:par>
-                  <p:par>
-                    <p:cTn id="7" fill="hold">
-                      <p:stCondLst>
-                        <p:cond delay="indefinite"/>
-                      </p:stCondLst>
-                      <p:childTnLst>
-                        <p:par>
-                          <p:cTn id="8" fill="hold">
-                            <p:stCondLst>
-                              <p:cond delay="0"/>
-                            </p:stCondLst>
-                            <p:childTnLst>
-                              <p:par>
-                                <p:cTn id="9" presetID="1" presetClass="entr" presetSubtype="0" fill="hold" nodeType="clickEffect">
-                                  <p:stCondLst>
-                                    <p:cond delay="0"/>
-                                  </p:stCondLst>
-                                  <p:childTnLst>
-                                    <p:set>
-                                      <p:cBhvr>
-                                        <p:cTn id="10" dur="1" fill="hold">
-                                          <p:stCondLst>
-                                            <p:cond delay="0"/>
-                                          </p:stCondLst>
-                                        </p:cTn>
-                                        <p:tgtEl>
-                                          <p:spTgt spid="14"/>
-                                        </p:tgtEl>
-                                        <p:attrNameLst>
-                                          <p:attrName>style.visibility</p:attrName>
-                                        </p:attrNameLst>
-                                      </p:cBhvr>
-                                      <p:to>
-                                        <p:strVal val="visible"/>
-                                      </p:to>
-                                    </p:set>
-                                  </p:childTnLst>
-                                </p:cTn>
-                              </p:par>
-                            </p:childTnLst>
-                          </p:cTn>
-                        </p:par>
-                      </p:childTnLst>
-                    </p:cTn>
-                  </p:par>
-                  <p:par>
-                    <p:cTn id="11" fill="hold">
-                      <p:stCondLst>
-                        <p:cond delay="indefinite"/>
-                      </p:stCondLst>
-                      <p:childTnLst>
-                        <p:par>
-                          <p:cTn id="12" fill="hold">
-                            <p:stCondLst>
-                              <p:cond delay="0"/>
-                            </p:stCondLst>
-                            <p:childTnLst>
-                              <p:par>
-                                <p:cTn id="13" presetID="63" presetClass="path" presetSubtype="0" accel="50000" decel="50000" fill="hold" nodeType="clickEffect">
-                                  <p:stCondLst>
-                                    <p:cond delay="0"/>
-                                  </p:stCondLst>
-                                  <p:childTnLst>
-                                    <p:animMotion origin="layout" path="M 0 0 L 0.25 0 E" pathEditMode="relative" ptsTypes="">
-                                      <p:cBhvr>
-                                        <p:cTn id="14" dur="2000" fill="hold"/>
-                                        <p:tgtEl>
-                                          <p:spTgt spid="14"/>
-                                        </p:tgtEl>
-                                        <p:attrNameLst>
-                                          <p:attrName>ppt_x</p:attrName>
-                                          <p:attrName>ppt_y</p:attrName>
-                                        </p:attrNameLst>
-                                      </p:cBhvr>
-                                    </p:animMotion>
-                                  </p:childTnLst>
-                                </p:cTn>
-                              </p:par>
-                            </p:childTnLst>
-                          </p:cTn>
-                        </p:par>
-                      </p:childTnLst>
-                    </p:cTn>
-                  </p:par>
-                </p:childTnLst>
-              </p:cTn>
-              <p:prevCondLst>
-                <p:cond evt="onPrev" delay="0">
-                  <p:tgtEl>
-                    <p:sldTgt/>
-                  </p:tgtEl>
-                </p:cond>
-              </p:prevCondLst>
-              <p:nextCondLst>
-                <p:cond evt="onNext" delay="0">
-                  <p:tgtEl>
-                    <p:sldTgt/>
-                  </p:tgtEl>
-                </p:cond>
-              </p:nextCondLst>
-            </p:seq>
-          </p:childTnLst>
-        </p:cTn>
-      </p:par>
-    </p:tnLst>
-    <p:bldLst>
-      <p:bldP spid="15" grpId="0" animBg="1"/>
-    </p:bldLst>
-  </p:timing>
 </p:sld>
 </file>
 
@@ -15370,10 +16710,10 @@
       </p:grpSpPr>
       <p:pic>
         <p:nvPicPr>
-          <p:cNvPr id="5" name="Imagem 4">
+          <p:cNvPr id="3" name="Imagem 2">
             <a:extLst>
               <a:ext uri="{FF2B5EF4-FFF2-40B4-BE49-F238E27FC236}">
-                <a16:creationId xmlns:a16="http://schemas.microsoft.com/office/drawing/2014/main" id="{6B5FD55F-B714-42CA-8BF8-C7B0AF138695}"/>
+                <a16:creationId xmlns:a16="http://schemas.microsoft.com/office/drawing/2014/main" id="{0F252917-ECF4-442A-96AB-395EB7B14D10}"/>
               </a:ext>
             </a:extLst>
           </p:cNvPr>
@@ -15384,14 +16724,13 @@
         </p:nvPicPr>
         <p:blipFill>
           <a:blip r:embed="rId3"/>
-          <a:stretch>
-            <a:fillRect/>
-          </a:stretch>
+          <a:srcRect/>
+          <a:stretch/>
         </p:blipFill>
         <p:spPr>
           <a:xfrm>
-            <a:off x="1660711" y="205907"/>
-            <a:ext cx="5943600" cy="4314825"/>
+            <a:off x="1095041" y="431150"/>
+            <a:ext cx="6953917" cy="4174408"/>
           </a:xfrm>
           <a:prstGeom prst="rect">
             <a:avLst/>
@@ -15401,7 +16740,7 @@
     </p:spTree>
     <p:extLst>
       <p:ext uri="{BB962C8B-B14F-4D97-AF65-F5344CB8AC3E}">
-        <p14:creationId xmlns:p14="http://schemas.microsoft.com/office/powerpoint/2010/main" val="43124614"/>
+        <p14:creationId xmlns:p14="http://schemas.microsoft.com/office/powerpoint/2010/main" val="3525199110"/>
       </p:ext>
     </p:extLst>
   </p:cSld>

--- a/docs/Prometheus.pptx
+++ b/docs/Prometheus.pptx
@@ -5,66 +5,67 @@
     <p:sldMasterId id="2147483658" r:id="rId1"/>
   </p:sldMasterIdLst>
   <p:notesMasterIdLst>
-    <p:notesMasterId r:id="rId30"/>
+    <p:notesMasterId r:id="rId31"/>
   </p:notesMasterIdLst>
   <p:sldIdLst>
     <p:sldId id="256" r:id="rId2"/>
     <p:sldId id="258" r:id="rId3"/>
     <p:sldId id="338" r:id="rId4"/>
-    <p:sldId id="309" r:id="rId5"/>
-    <p:sldId id="337" r:id="rId6"/>
-    <p:sldId id="313" r:id="rId7"/>
-    <p:sldId id="327" r:id="rId8"/>
-    <p:sldId id="342" r:id="rId9"/>
-    <p:sldId id="318" r:id="rId10"/>
-    <p:sldId id="329" r:id="rId11"/>
-    <p:sldId id="330" r:id="rId12"/>
-    <p:sldId id="343" r:id="rId13"/>
-    <p:sldId id="341" r:id="rId14"/>
-    <p:sldId id="325" r:id="rId15"/>
-    <p:sldId id="326" r:id="rId16"/>
-    <p:sldId id="324" r:id="rId17"/>
-    <p:sldId id="328" r:id="rId18"/>
-    <p:sldId id="323" r:id="rId19"/>
-    <p:sldId id="322" r:id="rId20"/>
-    <p:sldId id="344" r:id="rId21"/>
-    <p:sldId id="332" r:id="rId22"/>
-    <p:sldId id="333" r:id="rId23"/>
-    <p:sldId id="321" r:id="rId24"/>
-    <p:sldId id="334" r:id="rId25"/>
-    <p:sldId id="320" r:id="rId26"/>
-    <p:sldId id="346" r:id="rId27"/>
-    <p:sldId id="345" r:id="rId28"/>
-    <p:sldId id="331" r:id="rId29"/>
+    <p:sldId id="347" r:id="rId5"/>
+    <p:sldId id="309" r:id="rId6"/>
+    <p:sldId id="337" r:id="rId7"/>
+    <p:sldId id="313" r:id="rId8"/>
+    <p:sldId id="327" r:id="rId9"/>
+    <p:sldId id="342" r:id="rId10"/>
+    <p:sldId id="318" r:id="rId11"/>
+    <p:sldId id="329" r:id="rId12"/>
+    <p:sldId id="330" r:id="rId13"/>
+    <p:sldId id="343" r:id="rId14"/>
+    <p:sldId id="341" r:id="rId15"/>
+    <p:sldId id="325" r:id="rId16"/>
+    <p:sldId id="326" r:id="rId17"/>
+    <p:sldId id="324" r:id="rId18"/>
+    <p:sldId id="328" r:id="rId19"/>
+    <p:sldId id="323" r:id="rId20"/>
+    <p:sldId id="322" r:id="rId21"/>
+    <p:sldId id="344" r:id="rId22"/>
+    <p:sldId id="332" r:id="rId23"/>
+    <p:sldId id="333" r:id="rId24"/>
+    <p:sldId id="321" r:id="rId25"/>
+    <p:sldId id="334" r:id="rId26"/>
+    <p:sldId id="320" r:id="rId27"/>
+    <p:sldId id="346" r:id="rId28"/>
+    <p:sldId id="345" r:id="rId29"/>
+    <p:sldId id="331" r:id="rId30"/>
   </p:sldIdLst>
   <p:sldSz cx="9144000" cy="5143500" type="screen16x9"/>
   <p:notesSz cx="6858000" cy="9144000"/>
   <p:embeddedFontLst>
     <p:embeddedFont>
       <p:font typeface="Calibri" panose="020F0502020204030204" pitchFamily="34" charset="0"/>
-      <p:regular r:id="rId31"/>
-      <p:bold r:id="rId32"/>
-      <p:italic r:id="rId33"/>
-      <p:boldItalic r:id="rId34"/>
+      <p:regular r:id="rId32"/>
+      <p:bold r:id="rId33"/>
+      <p:italic r:id="rId34"/>
+      <p:boldItalic r:id="rId35"/>
     </p:embeddedFont>
     <p:embeddedFont>
       <p:font typeface="Calibri Light" panose="020F0302020204030204" pitchFamily="34" charset="0"/>
-      <p:regular r:id="rId35"/>
-      <p:italic r:id="rId36"/>
+      <p:regular r:id="rId36"/>
+      <p:italic r:id="rId37"/>
     </p:embeddedFont>
     <p:embeddedFont>
       <p:font typeface="Muli" panose="020B0604020202020204" charset="0"/>
-      <p:regular r:id="rId37"/>
-      <p:bold r:id="rId38"/>
-      <p:italic r:id="rId39"/>
-      <p:boldItalic r:id="rId40"/>
+      <p:regular r:id="rId38"/>
+      <p:bold r:id="rId39"/>
+      <p:italic r:id="rId40"/>
+      <p:boldItalic r:id="rId41"/>
     </p:embeddedFont>
     <p:embeddedFont>
       <p:font typeface="Roboto" panose="020B0604020202020204" charset="0"/>
-      <p:regular r:id="rId41"/>
-      <p:bold r:id="rId42"/>
-      <p:italic r:id="rId43"/>
-      <p:boldItalic r:id="rId44"/>
+      <p:regular r:id="rId42"/>
+      <p:bold r:id="rId43"/>
+      <p:italic r:id="rId44"/>
+      <p:boldItalic r:id="rId45"/>
     </p:embeddedFont>
   </p:embeddedFontLst>
   <p:defaultTextStyle>
@@ -880,7 +881,7 @@
     </p:spTree>
     <p:extLst>
       <p:ext uri="{BB962C8B-B14F-4D97-AF65-F5344CB8AC3E}">
-        <p14:creationId xmlns:p14="http://schemas.microsoft.com/office/powerpoint/2010/main" val="3415178486"/>
+        <p14:creationId xmlns:p14="http://schemas.microsoft.com/office/powerpoint/2010/main" val="3183325113"/>
       </p:ext>
     </p:extLst>
   </p:cSld>
@@ -989,7 +990,7 @@
     </p:spTree>
     <p:extLst>
       <p:ext uri="{BB962C8B-B14F-4D97-AF65-F5344CB8AC3E}">
-        <p14:creationId xmlns:p14="http://schemas.microsoft.com/office/powerpoint/2010/main" val="2418241064"/>
+        <p14:creationId xmlns:p14="http://schemas.microsoft.com/office/powerpoint/2010/main" val="3415178486"/>
       </p:ext>
     </p:extLst>
   </p:cSld>
@@ -1098,7 +1099,7 @@
     </p:spTree>
     <p:extLst>
       <p:ext uri="{BB962C8B-B14F-4D97-AF65-F5344CB8AC3E}">
-        <p14:creationId xmlns:p14="http://schemas.microsoft.com/office/powerpoint/2010/main" val="572119973"/>
+        <p14:creationId xmlns:p14="http://schemas.microsoft.com/office/powerpoint/2010/main" val="2418241064"/>
       </p:ext>
     </p:extLst>
   </p:cSld>
@@ -1207,7 +1208,7 @@
     </p:spTree>
     <p:extLst>
       <p:ext uri="{BB962C8B-B14F-4D97-AF65-F5344CB8AC3E}">
-        <p14:creationId xmlns:p14="http://schemas.microsoft.com/office/powerpoint/2010/main" val="623159062"/>
+        <p14:creationId xmlns:p14="http://schemas.microsoft.com/office/powerpoint/2010/main" val="572119973"/>
       </p:ext>
     </p:extLst>
   </p:cSld>
@@ -1316,7 +1317,7 @@
     </p:spTree>
     <p:extLst>
       <p:ext uri="{BB962C8B-B14F-4D97-AF65-F5344CB8AC3E}">
-        <p14:creationId xmlns:p14="http://schemas.microsoft.com/office/powerpoint/2010/main" val="688465585"/>
+        <p14:creationId xmlns:p14="http://schemas.microsoft.com/office/powerpoint/2010/main" val="623159062"/>
       </p:ext>
     </p:extLst>
   </p:cSld>
@@ -1425,7 +1426,7 @@
     </p:spTree>
     <p:extLst>
       <p:ext uri="{BB962C8B-B14F-4D97-AF65-F5344CB8AC3E}">
-        <p14:creationId xmlns:p14="http://schemas.microsoft.com/office/powerpoint/2010/main" val="1747380966"/>
+        <p14:creationId xmlns:p14="http://schemas.microsoft.com/office/powerpoint/2010/main" val="688465585"/>
       </p:ext>
     </p:extLst>
   </p:cSld>
@@ -1534,7 +1535,7 @@
     </p:spTree>
     <p:extLst>
       <p:ext uri="{BB962C8B-B14F-4D97-AF65-F5344CB8AC3E}">
-        <p14:creationId xmlns:p14="http://schemas.microsoft.com/office/powerpoint/2010/main" val="3542698576"/>
+        <p14:creationId xmlns:p14="http://schemas.microsoft.com/office/powerpoint/2010/main" val="1747380966"/>
       </p:ext>
     </p:extLst>
   </p:cSld>
@@ -1643,7 +1644,7 @@
     </p:spTree>
     <p:extLst>
       <p:ext uri="{BB962C8B-B14F-4D97-AF65-F5344CB8AC3E}">
-        <p14:creationId xmlns:p14="http://schemas.microsoft.com/office/powerpoint/2010/main" val="1602959421"/>
+        <p14:creationId xmlns:p14="http://schemas.microsoft.com/office/powerpoint/2010/main" val="3542698576"/>
       </p:ext>
     </p:extLst>
   </p:cSld>
@@ -1752,7 +1753,7 @@
     </p:spTree>
     <p:extLst>
       <p:ext uri="{BB962C8B-B14F-4D97-AF65-F5344CB8AC3E}">
-        <p14:creationId xmlns:p14="http://schemas.microsoft.com/office/powerpoint/2010/main" val="3516812312"/>
+        <p14:creationId xmlns:p14="http://schemas.microsoft.com/office/powerpoint/2010/main" val="1602959421"/>
       </p:ext>
     </p:extLst>
   </p:cSld>
@@ -1861,7 +1862,7 @@
     </p:spTree>
     <p:extLst>
       <p:ext uri="{BB962C8B-B14F-4D97-AF65-F5344CB8AC3E}">
-        <p14:creationId xmlns:p14="http://schemas.microsoft.com/office/powerpoint/2010/main" val="3072025035"/>
+        <p14:creationId xmlns:p14="http://schemas.microsoft.com/office/powerpoint/2010/main" val="3516812312"/>
       </p:ext>
     </p:extLst>
   </p:cSld>
@@ -2074,7 +2075,7 @@
     </p:spTree>
     <p:extLst>
       <p:ext uri="{BB962C8B-B14F-4D97-AF65-F5344CB8AC3E}">
-        <p14:creationId xmlns:p14="http://schemas.microsoft.com/office/powerpoint/2010/main" val="4041135335"/>
+        <p14:creationId xmlns:p14="http://schemas.microsoft.com/office/powerpoint/2010/main" val="3072025035"/>
       </p:ext>
     </p:extLst>
   </p:cSld>
@@ -2183,7 +2184,7 @@
     </p:spTree>
     <p:extLst>
       <p:ext uri="{BB962C8B-B14F-4D97-AF65-F5344CB8AC3E}">
-        <p14:creationId xmlns:p14="http://schemas.microsoft.com/office/powerpoint/2010/main" val="3567871064"/>
+        <p14:creationId xmlns:p14="http://schemas.microsoft.com/office/powerpoint/2010/main" val="4041135335"/>
       </p:ext>
     </p:extLst>
   </p:cSld>
@@ -2292,7 +2293,7 @@
     </p:spTree>
     <p:extLst>
       <p:ext uri="{BB962C8B-B14F-4D97-AF65-F5344CB8AC3E}">
-        <p14:creationId xmlns:p14="http://schemas.microsoft.com/office/powerpoint/2010/main" val="1433842641"/>
+        <p14:creationId xmlns:p14="http://schemas.microsoft.com/office/powerpoint/2010/main" val="3567871064"/>
       </p:ext>
     </p:extLst>
   </p:cSld>
@@ -2401,7 +2402,7 @@
     </p:spTree>
     <p:extLst>
       <p:ext uri="{BB962C8B-B14F-4D97-AF65-F5344CB8AC3E}">
-        <p14:creationId xmlns:p14="http://schemas.microsoft.com/office/powerpoint/2010/main" val="2614756581"/>
+        <p14:creationId xmlns:p14="http://schemas.microsoft.com/office/powerpoint/2010/main" val="1433842641"/>
       </p:ext>
     </p:extLst>
   </p:cSld>
@@ -2510,7 +2511,7 @@
     </p:spTree>
     <p:extLst>
       <p:ext uri="{BB962C8B-B14F-4D97-AF65-F5344CB8AC3E}">
-        <p14:creationId xmlns:p14="http://schemas.microsoft.com/office/powerpoint/2010/main" val="1857412440"/>
+        <p14:creationId xmlns:p14="http://schemas.microsoft.com/office/powerpoint/2010/main" val="2614756581"/>
       </p:ext>
     </p:extLst>
   </p:cSld>
@@ -2619,7 +2620,7 @@
     </p:spTree>
     <p:extLst>
       <p:ext uri="{BB962C8B-B14F-4D97-AF65-F5344CB8AC3E}">
-        <p14:creationId xmlns:p14="http://schemas.microsoft.com/office/powerpoint/2010/main" val="607467326"/>
+        <p14:creationId xmlns:p14="http://schemas.microsoft.com/office/powerpoint/2010/main" val="1857412440"/>
       </p:ext>
     </p:extLst>
   </p:cSld>
@@ -2728,6 +2729,115 @@
     </p:spTree>
     <p:extLst>
       <p:ext uri="{BB962C8B-B14F-4D97-AF65-F5344CB8AC3E}">
+        <p14:creationId xmlns:p14="http://schemas.microsoft.com/office/powerpoint/2010/main" val="607467326"/>
+      </p:ext>
+    </p:extLst>
+  </p:cSld>
+  <p:clrMapOvr>
+    <a:masterClrMapping/>
+  </p:clrMapOvr>
+</p:notes>
+</file>
+
+<file path=ppt/notesSlides/notesSlide27.xml><?xml version="1.0" encoding="utf-8"?>
+<p:notes xmlns:a="http://schemas.openxmlformats.org/drawingml/2006/main" xmlns:r="http://schemas.openxmlformats.org/officeDocument/2006/relationships" xmlns:p="http://schemas.openxmlformats.org/presentationml/2006/main" showMasterSp="0" showMasterPhAnim="0">
+  <p:cSld>
+    <p:spTree>
+      <p:nvGrpSpPr>
+        <p:cNvPr id="1" name="Shape 355"/>
+        <p:cNvGrpSpPr/>
+        <p:nvPr/>
+      </p:nvGrpSpPr>
+      <p:grpSpPr>
+        <a:xfrm>
+          <a:off x="0" y="0"/>
+          <a:ext cx="0" cy="0"/>
+          <a:chOff x="0" y="0"/>
+          <a:chExt cx="0" cy="0"/>
+        </a:xfrm>
+      </p:grpSpPr>
+      <p:sp>
+        <p:nvSpPr>
+          <p:cNvPr id="356" name="Google Shape;356;g35f391192_029:notes"/>
+          <p:cNvSpPr>
+            <a:spLocks noGrp="1" noRot="1" noChangeAspect="1"/>
+          </p:cNvSpPr>
+          <p:nvPr>
+            <p:ph type="sldImg" idx="2"/>
+          </p:nvPr>
+        </p:nvSpPr>
+        <p:spPr>
+          <a:xfrm>
+            <a:off x="381000" y="685800"/>
+            <a:ext cx="6096000" cy="3429000"/>
+          </a:xfrm>
+          <a:custGeom>
+            <a:avLst/>
+            <a:gdLst/>
+            <a:ahLst/>
+            <a:cxnLst/>
+            <a:rect l="l" t="t" r="r" b="b"/>
+            <a:pathLst>
+              <a:path w="120000" h="120000" extrusionOk="0">
+                <a:moveTo>
+                  <a:pt x="0" y="0"/>
+                </a:moveTo>
+                <a:lnTo>
+                  <a:pt x="120000" y="0"/>
+                </a:lnTo>
+                <a:lnTo>
+                  <a:pt x="120000" y="120000"/>
+                </a:lnTo>
+                <a:lnTo>
+                  <a:pt x="0" y="120000"/>
+                </a:lnTo>
+                <a:close/>
+              </a:path>
+            </a:pathLst>
+          </a:custGeom>
+        </p:spPr>
+      </p:sp>
+      <p:sp>
+        <p:nvSpPr>
+          <p:cNvPr id="357" name="Google Shape;357;g35f391192_029:notes"/>
+          <p:cNvSpPr txBox="1">
+            <a:spLocks noGrp="1"/>
+          </p:cNvSpPr>
+          <p:nvPr>
+            <p:ph type="body" idx="1"/>
+          </p:nvPr>
+        </p:nvSpPr>
+        <p:spPr>
+          <a:xfrm>
+            <a:off x="685800" y="4343400"/>
+            <a:ext cx="5486400" cy="4114800"/>
+          </a:xfrm>
+          <a:prstGeom prst="rect">
+            <a:avLst/>
+          </a:prstGeom>
+        </p:spPr>
+        <p:txBody>
+          <a:bodyPr spcFirstLastPara="1" wrap="square" lIns="91425" tIns="91425" rIns="91425" bIns="91425" anchor="t" anchorCtr="0">
+            <a:noAutofit/>
+          </a:bodyPr>
+          <a:lstStyle/>
+          <a:p>
+            <a:pPr marL="0" lvl="0" indent="0" algn="l" rtl="0">
+              <a:spcBef>
+                <a:spcPts val="0"/>
+              </a:spcBef>
+              <a:spcAft>
+                <a:spcPts val="0"/>
+              </a:spcAft>
+              <a:buNone/>
+            </a:pPr>
+            <a:endParaRPr/>
+          </a:p>
+        </p:txBody>
+      </p:sp>
+    </p:spTree>
+    <p:extLst>
+      <p:ext uri="{BB962C8B-B14F-4D97-AF65-F5344CB8AC3E}">
         <p14:creationId xmlns:p14="http://schemas.microsoft.com/office/powerpoint/2010/main" val="2142370050"/>
       </p:ext>
     </p:extLst>
@@ -2738,7 +2848,7 @@
 </p:notes>
 </file>
 
-<file path=ppt/notesSlides/notesSlide27.xml><?xml version="1.0" encoding="utf-8"?>
+<file path=ppt/notesSlides/notesSlide28.xml><?xml version="1.0" encoding="utf-8"?>
 <p:notes xmlns:a="http://schemas.openxmlformats.org/drawingml/2006/main" xmlns:r="http://schemas.openxmlformats.org/officeDocument/2006/relationships" xmlns:p="http://schemas.openxmlformats.org/presentationml/2006/main" showMasterSp="0" showMasterPhAnim="0">
   <p:cSld>
     <p:spTree>
@@ -2961,7 +3071,7 @@
   <p:cSld>
     <p:spTree>
       <p:nvGrpSpPr>
-        <p:cNvPr id="1" name="Shape 368"/>
+        <p:cNvPr id="1" name="Shape 355"/>
         <p:cNvGrpSpPr/>
         <p:nvPr/>
       </p:nvGrpSpPr>
@@ -2975,7 +3085,7 @@
       </p:grpSpPr>
       <p:sp>
         <p:nvSpPr>
-          <p:cNvPr id="369" name="Google Shape;369;p:notes"/>
+          <p:cNvPr id="356" name="Google Shape;356;g35f391192_029:notes"/>
           <p:cNvSpPr>
             <a:spLocks noGrp="1" noRot="1" noChangeAspect="1"/>
           </p:cNvSpPr>
@@ -3016,7 +3126,7 @@
       </p:sp>
       <p:sp>
         <p:nvSpPr>
-          <p:cNvPr id="370" name="Google Shape;370;p:notes"/>
+          <p:cNvPr id="357" name="Google Shape;357;g35f391192_029:notes"/>
           <p:cNvSpPr txBox="1">
             <a:spLocks noGrp="1"/>
           </p:cNvSpPr>
@@ -3055,7 +3165,7 @@
     </p:spTree>
     <p:extLst>
       <p:ext uri="{BB962C8B-B14F-4D97-AF65-F5344CB8AC3E}">
-        <p14:creationId xmlns:p14="http://schemas.microsoft.com/office/powerpoint/2010/main" val="2964538724"/>
+        <p14:creationId xmlns:p14="http://schemas.microsoft.com/office/powerpoint/2010/main" val="3402140649"/>
       </p:ext>
     </p:extLst>
   </p:cSld>
@@ -3164,7 +3274,7 @@
     </p:spTree>
     <p:extLst>
       <p:ext uri="{BB962C8B-B14F-4D97-AF65-F5344CB8AC3E}">
-        <p14:creationId xmlns:p14="http://schemas.microsoft.com/office/powerpoint/2010/main" val="576350927"/>
+        <p14:creationId xmlns:p14="http://schemas.microsoft.com/office/powerpoint/2010/main" val="2964538724"/>
       </p:ext>
     </p:extLst>
   </p:cSld>
@@ -3179,7 +3289,7 @@
   <p:cSld>
     <p:spTree>
       <p:nvGrpSpPr>
-        <p:cNvPr id="1" name="Shape 355"/>
+        <p:cNvPr id="1" name="Shape 368"/>
         <p:cNvGrpSpPr/>
         <p:nvPr/>
       </p:nvGrpSpPr>
@@ -3193,7 +3303,7 @@
       </p:grpSpPr>
       <p:sp>
         <p:nvSpPr>
-          <p:cNvPr id="356" name="Google Shape;356;g35f391192_029:notes"/>
+          <p:cNvPr id="369" name="Google Shape;369;p:notes"/>
           <p:cNvSpPr>
             <a:spLocks noGrp="1" noRot="1" noChangeAspect="1"/>
           </p:cNvSpPr>
@@ -3234,7 +3344,7 @@
       </p:sp>
       <p:sp>
         <p:nvSpPr>
-          <p:cNvPr id="357" name="Google Shape;357;g35f391192_029:notes"/>
+          <p:cNvPr id="370" name="Google Shape;370;p:notes"/>
           <p:cNvSpPr txBox="1">
             <a:spLocks noGrp="1"/>
           </p:cNvSpPr>
@@ -3273,7 +3383,7 @@
     </p:spTree>
     <p:extLst>
       <p:ext uri="{BB962C8B-B14F-4D97-AF65-F5344CB8AC3E}">
-        <p14:creationId xmlns:p14="http://schemas.microsoft.com/office/powerpoint/2010/main" val="3863808406"/>
+        <p14:creationId xmlns:p14="http://schemas.microsoft.com/office/powerpoint/2010/main" val="576350927"/>
       </p:ext>
     </p:extLst>
   </p:cSld>
@@ -3382,7 +3492,7 @@
     </p:spTree>
     <p:extLst>
       <p:ext uri="{BB962C8B-B14F-4D97-AF65-F5344CB8AC3E}">
-        <p14:creationId xmlns:p14="http://schemas.microsoft.com/office/powerpoint/2010/main" val="2163143122"/>
+        <p14:creationId xmlns:p14="http://schemas.microsoft.com/office/powerpoint/2010/main" val="3863808406"/>
       </p:ext>
     </p:extLst>
   </p:cSld>
@@ -3491,7 +3601,7 @@
     </p:spTree>
     <p:extLst>
       <p:ext uri="{BB962C8B-B14F-4D97-AF65-F5344CB8AC3E}">
-        <p14:creationId xmlns:p14="http://schemas.microsoft.com/office/powerpoint/2010/main" val="3856960449"/>
+        <p14:creationId xmlns:p14="http://schemas.microsoft.com/office/powerpoint/2010/main" val="2163143122"/>
       </p:ext>
     </p:extLst>
   </p:cSld>
@@ -3600,7 +3710,7 @@
     </p:spTree>
     <p:extLst>
       <p:ext uri="{BB962C8B-B14F-4D97-AF65-F5344CB8AC3E}">
-        <p14:creationId xmlns:p14="http://schemas.microsoft.com/office/powerpoint/2010/main" val="3183325113"/>
+        <p14:creationId xmlns:p14="http://schemas.microsoft.com/office/powerpoint/2010/main" val="3856960449"/>
       </p:ext>
     </p:extLst>
   </p:cSld>
@@ -3836,7 +3946,7 @@
           <a:p>
             <a:fld id="{4BDF68E2-58F2-4D09-BE8B-E3BD06533059}" type="datetimeFigureOut">
               <a:rPr lang="en-US" dirty="0"/>
-              <a:t>2/10/2020</a:t>
+              <a:t>10/17/2020</a:t>
             </a:fld>
             <a:endParaRPr lang="en-US" dirty="0"/>
           </a:p>
@@ -4054,7 +4164,7 @@
           <a:p>
             <a:fld id="{2E2D6473-DF6D-4702-B328-E0DD40540A4E}" type="datetimeFigureOut">
               <a:rPr lang="en-US" dirty="0"/>
-              <a:t>2/10/2020</a:t>
+              <a:t>10/17/2020</a:t>
             </a:fld>
             <a:endParaRPr lang="en-US" dirty="0"/>
           </a:p>
@@ -4320,7 +4430,7 @@
           <a:p>
             <a:fld id="{E26F7E3A-B166-407D-9866-32884E7D5B37}" type="datetimeFigureOut">
               <a:rPr lang="en-US" dirty="0"/>
-              <a:t>2/10/2020</a:t>
+              <a:t>10/17/2020</a:t>
             </a:fld>
             <a:endParaRPr lang="en-US" dirty="0"/>
           </a:p>
@@ -5362,7 +5472,7 @@
           <a:p>
             <a:fld id="{528FC5F6-F338-4AE4-BB23-26385BCFC423}" type="datetimeFigureOut">
               <a:rPr lang="en-US" dirty="0"/>
-              <a:t>2/10/2020</a:t>
+              <a:t>10/17/2020</a:t>
             </a:fld>
             <a:endParaRPr lang="en-US" dirty="0"/>
           </a:p>
@@ -5715,7 +5825,7 @@
           <a:p>
             <a:fld id="{20EBB0C4-6273-4C6E-B9BD-2EDC30F1CD52}" type="datetimeFigureOut">
               <a:rPr lang="en-US" dirty="0"/>
-              <a:t>2/10/2020</a:t>
+              <a:t>10/17/2020</a:t>
             </a:fld>
             <a:endParaRPr lang="en-US" dirty="0"/>
           </a:p>
@@ -6000,7 +6110,7 @@
           <a:p>
             <a:fld id="{19AB4D41-86C1-4908-B66A-0B50CEB3BF29}" type="datetimeFigureOut">
               <a:rPr lang="en-US" dirty="0"/>
-              <a:t>2/10/2020</a:t>
+              <a:t>10/17/2020</a:t>
             </a:fld>
             <a:endParaRPr lang="en-US" dirty="0"/>
           </a:p>
@@ -6389,7 +6499,7 @@
           <a:p>
             <a:fld id="{E6426E2C-56C1-4E0D-A793-0088A7FDD37E}" type="datetimeFigureOut">
               <a:rPr lang="en-US" dirty="0"/>
-              <a:t>2/10/2020</a:t>
+              <a:t>10/17/2020</a:t>
             </a:fld>
             <a:endParaRPr lang="en-US" dirty="0"/>
           </a:p>
@@ -6517,7 +6627,7 @@
           <a:p>
             <a:fld id="{C8C39B41-D8B5-4052-B551-9B5525EAA8B6}" type="datetimeFigureOut">
               <a:rPr lang="en-US" dirty="0"/>
-              <a:t>2/10/2020</a:t>
+              <a:t>10/17/2020</a:t>
             </a:fld>
             <a:endParaRPr lang="en-US" dirty="0"/>
           </a:p>
@@ -6698,7 +6808,7 @@
           <a:p>
             <a:fld id="{4D94136C-8742-45B2-AF27-D93DF72833A9}" type="datetimeFigureOut">
               <a:rPr lang="en-US" dirty="0"/>
-              <a:t>2/10/2020</a:t>
+              <a:t>10/17/2020</a:t>
             </a:fld>
             <a:endParaRPr lang="en-US" dirty="0"/>
           </a:p>
@@ -7062,7 +7172,7 @@
           <a:p>
             <a:fld id="{32ABBEA6-7C60-4B02-AE87-00D78D8422AF}" type="datetimeFigureOut">
               <a:rPr lang="en-US" dirty="0"/>
-              <a:t>2/10/2020</a:t>
+              <a:t>10/17/2020</a:t>
             </a:fld>
             <a:endParaRPr lang="en-US" dirty="0"/>
           </a:p>
@@ -7454,7 +7564,7 @@
           <a:p>
             <a:fld id="{C9CAD897-D46E-4AD2-BD9B-49DD3E640873}" type="datetimeFigureOut">
               <a:rPr lang="en-US" dirty="0"/>
-              <a:t>2/10/2020</a:t>
+              <a:t>10/17/2020</a:t>
             </a:fld>
             <a:endParaRPr lang="en-US" dirty="0"/>
           </a:p>
@@ -7751,7 +7861,7 @@
           <a:p>
             <a:fld id="{98624D31-43A5-475A-80CF-332C9F6DCF35}" type="datetimeFigureOut">
               <a:rPr lang="en-US" dirty="0"/>
-              <a:t>2/10/2020</a:t>
+              <a:t>10/17/2020</a:t>
             </a:fld>
             <a:endParaRPr lang="en-US" dirty="0"/>
           </a:p>
@@ -8400,6 +8510,65 @@
       </p:grpSpPr>
       <p:pic>
         <p:nvPicPr>
+          <p:cNvPr id="3" name="Imagem 2">
+            <a:extLst>
+              <a:ext uri="{FF2B5EF4-FFF2-40B4-BE49-F238E27FC236}">
+                <a16:creationId xmlns:a16="http://schemas.microsoft.com/office/drawing/2014/main" id="{0F252917-ECF4-442A-96AB-395EB7B14D10}"/>
+              </a:ext>
+            </a:extLst>
+          </p:cNvPr>
+          <p:cNvPicPr>
+            <a:picLocks noChangeAspect="1"/>
+          </p:cNvPicPr>
+          <p:nvPr/>
+        </p:nvPicPr>
+        <p:blipFill>
+          <a:blip r:embed="rId3"/>
+          <a:srcRect/>
+          <a:stretch/>
+        </p:blipFill>
+        <p:spPr>
+          <a:xfrm>
+            <a:off x="1095041" y="431150"/>
+            <a:ext cx="6953917" cy="4174408"/>
+          </a:xfrm>
+          <a:prstGeom prst="rect">
+            <a:avLst/>
+          </a:prstGeom>
+        </p:spPr>
+      </p:pic>
+    </p:spTree>
+    <p:extLst>
+      <p:ext uri="{BB962C8B-B14F-4D97-AF65-F5344CB8AC3E}">
+        <p14:creationId xmlns:p14="http://schemas.microsoft.com/office/powerpoint/2010/main" val="3525199110"/>
+      </p:ext>
+    </p:extLst>
+  </p:cSld>
+  <p:clrMapOvr>
+    <a:masterClrMapping/>
+  </p:clrMapOvr>
+</p:sld>
+</file>
+
+<file path=ppt/slides/slide11.xml><?xml version="1.0" encoding="utf-8"?>
+<p:sld xmlns:a="http://schemas.openxmlformats.org/drawingml/2006/main" xmlns:r="http://schemas.openxmlformats.org/officeDocument/2006/relationships" xmlns:p="http://schemas.openxmlformats.org/presentationml/2006/main">
+  <p:cSld>
+    <p:spTree>
+      <p:nvGrpSpPr>
+        <p:cNvPr id="1" name="Shape 358"/>
+        <p:cNvGrpSpPr/>
+        <p:nvPr/>
+      </p:nvGrpSpPr>
+      <p:grpSpPr>
+        <a:xfrm>
+          <a:off x="0" y="0"/>
+          <a:ext cx="0" cy="0"/>
+          <a:chOff x="0" y="0"/>
+          <a:chExt cx="0" cy="0"/>
+        </a:xfrm>
+      </p:grpSpPr>
+      <p:pic>
+        <p:nvPicPr>
           <p:cNvPr id="6" name="Imagem 5">
             <a:extLst>
               <a:ext uri="{FF2B5EF4-FFF2-40B4-BE49-F238E27FC236}">
@@ -8751,7 +8920,7 @@
 </p:sld>
 </file>
 
-<file path=ppt/slides/slide11.xml><?xml version="1.0" encoding="utf-8"?>
+<file path=ppt/slides/slide12.xml><?xml version="1.0" encoding="utf-8"?>
 <p:sld xmlns:a="http://schemas.openxmlformats.org/drawingml/2006/main" xmlns:r="http://schemas.openxmlformats.org/officeDocument/2006/relationships" xmlns:p="http://schemas.openxmlformats.org/presentationml/2006/main">
   <p:cSld>
     <p:spTree>
@@ -8811,7 +8980,7 @@
 </p:sld>
 </file>
 
-<file path=ppt/slides/slide12.xml><?xml version="1.0" encoding="utf-8"?>
+<file path=ppt/slides/slide13.xml><?xml version="1.0" encoding="utf-8"?>
 <p:sld xmlns:a="http://schemas.openxmlformats.org/drawingml/2006/main" xmlns:r="http://schemas.openxmlformats.org/officeDocument/2006/relationships" xmlns:p="http://schemas.openxmlformats.org/presentationml/2006/main">
   <p:cSld>
     <p:bg>
@@ -8877,7 +9046,7 @@
 </p:sld>
 </file>
 
-<file path=ppt/slides/slide13.xml><?xml version="1.0" encoding="utf-8"?>
+<file path=ppt/slides/slide14.xml><?xml version="1.0" encoding="utf-8"?>
 <p:sld xmlns:a="http://schemas.openxmlformats.org/drawingml/2006/main" xmlns:r="http://schemas.openxmlformats.org/officeDocument/2006/relationships" xmlns:p="http://schemas.openxmlformats.org/presentationml/2006/main">
   <p:cSld>
     <p:spTree>
@@ -9414,7 +9583,7 @@
 </p:sld>
 </file>
 
-<file path=ppt/slides/slide14.xml><?xml version="1.0" encoding="utf-8"?>
+<file path=ppt/slides/slide15.xml><?xml version="1.0" encoding="utf-8"?>
 <p:sld xmlns:a="http://schemas.openxmlformats.org/drawingml/2006/main" xmlns:r="http://schemas.openxmlformats.org/officeDocument/2006/relationships" xmlns:p="http://schemas.openxmlformats.org/presentationml/2006/main">
   <p:cSld>
     <p:spTree>
@@ -9594,7 +9763,7 @@
 </p:sld>
 </file>
 
-<file path=ppt/slides/slide15.xml><?xml version="1.0" encoding="utf-8"?>
+<file path=ppt/slides/slide16.xml><?xml version="1.0" encoding="utf-8"?>
 <p:sld xmlns:a="http://schemas.openxmlformats.org/drawingml/2006/main" xmlns:r="http://schemas.openxmlformats.org/officeDocument/2006/relationships" xmlns:p="http://schemas.openxmlformats.org/presentationml/2006/main">
   <p:cSld>
     <p:spTree>
@@ -11133,7 +11302,7 @@
 </p:sld>
 </file>
 
-<file path=ppt/slides/slide16.xml><?xml version="1.0" encoding="utf-8"?>
+<file path=ppt/slides/slide17.xml><?xml version="1.0" encoding="utf-8"?>
 <p:sld xmlns:a="http://schemas.openxmlformats.org/drawingml/2006/main" xmlns:r="http://schemas.openxmlformats.org/officeDocument/2006/relationships" xmlns:p="http://schemas.openxmlformats.org/presentationml/2006/main">
   <p:cSld>
     <p:spTree>
@@ -11192,7 +11361,7 @@
 </p:sld>
 </file>
 
-<file path=ppt/slides/slide17.xml><?xml version="1.0" encoding="utf-8"?>
+<file path=ppt/slides/slide18.xml><?xml version="1.0" encoding="utf-8"?>
 <p:sld xmlns:a="http://schemas.openxmlformats.org/drawingml/2006/main" xmlns:r="http://schemas.openxmlformats.org/officeDocument/2006/relationships" xmlns:p="http://schemas.openxmlformats.org/presentationml/2006/main">
   <p:cSld>
     <p:spTree>
@@ -11757,65 +11926,6 @@
 </p:sld>
 </file>
 
-<file path=ppt/slides/slide18.xml><?xml version="1.0" encoding="utf-8"?>
-<p:sld xmlns:a="http://schemas.openxmlformats.org/drawingml/2006/main" xmlns:r="http://schemas.openxmlformats.org/officeDocument/2006/relationships" xmlns:p="http://schemas.openxmlformats.org/presentationml/2006/main">
-  <p:cSld>
-    <p:spTree>
-      <p:nvGrpSpPr>
-        <p:cNvPr id="1" name="Shape 358"/>
-        <p:cNvGrpSpPr/>
-        <p:nvPr/>
-      </p:nvGrpSpPr>
-      <p:grpSpPr>
-        <a:xfrm>
-          <a:off x="0" y="0"/>
-          <a:ext cx="0" cy="0"/>
-          <a:chOff x="0" y="0"/>
-          <a:chExt cx="0" cy="0"/>
-        </a:xfrm>
-      </p:grpSpPr>
-      <p:pic>
-        <p:nvPicPr>
-          <p:cNvPr id="3" name="Imagem 2">
-            <a:extLst>
-              <a:ext uri="{FF2B5EF4-FFF2-40B4-BE49-F238E27FC236}">
-                <a16:creationId xmlns:a16="http://schemas.microsoft.com/office/drawing/2014/main" id="{0F252917-ECF4-442A-96AB-395EB7B14D10}"/>
-              </a:ext>
-            </a:extLst>
-          </p:cNvPr>
-          <p:cNvPicPr>
-            <a:picLocks noChangeAspect="1"/>
-          </p:cNvPicPr>
-          <p:nvPr/>
-        </p:nvPicPr>
-        <p:blipFill>
-          <a:blip r:embed="rId3"/>
-          <a:srcRect/>
-          <a:stretch/>
-        </p:blipFill>
-        <p:spPr>
-          <a:xfrm>
-            <a:off x="1095042" y="431150"/>
-            <a:ext cx="6953915" cy="4174408"/>
-          </a:xfrm>
-          <a:prstGeom prst="rect">
-            <a:avLst/>
-          </a:prstGeom>
-        </p:spPr>
-      </p:pic>
-    </p:spTree>
-    <p:extLst>
-      <p:ext uri="{BB962C8B-B14F-4D97-AF65-F5344CB8AC3E}">
-        <p14:creationId xmlns:p14="http://schemas.microsoft.com/office/powerpoint/2010/main" val="3089370334"/>
-      </p:ext>
-    </p:extLst>
-  </p:cSld>
-  <p:clrMapOvr>
-    <a:masterClrMapping/>
-  </p:clrMapOvr>
-</p:sld>
-</file>
-
 <file path=ppt/slides/slide19.xml><?xml version="1.0" encoding="utf-8"?>
 <p:sld xmlns:a="http://schemas.openxmlformats.org/drawingml/2006/main" xmlns:r="http://schemas.openxmlformats.org/officeDocument/2006/relationships" xmlns:p="http://schemas.openxmlformats.org/presentationml/2006/main">
   <p:cSld>
@@ -11865,7 +11975,7 @@
     </p:spTree>
     <p:extLst>
       <p:ext uri="{BB962C8B-B14F-4D97-AF65-F5344CB8AC3E}">
-        <p14:creationId xmlns:p14="http://schemas.microsoft.com/office/powerpoint/2010/main" val="2823612099"/>
+        <p14:creationId xmlns:p14="http://schemas.microsoft.com/office/powerpoint/2010/main" val="3089370334"/>
       </p:ext>
     </p:extLst>
   </p:cSld>
@@ -12281,68 +12391,8 @@
         </p:blipFill>
         <p:spPr>
           <a:xfrm>
-            <a:off x="3154468" y="729637"/>
+            <a:off x="3154468" y="933150"/>
             <a:ext cx="3482360" cy="1957871"/>
-          </a:xfrm>
-          <a:prstGeom prst="rect">
-            <a:avLst/>
-          </a:prstGeom>
-        </p:spPr>
-      </p:pic>
-      <p:pic>
-        <p:nvPicPr>
-          <p:cNvPr id="8" name="Imagem 7">
-            <a:extLst>
-              <a:ext uri="{FF2B5EF4-FFF2-40B4-BE49-F238E27FC236}">
-                <a16:creationId xmlns:a16="http://schemas.microsoft.com/office/drawing/2014/main" id="{90008BBE-F72F-4FB7-9D54-B7768EDB93E0}"/>
-              </a:ext>
-            </a:extLst>
-          </p:cNvPr>
-          <p:cNvPicPr>
-            <a:picLocks noChangeAspect="1"/>
-          </p:cNvPicPr>
-          <p:nvPr/>
-        </p:nvPicPr>
-        <p:blipFill>
-          <a:blip r:embed="rId4"/>
-          <a:stretch>
-            <a:fillRect/>
-          </a:stretch>
-        </p:blipFill>
-        <p:spPr>
-          <a:xfrm>
-            <a:off x="3154468" y="2056345"/>
-            <a:ext cx="2533358" cy="631163"/>
-          </a:xfrm>
-          <a:prstGeom prst="rect">
-            <a:avLst/>
-          </a:prstGeom>
-        </p:spPr>
-      </p:pic>
-      <p:pic>
-        <p:nvPicPr>
-          <p:cNvPr id="11" name="Imagem 10">
-            <a:extLst>
-              <a:ext uri="{FF2B5EF4-FFF2-40B4-BE49-F238E27FC236}">
-                <a16:creationId xmlns:a16="http://schemas.microsoft.com/office/drawing/2014/main" id="{5A6EFF9A-658F-4A70-9383-7EF936F56B66}"/>
-              </a:ext>
-            </a:extLst>
-          </p:cNvPr>
-          <p:cNvPicPr>
-            <a:picLocks noChangeAspect="1"/>
-          </p:cNvPicPr>
-          <p:nvPr/>
-        </p:nvPicPr>
-        <p:blipFill>
-          <a:blip r:embed="rId5"/>
-          <a:stretch>
-            <a:fillRect/>
-          </a:stretch>
-        </p:blipFill>
-        <p:spPr>
-          <a:xfrm>
-            <a:off x="0" y="2812015"/>
-            <a:ext cx="3010122" cy="1599734"/>
           </a:xfrm>
           <a:prstGeom prst="rect">
             <a:avLst/>
@@ -12364,14 +12414,14 @@
           <p:nvPr/>
         </p:nvPicPr>
         <p:blipFill>
-          <a:blip r:embed="rId6"/>
+          <a:blip r:embed="rId4"/>
           <a:stretch>
             <a:fillRect/>
           </a:stretch>
         </p:blipFill>
         <p:spPr>
           <a:xfrm>
-            <a:off x="3175279" y="2629629"/>
+            <a:off x="3230668" y="2325060"/>
             <a:ext cx="2512547" cy="812652"/>
           </a:xfrm>
           <a:prstGeom prst="rect">
@@ -12394,7 +12444,7 @@
           <p:nvPr/>
         </p:nvPicPr>
         <p:blipFill>
-          <a:blip r:embed="rId7"/>
+          <a:blip r:embed="rId5"/>
           <a:stretch>
             <a:fillRect/>
           </a:stretch>
@@ -12403,6 +12453,36 @@
           <a:xfrm>
             <a:off x="472140" y="389522"/>
             <a:ext cx="2062276" cy="2062276"/>
+          </a:xfrm>
+          <a:prstGeom prst="rect">
+            <a:avLst/>
+          </a:prstGeom>
+        </p:spPr>
+      </p:pic>
+      <p:pic>
+        <p:nvPicPr>
+          <p:cNvPr id="4" name="Imagem 3">
+            <a:extLst>
+              <a:ext uri="{FF2B5EF4-FFF2-40B4-BE49-F238E27FC236}">
+                <a16:creationId xmlns:a16="http://schemas.microsoft.com/office/drawing/2014/main" id="{50C9622D-DB67-4A91-A384-A962122455B8}"/>
+              </a:ext>
+            </a:extLst>
+          </p:cNvPr>
+          <p:cNvPicPr>
+            <a:picLocks noChangeAspect="1"/>
+          </p:cNvPicPr>
+          <p:nvPr/>
+        </p:nvPicPr>
+        <p:blipFill>
+          <a:blip r:embed="rId6"/>
+          <a:stretch>
+            <a:fillRect/>
+          </a:stretch>
+        </p:blipFill>
+        <p:spPr>
+          <a:xfrm>
+            <a:off x="275842" y="2891021"/>
+            <a:ext cx="2454871" cy="1370902"/>
           </a:xfrm>
           <a:prstGeom prst="rect">
             <a:avLst/>
@@ -12466,6 +12546,65 @@
     </p:spTree>
     <p:extLst>
       <p:ext uri="{BB962C8B-B14F-4D97-AF65-F5344CB8AC3E}">
+        <p14:creationId xmlns:p14="http://schemas.microsoft.com/office/powerpoint/2010/main" val="2823612099"/>
+      </p:ext>
+    </p:extLst>
+  </p:cSld>
+  <p:clrMapOvr>
+    <a:masterClrMapping/>
+  </p:clrMapOvr>
+</p:sld>
+</file>
+
+<file path=ppt/slides/slide21.xml><?xml version="1.0" encoding="utf-8"?>
+<p:sld xmlns:a="http://schemas.openxmlformats.org/drawingml/2006/main" xmlns:r="http://schemas.openxmlformats.org/officeDocument/2006/relationships" xmlns:p="http://schemas.openxmlformats.org/presentationml/2006/main">
+  <p:cSld>
+    <p:spTree>
+      <p:nvGrpSpPr>
+        <p:cNvPr id="1" name="Shape 358"/>
+        <p:cNvGrpSpPr/>
+        <p:nvPr/>
+      </p:nvGrpSpPr>
+      <p:grpSpPr>
+        <a:xfrm>
+          <a:off x="0" y="0"/>
+          <a:ext cx="0" cy="0"/>
+          <a:chOff x="0" y="0"/>
+          <a:chExt cx="0" cy="0"/>
+        </a:xfrm>
+      </p:grpSpPr>
+      <p:pic>
+        <p:nvPicPr>
+          <p:cNvPr id="3" name="Imagem 2">
+            <a:extLst>
+              <a:ext uri="{FF2B5EF4-FFF2-40B4-BE49-F238E27FC236}">
+                <a16:creationId xmlns:a16="http://schemas.microsoft.com/office/drawing/2014/main" id="{0F252917-ECF4-442A-96AB-395EB7B14D10}"/>
+              </a:ext>
+            </a:extLst>
+          </p:cNvPr>
+          <p:cNvPicPr>
+            <a:picLocks noChangeAspect="1"/>
+          </p:cNvPicPr>
+          <p:nvPr/>
+        </p:nvPicPr>
+        <p:blipFill>
+          <a:blip r:embed="rId3"/>
+          <a:srcRect/>
+          <a:stretch/>
+        </p:blipFill>
+        <p:spPr>
+          <a:xfrm>
+            <a:off x="1095042" y="431150"/>
+            <a:ext cx="6953915" cy="4174408"/>
+          </a:xfrm>
+          <a:prstGeom prst="rect">
+            <a:avLst/>
+          </a:prstGeom>
+        </p:spPr>
+      </p:pic>
+    </p:spTree>
+    <p:extLst>
+      <p:ext uri="{BB962C8B-B14F-4D97-AF65-F5344CB8AC3E}">
         <p14:creationId xmlns:p14="http://schemas.microsoft.com/office/powerpoint/2010/main" val="3399758902"/>
       </p:ext>
     </p:extLst>
@@ -12476,7 +12615,7 @@
 </p:sld>
 </file>
 
-<file path=ppt/slides/slide21.xml><?xml version="1.0" encoding="utf-8"?>
+<file path=ppt/slides/slide22.xml><?xml version="1.0" encoding="utf-8"?>
 <p:sld xmlns:a="http://schemas.openxmlformats.org/drawingml/2006/main" xmlns:r="http://schemas.openxmlformats.org/officeDocument/2006/relationships" xmlns:p="http://schemas.openxmlformats.org/presentationml/2006/main">
   <p:cSld>
     <p:spTree>
@@ -12599,7 +12738,7 @@
 </p:sld>
 </file>
 
-<file path=ppt/slides/slide22.xml><?xml version="1.0" encoding="utf-8"?>
+<file path=ppt/slides/slide23.xml><?xml version="1.0" encoding="utf-8"?>
 <p:sld xmlns:a="http://schemas.openxmlformats.org/drawingml/2006/main" xmlns:r="http://schemas.openxmlformats.org/officeDocument/2006/relationships" xmlns:p="http://schemas.openxmlformats.org/presentationml/2006/main">
   <p:cSld>
     <p:spTree>
@@ -12659,7 +12798,7 @@
 </p:sld>
 </file>
 
-<file path=ppt/slides/slide23.xml><?xml version="1.0" encoding="utf-8"?>
+<file path=ppt/slides/slide24.xml><?xml version="1.0" encoding="utf-8"?>
 <p:sld xmlns:a="http://schemas.openxmlformats.org/drawingml/2006/main" xmlns:r="http://schemas.openxmlformats.org/officeDocument/2006/relationships" xmlns:p="http://schemas.openxmlformats.org/presentationml/2006/main">
   <p:cSld>
     <p:spTree>
@@ -12718,7 +12857,7 @@
 </p:sld>
 </file>
 
-<file path=ppt/slides/slide24.xml><?xml version="1.0" encoding="utf-8"?>
+<file path=ppt/slides/slide25.xml><?xml version="1.0" encoding="utf-8"?>
 <p:sld xmlns:a="http://schemas.openxmlformats.org/drawingml/2006/main" xmlns:r="http://schemas.openxmlformats.org/officeDocument/2006/relationships" xmlns:p="http://schemas.openxmlformats.org/presentationml/2006/main">
   <p:cSld>
     <p:spTree>
@@ -13705,65 +13844,6 @@
 </p:sld>
 </file>
 
-<file path=ppt/slides/slide25.xml><?xml version="1.0" encoding="utf-8"?>
-<p:sld xmlns:a="http://schemas.openxmlformats.org/drawingml/2006/main" xmlns:r="http://schemas.openxmlformats.org/officeDocument/2006/relationships" xmlns:p="http://schemas.openxmlformats.org/presentationml/2006/main">
-  <p:cSld>
-    <p:spTree>
-      <p:nvGrpSpPr>
-        <p:cNvPr id="1" name="Shape 358"/>
-        <p:cNvGrpSpPr/>
-        <p:nvPr/>
-      </p:nvGrpSpPr>
-      <p:grpSpPr>
-        <a:xfrm>
-          <a:off x="0" y="0"/>
-          <a:ext cx="0" cy="0"/>
-          <a:chOff x="0" y="0"/>
-          <a:chExt cx="0" cy="0"/>
-        </a:xfrm>
-      </p:grpSpPr>
-      <p:pic>
-        <p:nvPicPr>
-          <p:cNvPr id="3" name="Imagem 2">
-            <a:extLst>
-              <a:ext uri="{FF2B5EF4-FFF2-40B4-BE49-F238E27FC236}">
-                <a16:creationId xmlns:a16="http://schemas.microsoft.com/office/drawing/2014/main" id="{0F252917-ECF4-442A-96AB-395EB7B14D10}"/>
-              </a:ext>
-            </a:extLst>
-          </p:cNvPr>
-          <p:cNvPicPr>
-            <a:picLocks noChangeAspect="1"/>
-          </p:cNvPicPr>
-          <p:nvPr/>
-        </p:nvPicPr>
-        <p:blipFill>
-          <a:blip r:embed="rId3"/>
-          <a:srcRect/>
-          <a:stretch/>
-        </p:blipFill>
-        <p:spPr>
-          <a:xfrm>
-            <a:off x="1095042" y="439533"/>
-            <a:ext cx="6953915" cy="4113825"/>
-          </a:xfrm>
-          <a:prstGeom prst="rect">
-            <a:avLst/>
-          </a:prstGeom>
-        </p:spPr>
-      </p:pic>
-    </p:spTree>
-    <p:extLst>
-      <p:ext uri="{BB962C8B-B14F-4D97-AF65-F5344CB8AC3E}">
-        <p14:creationId xmlns:p14="http://schemas.microsoft.com/office/powerpoint/2010/main" val="2467578592"/>
-      </p:ext>
-    </p:extLst>
-  </p:cSld>
-  <p:clrMapOvr>
-    <a:masterClrMapping/>
-  </p:clrMapOvr>
-</p:sld>
-</file>
-
 <file path=ppt/slides/slide26.xml><?xml version="1.0" encoding="utf-8"?>
 <p:sld xmlns:a="http://schemas.openxmlformats.org/drawingml/2006/main" xmlns:r="http://schemas.openxmlformats.org/officeDocument/2006/relationships" xmlns:p="http://schemas.openxmlformats.org/presentationml/2006/main">
   <p:cSld>
@@ -13802,8 +13882,8 @@
         </p:blipFill>
         <p:spPr>
           <a:xfrm>
-            <a:off x="152389" y="497538"/>
-            <a:ext cx="8839222" cy="4148423"/>
+            <a:off x="1095042" y="439533"/>
+            <a:ext cx="6953915" cy="4113825"/>
           </a:xfrm>
           <a:prstGeom prst="rect">
             <a:avLst/>
@@ -13813,7 +13893,7 @@
     </p:spTree>
     <p:extLst>
       <p:ext uri="{BB962C8B-B14F-4D97-AF65-F5344CB8AC3E}">
-        <p14:creationId xmlns:p14="http://schemas.microsoft.com/office/powerpoint/2010/main" val="653007451"/>
+        <p14:creationId xmlns:p14="http://schemas.microsoft.com/office/powerpoint/2010/main" val="2467578592"/>
       </p:ext>
     </p:extLst>
   </p:cSld>
@@ -13861,6 +13941,65 @@
         </p:blipFill>
         <p:spPr>
           <a:xfrm>
+            <a:off x="152389" y="497538"/>
+            <a:ext cx="8839222" cy="4148423"/>
+          </a:xfrm>
+          <a:prstGeom prst="rect">
+            <a:avLst/>
+          </a:prstGeom>
+        </p:spPr>
+      </p:pic>
+    </p:spTree>
+    <p:extLst>
+      <p:ext uri="{BB962C8B-B14F-4D97-AF65-F5344CB8AC3E}">
+        <p14:creationId xmlns:p14="http://schemas.microsoft.com/office/powerpoint/2010/main" val="653007451"/>
+      </p:ext>
+    </p:extLst>
+  </p:cSld>
+  <p:clrMapOvr>
+    <a:masterClrMapping/>
+  </p:clrMapOvr>
+</p:sld>
+</file>
+
+<file path=ppt/slides/slide28.xml><?xml version="1.0" encoding="utf-8"?>
+<p:sld xmlns:a="http://schemas.openxmlformats.org/drawingml/2006/main" xmlns:r="http://schemas.openxmlformats.org/officeDocument/2006/relationships" xmlns:p="http://schemas.openxmlformats.org/presentationml/2006/main">
+  <p:cSld>
+    <p:spTree>
+      <p:nvGrpSpPr>
+        <p:cNvPr id="1" name="Shape 358"/>
+        <p:cNvGrpSpPr/>
+        <p:nvPr/>
+      </p:nvGrpSpPr>
+      <p:grpSpPr>
+        <a:xfrm>
+          <a:off x="0" y="0"/>
+          <a:ext cx="0" cy="0"/>
+          <a:chOff x="0" y="0"/>
+          <a:chExt cx="0" cy="0"/>
+        </a:xfrm>
+      </p:grpSpPr>
+      <p:pic>
+        <p:nvPicPr>
+          <p:cNvPr id="3" name="Imagem 2">
+            <a:extLst>
+              <a:ext uri="{FF2B5EF4-FFF2-40B4-BE49-F238E27FC236}">
+                <a16:creationId xmlns:a16="http://schemas.microsoft.com/office/drawing/2014/main" id="{0F252917-ECF4-442A-96AB-395EB7B14D10}"/>
+              </a:ext>
+            </a:extLst>
+          </p:cNvPr>
+          <p:cNvPicPr>
+            <a:picLocks noChangeAspect="1"/>
+          </p:cNvPicPr>
+          <p:nvPr/>
+        </p:nvPicPr>
+        <p:blipFill>
+          <a:blip r:embed="rId3"/>
+          <a:srcRect/>
+          <a:stretch/>
+        </p:blipFill>
+        <p:spPr>
+          <a:xfrm>
             <a:off x="1095042" y="431150"/>
             <a:ext cx="6953915" cy="4174408"/>
           </a:xfrm>
@@ -13882,7 +14021,7 @@
 </p:sld>
 </file>
 
-<file path=ppt/slides/slide28.xml><?xml version="1.0" encoding="utf-8"?>
+<file path=ppt/slides/slide29.xml><?xml version="1.0" encoding="utf-8"?>
 <p:sld xmlns:a="http://schemas.openxmlformats.org/drawingml/2006/main" xmlns:r="http://schemas.openxmlformats.org/officeDocument/2006/relationships" xmlns:p="http://schemas.openxmlformats.org/presentationml/2006/main">
   <p:cSld>
     <p:spTree>
@@ -13959,6 +14098,679 @@
           <a:chExt cx="0" cy="0"/>
         </a:xfrm>
       </p:grpSpPr>
+      <p:sp>
+        <p:nvSpPr>
+          <p:cNvPr id="2" name="Retângulo: Cantos Arredondados 1">
+            <a:extLst>
+              <a:ext uri="{FF2B5EF4-FFF2-40B4-BE49-F238E27FC236}">
+                <a16:creationId xmlns:a16="http://schemas.microsoft.com/office/drawing/2014/main" id="{2FD38E81-79E8-4013-A607-01D74738A5AF}"/>
+              </a:ext>
+            </a:extLst>
+          </p:cNvPr>
+          <p:cNvSpPr/>
+          <p:nvPr/>
+        </p:nvSpPr>
+        <p:spPr>
+          <a:xfrm>
+            <a:off x="3302000" y="1187450"/>
+            <a:ext cx="844550" cy="2501900"/>
+          </a:xfrm>
+          <a:prstGeom prst="roundRect">
+            <a:avLst/>
+          </a:prstGeom>
+        </p:spPr>
+        <p:style>
+          <a:lnRef idx="2">
+            <a:schemeClr val="accent1">
+              <a:shade val="50000"/>
+            </a:schemeClr>
+          </a:lnRef>
+          <a:fillRef idx="1">
+            <a:schemeClr val="accent1"/>
+          </a:fillRef>
+          <a:effectRef idx="0">
+            <a:schemeClr val="accent1"/>
+          </a:effectRef>
+          <a:fontRef idx="minor">
+            <a:schemeClr val="lt1"/>
+          </a:fontRef>
+        </p:style>
+        <p:txBody>
+          <a:bodyPr vert="wordArtVert" rtlCol="0" anchor="ctr"/>
+          <a:lstStyle/>
+          <a:p>
+            <a:pPr algn="ctr"/>
+            <a:endParaRPr lang="pt-BR" sz="1600" dirty="0">
+              <a:latin typeface="Roboto" panose="020B0604020202020204" charset="0"/>
+              <a:ea typeface="Roboto" panose="020B0604020202020204" charset="0"/>
+            </a:endParaRPr>
+          </a:p>
+        </p:txBody>
+      </p:sp>
+      <p:sp>
+        <p:nvSpPr>
+          <p:cNvPr id="5" name="Retângulo: Cantos Arredondados 4">
+            <a:extLst>
+              <a:ext uri="{FF2B5EF4-FFF2-40B4-BE49-F238E27FC236}">
+                <a16:creationId xmlns:a16="http://schemas.microsoft.com/office/drawing/2014/main" id="{31769AFB-7D52-40AC-B38E-3DD4E1756124}"/>
+              </a:ext>
+            </a:extLst>
+          </p:cNvPr>
+          <p:cNvSpPr/>
+          <p:nvPr/>
+        </p:nvSpPr>
+        <p:spPr>
+          <a:xfrm>
+            <a:off x="5740402" y="1187450"/>
+            <a:ext cx="844550" cy="2501900"/>
+          </a:xfrm>
+          <a:prstGeom prst="roundRect">
+            <a:avLst/>
+          </a:prstGeom>
+        </p:spPr>
+        <p:style>
+          <a:lnRef idx="2">
+            <a:schemeClr val="accent4">
+              <a:shade val="50000"/>
+            </a:schemeClr>
+          </a:lnRef>
+          <a:fillRef idx="1">
+            <a:schemeClr val="accent4"/>
+          </a:fillRef>
+          <a:effectRef idx="0">
+            <a:schemeClr val="accent4"/>
+          </a:effectRef>
+          <a:fontRef idx="minor">
+            <a:schemeClr val="lt1"/>
+          </a:fontRef>
+        </p:style>
+        <p:txBody>
+          <a:bodyPr vert="wordArtVert" rtlCol="0" anchor="ctr"/>
+          <a:lstStyle/>
+          <a:p>
+            <a:pPr algn="ctr"/>
+            <a:endParaRPr lang="pt-BR" sz="1600" dirty="0">
+              <a:latin typeface="Roboto" panose="020B0604020202020204" charset="0"/>
+              <a:ea typeface="Roboto" panose="020B0604020202020204" charset="0"/>
+            </a:endParaRPr>
+          </a:p>
+        </p:txBody>
+      </p:sp>
+      <p:sp>
+        <p:nvSpPr>
+          <p:cNvPr id="7" name="Retângulo: Cantos Arredondados 6">
+            <a:extLst>
+              <a:ext uri="{FF2B5EF4-FFF2-40B4-BE49-F238E27FC236}">
+                <a16:creationId xmlns:a16="http://schemas.microsoft.com/office/drawing/2014/main" id="{1D6F39D5-36BA-4C9F-8C40-B808C2EAE575}"/>
+              </a:ext>
+            </a:extLst>
+          </p:cNvPr>
+          <p:cNvSpPr/>
+          <p:nvPr/>
+        </p:nvSpPr>
+        <p:spPr>
+          <a:xfrm>
+            <a:off x="4521201" y="1187450"/>
+            <a:ext cx="844550" cy="2501900"/>
+          </a:xfrm>
+          <a:prstGeom prst="roundRect">
+            <a:avLst/>
+          </a:prstGeom>
+        </p:spPr>
+        <p:style>
+          <a:lnRef idx="2">
+            <a:schemeClr val="accent2">
+              <a:shade val="50000"/>
+            </a:schemeClr>
+          </a:lnRef>
+          <a:fillRef idx="1">
+            <a:schemeClr val="accent2"/>
+          </a:fillRef>
+          <a:effectRef idx="0">
+            <a:schemeClr val="accent2"/>
+          </a:effectRef>
+          <a:fontRef idx="minor">
+            <a:schemeClr val="lt1"/>
+          </a:fontRef>
+        </p:style>
+        <p:txBody>
+          <a:bodyPr vert="wordArtVert" rtlCol="0" anchor="ctr"/>
+          <a:lstStyle/>
+          <a:p>
+            <a:pPr algn="ctr"/>
+            <a:endParaRPr lang="pt-BR" sz="1600" dirty="0">
+              <a:latin typeface="Roboto" panose="020B0604020202020204" charset="0"/>
+              <a:ea typeface="Roboto" panose="020B0604020202020204" charset="0"/>
+            </a:endParaRPr>
+          </a:p>
+        </p:txBody>
+      </p:sp>
+      <p:cxnSp>
+        <p:nvCxnSpPr>
+          <p:cNvPr id="9" name="Conector de Seta Reta 8">
+            <a:extLst>
+              <a:ext uri="{FF2B5EF4-FFF2-40B4-BE49-F238E27FC236}">
+                <a16:creationId xmlns:a16="http://schemas.microsoft.com/office/drawing/2014/main" id="{71A9C160-00E6-45F9-B916-04A466426723}"/>
+              </a:ext>
+            </a:extLst>
+          </p:cNvPr>
+          <p:cNvCxnSpPr/>
+          <p:nvPr/>
+        </p:nvCxnSpPr>
+        <p:spPr>
+          <a:xfrm>
+            <a:off x="4216400" y="2444750"/>
+            <a:ext cx="247650" cy="0"/>
+          </a:xfrm>
+          <a:prstGeom prst="straightConnector1">
+            <a:avLst/>
+          </a:prstGeom>
+          <a:ln>
+            <a:solidFill>
+              <a:schemeClr val="tx1"/>
+            </a:solidFill>
+            <a:tailEnd type="triangle"/>
+          </a:ln>
+        </p:spPr>
+        <p:style>
+          <a:lnRef idx="1">
+            <a:schemeClr val="accent1"/>
+          </a:lnRef>
+          <a:fillRef idx="0">
+            <a:schemeClr val="accent1"/>
+          </a:fillRef>
+          <a:effectRef idx="0">
+            <a:schemeClr val="accent1"/>
+          </a:effectRef>
+          <a:fontRef idx="minor">
+            <a:schemeClr val="tx1"/>
+          </a:fontRef>
+        </p:style>
+      </p:cxnSp>
+      <p:cxnSp>
+        <p:nvCxnSpPr>
+          <p:cNvPr id="10" name="Conector de Seta Reta 9">
+            <a:extLst>
+              <a:ext uri="{FF2B5EF4-FFF2-40B4-BE49-F238E27FC236}">
+                <a16:creationId xmlns:a16="http://schemas.microsoft.com/office/drawing/2014/main" id="{C6D88F11-F364-45C7-98B4-A5F32165D3EB}"/>
+              </a:ext>
+            </a:extLst>
+          </p:cNvPr>
+          <p:cNvCxnSpPr/>
+          <p:nvPr/>
+        </p:nvCxnSpPr>
+        <p:spPr>
+          <a:xfrm>
+            <a:off x="5429250" y="2438400"/>
+            <a:ext cx="247650" cy="0"/>
+          </a:xfrm>
+          <a:prstGeom prst="straightConnector1">
+            <a:avLst/>
+          </a:prstGeom>
+          <a:ln>
+            <a:solidFill>
+              <a:schemeClr val="tx1"/>
+            </a:solidFill>
+            <a:tailEnd type="triangle"/>
+          </a:ln>
+        </p:spPr>
+        <p:style>
+          <a:lnRef idx="1">
+            <a:schemeClr val="accent1"/>
+          </a:lnRef>
+          <a:fillRef idx="0">
+            <a:schemeClr val="accent1"/>
+          </a:fillRef>
+          <a:effectRef idx="0">
+            <a:schemeClr val="accent1"/>
+          </a:effectRef>
+          <a:fontRef idx="minor">
+            <a:schemeClr val="tx1"/>
+          </a:fontRef>
+        </p:style>
+      </p:cxnSp>
+      <p:cxnSp>
+        <p:nvCxnSpPr>
+          <p:cNvPr id="11" name="Conector de Seta Reta 10">
+            <a:extLst>
+              <a:ext uri="{FF2B5EF4-FFF2-40B4-BE49-F238E27FC236}">
+                <a16:creationId xmlns:a16="http://schemas.microsoft.com/office/drawing/2014/main" id="{8EA1AD56-7FF3-4B4C-BF50-77D8AD7F69F5}"/>
+              </a:ext>
+            </a:extLst>
+          </p:cNvPr>
+          <p:cNvCxnSpPr/>
+          <p:nvPr/>
+        </p:nvCxnSpPr>
+        <p:spPr>
+          <a:xfrm>
+            <a:off x="6654800" y="2444750"/>
+            <a:ext cx="247650" cy="0"/>
+          </a:xfrm>
+          <a:prstGeom prst="straightConnector1">
+            <a:avLst/>
+          </a:prstGeom>
+          <a:ln>
+            <a:solidFill>
+              <a:schemeClr val="tx1"/>
+            </a:solidFill>
+            <a:tailEnd type="triangle"/>
+          </a:ln>
+        </p:spPr>
+        <p:style>
+          <a:lnRef idx="1">
+            <a:schemeClr val="accent1"/>
+          </a:lnRef>
+          <a:fillRef idx="0">
+            <a:schemeClr val="accent1"/>
+          </a:fillRef>
+          <a:effectRef idx="0">
+            <a:schemeClr val="accent1"/>
+          </a:effectRef>
+          <a:fontRef idx="minor">
+            <a:schemeClr val="tx1"/>
+          </a:fontRef>
+        </p:style>
+      </p:cxnSp>
+      <p:pic>
+        <p:nvPicPr>
+          <p:cNvPr id="13" name="Imagem 12">
+            <a:extLst>
+              <a:ext uri="{FF2B5EF4-FFF2-40B4-BE49-F238E27FC236}">
+                <a16:creationId xmlns:a16="http://schemas.microsoft.com/office/drawing/2014/main" id="{5BEB3C49-899F-42C4-B858-AE6696B17BFF}"/>
+              </a:ext>
+            </a:extLst>
+          </p:cNvPr>
+          <p:cNvPicPr>
+            <a:picLocks noChangeAspect="1"/>
+          </p:cNvPicPr>
+          <p:nvPr/>
+        </p:nvPicPr>
+        <p:blipFill>
+          <a:blip r:embed="rId3"/>
+          <a:stretch>
+            <a:fillRect/>
+          </a:stretch>
+        </p:blipFill>
+        <p:spPr>
+          <a:xfrm>
+            <a:off x="6959603" y="1949450"/>
+            <a:ext cx="990599" cy="990599"/>
+          </a:xfrm>
+          <a:prstGeom prst="rect">
+            <a:avLst/>
+          </a:prstGeom>
+        </p:spPr>
+      </p:pic>
+      <p:pic>
+        <p:nvPicPr>
+          <p:cNvPr id="15" name="Imagem 14">
+            <a:extLst>
+              <a:ext uri="{FF2B5EF4-FFF2-40B4-BE49-F238E27FC236}">
+                <a16:creationId xmlns:a16="http://schemas.microsoft.com/office/drawing/2014/main" id="{0D6075EE-4930-4CBA-9516-FF66634CFF86}"/>
+              </a:ext>
+            </a:extLst>
+          </p:cNvPr>
+          <p:cNvPicPr>
+            <a:picLocks noChangeAspect="1"/>
+          </p:cNvPicPr>
+          <p:nvPr/>
+        </p:nvPicPr>
+        <p:blipFill>
+          <a:blip r:embed="rId4"/>
+          <a:stretch>
+            <a:fillRect/>
+          </a:stretch>
+        </p:blipFill>
+        <p:spPr>
+          <a:xfrm>
+            <a:off x="1311035" y="1754255"/>
+            <a:ext cx="1054120" cy="1334821"/>
+          </a:xfrm>
+          <a:prstGeom prst="rect">
+            <a:avLst/>
+          </a:prstGeom>
+        </p:spPr>
+      </p:pic>
+      <p:cxnSp>
+        <p:nvCxnSpPr>
+          <p:cNvPr id="16" name="Conector de Seta Reta 15">
+            <a:extLst>
+              <a:ext uri="{FF2B5EF4-FFF2-40B4-BE49-F238E27FC236}">
+                <a16:creationId xmlns:a16="http://schemas.microsoft.com/office/drawing/2014/main" id="{9922894B-E720-4061-89FE-A1D2C1989ADD}"/>
+              </a:ext>
+            </a:extLst>
+          </p:cNvPr>
+          <p:cNvCxnSpPr>
+            <a:cxnSpLocks/>
+          </p:cNvCxnSpPr>
+          <p:nvPr/>
+        </p:nvCxnSpPr>
+        <p:spPr>
+          <a:xfrm flipV="1">
+            <a:off x="2406650" y="2438400"/>
+            <a:ext cx="698500" cy="6350"/>
+          </a:xfrm>
+          <a:prstGeom prst="straightConnector1">
+            <a:avLst/>
+          </a:prstGeom>
+          <a:ln>
+            <a:solidFill>
+              <a:schemeClr val="tx1"/>
+            </a:solidFill>
+            <a:tailEnd type="triangle"/>
+          </a:ln>
+        </p:spPr>
+        <p:style>
+          <a:lnRef idx="1">
+            <a:schemeClr val="accent1"/>
+          </a:lnRef>
+          <a:fillRef idx="0">
+            <a:schemeClr val="accent1"/>
+          </a:fillRef>
+          <a:effectRef idx="0">
+            <a:schemeClr val="accent1"/>
+          </a:effectRef>
+          <a:fontRef idx="minor">
+            <a:schemeClr val="tx1"/>
+          </a:fontRef>
+        </p:style>
+      </p:cxnSp>
+      <p:sp>
+        <p:nvSpPr>
+          <p:cNvPr id="18" name="CaixaDeTexto 17">
+            <a:extLst>
+              <a:ext uri="{FF2B5EF4-FFF2-40B4-BE49-F238E27FC236}">
+                <a16:creationId xmlns:a16="http://schemas.microsoft.com/office/drawing/2014/main" id="{D2CEE3D3-4D7D-49F1-BCAC-6F1F70E4F029}"/>
+              </a:ext>
+            </a:extLst>
+          </p:cNvPr>
+          <p:cNvSpPr txBox="1"/>
+          <p:nvPr/>
+        </p:nvSpPr>
+        <p:spPr>
+          <a:xfrm>
+            <a:off x="3224779" y="2252389"/>
+            <a:ext cx="998991" cy="338554"/>
+          </a:xfrm>
+          <a:prstGeom prst="rect">
+            <a:avLst/>
+          </a:prstGeom>
+          <a:noFill/>
+        </p:spPr>
+        <p:txBody>
+          <a:bodyPr wrap="none" rtlCol="0">
+            <a:spAutoFit/>
+          </a:bodyPr>
+          <a:lstStyle/>
+          <a:p>
+            <a:r>
+              <a:rPr lang="pt-BR" sz="1600" dirty="0">
+                <a:solidFill>
+                  <a:schemeClr val="bg1"/>
+                </a:solidFill>
+                <a:latin typeface="Roboto" panose="020B0604020202020204" charset="0"/>
+                <a:ea typeface="Roboto" panose="020B0604020202020204" charset="0"/>
+              </a:rPr>
+              <a:t>Interface</a:t>
+            </a:r>
+          </a:p>
+        </p:txBody>
+      </p:sp>
+      <p:sp>
+        <p:nvSpPr>
+          <p:cNvPr id="20" name="CaixaDeTexto 19">
+            <a:extLst>
+              <a:ext uri="{FF2B5EF4-FFF2-40B4-BE49-F238E27FC236}">
+                <a16:creationId xmlns:a16="http://schemas.microsoft.com/office/drawing/2014/main" id="{7EDEF407-D309-429D-B779-92F20E8F094C}"/>
+              </a:ext>
+            </a:extLst>
+          </p:cNvPr>
+          <p:cNvSpPr txBox="1"/>
+          <p:nvPr/>
+        </p:nvSpPr>
+        <p:spPr>
+          <a:xfrm>
+            <a:off x="4444781" y="1983085"/>
+            <a:ext cx="997388" cy="877163"/>
+          </a:xfrm>
+          <a:prstGeom prst="rect">
+            <a:avLst/>
+          </a:prstGeom>
+          <a:noFill/>
+        </p:spPr>
+        <p:txBody>
+          <a:bodyPr wrap="none" rtlCol="0">
+            <a:spAutoFit/>
+          </a:bodyPr>
+          <a:lstStyle/>
+          <a:p>
+            <a:pPr algn="ctr"/>
+            <a:r>
+              <a:rPr lang="pt-BR" sz="1700" dirty="0">
+                <a:solidFill>
+                  <a:schemeClr val="bg1"/>
+                </a:solidFill>
+                <a:latin typeface="Roboto" panose="020B0604020202020204" charset="0"/>
+                <a:ea typeface="Roboto" panose="020B0604020202020204" charset="0"/>
+              </a:rPr>
+              <a:t>Camada</a:t>
+            </a:r>
+            <a:br>
+              <a:rPr lang="pt-BR" sz="1700" dirty="0">
+                <a:solidFill>
+                  <a:schemeClr val="bg1"/>
+                </a:solidFill>
+                <a:latin typeface="Roboto" panose="020B0604020202020204" charset="0"/>
+                <a:ea typeface="Roboto" panose="020B0604020202020204" charset="0"/>
+              </a:rPr>
+            </a:br>
+            <a:r>
+              <a:rPr lang="pt-BR" sz="1700" dirty="0">
+                <a:solidFill>
+                  <a:schemeClr val="bg1"/>
+                </a:solidFill>
+                <a:latin typeface="Roboto" panose="020B0604020202020204" charset="0"/>
+                <a:ea typeface="Roboto" panose="020B0604020202020204" charset="0"/>
+              </a:rPr>
+              <a:t>de</a:t>
+            </a:r>
+            <a:br>
+              <a:rPr lang="pt-BR" sz="1700" dirty="0">
+                <a:solidFill>
+                  <a:schemeClr val="bg1"/>
+                </a:solidFill>
+                <a:latin typeface="Roboto" panose="020B0604020202020204" charset="0"/>
+                <a:ea typeface="Roboto" panose="020B0604020202020204" charset="0"/>
+              </a:rPr>
+            </a:br>
+            <a:r>
+              <a:rPr lang="pt-BR" sz="1700" dirty="0">
+                <a:solidFill>
+                  <a:schemeClr val="bg1"/>
+                </a:solidFill>
+                <a:latin typeface="Roboto" panose="020B0604020202020204" charset="0"/>
+                <a:ea typeface="Roboto" panose="020B0604020202020204" charset="0"/>
+              </a:rPr>
+              <a:t>Negócio</a:t>
+            </a:r>
+          </a:p>
+        </p:txBody>
+      </p:sp>
+      <p:sp>
+        <p:nvSpPr>
+          <p:cNvPr id="22" name="CaixaDeTexto 21">
+            <a:extLst>
+              <a:ext uri="{FF2B5EF4-FFF2-40B4-BE49-F238E27FC236}">
+                <a16:creationId xmlns:a16="http://schemas.microsoft.com/office/drawing/2014/main" id="{4CB21E63-2630-4A21-8F28-663168E81EFE}"/>
+              </a:ext>
+            </a:extLst>
+          </p:cNvPr>
+          <p:cNvSpPr txBox="1"/>
+          <p:nvPr/>
+        </p:nvSpPr>
+        <p:spPr>
+          <a:xfrm>
+            <a:off x="5657412" y="1983085"/>
+            <a:ext cx="997388" cy="877163"/>
+          </a:xfrm>
+          <a:prstGeom prst="rect">
+            <a:avLst/>
+          </a:prstGeom>
+          <a:noFill/>
+        </p:spPr>
+        <p:txBody>
+          <a:bodyPr wrap="none" rtlCol="0">
+            <a:spAutoFit/>
+          </a:bodyPr>
+          <a:lstStyle/>
+          <a:p>
+            <a:pPr algn="ctr"/>
+            <a:r>
+              <a:rPr lang="pt-BR" sz="1700" dirty="0">
+                <a:solidFill>
+                  <a:schemeClr val="bg1"/>
+                </a:solidFill>
+                <a:latin typeface="Roboto" panose="020B0604020202020204" charset="0"/>
+                <a:ea typeface="Roboto" panose="020B0604020202020204" charset="0"/>
+              </a:rPr>
+              <a:t>Camada</a:t>
+            </a:r>
+            <a:br>
+              <a:rPr lang="pt-BR" sz="1700" dirty="0">
+                <a:solidFill>
+                  <a:schemeClr val="bg1"/>
+                </a:solidFill>
+                <a:latin typeface="Roboto" panose="020B0604020202020204" charset="0"/>
+                <a:ea typeface="Roboto" panose="020B0604020202020204" charset="0"/>
+              </a:rPr>
+            </a:br>
+            <a:r>
+              <a:rPr lang="pt-BR" sz="1700" dirty="0">
+                <a:solidFill>
+                  <a:schemeClr val="bg1"/>
+                </a:solidFill>
+                <a:latin typeface="Roboto" panose="020B0604020202020204" charset="0"/>
+                <a:ea typeface="Roboto" panose="020B0604020202020204" charset="0"/>
+              </a:rPr>
+              <a:t>de</a:t>
+            </a:r>
+            <a:br>
+              <a:rPr lang="pt-BR" sz="1700" dirty="0">
+                <a:solidFill>
+                  <a:schemeClr val="bg1"/>
+                </a:solidFill>
+                <a:latin typeface="Roboto" panose="020B0604020202020204" charset="0"/>
+                <a:ea typeface="Roboto" panose="020B0604020202020204" charset="0"/>
+              </a:rPr>
+            </a:br>
+            <a:r>
+              <a:rPr lang="pt-BR" sz="1700" dirty="0">
+                <a:solidFill>
+                  <a:schemeClr val="bg1"/>
+                </a:solidFill>
+                <a:latin typeface="Roboto" panose="020B0604020202020204" charset="0"/>
+                <a:ea typeface="Roboto" panose="020B0604020202020204" charset="0"/>
+              </a:rPr>
+              <a:t>Dados</a:t>
+            </a:r>
+          </a:p>
+        </p:txBody>
+      </p:sp>
+      <p:sp>
+        <p:nvSpPr>
+          <p:cNvPr id="24" name="CaixaDeTexto 23">
+            <a:extLst>
+              <a:ext uri="{FF2B5EF4-FFF2-40B4-BE49-F238E27FC236}">
+                <a16:creationId xmlns:a16="http://schemas.microsoft.com/office/drawing/2014/main" id="{3C0E878B-F209-4858-99F9-1F999D369D8C}"/>
+              </a:ext>
+            </a:extLst>
+          </p:cNvPr>
+          <p:cNvSpPr txBox="1"/>
+          <p:nvPr/>
+        </p:nvSpPr>
+        <p:spPr>
+          <a:xfrm>
+            <a:off x="7028342" y="2940049"/>
+            <a:ext cx="853119" cy="877163"/>
+          </a:xfrm>
+          <a:prstGeom prst="rect">
+            <a:avLst/>
+          </a:prstGeom>
+          <a:noFill/>
+        </p:spPr>
+        <p:txBody>
+          <a:bodyPr wrap="none" rtlCol="0">
+            <a:spAutoFit/>
+          </a:bodyPr>
+          <a:lstStyle/>
+          <a:p>
+            <a:pPr algn="ctr"/>
+            <a:r>
+              <a:rPr lang="pt-BR" sz="1700" dirty="0">
+                <a:latin typeface="Roboto" panose="020B0604020202020204" charset="0"/>
+                <a:ea typeface="Roboto" panose="020B0604020202020204" charset="0"/>
+              </a:rPr>
+              <a:t>Banco </a:t>
+            </a:r>
+            <a:br>
+              <a:rPr lang="pt-BR" sz="1700" dirty="0">
+                <a:latin typeface="Roboto" panose="020B0604020202020204" charset="0"/>
+                <a:ea typeface="Roboto" panose="020B0604020202020204" charset="0"/>
+              </a:rPr>
+            </a:br>
+            <a:r>
+              <a:rPr lang="pt-BR" sz="1700" dirty="0">
+                <a:latin typeface="Roboto" panose="020B0604020202020204" charset="0"/>
+                <a:ea typeface="Roboto" panose="020B0604020202020204" charset="0"/>
+              </a:rPr>
+              <a:t>de </a:t>
+            </a:r>
+            <a:br>
+              <a:rPr lang="pt-BR" sz="1700" dirty="0">
+                <a:latin typeface="Roboto" panose="020B0604020202020204" charset="0"/>
+                <a:ea typeface="Roboto" panose="020B0604020202020204" charset="0"/>
+              </a:rPr>
+            </a:br>
+            <a:r>
+              <a:rPr lang="pt-BR" sz="1700" dirty="0">
+                <a:latin typeface="Roboto" panose="020B0604020202020204" charset="0"/>
+                <a:ea typeface="Roboto" panose="020B0604020202020204" charset="0"/>
+              </a:rPr>
+              <a:t>dados</a:t>
+            </a:r>
+          </a:p>
+        </p:txBody>
+      </p:sp>
+    </p:spTree>
+    <p:extLst>
+      <p:ext uri="{BB962C8B-B14F-4D97-AF65-F5344CB8AC3E}">
+        <p14:creationId xmlns:p14="http://schemas.microsoft.com/office/powerpoint/2010/main" val="439142581"/>
+      </p:ext>
+    </p:extLst>
+  </p:cSld>
+  <p:clrMapOvr>
+    <a:masterClrMapping/>
+  </p:clrMapOvr>
+</p:sld>
+</file>
+
+<file path=ppt/slides/slide4.xml><?xml version="1.0" encoding="utf-8"?>
+<p:sld xmlns:a="http://schemas.openxmlformats.org/drawingml/2006/main" xmlns:r="http://schemas.openxmlformats.org/officeDocument/2006/relationships" xmlns:p="http://schemas.openxmlformats.org/presentationml/2006/main">
+  <p:cSld>
+    <p:spTree>
+      <p:nvGrpSpPr>
+        <p:cNvPr id="1" name="Shape 358"/>
+        <p:cNvGrpSpPr/>
+        <p:nvPr/>
+      </p:nvGrpSpPr>
+      <p:grpSpPr>
+        <a:xfrm>
+          <a:off x="0" y="0"/>
+          <a:ext cx="0" cy="0"/>
+          <a:chOff x="0" y="0"/>
+          <a:chExt cx="0" cy="0"/>
+        </a:xfrm>
+      </p:grpSpPr>
       <p:pic>
         <p:nvPicPr>
           <p:cNvPr id="3" name="Imagem 2">
@@ -13992,7 +14804,7 @@
     </p:spTree>
     <p:extLst>
       <p:ext uri="{BB962C8B-B14F-4D97-AF65-F5344CB8AC3E}">
-        <p14:creationId xmlns:p14="http://schemas.microsoft.com/office/powerpoint/2010/main" val="439142581"/>
+        <p14:creationId xmlns:p14="http://schemas.microsoft.com/office/powerpoint/2010/main" val="3288016271"/>
       </p:ext>
     </p:extLst>
   </p:cSld>
@@ -14002,7 +14814,7 @@
 </p:sld>
 </file>
 
-<file path=ppt/slides/slide4.xml><?xml version="1.0" encoding="utf-8"?>
+<file path=ppt/slides/slide5.xml><?xml version="1.0" encoding="utf-8"?>
 <p:sld xmlns:a="http://schemas.openxmlformats.org/drawingml/2006/main" xmlns:r="http://schemas.openxmlformats.org/officeDocument/2006/relationships" xmlns:p="http://schemas.openxmlformats.org/presentationml/2006/main">
   <p:cSld>
     <p:spTree>
@@ -14586,7 +15398,7 @@
 </p:sld>
 </file>
 
-<file path=ppt/slides/slide5.xml><?xml version="1.0" encoding="utf-8"?>
+<file path=ppt/slides/slide6.xml><?xml version="1.0" encoding="utf-8"?>
 <p:sld xmlns:a="http://schemas.openxmlformats.org/drawingml/2006/main" xmlns:r="http://schemas.openxmlformats.org/officeDocument/2006/relationships" xmlns:p="http://schemas.openxmlformats.org/presentationml/2006/main">
   <p:cSld>
     <p:spTree>
@@ -15273,7 +16085,7 @@
 </p:sld>
 </file>
 
-<file path=ppt/slides/slide6.xml><?xml version="1.0" encoding="utf-8"?>
+<file path=ppt/slides/slide7.xml><?xml version="1.0" encoding="utf-8"?>
 <p:sld xmlns:a="http://schemas.openxmlformats.org/drawingml/2006/main" xmlns:r="http://schemas.openxmlformats.org/officeDocument/2006/relationships" xmlns:p="http://schemas.openxmlformats.org/presentationml/2006/main">
   <p:cSld>
     <p:spTree>
@@ -15770,7 +16582,7 @@
 </p:sld>
 </file>
 
-<file path=ppt/slides/slide7.xml><?xml version="1.0" encoding="utf-8"?>
+<file path=ppt/slides/slide8.xml><?xml version="1.0" encoding="utf-8"?>
 <p:sld xmlns:a="http://schemas.openxmlformats.org/drawingml/2006/main" xmlns:r="http://schemas.openxmlformats.org/officeDocument/2006/relationships" xmlns:p="http://schemas.openxmlformats.org/presentationml/2006/main">
   <p:cSld>
     <p:spTree>
@@ -16214,7 +17026,7 @@
 </p:sld>
 </file>
 
-<file path=ppt/slides/slide8.xml><?xml version="1.0" encoding="utf-8"?>
+<file path=ppt/slides/slide9.xml><?xml version="1.0" encoding="utf-8"?>
 <p:sld xmlns:a="http://schemas.openxmlformats.org/drawingml/2006/main" xmlns:r="http://schemas.openxmlformats.org/officeDocument/2006/relationships" xmlns:p="http://schemas.openxmlformats.org/presentationml/2006/main">
   <p:cSld>
     <p:spTree>
@@ -16682,65 +17494,6 @@
     <p:extLst>
       <p:ext uri="{BB962C8B-B14F-4D97-AF65-F5344CB8AC3E}">
         <p14:creationId xmlns:p14="http://schemas.microsoft.com/office/powerpoint/2010/main" val="3844013252"/>
-      </p:ext>
-    </p:extLst>
-  </p:cSld>
-  <p:clrMapOvr>
-    <a:masterClrMapping/>
-  </p:clrMapOvr>
-</p:sld>
-</file>
-
-<file path=ppt/slides/slide9.xml><?xml version="1.0" encoding="utf-8"?>
-<p:sld xmlns:a="http://schemas.openxmlformats.org/drawingml/2006/main" xmlns:r="http://schemas.openxmlformats.org/officeDocument/2006/relationships" xmlns:p="http://schemas.openxmlformats.org/presentationml/2006/main">
-  <p:cSld>
-    <p:spTree>
-      <p:nvGrpSpPr>
-        <p:cNvPr id="1" name="Shape 358"/>
-        <p:cNvGrpSpPr/>
-        <p:nvPr/>
-      </p:nvGrpSpPr>
-      <p:grpSpPr>
-        <a:xfrm>
-          <a:off x="0" y="0"/>
-          <a:ext cx="0" cy="0"/>
-          <a:chOff x="0" y="0"/>
-          <a:chExt cx="0" cy="0"/>
-        </a:xfrm>
-      </p:grpSpPr>
-      <p:pic>
-        <p:nvPicPr>
-          <p:cNvPr id="3" name="Imagem 2">
-            <a:extLst>
-              <a:ext uri="{FF2B5EF4-FFF2-40B4-BE49-F238E27FC236}">
-                <a16:creationId xmlns:a16="http://schemas.microsoft.com/office/drawing/2014/main" id="{0F252917-ECF4-442A-96AB-395EB7B14D10}"/>
-              </a:ext>
-            </a:extLst>
-          </p:cNvPr>
-          <p:cNvPicPr>
-            <a:picLocks noChangeAspect="1"/>
-          </p:cNvPicPr>
-          <p:nvPr/>
-        </p:nvPicPr>
-        <p:blipFill>
-          <a:blip r:embed="rId3"/>
-          <a:srcRect/>
-          <a:stretch/>
-        </p:blipFill>
-        <p:spPr>
-          <a:xfrm>
-            <a:off x="1095041" y="431150"/>
-            <a:ext cx="6953917" cy="4174408"/>
-          </a:xfrm>
-          <a:prstGeom prst="rect">
-            <a:avLst/>
-          </a:prstGeom>
-        </p:spPr>
-      </p:pic>
-    </p:spTree>
-    <p:extLst>
-      <p:ext uri="{BB962C8B-B14F-4D97-AF65-F5344CB8AC3E}">
-        <p14:creationId xmlns:p14="http://schemas.microsoft.com/office/powerpoint/2010/main" val="3525199110"/>
       </p:ext>
     </p:extLst>
   </p:cSld>
